--- a/slides/10_recursion_2.pptx
+++ b/slides/10_recursion_2.pptx
@@ -357,104 +357,239 @@
             <a:noAutofit/>
           </a:bodyPr>
           <a:lstStyle>
-            <a:lvl1pPr indent="-298450" lvl="0" marL="457200">
-              <a:spcBef>
-                <a:spcPts val="0"/>
-              </a:spcBef>
-              <a:spcAft>
-                <a:spcPts val="0"/>
-              </a:spcAft>
+            <a:lvl1pPr indent="-298450" lvl="0" marL="457200" marR="0" rtl="0" algn="l">
+              <a:lnSpc>
+                <a:spcPct val="100000"/>
+              </a:lnSpc>
+              <a:spcBef>
+                <a:spcPts val="0"/>
+              </a:spcBef>
+              <a:spcAft>
+                <a:spcPts val="0"/>
+              </a:spcAft>
+              <a:buClr>
+                <a:srgbClr val="000000"/>
+              </a:buClr>
               <a:buSzPts val="1100"/>
+              <a:buFont typeface="Arial"/>
               <a:buChar char="●"/>
-              <a:defRPr sz="1100"/>
+              <a:defRPr b="0" i="0" sz="1100" u="none" cap="none" strike="noStrike">
+                <a:solidFill>
+                  <a:srgbClr val="000000"/>
+                </a:solidFill>
+                <a:latin typeface="Arial"/>
+                <a:ea typeface="Arial"/>
+                <a:cs typeface="Arial"/>
+                <a:sym typeface="Arial"/>
+              </a:defRPr>
             </a:lvl1pPr>
-            <a:lvl2pPr indent="-298450" lvl="1" marL="914400">
-              <a:spcBef>
-                <a:spcPts val="0"/>
-              </a:spcBef>
-              <a:spcAft>
-                <a:spcPts val="0"/>
-              </a:spcAft>
+            <a:lvl2pPr indent="-298450" lvl="1" marL="914400" marR="0" rtl="0" algn="l">
+              <a:lnSpc>
+                <a:spcPct val="100000"/>
+              </a:lnSpc>
+              <a:spcBef>
+                <a:spcPts val="0"/>
+              </a:spcBef>
+              <a:spcAft>
+                <a:spcPts val="0"/>
+              </a:spcAft>
+              <a:buClr>
+                <a:srgbClr val="000000"/>
+              </a:buClr>
               <a:buSzPts val="1100"/>
+              <a:buFont typeface="Arial"/>
               <a:buChar char="○"/>
-              <a:defRPr sz="1100"/>
+              <a:defRPr b="0" i="0" sz="1100" u="none" cap="none" strike="noStrike">
+                <a:solidFill>
+                  <a:srgbClr val="000000"/>
+                </a:solidFill>
+                <a:latin typeface="Arial"/>
+                <a:ea typeface="Arial"/>
+                <a:cs typeface="Arial"/>
+                <a:sym typeface="Arial"/>
+              </a:defRPr>
             </a:lvl2pPr>
-            <a:lvl3pPr indent="-298450" lvl="2" marL="1371600">
-              <a:spcBef>
-                <a:spcPts val="0"/>
-              </a:spcBef>
-              <a:spcAft>
-                <a:spcPts val="0"/>
-              </a:spcAft>
+            <a:lvl3pPr indent="-298450" lvl="2" marL="1371600" marR="0" rtl="0" algn="l">
+              <a:lnSpc>
+                <a:spcPct val="100000"/>
+              </a:lnSpc>
+              <a:spcBef>
+                <a:spcPts val="0"/>
+              </a:spcBef>
+              <a:spcAft>
+                <a:spcPts val="0"/>
+              </a:spcAft>
+              <a:buClr>
+                <a:srgbClr val="000000"/>
+              </a:buClr>
               <a:buSzPts val="1100"/>
+              <a:buFont typeface="Arial"/>
               <a:buChar char="■"/>
-              <a:defRPr sz="1100"/>
+              <a:defRPr b="0" i="0" sz="1100" u="none" cap="none" strike="noStrike">
+                <a:solidFill>
+                  <a:srgbClr val="000000"/>
+                </a:solidFill>
+                <a:latin typeface="Arial"/>
+                <a:ea typeface="Arial"/>
+                <a:cs typeface="Arial"/>
+                <a:sym typeface="Arial"/>
+              </a:defRPr>
             </a:lvl3pPr>
-            <a:lvl4pPr indent="-298450" lvl="3" marL="1828800">
-              <a:spcBef>
-                <a:spcPts val="0"/>
-              </a:spcBef>
-              <a:spcAft>
-                <a:spcPts val="0"/>
-              </a:spcAft>
+            <a:lvl4pPr indent="-298450" lvl="3" marL="1828800" marR="0" rtl="0" algn="l">
+              <a:lnSpc>
+                <a:spcPct val="100000"/>
+              </a:lnSpc>
+              <a:spcBef>
+                <a:spcPts val="0"/>
+              </a:spcBef>
+              <a:spcAft>
+                <a:spcPts val="0"/>
+              </a:spcAft>
+              <a:buClr>
+                <a:srgbClr val="000000"/>
+              </a:buClr>
               <a:buSzPts val="1100"/>
+              <a:buFont typeface="Arial"/>
               <a:buChar char="●"/>
-              <a:defRPr sz="1100"/>
+              <a:defRPr b="0" i="0" sz="1100" u="none" cap="none" strike="noStrike">
+                <a:solidFill>
+                  <a:srgbClr val="000000"/>
+                </a:solidFill>
+                <a:latin typeface="Arial"/>
+                <a:ea typeface="Arial"/>
+                <a:cs typeface="Arial"/>
+                <a:sym typeface="Arial"/>
+              </a:defRPr>
             </a:lvl4pPr>
-            <a:lvl5pPr indent="-298450" lvl="4" marL="2286000">
-              <a:spcBef>
-                <a:spcPts val="0"/>
-              </a:spcBef>
-              <a:spcAft>
-                <a:spcPts val="0"/>
-              </a:spcAft>
+            <a:lvl5pPr indent="-298450" lvl="4" marL="2286000" marR="0" rtl="0" algn="l">
+              <a:lnSpc>
+                <a:spcPct val="100000"/>
+              </a:lnSpc>
+              <a:spcBef>
+                <a:spcPts val="0"/>
+              </a:spcBef>
+              <a:spcAft>
+                <a:spcPts val="0"/>
+              </a:spcAft>
+              <a:buClr>
+                <a:srgbClr val="000000"/>
+              </a:buClr>
               <a:buSzPts val="1100"/>
+              <a:buFont typeface="Arial"/>
               <a:buChar char="○"/>
-              <a:defRPr sz="1100"/>
+              <a:defRPr b="0" i="0" sz="1100" u="none" cap="none" strike="noStrike">
+                <a:solidFill>
+                  <a:srgbClr val="000000"/>
+                </a:solidFill>
+                <a:latin typeface="Arial"/>
+                <a:ea typeface="Arial"/>
+                <a:cs typeface="Arial"/>
+                <a:sym typeface="Arial"/>
+              </a:defRPr>
             </a:lvl5pPr>
-            <a:lvl6pPr indent="-298450" lvl="5" marL="2743200">
-              <a:spcBef>
-                <a:spcPts val="0"/>
-              </a:spcBef>
-              <a:spcAft>
-                <a:spcPts val="0"/>
-              </a:spcAft>
+            <a:lvl6pPr indent="-298450" lvl="5" marL="2743200" marR="0" rtl="0" algn="l">
+              <a:lnSpc>
+                <a:spcPct val="100000"/>
+              </a:lnSpc>
+              <a:spcBef>
+                <a:spcPts val="0"/>
+              </a:spcBef>
+              <a:spcAft>
+                <a:spcPts val="0"/>
+              </a:spcAft>
+              <a:buClr>
+                <a:srgbClr val="000000"/>
+              </a:buClr>
               <a:buSzPts val="1100"/>
+              <a:buFont typeface="Arial"/>
               <a:buChar char="■"/>
-              <a:defRPr sz="1100"/>
+              <a:defRPr b="0" i="0" sz="1100" u="none" cap="none" strike="noStrike">
+                <a:solidFill>
+                  <a:srgbClr val="000000"/>
+                </a:solidFill>
+                <a:latin typeface="Arial"/>
+                <a:ea typeface="Arial"/>
+                <a:cs typeface="Arial"/>
+                <a:sym typeface="Arial"/>
+              </a:defRPr>
             </a:lvl6pPr>
-            <a:lvl7pPr indent="-298450" lvl="6" marL="3200400">
-              <a:spcBef>
-                <a:spcPts val="0"/>
-              </a:spcBef>
-              <a:spcAft>
-                <a:spcPts val="0"/>
-              </a:spcAft>
+            <a:lvl7pPr indent="-298450" lvl="6" marL="3200400" marR="0" rtl="0" algn="l">
+              <a:lnSpc>
+                <a:spcPct val="100000"/>
+              </a:lnSpc>
+              <a:spcBef>
+                <a:spcPts val="0"/>
+              </a:spcBef>
+              <a:spcAft>
+                <a:spcPts val="0"/>
+              </a:spcAft>
+              <a:buClr>
+                <a:srgbClr val="000000"/>
+              </a:buClr>
               <a:buSzPts val="1100"/>
+              <a:buFont typeface="Arial"/>
               <a:buChar char="●"/>
-              <a:defRPr sz="1100"/>
+              <a:defRPr b="0" i="0" sz="1100" u="none" cap="none" strike="noStrike">
+                <a:solidFill>
+                  <a:srgbClr val="000000"/>
+                </a:solidFill>
+                <a:latin typeface="Arial"/>
+                <a:ea typeface="Arial"/>
+                <a:cs typeface="Arial"/>
+                <a:sym typeface="Arial"/>
+              </a:defRPr>
             </a:lvl7pPr>
-            <a:lvl8pPr indent="-298450" lvl="7" marL="3657600">
-              <a:spcBef>
-                <a:spcPts val="0"/>
-              </a:spcBef>
-              <a:spcAft>
-                <a:spcPts val="0"/>
-              </a:spcAft>
+            <a:lvl8pPr indent="-298450" lvl="7" marL="3657600" marR="0" rtl="0" algn="l">
+              <a:lnSpc>
+                <a:spcPct val="100000"/>
+              </a:lnSpc>
+              <a:spcBef>
+                <a:spcPts val="0"/>
+              </a:spcBef>
+              <a:spcAft>
+                <a:spcPts val="0"/>
+              </a:spcAft>
+              <a:buClr>
+                <a:srgbClr val="000000"/>
+              </a:buClr>
               <a:buSzPts val="1100"/>
+              <a:buFont typeface="Arial"/>
               <a:buChar char="○"/>
-              <a:defRPr sz="1100"/>
+              <a:defRPr b="0" i="0" sz="1100" u="none" cap="none" strike="noStrike">
+                <a:solidFill>
+                  <a:srgbClr val="000000"/>
+                </a:solidFill>
+                <a:latin typeface="Arial"/>
+                <a:ea typeface="Arial"/>
+                <a:cs typeface="Arial"/>
+                <a:sym typeface="Arial"/>
+              </a:defRPr>
             </a:lvl8pPr>
-            <a:lvl9pPr indent="-298450" lvl="8" marL="4114800">
-              <a:spcBef>
-                <a:spcPts val="0"/>
-              </a:spcBef>
-              <a:spcAft>
-                <a:spcPts val="0"/>
-              </a:spcAft>
+            <a:lvl9pPr indent="-298450" lvl="8" marL="4114800" marR="0" rtl="0" algn="l">
+              <a:lnSpc>
+                <a:spcPct val="100000"/>
+              </a:lnSpc>
+              <a:spcBef>
+                <a:spcPts val="0"/>
+              </a:spcBef>
+              <a:spcAft>
+                <a:spcPts val="0"/>
+              </a:spcAft>
+              <a:buClr>
+                <a:srgbClr val="000000"/>
+              </a:buClr>
               <a:buSzPts val="1100"/>
+              <a:buFont typeface="Arial"/>
               <a:buChar char="■"/>
-              <a:defRPr sz="1100"/>
+              <a:defRPr b="0" i="0" sz="1100" u="none" cap="none" strike="noStrike">
+                <a:solidFill>
+                  <a:srgbClr val="000000"/>
+                </a:solidFill>
+                <a:latin typeface="Arial"/>
+                <a:ea typeface="Arial"/>
+                <a:cs typeface="Arial"/>
+                <a:sym typeface="Arial"/>
+              </a:defRPr>
             </a:lvl9pPr>
           </a:lstStyle>
           <a:p/>
@@ -714,7 +849,7 @@
       </p:grpSpPr>
       <p:sp>
         <p:nvSpPr>
-          <p:cNvPr id="81" name="Google Shape;81;p:notes"/>
+          <p:cNvPr id="81" name="Google Shape;81;p1:notes"/>
           <p:cNvSpPr/>
           <p:nvPr>
             <p:ph idx="2" type="sldImg"/>
@@ -745,11 +880,21 @@
               </a:path>
             </a:pathLst>
           </a:custGeom>
+          <a:noFill/>
+          <a:ln cap="flat" cmpd="sng" w="9525">
+            <a:solidFill>
+              <a:srgbClr val="000000"/>
+            </a:solidFill>
+            <a:prstDash val="solid"/>
+            <a:round/>
+            <a:headEnd len="sm" w="sm" type="none"/>
+            <a:tailEnd len="sm" w="sm" type="none"/>
+          </a:ln>
         </p:spPr>
       </p:sp>
       <p:sp>
         <p:nvSpPr>
-          <p:cNvPr id="82" name="Google Shape;82;p:notes"/>
+          <p:cNvPr id="82" name="Google Shape;82;p1:notes"/>
           <p:cNvSpPr txBox="1"/>
           <p:nvPr>
             <p:ph idx="1" type="body"/>
@@ -763,6 +908,10 @@
           <a:prstGeom prst="rect">
             <a:avLst/>
           </a:prstGeom>
+          <a:noFill/>
+          <a:ln>
+            <a:noFill/>
+          </a:ln>
         </p:spPr>
         <p:txBody>
           <a:bodyPr anchorCtr="0" anchor="t" bIns="91425" lIns="91425" spcFirstLastPara="1" rIns="91425" wrap="square" tIns="91425">
@@ -771,12 +920,16 @@
           <a:lstStyle/>
           <a:p>
             <a:pPr indent="0" lvl="0" marL="0" rtl="0" algn="l">
-              <a:spcBef>
-                <a:spcPts val="0"/>
-              </a:spcBef>
-              <a:spcAft>
-                <a:spcPts val="0"/>
-              </a:spcAft>
+              <a:lnSpc>
+                <a:spcPct val="100000"/>
+              </a:lnSpc>
+              <a:spcBef>
+                <a:spcPts val="0"/>
+              </a:spcBef>
+              <a:spcAft>
+                <a:spcPts val="0"/>
+              </a:spcAft>
+              <a:buSzPts val="1100"/>
               <a:buNone/>
             </a:pPr>
             <a:r>
@@ -813,7 +966,7 @@
       </p:grpSpPr>
       <p:sp>
         <p:nvSpPr>
-          <p:cNvPr id="144" name="Google Shape;144;gfadeac8045_0_129:notes"/>
+          <p:cNvPr id="144" name="Google Shape;144;p10:notes"/>
           <p:cNvSpPr/>
           <p:nvPr>
             <p:ph idx="2" type="sldImg"/>
@@ -844,11 +997,21 @@
               </a:path>
             </a:pathLst>
           </a:custGeom>
+          <a:noFill/>
+          <a:ln cap="flat" cmpd="sng" w="9525">
+            <a:solidFill>
+              <a:srgbClr val="000000"/>
+            </a:solidFill>
+            <a:prstDash val="solid"/>
+            <a:round/>
+            <a:headEnd len="sm" w="sm" type="none"/>
+            <a:tailEnd len="sm" w="sm" type="none"/>
+          </a:ln>
         </p:spPr>
       </p:sp>
       <p:sp>
         <p:nvSpPr>
-          <p:cNvPr id="145" name="Google Shape;145;gfadeac8045_0_129:notes"/>
+          <p:cNvPr id="145" name="Google Shape;145;p10:notes"/>
           <p:cNvSpPr txBox="1"/>
           <p:nvPr>
             <p:ph idx="1" type="body"/>
@@ -862,6 +1025,10 @@
           <a:prstGeom prst="rect">
             <a:avLst/>
           </a:prstGeom>
+          <a:noFill/>
+          <a:ln>
+            <a:noFill/>
+          </a:ln>
         </p:spPr>
         <p:txBody>
           <a:bodyPr anchorCtr="0" anchor="t" bIns="91425" lIns="91425" spcFirstLastPara="1" rIns="91425" wrap="square" tIns="91425">
@@ -870,12 +1037,16 @@
           <a:lstStyle/>
           <a:p>
             <a:pPr indent="0" lvl="0" marL="0" rtl="0" algn="l">
-              <a:spcBef>
-                <a:spcPts val="0"/>
-              </a:spcBef>
-              <a:spcAft>
-                <a:spcPts val="0"/>
-              </a:spcAft>
+              <a:lnSpc>
+                <a:spcPct val="100000"/>
+              </a:lnSpc>
+              <a:spcBef>
+                <a:spcPts val="0"/>
+              </a:spcBef>
+              <a:spcAft>
+                <a:spcPts val="0"/>
+              </a:spcAft>
+              <a:buSzPts val="1100"/>
               <a:buNone/>
             </a:pPr>
             <a:r>
@@ -912,7 +1083,7 @@
       </p:grpSpPr>
       <p:sp>
         <p:nvSpPr>
-          <p:cNvPr id="87" name="Google Shape;87;gfadeac8045_0_75:notes"/>
+          <p:cNvPr id="87" name="Google Shape;87;p2:notes"/>
           <p:cNvSpPr/>
           <p:nvPr>
             <p:ph idx="2" type="sldImg"/>
@@ -943,11 +1114,21 @@
               </a:path>
             </a:pathLst>
           </a:custGeom>
+          <a:noFill/>
+          <a:ln cap="flat" cmpd="sng" w="9525">
+            <a:solidFill>
+              <a:srgbClr val="000000"/>
+            </a:solidFill>
+            <a:prstDash val="solid"/>
+            <a:round/>
+            <a:headEnd len="sm" w="sm" type="none"/>
+            <a:tailEnd len="sm" w="sm" type="none"/>
+          </a:ln>
         </p:spPr>
       </p:sp>
       <p:sp>
         <p:nvSpPr>
-          <p:cNvPr id="88" name="Google Shape;88;gfadeac8045_0_75:notes"/>
+          <p:cNvPr id="88" name="Google Shape;88;p2:notes"/>
           <p:cNvSpPr txBox="1"/>
           <p:nvPr>
             <p:ph idx="1" type="body"/>
@@ -961,6 +1142,10 @@
           <a:prstGeom prst="rect">
             <a:avLst/>
           </a:prstGeom>
+          <a:noFill/>
+          <a:ln>
+            <a:noFill/>
+          </a:ln>
         </p:spPr>
         <p:txBody>
           <a:bodyPr anchorCtr="0" anchor="t" bIns="91425" lIns="91425" spcFirstLastPara="1" rIns="91425" wrap="square" tIns="91425">
@@ -969,12 +1154,16 @@
           <a:lstStyle/>
           <a:p>
             <a:pPr indent="0" lvl="0" marL="0" rtl="0" algn="l">
-              <a:spcBef>
-                <a:spcPts val="0"/>
-              </a:spcBef>
-              <a:spcAft>
-                <a:spcPts val="0"/>
-              </a:spcAft>
+              <a:lnSpc>
+                <a:spcPct val="100000"/>
+              </a:lnSpc>
+              <a:spcBef>
+                <a:spcPts val="0"/>
+              </a:spcBef>
+              <a:spcAft>
+                <a:spcPts val="0"/>
+              </a:spcAft>
+              <a:buSzPts val="1100"/>
               <a:buNone/>
             </a:pPr>
             <a:r>
@@ -1011,7 +1200,7 @@
       </p:grpSpPr>
       <p:sp>
         <p:nvSpPr>
-          <p:cNvPr id="93" name="Google Shape;93;gfadeac8045_0_81:notes"/>
+          <p:cNvPr id="93" name="Google Shape;93;p3:notes"/>
           <p:cNvSpPr/>
           <p:nvPr>
             <p:ph idx="2" type="sldImg"/>
@@ -1042,11 +1231,21 @@
               </a:path>
             </a:pathLst>
           </a:custGeom>
+          <a:noFill/>
+          <a:ln cap="flat" cmpd="sng" w="9525">
+            <a:solidFill>
+              <a:srgbClr val="000000"/>
+            </a:solidFill>
+            <a:prstDash val="solid"/>
+            <a:round/>
+            <a:headEnd len="sm" w="sm" type="none"/>
+            <a:tailEnd len="sm" w="sm" type="none"/>
+          </a:ln>
         </p:spPr>
       </p:sp>
       <p:sp>
         <p:nvSpPr>
-          <p:cNvPr id="94" name="Google Shape;94;gfadeac8045_0_81:notes"/>
+          <p:cNvPr id="94" name="Google Shape;94;p3:notes"/>
           <p:cNvSpPr txBox="1"/>
           <p:nvPr>
             <p:ph idx="1" type="body"/>
@@ -1060,6 +1259,10 @@
           <a:prstGeom prst="rect">
             <a:avLst/>
           </a:prstGeom>
+          <a:noFill/>
+          <a:ln>
+            <a:noFill/>
+          </a:ln>
         </p:spPr>
         <p:txBody>
           <a:bodyPr anchorCtr="0" anchor="t" bIns="91425" lIns="91425" spcFirstLastPara="1" rIns="91425" wrap="square" tIns="91425">
@@ -1068,12 +1271,16 @@
           <a:lstStyle/>
           <a:p>
             <a:pPr indent="0" lvl="0" marL="0" rtl="0" algn="l">
-              <a:spcBef>
-                <a:spcPts val="0"/>
-              </a:spcBef>
-              <a:spcAft>
-                <a:spcPts val="0"/>
-              </a:spcAft>
+              <a:lnSpc>
+                <a:spcPct val="100000"/>
+              </a:lnSpc>
+              <a:spcBef>
+                <a:spcPts val="0"/>
+              </a:spcBef>
+              <a:spcAft>
+                <a:spcPts val="0"/>
+              </a:spcAft>
+              <a:buSzPts val="1100"/>
               <a:buNone/>
             </a:pPr>
             <a:r>
@@ -1110,7 +1317,7 @@
       </p:grpSpPr>
       <p:sp>
         <p:nvSpPr>
-          <p:cNvPr id="100" name="Google Shape;100;gfadeac8045_0_90:notes"/>
+          <p:cNvPr id="100" name="Google Shape;100;p4:notes"/>
           <p:cNvSpPr/>
           <p:nvPr>
             <p:ph idx="2" type="sldImg"/>
@@ -1141,11 +1348,21 @@
               </a:path>
             </a:pathLst>
           </a:custGeom>
+          <a:noFill/>
+          <a:ln cap="flat" cmpd="sng" w="9525">
+            <a:solidFill>
+              <a:srgbClr val="000000"/>
+            </a:solidFill>
+            <a:prstDash val="solid"/>
+            <a:round/>
+            <a:headEnd len="sm" w="sm" type="none"/>
+            <a:tailEnd len="sm" w="sm" type="none"/>
+          </a:ln>
         </p:spPr>
       </p:sp>
       <p:sp>
         <p:nvSpPr>
-          <p:cNvPr id="101" name="Google Shape;101;gfadeac8045_0_90:notes"/>
+          <p:cNvPr id="101" name="Google Shape;101;p4:notes"/>
           <p:cNvSpPr txBox="1"/>
           <p:nvPr>
             <p:ph idx="1" type="body"/>
@@ -1159,6 +1376,10 @@
           <a:prstGeom prst="rect">
             <a:avLst/>
           </a:prstGeom>
+          <a:noFill/>
+          <a:ln>
+            <a:noFill/>
+          </a:ln>
         </p:spPr>
         <p:txBody>
           <a:bodyPr anchorCtr="0" anchor="t" bIns="91425" lIns="91425" spcFirstLastPara="1" rIns="91425" wrap="square" tIns="91425">
@@ -1167,12 +1388,16 @@
           <a:lstStyle/>
           <a:p>
             <a:pPr indent="0" lvl="0" marL="0" rtl="0" algn="l">
-              <a:spcBef>
-                <a:spcPts val="0"/>
-              </a:spcBef>
-              <a:spcAft>
-                <a:spcPts val="0"/>
-              </a:spcAft>
+              <a:lnSpc>
+                <a:spcPct val="100000"/>
+              </a:lnSpc>
+              <a:spcBef>
+                <a:spcPts val="0"/>
+              </a:spcBef>
+              <a:spcAft>
+                <a:spcPts val="0"/>
+              </a:spcAft>
+              <a:buSzPts val="1100"/>
               <a:buNone/>
             </a:pPr>
             <a:r>
@@ -1209,7 +1434,7 @@
       </p:grpSpPr>
       <p:sp>
         <p:nvSpPr>
-          <p:cNvPr id="107" name="Google Shape;107;gfadeac8045_0_97:notes"/>
+          <p:cNvPr id="107" name="Google Shape;107;p5:notes"/>
           <p:cNvSpPr/>
           <p:nvPr>
             <p:ph idx="2" type="sldImg"/>
@@ -1240,11 +1465,21 @@
               </a:path>
             </a:pathLst>
           </a:custGeom>
+          <a:noFill/>
+          <a:ln cap="flat" cmpd="sng" w="9525">
+            <a:solidFill>
+              <a:srgbClr val="000000"/>
+            </a:solidFill>
+            <a:prstDash val="solid"/>
+            <a:round/>
+            <a:headEnd len="sm" w="sm" type="none"/>
+            <a:tailEnd len="sm" w="sm" type="none"/>
+          </a:ln>
         </p:spPr>
       </p:sp>
       <p:sp>
         <p:nvSpPr>
-          <p:cNvPr id="108" name="Google Shape;108;gfadeac8045_0_97:notes"/>
+          <p:cNvPr id="108" name="Google Shape;108;p5:notes"/>
           <p:cNvSpPr txBox="1"/>
           <p:nvPr>
             <p:ph idx="1" type="body"/>
@@ -1258,6 +1493,10 @@
           <a:prstGeom prst="rect">
             <a:avLst/>
           </a:prstGeom>
+          <a:noFill/>
+          <a:ln>
+            <a:noFill/>
+          </a:ln>
         </p:spPr>
         <p:txBody>
           <a:bodyPr anchorCtr="0" anchor="t" bIns="91425" lIns="91425" spcFirstLastPara="1" rIns="91425" wrap="square" tIns="91425">
@@ -1266,12 +1505,16 @@
           <a:lstStyle/>
           <a:p>
             <a:pPr indent="0" lvl="0" marL="0" rtl="0" algn="l">
-              <a:spcBef>
-                <a:spcPts val="0"/>
-              </a:spcBef>
-              <a:spcAft>
-                <a:spcPts val="0"/>
-              </a:spcAft>
+              <a:lnSpc>
+                <a:spcPct val="100000"/>
+              </a:lnSpc>
+              <a:spcBef>
+                <a:spcPts val="0"/>
+              </a:spcBef>
+              <a:spcAft>
+                <a:spcPts val="0"/>
+              </a:spcAft>
+              <a:buSzPts val="1100"/>
               <a:buNone/>
             </a:pPr>
             <a:r>
@@ -1308,7 +1551,7 @@
       </p:grpSpPr>
       <p:sp>
         <p:nvSpPr>
-          <p:cNvPr id="119" name="Google Shape;119;gfadeac8045_0_105:notes"/>
+          <p:cNvPr id="119" name="Google Shape;119;p6:notes"/>
           <p:cNvSpPr/>
           <p:nvPr>
             <p:ph idx="2" type="sldImg"/>
@@ -1339,11 +1582,21 @@
               </a:path>
             </a:pathLst>
           </a:custGeom>
+          <a:noFill/>
+          <a:ln cap="flat" cmpd="sng" w="9525">
+            <a:solidFill>
+              <a:srgbClr val="000000"/>
+            </a:solidFill>
+            <a:prstDash val="solid"/>
+            <a:round/>
+            <a:headEnd len="sm" w="sm" type="none"/>
+            <a:tailEnd len="sm" w="sm" type="none"/>
+          </a:ln>
         </p:spPr>
       </p:sp>
       <p:sp>
         <p:nvSpPr>
-          <p:cNvPr id="120" name="Google Shape;120;gfadeac8045_0_105:notes"/>
+          <p:cNvPr id="120" name="Google Shape;120;p6:notes"/>
           <p:cNvSpPr txBox="1"/>
           <p:nvPr>
             <p:ph idx="1" type="body"/>
@@ -1357,6 +1610,10 @@
           <a:prstGeom prst="rect">
             <a:avLst/>
           </a:prstGeom>
+          <a:noFill/>
+          <a:ln>
+            <a:noFill/>
+          </a:ln>
         </p:spPr>
         <p:txBody>
           <a:bodyPr anchorCtr="0" anchor="t" bIns="91425" lIns="91425" spcFirstLastPara="1" rIns="91425" wrap="square" tIns="91425">
@@ -1365,12 +1622,16 @@
           <a:lstStyle/>
           <a:p>
             <a:pPr indent="0" lvl="0" marL="0" rtl="0" algn="l">
-              <a:spcBef>
-                <a:spcPts val="0"/>
-              </a:spcBef>
-              <a:spcAft>
-                <a:spcPts val="0"/>
-              </a:spcAft>
+              <a:lnSpc>
+                <a:spcPct val="100000"/>
+              </a:lnSpc>
+              <a:spcBef>
+                <a:spcPts val="0"/>
+              </a:spcBef>
+              <a:spcAft>
+                <a:spcPts val="0"/>
+              </a:spcAft>
+              <a:buSzPts val="1100"/>
               <a:buNone/>
             </a:pPr>
             <a:r>
@@ -1407,7 +1668,7 @@
       </p:grpSpPr>
       <p:sp>
         <p:nvSpPr>
-          <p:cNvPr id="126" name="Google Shape;126;gfadeac8045_0_111:notes"/>
+          <p:cNvPr id="126" name="Google Shape;126;p7:notes"/>
           <p:cNvSpPr/>
           <p:nvPr>
             <p:ph idx="2" type="sldImg"/>
@@ -1438,11 +1699,21 @@
               </a:path>
             </a:pathLst>
           </a:custGeom>
+          <a:noFill/>
+          <a:ln cap="flat" cmpd="sng" w="9525">
+            <a:solidFill>
+              <a:srgbClr val="000000"/>
+            </a:solidFill>
+            <a:prstDash val="solid"/>
+            <a:round/>
+            <a:headEnd len="sm" w="sm" type="none"/>
+            <a:tailEnd len="sm" w="sm" type="none"/>
+          </a:ln>
         </p:spPr>
       </p:sp>
       <p:sp>
         <p:nvSpPr>
-          <p:cNvPr id="127" name="Google Shape;127;gfadeac8045_0_111:notes"/>
+          <p:cNvPr id="127" name="Google Shape;127;p7:notes"/>
           <p:cNvSpPr txBox="1"/>
           <p:nvPr>
             <p:ph idx="1" type="body"/>
@@ -1456,6 +1727,10 @@
           <a:prstGeom prst="rect">
             <a:avLst/>
           </a:prstGeom>
+          <a:noFill/>
+          <a:ln>
+            <a:noFill/>
+          </a:ln>
         </p:spPr>
         <p:txBody>
           <a:bodyPr anchorCtr="0" anchor="t" bIns="91425" lIns="91425" spcFirstLastPara="1" rIns="91425" wrap="square" tIns="91425">
@@ -1464,12 +1739,16 @@
           <a:lstStyle/>
           <a:p>
             <a:pPr indent="0" lvl="0" marL="0" rtl="0" algn="l">
-              <a:spcBef>
-                <a:spcPts val="0"/>
-              </a:spcBef>
-              <a:spcAft>
-                <a:spcPts val="0"/>
-              </a:spcAft>
+              <a:lnSpc>
+                <a:spcPct val="100000"/>
+              </a:lnSpc>
+              <a:spcBef>
+                <a:spcPts val="0"/>
+              </a:spcBef>
+              <a:spcAft>
+                <a:spcPts val="0"/>
+              </a:spcAft>
+              <a:buSzPts val="1100"/>
               <a:buNone/>
             </a:pPr>
             <a:r>
@@ -1506,7 +1785,7 @@
       </p:grpSpPr>
       <p:sp>
         <p:nvSpPr>
-          <p:cNvPr id="132" name="Google Shape;132;gfadeac8045_0_117:notes"/>
+          <p:cNvPr id="132" name="Google Shape;132;p8:notes"/>
           <p:cNvSpPr/>
           <p:nvPr>
             <p:ph idx="2" type="sldImg"/>
@@ -1537,11 +1816,21 @@
               </a:path>
             </a:pathLst>
           </a:custGeom>
+          <a:noFill/>
+          <a:ln cap="flat" cmpd="sng" w="9525">
+            <a:solidFill>
+              <a:srgbClr val="000000"/>
+            </a:solidFill>
+            <a:prstDash val="solid"/>
+            <a:round/>
+            <a:headEnd len="sm" w="sm" type="none"/>
+            <a:tailEnd len="sm" w="sm" type="none"/>
+          </a:ln>
         </p:spPr>
       </p:sp>
       <p:sp>
         <p:nvSpPr>
-          <p:cNvPr id="133" name="Google Shape;133;gfadeac8045_0_117:notes"/>
+          <p:cNvPr id="133" name="Google Shape;133;p8:notes"/>
           <p:cNvSpPr txBox="1"/>
           <p:nvPr>
             <p:ph idx="1" type="body"/>
@@ -1555,6 +1844,10 @@
           <a:prstGeom prst="rect">
             <a:avLst/>
           </a:prstGeom>
+          <a:noFill/>
+          <a:ln>
+            <a:noFill/>
+          </a:ln>
         </p:spPr>
         <p:txBody>
           <a:bodyPr anchorCtr="0" anchor="t" bIns="91425" lIns="91425" spcFirstLastPara="1" rIns="91425" wrap="square" tIns="91425">
@@ -1563,12 +1856,16 @@
           <a:lstStyle/>
           <a:p>
             <a:pPr indent="0" lvl="0" marL="0" rtl="0" algn="l">
-              <a:spcBef>
-                <a:spcPts val="0"/>
-              </a:spcBef>
-              <a:spcAft>
-                <a:spcPts val="0"/>
-              </a:spcAft>
+              <a:lnSpc>
+                <a:spcPct val="100000"/>
+              </a:lnSpc>
+              <a:spcBef>
+                <a:spcPts val="0"/>
+              </a:spcBef>
+              <a:spcAft>
+                <a:spcPts val="0"/>
+              </a:spcAft>
+              <a:buSzPts val="1100"/>
               <a:buNone/>
             </a:pPr>
             <a:r>
@@ -1605,7 +1902,7 @@
       </p:grpSpPr>
       <p:sp>
         <p:nvSpPr>
-          <p:cNvPr id="138" name="Google Shape;138;gfadeac8045_0_124:notes"/>
+          <p:cNvPr id="138" name="Google Shape;138;p9:notes"/>
           <p:cNvSpPr/>
           <p:nvPr>
             <p:ph idx="2" type="sldImg"/>
@@ -1636,11 +1933,21 @@
               </a:path>
             </a:pathLst>
           </a:custGeom>
+          <a:noFill/>
+          <a:ln cap="flat" cmpd="sng" w="9525">
+            <a:solidFill>
+              <a:srgbClr val="000000"/>
+            </a:solidFill>
+            <a:prstDash val="solid"/>
+            <a:round/>
+            <a:headEnd len="sm" w="sm" type="none"/>
+            <a:tailEnd len="sm" w="sm" type="none"/>
+          </a:ln>
         </p:spPr>
       </p:sp>
       <p:sp>
         <p:nvSpPr>
-          <p:cNvPr id="139" name="Google Shape;139;gfadeac8045_0_124:notes"/>
+          <p:cNvPr id="139" name="Google Shape;139;p9:notes"/>
           <p:cNvSpPr txBox="1"/>
           <p:nvPr>
             <p:ph idx="1" type="body"/>
@@ -1654,6 +1961,10 @@
           <a:prstGeom prst="rect">
             <a:avLst/>
           </a:prstGeom>
+          <a:noFill/>
+          <a:ln>
+            <a:noFill/>
+          </a:ln>
         </p:spPr>
         <p:txBody>
           <a:bodyPr anchorCtr="0" anchor="t" bIns="91425" lIns="91425" spcFirstLastPara="1" rIns="91425" wrap="square" tIns="91425">
@@ -1662,12 +1973,16 @@
           <a:lstStyle/>
           <a:p>
             <a:pPr indent="0" lvl="0" marL="0" rtl="0" algn="l">
-              <a:spcBef>
-                <a:spcPts val="0"/>
-              </a:spcBef>
-              <a:spcAft>
-                <a:spcPts val="0"/>
-              </a:spcAft>
+              <a:lnSpc>
+                <a:spcPct val="100000"/>
+              </a:lnSpc>
+              <a:spcBef>
+                <a:spcPts val="0"/>
+              </a:spcBef>
+              <a:spcAft>
+                <a:spcPts val="0"/>
+              </a:spcAft>
+              <a:buSzPts val="1100"/>
               <a:buNone/>
             </a:pPr>
             <a:r>
@@ -4631,8 +4946,8 @@
 </file>
 
 <file path=ppt/slideLayouts/slideLayout2.xml><?xml version="1.0" encoding="utf-8"?>
-<p:sldLayout xmlns:a="http://schemas.openxmlformats.org/drawingml/2006/main" xmlns:r="http://schemas.openxmlformats.org/officeDocument/2006/relationships" xmlns:mc="http://schemas.openxmlformats.org/markup-compatibility/2006" xmlns:mv="urn:schemas-microsoft-com:mac:vml" xmlns:p="http://schemas.openxmlformats.org/presentationml/2006/main" xmlns:c="http://schemas.openxmlformats.org/drawingml/2006/chart" xmlns:dgm="http://schemas.openxmlformats.org/drawingml/2006/diagram" xmlns:o="urn:schemas-microsoft-com:office:office" xmlns:v="urn:schemas-microsoft-com:vml" xmlns:pvml="urn:schemas-microsoft-com:office:powerpoint" xmlns:com="http://schemas.openxmlformats.org/drawingml/2006/compatibility" xmlns:p14="http://schemas.microsoft.com/office/powerpoint/2010/main" xmlns:p15="http://schemas.microsoft.com/office/powerpoint/2012/main" xmlns:ahyp="http://schemas.microsoft.com/office/drawing/2018/hyperlinkcolor" matchingName="1_Titel und Inhalt">
-  <p:cSld name="1_Titel und Inhalt">
+<p:sldLayout xmlns:a="http://schemas.openxmlformats.org/drawingml/2006/main" xmlns:r="http://schemas.openxmlformats.org/officeDocument/2006/relationships" xmlns:mc="http://schemas.openxmlformats.org/markup-compatibility/2006" xmlns:mv="urn:schemas-microsoft-com:mac:vml" xmlns:p="http://schemas.openxmlformats.org/presentationml/2006/main" xmlns:c="http://schemas.openxmlformats.org/drawingml/2006/chart" xmlns:dgm="http://schemas.openxmlformats.org/drawingml/2006/diagram" xmlns:o="urn:schemas-microsoft-com:office:office" xmlns:v="urn:schemas-microsoft-com:vml" xmlns:pvml="urn:schemas-microsoft-com:office:powerpoint" xmlns:com="http://schemas.openxmlformats.org/drawingml/2006/compatibility" xmlns:p14="http://schemas.microsoft.com/office/powerpoint/2010/main" xmlns:p15="http://schemas.microsoft.com/office/powerpoint/2012/main" xmlns:ahyp="http://schemas.microsoft.com/office/drawing/2018/hyperlinkcolor" matchingName="1_Titel und Diagramm">
+  <p:cSld name="1_Titel und Diagramm">
     <p:spTree>
       <p:nvGrpSpPr>
         <p:cNvPr id="20" name="Shape 20"/>
@@ -4865,6 +5180,510 @@
       <p:sp>
         <p:nvSpPr>
           <p:cNvPr id="23" name="Google Shape;23;p3"/>
+          <p:cNvSpPr/>
+          <p:nvPr>
+            <p:ph idx="2" type="chart"/>
+          </p:nvPr>
+        </p:nvSpPr>
+        <p:spPr>
+          <a:xfrm>
+            <a:off x="431800" y="782241"/>
+            <a:ext cx="8375700" cy="3579000"/>
+          </a:xfrm>
+          <a:prstGeom prst="rect">
+            <a:avLst/>
+          </a:prstGeom>
+          <a:noFill/>
+          <a:ln>
+            <a:noFill/>
+          </a:ln>
+        </p:spPr>
+        <p:txBody>
+          <a:bodyPr anchorCtr="0" anchor="t" bIns="0" lIns="0" spcFirstLastPara="1" rIns="0" wrap="square" tIns="0">
+            <a:noAutofit/>
+          </a:bodyPr>
+          <a:lstStyle>
+            <a:lvl1pPr lvl="0" marR="0" rtl="0" algn="l">
+              <a:lnSpc>
+                <a:spcPct val="100000"/>
+              </a:lnSpc>
+              <a:spcBef>
+                <a:spcPts val="320"/>
+              </a:spcBef>
+              <a:spcAft>
+                <a:spcPts val="0"/>
+              </a:spcAft>
+              <a:buClr>
+                <a:srgbClr val="000000"/>
+              </a:buClr>
+              <a:buSzPts val="1400"/>
+              <a:buFont typeface="Arial"/>
+              <a:buNone/>
+              <a:defRPr b="0" i="0" sz="1600" u="none" cap="none" strike="noStrike">
+                <a:solidFill>
+                  <a:schemeClr val="dk1"/>
+                </a:solidFill>
+                <a:latin typeface="Arial"/>
+                <a:ea typeface="Arial"/>
+                <a:cs typeface="Arial"/>
+                <a:sym typeface="Arial"/>
+              </a:defRPr>
+            </a:lvl1pPr>
+            <a:lvl2pPr lvl="1" marR="0" rtl="0" algn="l">
+              <a:lnSpc>
+                <a:spcPct val="100000"/>
+              </a:lnSpc>
+              <a:spcBef>
+                <a:spcPts val="320"/>
+              </a:spcBef>
+              <a:spcAft>
+                <a:spcPts val="0"/>
+              </a:spcAft>
+              <a:buClr>
+                <a:schemeClr val="dk1"/>
+              </a:buClr>
+              <a:buSzPts val="1600"/>
+              <a:buFont typeface="Noto Sans Symbols"/>
+              <a:buChar char="▪"/>
+              <a:defRPr b="0" i="0" sz="1600" u="none" cap="none" strike="noStrike">
+                <a:solidFill>
+                  <a:schemeClr val="dk1"/>
+                </a:solidFill>
+                <a:latin typeface="Arial"/>
+                <a:ea typeface="Arial"/>
+                <a:cs typeface="Arial"/>
+                <a:sym typeface="Arial"/>
+              </a:defRPr>
+            </a:lvl2pPr>
+            <a:lvl3pPr lvl="2" marR="0" rtl="0" algn="l">
+              <a:lnSpc>
+                <a:spcPct val="100000"/>
+              </a:lnSpc>
+              <a:spcBef>
+                <a:spcPts val="320"/>
+              </a:spcBef>
+              <a:spcAft>
+                <a:spcPts val="0"/>
+              </a:spcAft>
+              <a:buClr>
+                <a:schemeClr val="dk1"/>
+              </a:buClr>
+              <a:buSzPts val="1600"/>
+              <a:buFont typeface="Noto Sans Symbols"/>
+              <a:buChar char="▪"/>
+              <a:defRPr b="0" i="0" sz="1600" u="none" cap="none" strike="noStrike">
+                <a:solidFill>
+                  <a:schemeClr val="dk1"/>
+                </a:solidFill>
+                <a:latin typeface="Arial"/>
+                <a:ea typeface="Arial"/>
+                <a:cs typeface="Arial"/>
+                <a:sym typeface="Arial"/>
+              </a:defRPr>
+            </a:lvl3pPr>
+            <a:lvl4pPr lvl="3" marR="0" rtl="0" algn="l">
+              <a:lnSpc>
+                <a:spcPct val="100000"/>
+              </a:lnSpc>
+              <a:spcBef>
+                <a:spcPts val="320"/>
+              </a:spcBef>
+              <a:spcAft>
+                <a:spcPts val="0"/>
+              </a:spcAft>
+              <a:buClr>
+                <a:schemeClr val="dk1"/>
+              </a:buClr>
+              <a:buSzPts val="1600"/>
+              <a:buFont typeface="Noto Sans Symbols"/>
+              <a:buChar char="▪"/>
+              <a:defRPr b="0" i="0" sz="1600" u="none" cap="none" strike="noStrike">
+                <a:solidFill>
+                  <a:schemeClr val="dk1"/>
+                </a:solidFill>
+                <a:latin typeface="Arial"/>
+                <a:ea typeface="Arial"/>
+                <a:cs typeface="Arial"/>
+                <a:sym typeface="Arial"/>
+              </a:defRPr>
+            </a:lvl4pPr>
+            <a:lvl5pPr lvl="4" marR="0" rtl="0" algn="l">
+              <a:lnSpc>
+                <a:spcPct val="100000"/>
+              </a:lnSpc>
+              <a:spcBef>
+                <a:spcPts val="320"/>
+              </a:spcBef>
+              <a:spcAft>
+                <a:spcPts val="0"/>
+              </a:spcAft>
+              <a:buClr>
+                <a:schemeClr val="dk1"/>
+              </a:buClr>
+              <a:buSzPts val="1600"/>
+              <a:buFont typeface="Noto Sans Symbols"/>
+              <a:buChar char="▪"/>
+              <a:defRPr b="0" i="0" sz="1600" u="none" cap="none" strike="noStrike">
+                <a:solidFill>
+                  <a:schemeClr val="dk1"/>
+                </a:solidFill>
+                <a:latin typeface="Arial"/>
+                <a:ea typeface="Arial"/>
+                <a:cs typeface="Arial"/>
+                <a:sym typeface="Arial"/>
+              </a:defRPr>
+            </a:lvl5pPr>
+            <a:lvl6pPr lvl="5" marR="0" rtl="0" algn="l">
+              <a:lnSpc>
+                <a:spcPct val="100000"/>
+              </a:lnSpc>
+              <a:spcBef>
+                <a:spcPts val="320"/>
+              </a:spcBef>
+              <a:spcAft>
+                <a:spcPts val="0"/>
+              </a:spcAft>
+              <a:buClr>
+                <a:schemeClr val="dk1"/>
+              </a:buClr>
+              <a:buSzPts val="1600"/>
+              <a:buFont typeface="Noto Sans Symbols"/>
+              <a:buChar char="▪"/>
+              <a:defRPr b="0" i="0" sz="1600" u="none" cap="none" strike="noStrike">
+                <a:solidFill>
+                  <a:schemeClr val="dk1"/>
+                </a:solidFill>
+                <a:latin typeface="Arial"/>
+                <a:ea typeface="Arial"/>
+                <a:cs typeface="Arial"/>
+                <a:sym typeface="Arial"/>
+              </a:defRPr>
+            </a:lvl6pPr>
+            <a:lvl7pPr lvl="6" marR="0" rtl="0" algn="l">
+              <a:lnSpc>
+                <a:spcPct val="100000"/>
+              </a:lnSpc>
+              <a:spcBef>
+                <a:spcPts val="320"/>
+              </a:spcBef>
+              <a:spcAft>
+                <a:spcPts val="0"/>
+              </a:spcAft>
+              <a:buClr>
+                <a:schemeClr val="dk1"/>
+              </a:buClr>
+              <a:buSzPts val="1600"/>
+              <a:buFont typeface="Noto Sans Symbols"/>
+              <a:buChar char="▪"/>
+              <a:defRPr b="0" i="0" sz="1600" u="none" cap="none" strike="noStrike">
+                <a:solidFill>
+                  <a:schemeClr val="dk1"/>
+                </a:solidFill>
+                <a:latin typeface="Arial"/>
+                <a:ea typeface="Arial"/>
+                <a:cs typeface="Arial"/>
+                <a:sym typeface="Arial"/>
+              </a:defRPr>
+            </a:lvl7pPr>
+            <a:lvl8pPr lvl="7" marR="0" rtl="0" algn="l">
+              <a:lnSpc>
+                <a:spcPct val="100000"/>
+              </a:lnSpc>
+              <a:spcBef>
+                <a:spcPts val="320"/>
+              </a:spcBef>
+              <a:spcAft>
+                <a:spcPts val="0"/>
+              </a:spcAft>
+              <a:buClr>
+                <a:schemeClr val="dk1"/>
+              </a:buClr>
+              <a:buSzPts val="1600"/>
+              <a:buFont typeface="Noto Sans Symbols"/>
+              <a:buChar char="▪"/>
+              <a:defRPr b="0" i="0" sz="1600" u="none" cap="none" strike="noStrike">
+                <a:solidFill>
+                  <a:schemeClr val="dk1"/>
+                </a:solidFill>
+                <a:latin typeface="Arial"/>
+                <a:ea typeface="Arial"/>
+                <a:cs typeface="Arial"/>
+                <a:sym typeface="Arial"/>
+              </a:defRPr>
+            </a:lvl8pPr>
+            <a:lvl9pPr lvl="8" marR="0" rtl="0" algn="l">
+              <a:lnSpc>
+                <a:spcPct val="100000"/>
+              </a:lnSpc>
+              <a:spcBef>
+                <a:spcPts val="320"/>
+              </a:spcBef>
+              <a:spcAft>
+                <a:spcPts val="0"/>
+              </a:spcAft>
+              <a:buClr>
+                <a:schemeClr val="dk1"/>
+              </a:buClr>
+              <a:buSzPts val="1600"/>
+              <a:buFont typeface="Noto Sans Symbols"/>
+              <a:buChar char="▪"/>
+              <a:defRPr b="0" i="0" sz="1600" u="none" cap="none" strike="noStrike">
+                <a:solidFill>
+                  <a:schemeClr val="dk1"/>
+                </a:solidFill>
+                <a:latin typeface="Arial"/>
+                <a:ea typeface="Arial"/>
+                <a:cs typeface="Arial"/>
+                <a:sym typeface="Arial"/>
+              </a:defRPr>
+            </a:lvl9pPr>
+          </a:lstStyle>
+          <a:p/>
+        </p:txBody>
+      </p:sp>
+    </p:spTree>
+  </p:cSld>
+  <p:clrMapOvr>
+    <a:masterClrMapping/>
+  </p:clrMapOvr>
+</p:sldLayout>
+</file>
+
+<file path=ppt/slideLayouts/slideLayout3.xml><?xml version="1.0" encoding="utf-8"?>
+<p:sldLayout xmlns:a="http://schemas.openxmlformats.org/drawingml/2006/main" xmlns:r="http://schemas.openxmlformats.org/officeDocument/2006/relationships" xmlns:mc="http://schemas.openxmlformats.org/markup-compatibility/2006" xmlns:mv="urn:schemas-microsoft-com:mac:vml" xmlns:p="http://schemas.openxmlformats.org/presentationml/2006/main" xmlns:c="http://schemas.openxmlformats.org/drawingml/2006/chart" xmlns:dgm="http://schemas.openxmlformats.org/drawingml/2006/diagram" xmlns:o="urn:schemas-microsoft-com:office:office" xmlns:v="urn:schemas-microsoft-com:vml" xmlns:pvml="urn:schemas-microsoft-com:office:powerpoint" xmlns:com="http://schemas.openxmlformats.org/drawingml/2006/compatibility" xmlns:p14="http://schemas.microsoft.com/office/powerpoint/2010/main" xmlns:p15="http://schemas.microsoft.com/office/powerpoint/2012/main" xmlns:ahyp="http://schemas.microsoft.com/office/drawing/2018/hyperlinkcolor" matchingName="1_Titel und Inhalt">
+  <p:cSld name="1_Titel und Inhalt">
+    <p:spTree>
+      <p:nvGrpSpPr>
+        <p:cNvPr id="24" name="Shape 24"/>
+        <p:cNvGrpSpPr/>
+        <p:nvPr/>
+      </p:nvGrpSpPr>
+      <p:grpSpPr>
+        <a:xfrm>
+          <a:off x="0" y="0"/>
+          <a:ext cx="0" cy="0"/>
+          <a:chOff x="0" y="0"/>
+          <a:chExt cx="0" cy="0"/>
+        </a:xfrm>
+      </p:grpSpPr>
+      <p:sp>
+        <p:nvSpPr>
+          <p:cNvPr id="25" name="Google Shape;25;p4"/>
+          <p:cNvSpPr/>
+          <p:nvPr/>
+        </p:nvSpPr>
+        <p:spPr>
+          <a:xfrm>
+            <a:off x="0" y="0"/>
+            <a:ext cx="9144000" cy="647700"/>
+          </a:xfrm>
+          <a:prstGeom prst="rect">
+            <a:avLst/>
+          </a:prstGeom>
+          <a:solidFill>
+            <a:srgbClr val="DDDDDD"/>
+          </a:solidFill>
+          <a:ln>
+            <a:noFill/>
+          </a:ln>
+        </p:spPr>
+        <p:txBody>
+          <a:bodyPr anchorCtr="0" anchor="ctr" bIns="45700" lIns="91425" spcFirstLastPara="1" rIns="91425" wrap="square" tIns="45700">
+            <a:noAutofit/>
+          </a:bodyPr>
+          <a:lstStyle/>
+          <a:p>
+            <a:pPr indent="0" lvl="0" marL="0" marR="0" rtl="0" algn="ctr">
+              <a:lnSpc>
+                <a:spcPct val="100000"/>
+              </a:lnSpc>
+              <a:spcBef>
+                <a:spcPts val="0"/>
+              </a:spcBef>
+              <a:spcAft>
+                <a:spcPts val="0"/>
+              </a:spcAft>
+              <a:buClr>
+                <a:srgbClr val="000000"/>
+              </a:buClr>
+              <a:buSzPts val="1800"/>
+              <a:buFont typeface="Arial"/>
+              <a:buNone/>
+            </a:pPr>
+            <a:r>
+              <a:t/>
+            </a:r>
+            <a:endParaRPr b="0" i="0" sz="1800" u="none" cap="none" strike="noStrike">
+              <a:solidFill>
+                <a:schemeClr val="accent2"/>
+              </a:solidFill>
+              <a:latin typeface="Arial"/>
+              <a:ea typeface="Arial"/>
+              <a:cs typeface="Arial"/>
+              <a:sym typeface="Arial"/>
+            </a:endParaRPr>
+          </a:p>
+        </p:txBody>
+      </p:sp>
+      <p:sp>
+        <p:nvSpPr>
+          <p:cNvPr id="26" name="Google Shape;26;p4"/>
+          <p:cNvSpPr txBox="1"/>
+          <p:nvPr>
+            <p:ph type="title"/>
+          </p:nvPr>
+        </p:nvSpPr>
+        <p:spPr>
+          <a:xfrm>
+            <a:off x="431800" y="83344"/>
+            <a:ext cx="8375700" cy="531000"/>
+          </a:xfrm>
+          <a:prstGeom prst="rect">
+            <a:avLst/>
+          </a:prstGeom>
+          <a:noFill/>
+          <a:ln>
+            <a:noFill/>
+          </a:ln>
+        </p:spPr>
+        <p:txBody>
+          <a:bodyPr anchorCtr="0" anchor="b" bIns="0" lIns="0" spcFirstLastPara="1" rIns="0" wrap="square" tIns="0">
+            <a:noAutofit/>
+          </a:bodyPr>
+          <a:lstStyle>
+            <a:lvl1pPr lvl="0" algn="l">
+              <a:lnSpc>
+                <a:spcPct val="100000"/>
+              </a:lnSpc>
+              <a:spcBef>
+                <a:spcPts val="0"/>
+              </a:spcBef>
+              <a:spcAft>
+                <a:spcPts val="0"/>
+              </a:spcAft>
+              <a:buSzPts val="1400"/>
+              <a:buNone/>
+              <a:defRPr/>
+            </a:lvl1pPr>
+            <a:lvl2pPr lvl="1" algn="l">
+              <a:lnSpc>
+                <a:spcPct val="100000"/>
+              </a:lnSpc>
+              <a:spcBef>
+                <a:spcPts val="0"/>
+              </a:spcBef>
+              <a:spcAft>
+                <a:spcPts val="0"/>
+              </a:spcAft>
+              <a:buSzPts val="1400"/>
+              <a:buNone/>
+              <a:defRPr/>
+            </a:lvl2pPr>
+            <a:lvl3pPr lvl="2" algn="l">
+              <a:lnSpc>
+                <a:spcPct val="100000"/>
+              </a:lnSpc>
+              <a:spcBef>
+                <a:spcPts val="0"/>
+              </a:spcBef>
+              <a:spcAft>
+                <a:spcPts val="0"/>
+              </a:spcAft>
+              <a:buSzPts val="1400"/>
+              <a:buNone/>
+              <a:defRPr/>
+            </a:lvl3pPr>
+            <a:lvl4pPr lvl="3" algn="l">
+              <a:lnSpc>
+                <a:spcPct val="100000"/>
+              </a:lnSpc>
+              <a:spcBef>
+                <a:spcPts val="0"/>
+              </a:spcBef>
+              <a:spcAft>
+                <a:spcPts val="0"/>
+              </a:spcAft>
+              <a:buSzPts val="1400"/>
+              <a:buNone/>
+              <a:defRPr/>
+            </a:lvl4pPr>
+            <a:lvl5pPr lvl="4" algn="l">
+              <a:lnSpc>
+                <a:spcPct val="100000"/>
+              </a:lnSpc>
+              <a:spcBef>
+                <a:spcPts val="0"/>
+              </a:spcBef>
+              <a:spcAft>
+                <a:spcPts val="0"/>
+              </a:spcAft>
+              <a:buSzPts val="1400"/>
+              <a:buNone/>
+              <a:defRPr/>
+            </a:lvl5pPr>
+            <a:lvl6pPr lvl="5" algn="l">
+              <a:lnSpc>
+                <a:spcPct val="100000"/>
+              </a:lnSpc>
+              <a:spcBef>
+                <a:spcPts val="0"/>
+              </a:spcBef>
+              <a:spcAft>
+                <a:spcPts val="0"/>
+              </a:spcAft>
+              <a:buSzPts val="1400"/>
+              <a:buNone/>
+              <a:defRPr/>
+            </a:lvl6pPr>
+            <a:lvl7pPr lvl="6" algn="l">
+              <a:lnSpc>
+                <a:spcPct val="100000"/>
+              </a:lnSpc>
+              <a:spcBef>
+                <a:spcPts val="0"/>
+              </a:spcBef>
+              <a:spcAft>
+                <a:spcPts val="0"/>
+              </a:spcAft>
+              <a:buSzPts val="1400"/>
+              <a:buNone/>
+              <a:defRPr/>
+            </a:lvl7pPr>
+            <a:lvl8pPr lvl="7" algn="l">
+              <a:lnSpc>
+                <a:spcPct val="100000"/>
+              </a:lnSpc>
+              <a:spcBef>
+                <a:spcPts val="0"/>
+              </a:spcBef>
+              <a:spcAft>
+                <a:spcPts val="0"/>
+              </a:spcAft>
+              <a:buSzPts val="1400"/>
+              <a:buNone/>
+              <a:defRPr/>
+            </a:lvl8pPr>
+            <a:lvl9pPr lvl="8" algn="l">
+              <a:lnSpc>
+                <a:spcPct val="100000"/>
+              </a:lnSpc>
+              <a:spcBef>
+                <a:spcPts val="0"/>
+              </a:spcBef>
+              <a:spcAft>
+                <a:spcPts val="0"/>
+              </a:spcAft>
+              <a:buSzPts val="1400"/>
+              <a:buNone/>
+              <a:defRPr/>
+            </a:lvl9pPr>
+          </a:lstStyle>
+          <a:p/>
+        </p:txBody>
+      </p:sp>
+      <p:sp>
+        <p:nvSpPr>
+          <p:cNvPr id="27" name="Google Shape;27;p4"/>
           <p:cNvSpPr txBox="1"/>
           <p:nvPr>
             <p:ph idx="1" type="body"/>
@@ -5038,12 +5857,12 @@
 </p:sldLayout>
 </file>
 
-<file path=ppt/slideLayouts/slideLayout3.xml><?xml version="1.0" encoding="utf-8"?>
+<file path=ppt/slideLayouts/slideLayout4.xml><?xml version="1.0" encoding="utf-8"?>
 <p:sldLayout xmlns:a="http://schemas.openxmlformats.org/drawingml/2006/main" xmlns:r="http://schemas.openxmlformats.org/officeDocument/2006/relationships" xmlns:mc="http://schemas.openxmlformats.org/markup-compatibility/2006" xmlns:mv="urn:schemas-microsoft-com:mac:vml" xmlns:p="http://schemas.openxmlformats.org/presentationml/2006/main" xmlns:c="http://schemas.openxmlformats.org/drawingml/2006/chart" xmlns:dgm="http://schemas.openxmlformats.org/drawingml/2006/diagram" xmlns:o="urn:schemas-microsoft-com:office:office" xmlns:v="urn:schemas-microsoft-com:vml" xmlns:pvml="urn:schemas-microsoft-com:office:powerpoint" xmlns:com="http://schemas.openxmlformats.org/drawingml/2006/compatibility" xmlns:p14="http://schemas.microsoft.com/office/powerpoint/2010/main" xmlns:p15="http://schemas.microsoft.com/office/powerpoint/2012/main" xmlns:ahyp="http://schemas.microsoft.com/office/drawing/2018/hyperlinkcolor" matchingName="Titel und Inhalt">
   <p:cSld name="Titel und Inhalt">
     <p:spTree>
       <p:nvGrpSpPr>
-        <p:cNvPr id="24" name="Shape 24"/>
+        <p:cNvPr id="28" name="Shape 28"/>
         <p:cNvGrpSpPr/>
         <p:nvPr/>
       </p:nvGrpSpPr>
@@ -5057,7 +5876,7 @@
       </p:grpSpPr>
       <p:sp>
         <p:nvSpPr>
-          <p:cNvPr id="25" name="Google Shape;25;p4"/>
+          <p:cNvPr id="29" name="Google Shape;29;p5"/>
           <p:cNvSpPr txBox="1"/>
           <p:nvPr>
             <p:ph type="title"/>
@@ -5213,7 +6032,7 @@
       </p:sp>
       <p:sp>
         <p:nvSpPr>
-          <p:cNvPr id="26" name="Google Shape;26;p4"/>
+          <p:cNvPr id="30" name="Google Shape;30;p5"/>
           <p:cNvSpPr txBox="1"/>
           <p:nvPr>
             <p:ph idx="1" type="body"/>
@@ -5387,526 +6206,9 @@
 </p:sldLayout>
 </file>
 
-<file path=ppt/slideLayouts/slideLayout4.xml><?xml version="1.0" encoding="utf-8"?>
+<file path=ppt/slideLayouts/slideLayout5.xml><?xml version="1.0" encoding="utf-8"?>
 <p:sldLayout xmlns:a="http://schemas.openxmlformats.org/drawingml/2006/main" xmlns:r="http://schemas.openxmlformats.org/officeDocument/2006/relationships" xmlns:mc="http://schemas.openxmlformats.org/markup-compatibility/2006" xmlns:mv="urn:schemas-microsoft-com:mac:vml" xmlns:p="http://schemas.openxmlformats.org/presentationml/2006/main" xmlns:c="http://schemas.openxmlformats.org/drawingml/2006/chart" xmlns:dgm="http://schemas.openxmlformats.org/drawingml/2006/diagram" xmlns:o="urn:schemas-microsoft-com:office:office" xmlns:v="urn:schemas-microsoft-com:vml" xmlns:pvml="urn:schemas-microsoft-com:office:powerpoint" xmlns:com="http://schemas.openxmlformats.org/drawingml/2006/compatibility" xmlns:p14="http://schemas.microsoft.com/office/powerpoint/2010/main" xmlns:p15="http://schemas.microsoft.com/office/powerpoint/2012/main" xmlns:ahyp="http://schemas.microsoft.com/office/drawing/2018/hyperlinkcolor" matchingName="2_Titel und Inhalt">
   <p:cSld name="2_Titel und Inhalt">
-    <p:spTree>
-      <p:nvGrpSpPr>
-        <p:cNvPr id="27" name="Shape 27"/>
-        <p:cNvGrpSpPr/>
-        <p:nvPr/>
-      </p:nvGrpSpPr>
-      <p:grpSpPr>
-        <a:xfrm>
-          <a:off x="0" y="0"/>
-          <a:ext cx="0" cy="0"/>
-          <a:chOff x="0" y="0"/>
-          <a:chExt cx="0" cy="0"/>
-        </a:xfrm>
-      </p:grpSpPr>
-      <p:sp>
-        <p:nvSpPr>
-          <p:cNvPr id="28" name="Google Shape;28;p5"/>
-          <p:cNvSpPr txBox="1"/>
-          <p:nvPr>
-            <p:ph type="title"/>
-          </p:nvPr>
-        </p:nvSpPr>
-        <p:spPr>
-          <a:xfrm>
-            <a:off x="431800" y="83344"/>
-            <a:ext cx="8375700" cy="531000"/>
-          </a:xfrm>
-          <a:prstGeom prst="rect">
-            <a:avLst/>
-          </a:prstGeom>
-          <a:noFill/>
-          <a:ln>
-            <a:noFill/>
-          </a:ln>
-        </p:spPr>
-        <p:txBody>
-          <a:bodyPr anchorCtr="0" anchor="b" bIns="0" lIns="0" spcFirstLastPara="1" rIns="0" wrap="square" tIns="0">
-            <a:noAutofit/>
-          </a:bodyPr>
-          <a:lstStyle>
-            <a:lvl1pPr lvl="0" algn="l">
-              <a:lnSpc>
-                <a:spcPct val="100000"/>
-              </a:lnSpc>
-              <a:spcBef>
-                <a:spcPts val="0"/>
-              </a:spcBef>
-              <a:spcAft>
-                <a:spcPts val="0"/>
-              </a:spcAft>
-              <a:buSzPts val="1400"/>
-              <a:buNone/>
-              <a:defRPr/>
-            </a:lvl1pPr>
-            <a:lvl2pPr lvl="1" algn="l">
-              <a:lnSpc>
-                <a:spcPct val="100000"/>
-              </a:lnSpc>
-              <a:spcBef>
-                <a:spcPts val="0"/>
-              </a:spcBef>
-              <a:spcAft>
-                <a:spcPts val="0"/>
-              </a:spcAft>
-              <a:buSzPts val="1400"/>
-              <a:buNone/>
-              <a:defRPr/>
-            </a:lvl2pPr>
-            <a:lvl3pPr lvl="2" algn="l">
-              <a:lnSpc>
-                <a:spcPct val="100000"/>
-              </a:lnSpc>
-              <a:spcBef>
-                <a:spcPts val="0"/>
-              </a:spcBef>
-              <a:spcAft>
-                <a:spcPts val="0"/>
-              </a:spcAft>
-              <a:buSzPts val="1400"/>
-              <a:buNone/>
-              <a:defRPr/>
-            </a:lvl3pPr>
-            <a:lvl4pPr lvl="3" algn="l">
-              <a:lnSpc>
-                <a:spcPct val="100000"/>
-              </a:lnSpc>
-              <a:spcBef>
-                <a:spcPts val="0"/>
-              </a:spcBef>
-              <a:spcAft>
-                <a:spcPts val="0"/>
-              </a:spcAft>
-              <a:buSzPts val="1400"/>
-              <a:buNone/>
-              <a:defRPr/>
-            </a:lvl4pPr>
-            <a:lvl5pPr lvl="4" algn="l">
-              <a:lnSpc>
-                <a:spcPct val="100000"/>
-              </a:lnSpc>
-              <a:spcBef>
-                <a:spcPts val="0"/>
-              </a:spcBef>
-              <a:spcAft>
-                <a:spcPts val="0"/>
-              </a:spcAft>
-              <a:buSzPts val="1400"/>
-              <a:buNone/>
-              <a:defRPr/>
-            </a:lvl5pPr>
-            <a:lvl6pPr lvl="5" algn="l">
-              <a:lnSpc>
-                <a:spcPct val="100000"/>
-              </a:lnSpc>
-              <a:spcBef>
-                <a:spcPts val="0"/>
-              </a:spcBef>
-              <a:spcAft>
-                <a:spcPts val="0"/>
-              </a:spcAft>
-              <a:buSzPts val="1400"/>
-              <a:buNone/>
-              <a:defRPr/>
-            </a:lvl6pPr>
-            <a:lvl7pPr lvl="6" algn="l">
-              <a:lnSpc>
-                <a:spcPct val="100000"/>
-              </a:lnSpc>
-              <a:spcBef>
-                <a:spcPts val="0"/>
-              </a:spcBef>
-              <a:spcAft>
-                <a:spcPts val="0"/>
-              </a:spcAft>
-              <a:buSzPts val="1400"/>
-              <a:buNone/>
-              <a:defRPr/>
-            </a:lvl7pPr>
-            <a:lvl8pPr lvl="7" algn="l">
-              <a:lnSpc>
-                <a:spcPct val="100000"/>
-              </a:lnSpc>
-              <a:spcBef>
-                <a:spcPts val="0"/>
-              </a:spcBef>
-              <a:spcAft>
-                <a:spcPts val="0"/>
-              </a:spcAft>
-              <a:buSzPts val="1400"/>
-              <a:buNone/>
-              <a:defRPr/>
-            </a:lvl8pPr>
-            <a:lvl9pPr lvl="8" algn="l">
-              <a:lnSpc>
-                <a:spcPct val="100000"/>
-              </a:lnSpc>
-              <a:spcBef>
-                <a:spcPts val="0"/>
-              </a:spcBef>
-              <a:spcAft>
-                <a:spcPts val="0"/>
-              </a:spcAft>
-              <a:buSzPts val="1400"/>
-              <a:buNone/>
-              <a:defRPr/>
-            </a:lvl9pPr>
-          </a:lstStyle>
-          <a:p/>
-        </p:txBody>
-      </p:sp>
-      <p:sp>
-        <p:nvSpPr>
-          <p:cNvPr id="29" name="Google Shape;29;p5"/>
-          <p:cNvSpPr txBox="1"/>
-          <p:nvPr>
-            <p:ph idx="1" type="body"/>
-          </p:nvPr>
-        </p:nvSpPr>
-        <p:spPr>
-          <a:xfrm>
-            <a:off x="431800" y="945000"/>
-            <a:ext cx="3600000" cy="3375000"/>
-          </a:xfrm>
-          <a:prstGeom prst="rect">
-            <a:avLst/>
-          </a:prstGeom>
-          <a:noFill/>
-          <a:ln>
-            <a:noFill/>
-          </a:ln>
-        </p:spPr>
-        <p:txBody>
-          <a:bodyPr anchorCtr="0" anchor="t" bIns="0" lIns="0" spcFirstLastPara="1" rIns="0" wrap="square" tIns="0">
-            <a:noAutofit/>
-          </a:bodyPr>
-          <a:lstStyle>
-            <a:lvl1pPr indent="-228600" lvl="0" marL="457200" algn="l">
-              <a:lnSpc>
-                <a:spcPct val="100000"/>
-              </a:lnSpc>
-              <a:spcBef>
-                <a:spcPts val="360"/>
-              </a:spcBef>
-              <a:spcAft>
-                <a:spcPts val="0"/>
-              </a:spcAft>
-              <a:buSzPts val="1400"/>
-              <a:buNone/>
-              <a:defRPr/>
-            </a:lvl1pPr>
-            <a:lvl2pPr indent="-342900" lvl="1" marL="914400" algn="l">
-              <a:lnSpc>
-                <a:spcPct val="100000"/>
-              </a:lnSpc>
-              <a:spcBef>
-                <a:spcPts val="360"/>
-              </a:spcBef>
-              <a:spcAft>
-                <a:spcPts val="0"/>
-              </a:spcAft>
-              <a:buSzPts val="1800"/>
-              <a:buChar char="▪"/>
-              <a:defRPr/>
-            </a:lvl2pPr>
-            <a:lvl3pPr indent="-342900" lvl="2" marL="1371600" algn="l">
-              <a:lnSpc>
-                <a:spcPct val="100000"/>
-              </a:lnSpc>
-              <a:spcBef>
-                <a:spcPts val="360"/>
-              </a:spcBef>
-              <a:spcAft>
-                <a:spcPts val="0"/>
-              </a:spcAft>
-              <a:buSzPts val="1800"/>
-              <a:buChar char="▪"/>
-              <a:defRPr/>
-            </a:lvl3pPr>
-            <a:lvl4pPr indent="-342900" lvl="3" marL="1828800" algn="l">
-              <a:lnSpc>
-                <a:spcPct val="100000"/>
-              </a:lnSpc>
-              <a:spcBef>
-                <a:spcPts val="360"/>
-              </a:spcBef>
-              <a:spcAft>
-                <a:spcPts val="0"/>
-              </a:spcAft>
-              <a:buSzPts val="1800"/>
-              <a:buChar char="▪"/>
-              <a:defRPr/>
-            </a:lvl4pPr>
-            <a:lvl5pPr indent="-342900" lvl="4" marL="2286000" algn="l">
-              <a:lnSpc>
-                <a:spcPct val="100000"/>
-              </a:lnSpc>
-              <a:spcBef>
-                <a:spcPts val="360"/>
-              </a:spcBef>
-              <a:spcAft>
-                <a:spcPts val="0"/>
-              </a:spcAft>
-              <a:buSzPts val="1800"/>
-              <a:buChar char="▪"/>
-              <a:defRPr/>
-            </a:lvl5pPr>
-            <a:lvl6pPr indent="-342900" lvl="5" marL="2743200" algn="l">
-              <a:lnSpc>
-                <a:spcPct val="100000"/>
-              </a:lnSpc>
-              <a:spcBef>
-                <a:spcPts val="360"/>
-              </a:spcBef>
-              <a:spcAft>
-                <a:spcPts val="0"/>
-              </a:spcAft>
-              <a:buClr>
-                <a:schemeClr val="dk1"/>
-              </a:buClr>
-              <a:buSzPts val="1800"/>
-              <a:buChar char="▪"/>
-              <a:defRPr/>
-            </a:lvl6pPr>
-            <a:lvl7pPr indent="-342900" lvl="6" marL="3200400" algn="l">
-              <a:lnSpc>
-                <a:spcPct val="100000"/>
-              </a:lnSpc>
-              <a:spcBef>
-                <a:spcPts val="360"/>
-              </a:spcBef>
-              <a:spcAft>
-                <a:spcPts val="0"/>
-              </a:spcAft>
-              <a:buClr>
-                <a:schemeClr val="dk1"/>
-              </a:buClr>
-              <a:buSzPts val="1800"/>
-              <a:buChar char="▪"/>
-              <a:defRPr/>
-            </a:lvl7pPr>
-            <a:lvl8pPr indent="-342900" lvl="7" marL="3657600" algn="l">
-              <a:lnSpc>
-                <a:spcPct val="100000"/>
-              </a:lnSpc>
-              <a:spcBef>
-                <a:spcPts val="360"/>
-              </a:spcBef>
-              <a:spcAft>
-                <a:spcPts val="0"/>
-              </a:spcAft>
-              <a:buClr>
-                <a:schemeClr val="dk1"/>
-              </a:buClr>
-              <a:buSzPts val="1800"/>
-              <a:buChar char="▪"/>
-              <a:defRPr/>
-            </a:lvl8pPr>
-            <a:lvl9pPr indent="-342900" lvl="8" marL="4114800" algn="l">
-              <a:lnSpc>
-                <a:spcPct val="100000"/>
-              </a:lnSpc>
-              <a:spcBef>
-                <a:spcPts val="360"/>
-              </a:spcBef>
-              <a:spcAft>
-                <a:spcPts val="0"/>
-              </a:spcAft>
-              <a:buClr>
-                <a:schemeClr val="dk1"/>
-              </a:buClr>
-              <a:buSzPts val="1800"/>
-              <a:buChar char="▪"/>
-              <a:defRPr/>
-            </a:lvl9pPr>
-          </a:lstStyle>
-          <a:p/>
-        </p:txBody>
-      </p:sp>
-      <p:sp>
-        <p:nvSpPr>
-          <p:cNvPr id="30" name="Google Shape;30;p5"/>
-          <p:cNvSpPr txBox="1"/>
-          <p:nvPr>
-            <p:ph idx="2" type="body"/>
-          </p:nvPr>
-        </p:nvSpPr>
-        <p:spPr>
-          <a:xfrm>
-            <a:off x="4860000" y="945000"/>
-            <a:ext cx="3600000" cy="3375000"/>
-          </a:xfrm>
-          <a:prstGeom prst="rect">
-            <a:avLst/>
-          </a:prstGeom>
-          <a:noFill/>
-          <a:ln>
-            <a:noFill/>
-          </a:ln>
-        </p:spPr>
-        <p:txBody>
-          <a:bodyPr anchorCtr="0" anchor="t" bIns="0" lIns="0" spcFirstLastPara="1" rIns="0" wrap="square" tIns="0">
-            <a:noAutofit/>
-          </a:bodyPr>
-          <a:lstStyle>
-            <a:lvl1pPr indent="-228600" lvl="0" marL="457200" algn="l">
-              <a:lnSpc>
-                <a:spcPct val="100000"/>
-              </a:lnSpc>
-              <a:spcBef>
-                <a:spcPts val="360"/>
-              </a:spcBef>
-              <a:spcAft>
-                <a:spcPts val="0"/>
-              </a:spcAft>
-              <a:buSzPts val="1400"/>
-              <a:buNone/>
-              <a:defRPr/>
-            </a:lvl1pPr>
-            <a:lvl2pPr indent="-342900" lvl="1" marL="914400" algn="l">
-              <a:lnSpc>
-                <a:spcPct val="100000"/>
-              </a:lnSpc>
-              <a:spcBef>
-                <a:spcPts val="360"/>
-              </a:spcBef>
-              <a:spcAft>
-                <a:spcPts val="0"/>
-              </a:spcAft>
-              <a:buSzPts val="1800"/>
-              <a:buChar char="▪"/>
-              <a:defRPr/>
-            </a:lvl2pPr>
-            <a:lvl3pPr indent="-342900" lvl="2" marL="1371600" algn="l">
-              <a:lnSpc>
-                <a:spcPct val="100000"/>
-              </a:lnSpc>
-              <a:spcBef>
-                <a:spcPts val="360"/>
-              </a:spcBef>
-              <a:spcAft>
-                <a:spcPts val="0"/>
-              </a:spcAft>
-              <a:buSzPts val="1800"/>
-              <a:buChar char="▪"/>
-              <a:defRPr/>
-            </a:lvl3pPr>
-            <a:lvl4pPr indent="-342900" lvl="3" marL="1828800" algn="l">
-              <a:lnSpc>
-                <a:spcPct val="100000"/>
-              </a:lnSpc>
-              <a:spcBef>
-                <a:spcPts val="360"/>
-              </a:spcBef>
-              <a:spcAft>
-                <a:spcPts val="0"/>
-              </a:spcAft>
-              <a:buSzPts val="1800"/>
-              <a:buChar char="▪"/>
-              <a:defRPr/>
-            </a:lvl4pPr>
-            <a:lvl5pPr indent="-342900" lvl="4" marL="2286000" algn="l">
-              <a:lnSpc>
-                <a:spcPct val="100000"/>
-              </a:lnSpc>
-              <a:spcBef>
-                <a:spcPts val="360"/>
-              </a:spcBef>
-              <a:spcAft>
-                <a:spcPts val="0"/>
-              </a:spcAft>
-              <a:buSzPts val="1800"/>
-              <a:buChar char="▪"/>
-              <a:defRPr/>
-            </a:lvl5pPr>
-            <a:lvl6pPr indent="-342900" lvl="5" marL="2743200" algn="l">
-              <a:lnSpc>
-                <a:spcPct val="100000"/>
-              </a:lnSpc>
-              <a:spcBef>
-                <a:spcPts val="360"/>
-              </a:spcBef>
-              <a:spcAft>
-                <a:spcPts val="0"/>
-              </a:spcAft>
-              <a:buClr>
-                <a:schemeClr val="dk1"/>
-              </a:buClr>
-              <a:buSzPts val="1800"/>
-              <a:buChar char="▪"/>
-              <a:defRPr/>
-            </a:lvl6pPr>
-            <a:lvl7pPr indent="-342900" lvl="6" marL="3200400" algn="l">
-              <a:lnSpc>
-                <a:spcPct val="100000"/>
-              </a:lnSpc>
-              <a:spcBef>
-                <a:spcPts val="360"/>
-              </a:spcBef>
-              <a:spcAft>
-                <a:spcPts val="0"/>
-              </a:spcAft>
-              <a:buClr>
-                <a:schemeClr val="dk1"/>
-              </a:buClr>
-              <a:buSzPts val="1800"/>
-              <a:buChar char="▪"/>
-              <a:defRPr/>
-            </a:lvl7pPr>
-            <a:lvl8pPr indent="-342900" lvl="7" marL="3657600" algn="l">
-              <a:lnSpc>
-                <a:spcPct val="100000"/>
-              </a:lnSpc>
-              <a:spcBef>
-                <a:spcPts val="360"/>
-              </a:spcBef>
-              <a:spcAft>
-                <a:spcPts val="0"/>
-              </a:spcAft>
-              <a:buClr>
-                <a:schemeClr val="dk1"/>
-              </a:buClr>
-              <a:buSzPts val="1800"/>
-              <a:buChar char="▪"/>
-              <a:defRPr/>
-            </a:lvl8pPr>
-            <a:lvl9pPr indent="-342900" lvl="8" marL="4114800" algn="l">
-              <a:lnSpc>
-                <a:spcPct val="100000"/>
-              </a:lnSpc>
-              <a:spcBef>
-                <a:spcPts val="360"/>
-              </a:spcBef>
-              <a:spcAft>
-                <a:spcPts val="0"/>
-              </a:spcAft>
-              <a:buClr>
-                <a:schemeClr val="dk1"/>
-              </a:buClr>
-              <a:buSzPts val="1800"/>
-              <a:buChar char="▪"/>
-              <a:defRPr/>
-            </a:lvl9pPr>
-          </a:lstStyle>
-          <a:p/>
-        </p:txBody>
-      </p:sp>
-    </p:spTree>
-  </p:cSld>
-  <p:clrMapOvr>
-    <a:masterClrMapping/>
-  </p:clrMapOvr>
-</p:sldLayout>
-</file>
-
-<file path=ppt/slideLayouts/slideLayout5.xml><?xml version="1.0" encoding="utf-8"?>
-<p:sldLayout xmlns:a="http://schemas.openxmlformats.org/drawingml/2006/main" xmlns:r="http://schemas.openxmlformats.org/officeDocument/2006/relationships" xmlns:mc="http://schemas.openxmlformats.org/markup-compatibility/2006" xmlns:mv="urn:schemas-microsoft-com:mac:vml" xmlns:p="http://schemas.openxmlformats.org/presentationml/2006/main" xmlns:c="http://schemas.openxmlformats.org/drawingml/2006/chart" xmlns:dgm="http://schemas.openxmlformats.org/drawingml/2006/diagram" xmlns:o="urn:schemas-microsoft-com:office:office" xmlns:v="urn:schemas-microsoft-com:vml" xmlns:pvml="urn:schemas-microsoft-com:office:powerpoint" xmlns:com="http://schemas.openxmlformats.org/drawingml/2006/compatibility" xmlns:p14="http://schemas.microsoft.com/office/powerpoint/2010/main" xmlns:p15="http://schemas.microsoft.com/office/powerpoint/2012/main" xmlns:ahyp="http://schemas.microsoft.com/office/drawing/2018/hyperlinkcolor" matchingName="Titel und Diagramm" type="chart">
-  <p:cSld name="CHART">
     <p:spTree>
       <p:nvGrpSpPr>
         <p:cNvPr id="31" name="Shape 31"/>
@@ -6080,6 +6382,523 @@
       <p:sp>
         <p:nvSpPr>
           <p:cNvPr id="33" name="Google Shape;33;p6"/>
+          <p:cNvSpPr txBox="1"/>
+          <p:nvPr>
+            <p:ph idx="1" type="body"/>
+          </p:nvPr>
+        </p:nvSpPr>
+        <p:spPr>
+          <a:xfrm>
+            <a:off x="431800" y="945000"/>
+            <a:ext cx="3600000" cy="3375000"/>
+          </a:xfrm>
+          <a:prstGeom prst="rect">
+            <a:avLst/>
+          </a:prstGeom>
+          <a:noFill/>
+          <a:ln>
+            <a:noFill/>
+          </a:ln>
+        </p:spPr>
+        <p:txBody>
+          <a:bodyPr anchorCtr="0" anchor="t" bIns="0" lIns="0" spcFirstLastPara="1" rIns="0" wrap="square" tIns="0">
+            <a:noAutofit/>
+          </a:bodyPr>
+          <a:lstStyle>
+            <a:lvl1pPr indent="-228600" lvl="0" marL="457200" algn="l">
+              <a:lnSpc>
+                <a:spcPct val="100000"/>
+              </a:lnSpc>
+              <a:spcBef>
+                <a:spcPts val="360"/>
+              </a:spcBef>
+              <a:spcAft>
+                <a:spcPts val="0"/>
+              </a:spcAft>
+              <a:buSzPts val="1400"/>
+              <a:buNone/>
+              <a:defRPr/>
+            </a:lvl1pPr>
+            <a:lvl2pPr indent="-342900" lvl="1" marL="914400" algn="l">
+              <a:lnSpc>
+                <a:spcPct val="100000"/>
+              </a:lnSpc>
+              <a:spcBef>
+                <a:spcPts val="360"/>
+              </a:spcBef>
+              <a:spcAft>
+                <a:spcPts val="0"/>
+              </a:spcAft>
+              <a:buSzPts val="1800"/>
+              <a:buChar char="▪"/>
+              <a:defRPr/>
+            </a:lvl2pPr>
+            <a:lvl3pPr indent="-342900" lvl="2" marL="1371600" algn="l">
+              <a:lnSpc>
+                <a:spcPct val="100000"/>
+              </a:lnSpc>
+              <a:spcBef>
+                <a:spcPts val="360"/>
+              </a:spcBef>
+              <a:spcAft>
+                <a:spcPts val="0"/>
+              </a:spcAft>
+              <a:buSzPts val="1800"/>
+              <a:buChar char="▪"/>
+              <a:defRPr/>
+            </a:lvl3pPr>
+            <a:lvl4pPr indent="-342900" lvl="3" marL="1828800" algn="l">
+              <a:lnSpc>
+                <a:spcPct val="100000"/>
+              </a:lnSpc>
+              <a:spcBef>
+                <a:spcPts val="360"/>
+              </a:spcBef>
+              <a:spcAft>
+                <a:spcPts val="0"/>
+              </a:spcAft>
+              <a:buSzPts val="1800"/>
+              <a:buChar char="▪"/>
+              <a:defRPr/>
+            </a:lvl4pPr>
+            <a:lvl5pPr indent="-342900" lvl="4" marL="2286000" algn="l">
+              <a:lnSpc>
+                <a:spcPct val="100000"/>
+              </a:lnSpc>
+              <a:spcBef>
+                <a:spcPts val="360"/>
+              </a:spcBef>
+              <a:spcAft>
+                <a:spcPts val="0"/>
+              </a:spcAft>
+              <a:buSzPts val="1800"/>
+              <a:buChar char="▪"/>
+              <a:defRPr/>
+            </a:lvl5pPr>
+            <a:lvl6pPr indent="-342900" lvl="5" marL="2743200" algn="l">
+              <a:lnSpc>
+                <a:spcPct val="100000"/>
+              </a:lnSpc>
+              <a:spcBef>
+                <a:spcPts val="360"/>
+              </a:spcBef>
+              <a:spcAft>
+                <a:spcPts val="0"/>
+              </a:spcAft>
+              <a:buClr>
+                <a:schemeClr val="dk1"/>
+              </a:buClr>
+              <a:buSzPts val="1800"/>
+              <a:buChar char="▪"/>
+              <a:defRPr/>
+            </a:lvl6pPr>
+            <a:lvl7pPr indent="-342900" lvl="6" marL="3200400" algn="l">
+              <a:lnSpc>
+                <a:spcPct val="100000"/>
+              </a:lnSpc>
+              <a:spcBef>
+                <a:spcPts val="360"/>
+              </a:spcBef>
+              <a:spcAft>
+                <a:spcPts val="0"/>
+              </a:spcAft>
+              <a:buClr>
+                <a:schemeClr val="dk1"/>
+              </a:buClr>
+              <a:buSzPts val="1800"/>
+              <a:buChar char="▪"/>
+              <a:defRPr/>
+            </a:lvl7pPr>
+            <a:lvl8pPr indent="-342900" lvl="7" marL="3657600" algn="l">
+              <a:lnSpc>
+                <a:spcPct val="100000"/>
+              </a:lnSpc>
+              <a:spcBef>
+                <a:spcPts val="360"/>
+              </a:spcBef>
+              <a:spcAft>
+                <a:spcPts val="0"/>
+              </a:spcAft>
+              <a:buClr>
+                <a:schemeClr val="dk1"/>
+              </a:buClr>
+              <a:buSzPts val="1800"/>
+              <a:buChar char="▪"/>
+              <a:defRPr/>
+            </a:lvl8pPr>
+            <a:lvl9pPr indent="-342900" lvl="8" marL="4114800" algn="l">
+              <a:lnSpc>
+                <a:spcPct val="100000"/>
+              </a:lnSpc>
+              <a:spcBef>
+                <a:spcPts val="360"/>
+              </a:spcBef>
+              <a:spcAft>
+                <a:spcPts val="0"/>
+              </a:spcAft>
+              <a:buClr>
+                <a:schemeClr val="dk1"/>
+              </a:buClr>
+              <a:buSzPts val="1800"/>
+              <a:buChar char="▪"/>
+              <a:defRPr/>
+            </a:lvl9pPr>
+          </a:lstStyle>
+          <a:p/>
+        </p:txBody>
+      </p:sp>
+      <p:sp>
+        <p:nvSpPr>
+          <p:cNvPr id="34" name="Google Shape;34;p6"/>
+          <p:cNvSpPr txBox="1"/>
+          <p:nvPr>
+            <p:ph idx="2" type="body"/>
+          </p:nvPr>
+        </p:nvSpPr>
+        <p:spPr>
+          <a:xfrm>
+            <a:off x="4860000" y="945000"/>
+            <a:ext cx="3600000" cy="3375000"/>
+          </a:xfrm>
+          <a:prstGeom prst="rect">
+            <a:avLst/>
+          </a:prstGeom>
+          <a:noFill/>
+          <a:ln>
+            <a:noFill/>
+          </a:ln>
+        </p:spPr>
+        <p:txBody>
+          <a:bodyPr anchorCtr="0" anchor="t" bIns="0" lIns="0" spcFirstLastPara="1" rIns="0" wrap="square" tIns="0">
+            <a:noAutofit/>
+          </a:bodyPr>
+          <a:lstStyle>
+            <a:lvl1pPr indent="-228600" lvl="0" marL="457200" algn="l">
+              <a:lnSpc>
+                <a:spcPct val="100000"/>
+              </a:lnSpc>
+              <a:spcBef>
+                <a:spcPts val="360"/>
+              </a:spcBef>
+              <a:spcAft>
+                <a:spcPts val="0"/>
+              </a:spcAft>
+              <a:buSzPts val="1400"/>
+              <a:buNone/>
+              <a:defRPr/>
+            </a:lvl1pPr>
+            <a:lvl2pPr indent="-342900" lvl="1" marL="914400" algn="l">
+              <a:lnSpc>
+                <a:spcPct val="100000"/>
+              </a:lnSpc>
+              <a:spcBef>
+                <a:spcPts val="360"/>
+              </a:spcBef>
+              <a:spcAft>
+                <a:spcPts val="0"/>
+              </a:spcAft>
+              <a:buSzPts val="1800"/>
+              <a:buChar char="▪"/>
+              <a:defRPr/>
+            </a:lvl2pPr>
+            <a:lvl3pPr indent="-342900" lvl="2" marL="1371600" algn="l">
+              <a:lnSpc>
+                <a:spcPct val="100000"/>
+              </a:lnSpc>
+              <a:spcBef>
+                <a:spcPts val="360"/>
+              </a:spcBef>
+              <a:spcAft>
+                <a:spcPts val="0"/>
+              </a:spcAft>
+              <a:buSzPts val="1800"/>
+              <a:buChar char="▪"/>
+              <a:defRPr/>
+            </a:lvl3pPr>
+            <a:lvl4pPr indent="-342900" lvl="3" marL="1828800" algn="l">
+              <a:lnSpc>
+                <a:spcPct val="100000"/>
+              </a:lnSpc>
+              <a:spcBef>
+                <a:spcPts val="360"/>
+              </a:spcBef>
+              <a:spcAft>
+                <a:spcPts val="0"/>
+              </a:spcAft>
+              <a:buSzPts val="1800"/>
+              <a:buChar char="▪"/>
+              <a:defRPr/>
+            </a:lvl4pPr>
+            <a:lvl5pPr indent="-342900" lvl="4" marL="2286000" algn="l">
+              <a:lnSpc>
+                <a:spcPct val="100000"/>
+              </a:lnSpc>
+              <a:spcBef>
+                <a:spcPts val="360"/>
+              </a:spcBef>
+              <a:spcAft>
+                <a:spcPts val="0"/>
+              </a:spcAft>
+              <a:buSzPts val="1800"/>
+              <a:buChar char="▪"/>
+              <a:defRPr/>
+            </a:lvl5pPr>
+            <a:lvl6pPr indent="-342900" lvl="5" marL="2743200" algn="l">
+              <a:lnSpc>
+                <a:spcPct val="100000"/>
+              </a:lnSpc>
+              <a:spcBef>
+                <a:spcPts val="360"/>
+              </a:spcBef>
+              <a:spcAft>
+                <a:spcPts val="0"/>
+              </a:spcAft>
+              <a:buClr>
+                <a:schemeClr val="dk1"/>
+              </a:buClr>
+              <a:buSzPts val="1800"/>
+              <a:buChar char="▪"/>
+              <a:defRPr/>
+            </a:lvl6pPr>
+            <a:lvl7pPr indent="-342900" lvl="6" marL="3200400" algn="l">
+              <a:lnSpc>
+                <a:spcPct val="100000"/>
+              </a:lnSpc>
+              <a:spcBef>
+                <a:spcPts val="360"/>
+              </a:spcBef>
+              <a:spcAft>
+                <a:spcPts val="0"/>
+              </a:spcAft>
+              <a:buClr>
+                <a:schemeClr val="dk1"/>
+              </a:buClr>
+              <a:buSzPts val="1800"/>
+              <a:buChar char="▪"/>
+              <a:defRPr/>
+            </a:lvl7pPr>
+            <a:lvl8pPr indent="-342900" lvl="7" marL="3657600" algn="l">
+              <a:lnSpc>
+                <a:spcPct val="100000"/>
+              </a:lnSpc>
+              <a:spcBef>
+                <a:spcPts val="360"/>
+              </a:spcBef>
+              <a:spcAft>
+                <a:spcPts val="0"/>
+              </a:spcAft>
+              <a:buClr>
+                <a:schemeClr val="dk1"/>
+              </a:buClr>
+              <a:buSzPts val="1800"/>
+              <a:buChar char="▪"/>
+              <a:defRPr/>
+            </a:lvl8pPr>
+            <a:lvl9pPr indent="-342900" lvl="8" marL="4114800" algn="l">
+              <a:lnSpc>
+                <a:spcPct val="100000"/>
+              </a:lnSpc>
+              <a:spcBef>
+                <a:spcPts val="360"/>
+              </a:spcBef>
+              <a:spcAft>
+                <a:spcPts val="0"/>
+              </a:spcAft>
+              <a:buClr>
+                <a:schemeClr val="dk1"/>
+              </a:buClr>
+              <a:buSzPts val="1800"/>
+              <a:buChar char="▪"/>
+              <a:defRPr/>
+            </a:lvl9pPr>
+          </a:lstStyle>
+          <a:p/>
+        </p:txBody>
+      </p:sp>
+    </p:spTree>
+  </p:cSld>
+  <p:clrMapOvr>
+    <a:masterClrMapping/>
+  </p:clrMapOvr>
+</p:sldLayout>
+</file>
+
+<file path=ppt/slideLayouts/slideLayout6.xml><?xml version="1.0" encoding="utf-8"?>
+<p:sldLayout xmlns:a="http://schemas.openxmlformats.org/drawingml/2006/main" xmlns:r="http://schemas.openxmlformats.org/officeDocument/2006/relationships" xmlns:mc="http://schemas.openxmlformats.org/markup-compatibility/2006" xmlns:mv="urn:schemas-microsoft-com:mac:vml" xmlns:p="http://schemas.openxmlformats.org/presentationml/2006/main" xmlns:c="http://schemas.openxmlformats.org/drawingml/2006/chart" xmlns:dgm="http://schemas.openxmlformats.org/drawingml/2006/diagram" xmlns:o="urn:schemas-microsoft-com:office:office" xmlns:v="urn:schemas-microsoft-com:vml" xmlns:pvml="urn:schemas-microsoft-com:office:powerpoint" xmlns:com="http://schemas.openxmlformats.org/drawingml/2006/compatibility" xmlns:p14="http://schemas.microsoft.com/office/powerpoint/2010/main" xmlns:p15="http://schemas.microsoft.com/office/powerpoint/2012/main" xmlns:ahyp="http://schemas.microsoft.com/office/drawing/2018/hyperlinkcolor" matchingName="Titel und Diagramm" type="chart">
+  <p:cSld name="CHART">
+    <p:spTree>
+      <p:nvGrpSpPr>
+        <p:cNvPr id="35" name="Shape 35"/>
+        <p:cNvGrpSpPr/>
+        <p:nvPr/>
+      </p:nvGrpSpPr>
+      <p:grpSpPr>
+        <a:xfrm>
+          <a:off x="0" y="0"/>
+          <a:ext cx="0" cy="0"/>
+          <a:chOff x="0" y="0"/>
+          <a:chExt cx="0" cy="0"/>
+        </a:xfrm>
+      </p:grpSpPr>
+      <p:sp>
+        <p:nvSpPr>
+          <p:cNvPr id="36" name="Google Shape;36;p7"/>
+          <p:cNvSpPr txBox="1"/>
+          <p:nvPr>
+            <p:ph type="title"/>
+          </p:nvPr>
+        </p:nvSpPr>
+        <p:spPr>
+          <a:xfrm>
+            <a:off x="431800" y="83344"/>
+            <a:ext cx="8375700" cy="531000"/>
+          </a:xfrm>
+          <a:prstGeom prst="rect">
+            <a:avLst/>
+          </a:prstGeom>
+          <a:noFill/>
+          <a:ln>
+            <a:noFill/>
+          </a:ln>
+        </p:spPr>
+        <p:txBody>
+          <a:bodyPr anchorCtr="0" anchor="b" bIns="0" lIns="0" spcFirstLastPara="1" rIns="0" wrap="square" tIns="0">
+            <a:noAutofit/>
+          </a:bodyPr>
+          <a:lstStyle>
+            <a:lvl1pPr lvl="0" algn="l">
+              <a:lnSpc>
+                <a:spcPct val="100000"/>
+              </a:lnSpc>
+              <a:spcBef>
+                <a:spcPts val="0"/>
+              </a:spcBef>
+              <a:spcAft>
+                <a:spcPts val="0"/>
+              </a:spcAft>
+              <a:buSzPts val="1400"/>
+              <a:buNone/>
+              <a:defRPr/>
+            </a:lvl1pPr>
+            <a:lvl2pPr lvl="1" algn="l">
+              <a:lnSpc>
+                <a:spcPct val="100000"/>
+              </a:lnSpc>
+              <a:spcBef>
+                <a:spcPts val="0"/>
+              </a:spcBef>
+              <a:spcAft>
+                <a:spcPts val="0"/>
+              </a:spcAft>
+              <a:buSzPts val="1400"/>
+              <a:buNone/>
+              <a:defRPr/>
+            </a:lvl2pPr>
+            <a:lvl3pPr lvl="2" algn="l">
+              <a:lnSpc>
+                <a:spcPct val="100000"/>
+              </a:lnSpc>
+              <a:spcBef>
+                <a:spcPts val="0"/>
+              </a:spcBef>
+              <a:spcAft>
+                <a:spcPts val="0"/>
+              </a:spcAft>
+              <a:buSzPts val="1400"/>
+              <a:buNone/>
+              <a:defRPr/>
+            </a:lvl3pPr>
+            <a:lvl4pPr lvl="3" algn="l">
+              <a:lnSpc>
+                <a:spcPct val="100000"/>
+              </a:lnSpc>
+              <a:spcBef>
+                <a:spcPts val="0"/>
+              </a:spcBef>
+              <a:spcAft>
+                <a:spcPts val="0"/>
+              </a:spcAft>
+              <a:buSzPts val="1400"/>
+              <a:buNone/>
+              <a:defRPr/>
+            </a:lvl4pPr>
+            <a:lvl5pPr lvl="4" algn="l">
+              <a:lnSpc>
+                <a:spcPct val="100000"/>
+              </a:lnSpc>
+              <a:spcBef>
+                <a:spcPts val="0"/>
+              </a:spcBef>
+              <a:spcAft>
+                <a:spcPts val="0"/>
+              </a:spcAft>
+              <a:buSzPts val="1400"/>
+              <a:buNone/>
+              <a:defRPr/>
+            </a:lvl5pPr>
+            <a:lvl6pPr lvl="5" algn="l">
+              <a:lnSpc>
+                <a:spcPct val="100000"/>
+              </a:lnSpc>
+              <a:spcBef>
+                <a:spcPts val="0"/>
+              </a:spcBef>
+              <a:spcAft>
+                <a:spcPts val="0"/>
+              </a:spcAft>
+              <a:buSzPts val="1400"/>
+              <a:buNone/>
+              <a:defRPr/>
+            </a:lvl6pPr>
+            <a:lvl7pPr lvl="6" algn="l">
+              <a:lnSpc>
+                <a:spcPct val="100000"/>
+              </a:lnSpc>
+              <a:spcBef>
+                <a:spcPts val="0"/>
+              </a:spcBef>
+              <a:spcAft>
+                <a:spcPts val="0"/>
+              </a:spcAft>
+              <a:buSzPts val="1400"/>
+              <a:buNone/>
+              <a:defRPr/>
+            </a:lvl7pPr>
+            <a:lvl8pPr lvl="7" algn="l">
+              <a:lnSpc>
+                <a:spcPct val="100000"/>
+              </a:lnSpc>
+              <a:spcBef>
+                <a:spcPts val="0"/>
+              </a:spcBef>
+              <a:spcAft>
+                <a:spcPts val="0"/>
+              </a:spcAft>
+              <a:buSzPts val="1400"/>
+              <a:buNone/>
+              <a:defRPr/>
+            </a:lvl8pPr>
+            <a:lvl9pPr lvl="8" algn="l">
+              <a:lnSpc>
+                <a:spcPct val="100000"/>
+              </a:lnSpc>
+              <a:spcBef>
+                <a:spcPts val="0"/>
+              </a:spcBef>
+              <a:spcAft>
+                <a:spcPts val="0"/>
+              </a:spcAft>
+              <a:buSzPts val="1400"/>
+              <a:buNone/>
+              <a:defRPr/>
+            </a:lvl9pPr>
+          </a:lstStyle>
+          <a:p/>
+        </p:txBody>
+      </p:sp>
+      <p:sp>
+        <p:nvSpPr>
+          <p:cNvPr id="37" name="Google Shape;37;p7"/>
           <p:cNvSpPr/>
           <p:nvPr>
             <p:ph idx="2" type="chart"/>
@@ -6349,12 +7168,12 @@
 </p:sldLayout>
 </file>
 
-<file path=ppt/slideLayouts/slideLayout6.xml><?xml version="1.0" encoding="utf-8"?>
+<file path=ppt/slideLayouts/slideLayout7.xml><?xml version="1.0" encoding="utf-8"?>
 <p:sldLayout xmlns:a="http://schemas.openxmlformats.org/drawingml/2006/main" xmlns:r="http://schemas.openxmlformats.org/officeDocument/2006/relationships" xmlns:mc="http://schemas.openxmlformats.org/markup-compatibility/2006" xmlns:mv="urn:schemas-microsoft-com:mac:vml" xmlns:p="http://schemas.openxmlformats.org/presentationml/2006/main" xmlns:c="http://schemas.openxmlformats.org/drawingml/2006/chart" xmlns:dgm="http://schemas.openxmlformats.org/drawingml/2006/diagram" xmlns:o="urn:schemas-microsoft-com:office:office" xmlns:v="urn:schemas-microsoft-com:vml" xmlns:pvml="urn:schemas-microsoft-com:office:powerpoint" xmlns:com="http://schemas.openxmlformats.org/drawingml/2006/compatibility" xmlns:p14="http://schemas.microsoft.com/office/powerpoint/2010/main" xmlns:p15="http://schemas.microsoft.com/office/powerpoint/2012/main" xmlns:ahyp="http://schemas.microsoft.com/office/drawing/2018/hyperlinkcolor" matchingName="Nur Titel" type="titleOnly">
   <p:cSld name="TITLE_ONLY">
     <p:spTree>
       <p:nvGrpSpPr>
-        <p:cNvPr id="34" name="Shape 34"/>
+        <p:cNvPr id="38" name="Shape 38"/>
         <p:cNvGrpSpPr/>
         <p:nvPr/>
       </p:nvGrpSpPr>
@@ -6368,7 +7187,7 @@
       </p:grpSpPr>
       <p:sp>
         <p:nvSpPr>
-          <p:cNvPr id="35" name="Google Shape;35;p7"/>
+          <p:cNvPr id="39" name="Google Shape;39;p8"/>
           <p:cNvSpPr txBox="1"/>
           <p:nvPr>
             <p:ph type="title"/>
@@ -6530,12 +7349,12 @@
 </p:sldLayout>
 </file>
 
-<file path=ppt/slideLayouts/slideLayout7.xml><?xml version="1.0" encoding="utf-8"?>
+<file path=ppt/slideLayouts/slideLayout8.xml><?xml version="1.0" encoding="utf-8"?>
 <p:sldLayout xmlns:a="http://schemas.openxmlformats.org/drawingml/2006/main" xmlns:r="http://schemas.openxmlformats.org/officeDocument/2006/relationships" xmlns:mc="http://schemas.openxmlformats.org/markup-compatibility/2006" xmlns:mv="urn:schemas-microsoft-com:mac:vml" xmlns:p="http://schemas.openxmlformats.org/presentationml/2006/main" xmlns:c="http://schemas.openxmlformats.org/drawingml/2006/chart" xmlns:dgm="http://schemas.openxmlformats.org/drawingml/2006/diagram" xmlns:o="urn:schemas-microsoft-com:office:office" xmlns:v="urn:schemas-microsoft-com:vml" xmlns:pvml="urn:schemas-microsoft-com:office:powerpoint" xmlns:com="http://schemas.openxmlformats.org/drawingml/2006/compatibility" xmlns:p14="http://schemas.microsoft.com/office/powerpoint/2010/main" xmlns:p15="http://schemas.microsoft.com/office/powerpoint/2012/main" xmlns:ahyp="http://schemas.microsoft.com/office/drawing/2018/hyperlinkcolor" matchingName="3_Titel und Inhalt">
   <p:cSld name="3_Titel und Inhalt">
     <p:spTree>
       <p:nvGrpSpPr>
-        <p:cNvPr id="36" name="Shape 36"/>
+        <p:cNvPr id="40" name="Shape 40"/>
         <p:cNvGrpSpPr/>
         <p:nvPr/>
       </p:nvGrpSpPr>
@@ -6549,7 +7368,7 @@
       </p:grpSpPr>
       <p:sp>
         <p:nvSpPr>
-          <p:cNvPr id="37" name="Google Shape;37;p8"/>
+          <p:cNvPr id="41" name="Google Shape;41;p9"/>
           <p:cNvSpPr/>
           <p:nvPr/>
         </p:nvSpPr>
@@ -6608,7 +7427,7 @@
       </p:sp>
       <p:sp>
         <p:nvSpPr>
-          <p:cNvPr id="38" name="Google Shape;38;p8"/>
+          <p:cNvPr id="42" name="Google Shape;42;p9"/>
           <p:cNvSpPr txBox="1"/>
           <p:nvPr>
             <p:ph type="title"/>
@@ -6764,7 +7583,7 @@
       </p:sp>
       <p:sp>
         <p:nvSpPr>
-          <p:cNvPr id="39" name="Google Shape;39;p8"/>
+          <p:cNvPr id="43" name="Google Shape;43;p9"/>
           <p:cNvSpPr txBox="1"/>
           <p:nvPr>
             <p:ph idx="1" type="body"/>
@@ -6932,7 +7751,7 @@
       </p:sp>
       <p:sp>
         <p:nvSpPr>
-          <p:cNvPr id="40" name="Google Shape;40;p8"/>
+          <p:cNvPr id="44" name="Google Shape;44;p9"/>
           <p:cNvSpPr txBox="1"/>
           <p:nvPr>
             <p:ph idx="2" type="body"/>
@@ -7093,510 +7912,6 @@
               <a:buSzPts val="1800"/>
               <a:buChar char="▪"/>
               <a:defRPr/>
-            </a:lvl9pPr>
-          </a:lstStyle>
-          <a:p/>
-        </p:txBody>
-      </p:sp>
-    </p:spTree>
-  </p:cSld>
-  <p:clrMapOvr>
-    <a:masterClrMapping/>
-  </p:clrMapOvr>
-</p:sldLayout>
-</file>
-
-<file path=ppt/slideLayouts/slideLayout8.xml><?xml version="1.0" encoding="utf-8"?>
-<p:sldLayout xmlns:a="http://schemas.openxmlformats.org/drawingml/2006/main" xmlns:r="http://schemas.openxmlformats.org/officeDocument/2006/relationships" xmlns:mc="http://schemas.openxmlformats.org/markup-compatibility/2006" xmlns:mv="urn:schemas-microsoft-com:mac:vml" xmlns:p="http://schemas.openxmlformats.org/presentationml/2006/main" xmlns:c="http://schemas.openxmlformats.org/drawingml/2006/chart" xmlns:dgm="http://schemas.openxmlformats.org/drawingml/2006/diagram" xmlns:o="urn:schemas-microsoft-com:office:office" xmlns:v="urn:schemas-microsoft-com:vml" xmlns:pvml="urn:schemas-microsoft-com:office:powerpoint" xmlns:com="http://schemas.openxmlformats.org/drawingml/2006/compatibility" xmlns:p14="http://schemas.microsoft.com/office/powerpoint/2010/main" xmlns:p15="http://schemas.microsoft.com/office/powerpoint/2012/main" xmlns:ahyp="http://schemas.microsoft.com/office/drawing/2018/hyperlinkcolor" matchingName="1_Titel und Diagramm">
-  <p:cSld name="1_Titel und Diagramm">
-    <p:spTree>
-      <p:nvGrpSpPr>
-        <p:cNvPr id="41" name="Shape 41"/>
-        <p:cNvGrpSpPr/>
-        <p:nvPr/>
-      </p:nvGrpSpPr>
-      <p:grpSpPr>
-        <a:xfrm>
-          <a:off x="0" y="0"/>
-          <a:ext cx="0" cy="0"/>
-          <a:chOff x="0" y="0"/>
-          <a:chExt cx="0" cy="0"/>
-        </a:xfrm>
-      </p:grpSpPr>
-      <p:sp>
-        <p:nvSpPr>
-          <p:cNvPr id="42" name="Google Shape;42;p9"/>
-          <p:cNvSpPr/>
-          <p:nvPr/>
-        </p:nvSpPr>
-        <p:spPr>
-          <a:xfrm>
-            <a:off x="0" y="0"/>
-            <a:ext cx="9144000" cy="647700"/>
-          </a:xfrm>
-          <a:prstGeom prst="rect">
-            <a:avLst/>
-          </a:prstGeom>
-          <a:solidFill>
-            <a:srgbClr val="DDDDDD"/>
-          </a:solidFill>
-          <a:ln>
-            <a:noFill/>
-          </a:ln>
-        </p:spPr>
-        <p:txBody>
-          <a:bodyPr anchorCtr="0" anchor="ctr" bIns="45700" lIns="91425" spcFirstLastPara="1" rIns="91425" wrap="square" tIns="45700">
-            <a:noAutofit/>
-          </a:bodyPr>
-          <a:lstStyle/>
-          <a:p>
-            <a:pPr indent="0" lvl="0" marL="0" marR="0" rtl="0" algn="ctr">
-              <a:lnSpc>
-                <a:spcPct val="100000"/>
-              </a:lnSpc>
-              <a:spcBef>
-                <a:spcPts val="0"/>
-              </a:spcBef>
-              <a:spcAft>
-                <a:spcPts val="0"/>
-              </a:spcAft>
-              <a:buClr>
-                <a:srgbClr val="000000"/>
-              </a:buClr>
-              <a:buSzPts val="1800"/>
-              <a:buFont typeface="Arial"/>
-              <a:buNone/>
-            </a:pPr>
-            <a:r>
-              <a:t/>
-            </a:r>
-            <a:endParaRPr b="0" i="0" sz="1800" u="none" cap="none" strike="noStrike">
-              <a:solidFill>
-                <a:schemeClr val="accent2"/>
-              </a:solidFill>
-              <a:latin typeface="Arial"/>
-              <a:ea typeface="Arial"/>
-              <a:cs typeface="Arial"/>
-              <a:sym typeface="Arial"/>
-            </a:endParaRPr>
-          </a:p>
-        </p:txBody>
-      </p:sp>
-      <p:sp>
-        <p:nvSpPr>
-          <p:cNvPr id="43" name="Google Shape;43;p9"/>
-          <p:cNvSpPr txBox="1"/>
-          <p:nvPr>
-            <p:ph type="title"/>
-          </p:nvPr>
-        </p:nvSpPr>
-        <p:spPr>
-          <a:xfrm>
-            <a:off x="431800" y="83344"/>
-            <a:ext cx="8375700" cy="531000"/>
-          </a:xfrm>
-          <a:prstGeom prst="rect">
-            <a:avLst/>
-          </a:prstGeom>
-          <a:noFill/>
-          <a:ln>
-            <a:noFill/>
-          </a:ln>
-        </p:spPr>
-        <p:txBody>
-          <a:bodyPr anchorCtr="0" anchor="b" bIns="0" lIns="0" spcFirstLastPara="1" rIns="0" wrap="square" tIns="0">
-            <a:noAutofit/>
-          </a:bodyPr>
-          <a:lstStyle>
-            <a:lvl1pPr lvl="0" algn="l">
-              <a:lnSpc>
-                <a:spcPct val="100000"/>
-              </a:lnSpc>
-              <a:spcBef>
-                <a:spcPts val="0"/>
-              </a:spcBef>
-              <a:spcAft>
-                <a:spcPts val="0"/>
-              </a:spcAft>
-              <a:buSzPts val="1400"/>
-              <a:buNone/>
-              <a:defRPr/>
-            </a:lvl1pPr>
-            <a:lvl2pPr lvl="1" algn="l">
-              <a:lnSpc>
-                <a:spcPct val="100000"/>
-              </a:lnSpc>
-              <a:spcBef>
-                <a:spcPts val="0"/>
-              </a:spcBef>
-              <a:spcAft>
-                <a:spcPts val="0"/>
-              </a:spcAft>
-              <a:buSzPts val="1400"/>
-              <a:buNone/>
-              <a:defRPr/>
-            </a:lvl2pPr>
-            <a:lvl3pPr lvl="2" algn="l">
-              <a:lnSpc>
-                <a:spcPct val="100000"/>
-              </a:lnSpc>
-              <a:spcBef>
-                <a:spcPts val="0"/>
-              </a:spcBef>
-              <a:spcAft>
-                <a:spcPts val="0"/>
-              </a:spcAft>
-              <a:buSzPts val="1400"/>
-              <a:buNone/>
-              <a:defRPr/>
-            </a:lvl3pPr>
-            <a:lvl4pPr lvl="3" algn="l">
-              <a:lnSpc>
-                <a:spcPct val="100000"/>
-              </a:lnSpc>
-              <a:spcBef>
-                <a:spcPts val="0"/>
-              </a:spcBef>
-              <a:spcAft>
-                <a:spcPts val="0"/>
-              </a:spcAft>
-              <a:buSzPts val="1400"/>
-              <a:buNone/>
-              <a:defRPr/>
-            </a:lvl4pPr>
-            <a:lvl5pPr lvl="4" algn="l">
-              <a:lnSpc>
-                <a:spcPct val="100000"/>
-              </a:lnSpc>
-              <a:spcBef>
-                <a:spcPts val="0"/>
-              </a:spcBef>
-              <a:spcAft>
-                <a:spcPts val="0"/>
-              </a:spcAft>
-              <a:buSzPts val="1400"/>
-              <a:buNone/>
-              <a:defRPr/>
-            </a:lvl5pPr>
-            <a:lvl6pPr lvl="5" algn="l">
-              <a:lnSpc>
-                <a:spcPct val="100000"/>
-              </a:lnSpc>
-              <a:spcBef>
-                <a:spcPts val="0"/>
-              </a:spcBef>
-              <a:spcAft>
-                <a:spcPts val="0"/>
-              </a:spcAft>
-              <a:buSzPts val="1400"/>
-              <a:buNone/>
-              <a:defRPr/>
-            </a:lvl6pPr>
-            <a:lvl7pPr lvl="6" algn="l">
-              <a:lnSpc>
-                <a:spcPct val="100000"/>
-              </a:lnSpc>
-              <a:spcBef>
-                <a:spcPts val="0"/>
-              </a:spcBef>
-              <a:spcAft>
-                <a:spcPts val="0"/>
-              </a:spcAft>
-              <a:buSzPts val="1400"/>
-              <a:buNone/>
-              <a:defRPr/>
-            </a:lvl7pPr>
-            <a:lvl8pPr lvl="7" algn="l">
-              <a:lnSpc>
-                <a:spcPct val="100000"/>
-              </a:lnSpc>
-              <a:spcBef>
-                <a:spcPts val="0"/>
-              </a:spcBef>
-              <a:spcAft>
-                <a:spcPts val="0"/>
-              </a:spcAft>
-              <a:buSzPts val="1400"/>
-              <a:buNone/>
-              <a:defRPr/>
-            </a:lvl8pPr>
-            <a:lvl9pPr lvl="8" algn="l">
-              <a:lnSpc>
-                <a:spcPct val="100000"/>
-              </a:lnSpc>
-              <a:spcBef>
-                <a:spcPts val="0"/>
-              </a:spcBef>
-              <a:spcAft>
-                <a:spcPts val="0"/>
-              </a:spcAft>
-              <a:buSzPts val="1400"/>
-              <a:buNone/>
-              <a:defRPr/>
-            </a:lvl9pPr>
-          </a:lstStyle>
-          <a:p/>
-        </p:txBody>
-      </p:sp>
-      <p:sp>
-        <p:nvSpPr>
-          <p:cNvPr id="44" name="Google Shape;44;p9"/>
-          <p:cNvSpPr/>
-          <p:nvPr>
-            <p:ph idx="2" type="chart"/>
-          </p:nvPr>
-        </p:nvSpPr>
-        <p:spPr>
-          <a:xfrm>
-            <a:off x="431800" y="782241"/>
-            <a:ext cx="8375700" cy="3579000"/>
-          </a:xfrm>
-          <a:prstGeom prst="rect">
-            <a:avLst/>
-          </a:prstGeom>
-          <a:noFill/>
-          <a:ln>
-            <a:noFill/>
-          </a:ln>
-        </p:spPr>
-        <p:txBody>
-          <a:bodyPr anchorCtr="0" anchor="t" bIns="0" lIns="0" spcFirstLastPara="1" rIns="0" wrap="square" tIns="0">
-            <a:noAutofit/>
-          </a:bodyPr>
-          <a:lstStyle>
-            <a:lvl1pPr lvl="0" marR="0" rtl="0" algn="l">
-              <a:lnSpc>
-                <a:spcPct val="100000"/>
-              </a:lnSpc>
-              <a:spcBef>
-                <a:spcPts val="320"/>
-              </a:spcBef>
-              <a:spcAft>
-                <a:spcPts val="0"/>
-              </a:spcAft>
-              <a:buClr>
-                <a:srgbClr val="000000"/>
-              </a:buClr>
-              <a:buSzPts val="1400"/>
-              <a:buFont typeface="Arial"/>
-              <a:buNone/>
-              <a:defRPr b="0" i="0" sz="1600" u="none" cap="none" strike="noStrike">
-                <a:solidFill>
-                  <a:schemeClr val="dk1"/>
-                </a:solidFill>
-                <a:latin typeface="Arial"/>
-                <a:ea typeface="Arial"/>
-                <a:cs typeface="Arial"/>
-                <a:sym typeface="Arial"/>
-              </a:defRPr>
-            </a:lvl1pPr>
-            <a:lvl2pPr lvl="1" marR="0" rtl="0" algn="l">
-              <a:lnSpc>
-                <a:spcPct val="100000"/>
-              </a:lnSpc>
-              <a:spcBef>
-                <a:spcPts val="320"/>
-              </a:spcBef>
-              <a:spcAft>
-                <a:spcPts val="0"/>
-              </a:spcAft>
-              <a:buClr>
-                <a:schemeClr val="dk1"/>
-              </a:buClr>
-              <a:buSzPts val="1600"/>
-              <a:buFont typeface="Noto Sans Symbols"/>
-              <a:buChar char="▪"/>
-              <a:defRPr b="0" i="0" sz="1600" u="none" cap="none" strike="noStrike">
-                <a:solidFill>
-                  <a:schemeClr val="dk1"/>
-                </a:solidFill>
-                <a:latin typeface="Arial"/>
-                <a:ea typeface="Arial"/>
-                <a:cs typeface="Arial"/>
-                <a:sym typeface="Arial"/>
-              </a:defRPr>
-            </a:lvl2pPr>
-            <a:lvl3pPr lvl="2" marR="0" rtl="0" algn="l">
-              <a:lnSpc>
-                <a:spcPct val="100000"/>
-              </a:lnSpc>
-              <a:spcBef>
-                <a:spcPts val="320"/>
-              </a:spcBef>
-              <a:spcAft>
-                <a:spcPts val="0"/>
-              </a:spcAft>
-              <a:buClr>
-                <a:schemeClr val="dk1"/>
-              </a:buClr>
-              <a:buSzPts val="1600"/>
-              <a:buFont typeface="Noto Sans Symbols"/>
-              <a:buChar char="▪"/>
-              <a:defRPr b="0" i="0" sz="1600" u="none" cap="none" strike="noStrike">
-                <a:solidFill>
-                  <a:schemeClr val="dk1"/>
-                </a:solidFill>
-                <a:latin typeface="Arial"/>
-                <a:ea typeface="Arial"/>
-                <a:cs typeface="Arial"/>
-                <a:sym typeface="Arial"/>
-              </a:defRPr>
-            </a:lvl3pPr>
-            <a:lvl4pPr lvl="3" marR="0" rtl="0" algn="l">
-              <a:lnSpc>
-                <a:spcPct val="100000"/>
-              </a:lnSpc>
-              <a:spcBef>
-                <a:spcPts val="320"/>
-              </a:spcBef>
-              <a:spcAft>
-                <a:spcPts val="0"/>
-              </a:spcAft>
-              <a:buClr>
-                <a:schemeClr val="dk1"/>
-              </a:buClr>
-              <a:buSzPts val="1600"/>
-              <a:buFont typeface="Noto Sans Symbols"/>
-              <a:buChar char="▪"/>
-              <a:defRPr b="0" i="0" sz="1600" u="none" cap="none" strike="noStrike">
-                <a:solidFill>
-                  <a:schemeClr val="dk1"/>
-                </a:solidFill>
-                <a:latin typeface="Arial"/>
-                <a:ea typeface="Arial"/>
-                <a:cs typeface="Arial"/>
-                <a:sym typeface="Arial"/>
-              </a:defRPr>
-            </a:lvl4pPr>
-            <a:lvl5pPr lvl="4" marR="0" rtl="0" algn="l">
-              <a:lnSpc>
-                <a:spcPct val="100000"/>
-              </a:lnSpc>
-              <a:spcBef>
-                <a:spcPts val="320"/>
-              </a:spcBef>
-              <a:spcAft>
-                <a:spcPts val="0"/>
-              </a:spcAft>
-              <a:buClr>
-                <a:schemeClr val="dk1"/>
-              </a:buClr>
-              <a:buSzPts val="1600"/>
-              <a:buFont typeface="Noto Sans Symbols"/>
-              <a:buChar char="▪"/>
-              <a:defRPr b="0" i="0" sz="1600" u="none" cap="none" strike="noStrike">
-                <a:solidFill>
-                  <a:schemeClr val="dk1"/>
-                </a:solidFill>
-                <a:latin typeface="Arial"/>
-                <a:ea typeface="Arial"/>
-                <a:cs typeface="Arial"/>
-                <a:sym typeface="Arial"/>
-              </a:defRPr>
-            </a:lvl5pPr>
-            <a:lvl6pPr lvl="5" marR="0" rtl="0" algn="l">
-              <a:lnSpc>
-                <a:spcPct val="100000"/>
-              </a:lnSpc>
-              <a:spcBef>
-                <a:spcPts val="320"/>
-              </a:spcBef>
-              <a:spcAft>
-                <a:spcPts val="0"/>
-              </a:spcAft>
-              <a:buClr>
-                <a:schemeClr val="dk1"/>
-              </a:buClr>
-              <a:buSzPts val="1600"/>
-              <a:buFont typeface="Noto Sans Symbols"/>
-              <a:buChar char="▪"/>
-              <a:defRPr b="0" i="0" sz="1600" u="none" cap="none" strike="noStrike">
-                <a:solidFill>
-                  <a:schemeClr val="dk1"/>
-                </a:solidFill>
-                <a:latin typeface="Arial"/>
-                <a:ea typeface="Arial"/>
-                <a:cs typeface="Arial"/>
-                <a:sym typeface="Arial"/>
-              </a:defRPr>
-            </a:lvl6pPr>
-            <a:lvl7pPr lvl="6" marR="0" rtl="0" algn="l">
-              <a:lnSpc>
-                <a:spcPct val="100000"/>
-              </a:lnSpc>
-              <a:spcBef>
-                <a:spcPts val="320"/>
-              </a:spcBef>
-              <a:spcAft>
-                <a:spcPts val="0"/>
-              </a:spcAft>
-              <a:buClr>
-                <a:schemeClr val="dk1"/>
-              </a:buClr>
-              <a:buSzPts val="1600"/>
-              <a:buFont typeface="Noto Sans Symbols"/>
-              <a:buChar char="▪"/>
-              <a:defRPr b="0" i="0" sz="1600" u="none" cap="none" strike="noStrike">
-                <a:solidFill>
-                  <a:schemeClr val="dk1"/>
-                </a:solidFill>
-                <a:latin typeface="Arial"/>
-                <a:ea typeface="Arial"/>
-                <a:cs typeface="Arial"/>
-                <a:sym typeface="Arial"/>
-              </a:defRPr>
-            </a:lvl7pPr>
-            <a:lvl8pPr lvl="7" marR="0" rtl="0" algn="l">
-              <a:lnSpc>
-                <a:spcPct val="100000"/>
-              </a:lnSpc>
-              <a:spcBef>
-                <a:spcPts val="320"/>
-              </a:spcBef>
-              <a:spcAft>
-                <a:spcPts val="0"/>
-              </a:spcAft>
-              <a:buClr>
-                <a:schemeClr val="dk1"/>
-              </a:buClr>
-              <a:buSzPts val="1600"/>
-              <a:buFont typeface="Noto Sans Symbols"/>
-              <a:buChar char="▪"/>
-              <a:defRPr b="0" i="0" sz="1600" u="none" cap="none" strike="noStrike">
-                <a:solidFill>
-                  <a:schemeClr val="dk1"/>
-                </a:solidFill>
-                <a:latin typeface="Arial"/>
-                <a:ea typeface="Arial"/>
-                <a:cs typeface="Arial"/>
-                <a:sym typeface="Arial"/>
-              </a:defRPr>
-            </a:lvl8pPr>
-            <a:lvl9pPr lvl="8" marR="0" rtl="0" algn="l">
-              <a:lnSpc>
-                <a:spcPct val="100000"/>
-              </a:lnSpc>
-              <a:spcBef>
-                <a:spcPts val="320"/>
-              </a:spcBef>
-              <a:spcAft>
-                <a:spcPts val="0"/>
-              </a:spcAft>
-              <a:buClr>
-                <a:schemeClr val="dk1"/>
-              </a:buClr>
-              <a:buSzPts val="1600"/>
-              <a:buFont typeface="Noto Sans Symbols"/>
-              <a:buChar char="▪"/>
-              <a:defRPr b="0" i="0" sz="1600" u="none" cap="none" strike="noStrike">
-                <a:solidFill>
-                  <a:schemeClr val="dk1"/>
-                </a:solidFill>
-                <a:latin typeface="Arial"/>
-                <a:ea typeface="Arial"/>
-                <a:cs typeface="Arial"/>
-                <a:sym typeface="Arial"/>
-              </a:defRPr>
             </a:lvl9pPr>
           </a:lstStyle>
           <a:p/>
@@ -9508,6 +9823,10 @@
           <a:prstGeom prst="rect">
             <a:avLst/>
           </a:prstGeom>
+          <a:noFill/>
+          <a:ln>
+            <a:noFill/>
+          </a:ln>
         </p:spPr>
         <p:txBody>
           <a:bodyPr anchorCtr="0" anchor="b" bIns="0" lIns="0" spcFirstLastPara="1" rIns="0" wrap="square" tIns="0">
@@ -9516,12 +9835,16 @@
           <a:lstStyle/>
           <a:p>
             <a:pPr indent="0" lvl="0" marL="0" rtl="0" algn="l">
-              <a:spcBef>
-                <a:spcPts val="0"/>
-              </a:spcBef>
-              <a:spcAft>
-                <a:spcPts val="0"/>
-              </a:spcAft>
+              <a:lnSpc>
+                <a:spcPct val="100000"/>
+              </a:lnSpc>
+              <a:spcBef>
+                <a:spcPts val="0"/>
+              </a:spcBef>
+              <a:spcAft>
+                <a:spcPts val="0"/>
+              </a:spcAft>
+              <a:buSzPts val="1400"/>
               <a:buNone/>
             </a:pPr>
             <a:r>
@@ -9548,6 +9871,10 @@
           <a:prstGeom prst="rect">
             <a:avLst/>
           </a:prstGeom>
+          <a:noFill/>
+          <a:ln>
+            <a:noFill/>
+          </a:ln>
         </p:spPr>
         <p:txBody>
           <a:bodyPr anchorCtr="0" anchor="t" bIns="0" lIns="0" spcFirstLastPara="1" rIns="0" wrap="square" tIns="0">
@@ -9556,12 +9883,16 @@
           <a:lstStyle/>
           <a:p>
             <a:pPr indent="0" lvl="0" marL="0" rtl="0" algn="l">
+              <a:lnSpc>
+                <a:spcPct val="100000"/>
+              </a:lnSpc>
               <a:spcBef>
                 <a:spcPts val="320"/>
               </a:spcBef>
               <a:spcAft>
                 <a:spcPts val="0"/>
               </a:spcAft>
+              <a:buSzPts val="1600"/>
               <a:buNone/>
             </a:pPr>
             <a:r>
@@ -9613,6 +9944,10 @@
           <a:prstGeom prst="rect">
             <a:avLst/>
           </a:prstGeom>
+          <a:noFill/>
+          <a:ln>
+            <a:noFill/>
+          </a:ln>
         </p:spPr>
         <p:txBody>
           <a:bodyPr anchorCtr="0" anchor="b" bIns="0" lIns="0" spcFirstLastPara="1" rIns="0" wrap="square" tIns="0">
@@ -9621,12 +9956,16 @@
           <a:lstStyle/>
           <a:p>
             <a:pPr indent="0" lvl="0" marL="0" rtl="0" algn="l">
-              <a:spcBef>
-                <a:spcPts val="0"/>
-              </a:spcBef>
-              <a:spcAft>
-                <a:spcPts val="0"/>
-              </a:spcAft>
+              <a:lnSpc>
+                <a:spcPct val="100000"/>
+              </a:lnSpc>
+              <a:spcBef>
+                <a:spcPts val="0"/>
+              </a:spcBef>
+              <a:spcAft>
+                <a:spcPts val="0"/>
+              </a:spcAft>
+              <a:buSzPts val="1400"/>
               <a:buNone/>
             </a:pPr>
             <a:r>
@@ -9653,6 +9992,10 @@
           <a:prstGeom prst="rect">
             <a:avLst/>
           </a:prstGeom>
+          <a:noFill/>
+          <a:ln>
+            <a:noFill/>
+          </a:ln>
         </p:spPr>
         <p:txBody>
           <a:bodyPr anchorCtr="0" anchor="t" bIns="0" lIns="0" spcFirstLastPara="1" rIns="0" wrap="square" tIns="0">
@@ -9660,218 +10003,510 @@
           </a:bodyPr>
           <a:lstStyle/>
           <a:p>
-            <a:pPr indent="0" lvl="0" marL="0" rtl="0" algn="l">
+            <a:pPr indent="0" lvl="0" marL="0" marR="0" rtl="0" algn="l">
+              <a:lnSpc>
+                <a:spcPct val="100000"/>
+              </a:lnSpc>
               <a:spcBef>
                 <a:spcPts val="320"/>
               </a:spcBef>
               <a:spcAft>
                 <a:spcPts val="0"/>
               </a:spcAft>
+              <a:buClr>
+                <a:srgbClr val="000000"/>
+              </a:buClr>
+              <a:buSzPts val="1400"/>
+              <a:buFont typeface="Arial"/>
               <a:buNone/>
             </a:pPr>
             <a:r>
-              <a:rPr lang="de" sz="1500"/>
+              <a:rPr b="0" i="0" lang="de" sz="1500" u="none" cap="none" strike="noStrike">
+                <a:solidFill>
+                  <a:schemeClr val="dk1"/>
+                </a:solidFill>
+                <a:latin typeface="Arial"/>
+                <a:ea typeface="Arial"/>
+                <a:cs typeface="Arial"/>
+                <a:sym typeface="Arial"/>
+              </a:rPr>
               <a:t>Wir bleiben in der Übungsaufgabe bei binären Suchbäumen</a:t>
             </a:r>
-            <a:endParaRPr sz="1500"/>
+            <a:endParaRPr b="0" i="0" sz="1500" u="none" cap="none" strike="noStrike">
+              <a:solidFill>
+                <a:schemeClr val="dk1"/>
+              </a:solidFill>
+              <a:latin typeface="Arial"/>
+              <a:ea typeface="Arial"/>
+              <a:cs typeface="Arial"/>
+              <a:sym typeface="Arial"/>
+            </a:endParaRPr>
           </a:p>
           <a:p>
-            <a:pPr indent="0" lvl="0" marL="0" rtl="0" algn="l">
+            <a:pPr indent="0" lvl="0" marL="0" marR="0" rtl="0" algn="l">
+              <a:lnSpc>
+                <a:spcPct val="100000"/>
+              </a:lnSpc>
               <a:spcBef>
                 <a:spcPts val="320"/>
               </a:spcBef>
               <a:spcAft>
                 <a:spcPts val="0"/>
               </a:spcAft>
+              <a:buClr>
+                <a:srgbClr val="000000"/>
+              </a:buClr>
+              <a:buSzPts val="1400"/>
+              <a:buFont typeface="Arial"/>
               <a:buNone/>
             </a:pPr>
             <a:r>
               <a:t/>
             </a:r>
-            <a:endParaRPr sz="1500"/>
+            <a:endParaRPr b="0" i="0" sz="1500" u="none" cap="none" strike="noStrike">
+              <a:solidFill>
+                <a:schemeClr val="dk1"/>
+              </a:solidFill>
+              <a:latin typeface="Arial"/>
+              <a:ea typeface="Arial"/>
+              <a:cs typeface="Arial"/>
+              <a:sym typeface="Arial"/>
+            </a:endParaRPr>
           </a:p>
           <a:p>
-            <a:pPr indent="-311150" lvl="0" marL="457200" rtl="0" algn="l">
+            <a:pPr indent="-311150" lvl="0" marL="457200" marR="0" rtl="0" algn="l">
+              <a:lnSpc>
+                <a:spcPct val="100000"/>
+              </a:lnSpc>
               <a:spcBef>
                 <a:spcPts val="320"/>
               </a:spcBef>
               <a:spcAft>
                 <a:spcPts val="0"/>
               </a:spcAft>
+              <a:buClr>
+                <a:srgbClr val="000000"/>
+              </a:buClr>
               <a:buSzPts val="1300"/>
+              <a:buFont typeface="Arial"/>
               <a:buChar char="●"/>
             </a:pPr>
             <a:r>
-              <a:rPr lang="de" sz="1500"/>
+              <a:rPr b="0" i="0" lang="de" sz="1500" u="none" cap="none" strike="noStrike">
+                <a:solidFill>
+                  <a:schemeClr val="dk1"/>
+                </a:solidFill>
+                <a:latin typeface="Arial"/>
+                <a:ea typeface="Arial"/>
+                <a:cs typeface="Arial"/>
+                <a:sym typeface="Arial"/>
+              </a:rPr>
               <a:t>Im Git liegt der bestehende Sourcecode in “/src/lesson_09_recursion_2/binaryTree”</a:t>
             </a:r>
-            <a:endParaRPr sz="1500"/>
+            <a:endParaRPr b="0" i="0" sz="1500" u="none" cap="none" strike="noStrike">
+              <a:solidFill>
+                <a:schemeClr val="dk1"/>
+              </a:solidFill>
+              <a:latin typeface="Arial"/>
+              <a:ea typeface="Arial"/>
+              <a:cs typeface="Arial"/>
+              <a:sym typeface="Arial"/>
+            </a:endParaRPr>
           </a:p>
           <a:p>
-            <a:pPr indent="-311150" lvl="0" marL="457200" rtl="0" algn="l">
-              <a:spcBef>
-                <a:spcPts val="0"/>
-              </a:spcBef>
-              <a:spcAft>
-                <a:spcPts val="0"/>
-              </a:spcAft>
+            <a:pPr indent="-311150" lvl="0" marL="457200" marR="0" rtl="0" algn="l">
+              <a:lnSpc>
+                <a:spcPct val="100000"/>
+              </a:lnSpc>
+              <a:spcBef>
+                <a:spcPts val="0"/>
+              </a:spcBef>
+              <a:spcAft>
+                <a:spcPts val="0"/>
+              </a:spcAft>
+              <a:buClr>
+                <a:srgbClr val="000000"/>
+              </a:buClr>
               <a:buSzPts val="1300"/>
+              <a:buFont typeface="Arial"/>
               <a:buChar char="●"/>
             </a:pPr>
             <a:r>
-              <a:rPr lang="de" sz="1500"/>
+              <a:rPr b="0" i="0" lang="de" sz="1500" u="none" cap="none" strike="noStrike">
+                <a:solidFill>
+                  <a:schemeClr val="dk1"/>
+                </a:solidFill>
+                <a:latin typeface="Arial"/>
+                <a:ea typeface="Arial"/>
+                <a:cs typeface="Arial"/>
+                <a:sym typeface="Arial"/>
+              </a:rPr>
               <a:t>Pulle den Sourcecode, dann kann es losgehen</a:t>
             </a:r>
-            <a:endParaRPr sz="1500"/>
+            <a:endParaRPr b="0" i="0" sz="1500" u="none" cap="none" strike="noStrike">
+              <a:solidFill>
+                <a:schemeClr val="dk1"/>
+              </a:solidFill>
+              <a:latin typeface="Arial"/>
+              <a:ea typeface="Arial"/>
+              <a:cs typeface="Arial"/>
+              <a:sym typeface="Arial"/>
+            </a:endParaRPr>
           </a:p>
           <a:p>
-            <a:pPr indent="0" lvl="0" marL="457200" rtl="0" algn="l">
+            <a:pPr indent="0" lvl="0" marL="457200" marR="0" rtl="0" algn="l">
+              <a:lnSpc>
+                <a:spcPct val="100000"/>
+              </a:lnSpc>
               <a:spcBef>
                 <a:spcPts val="320"/>
               </a:spcBef>
               <a:spcAft>
                 <a:spcPts val="0"/>
               </a:spcAft>
+              <a:buClr>
+                <a:srgbClr val="000000"/>
+              </a:buClr>
+              <a:buSzPts val="1400"/>
+              <a:buFont typeface="Arial"/>
               <a:buNone/>
             </a:pPr>
             <a:r>
               <a:t/>
             </a:r>
-            <a:endParaRPr sz="1500"/>
+            <a:endParaRPr b="0" i="0" sz="1500" u="none" cap="none" strike="noStrike">
+              <a:solidFill>
+                <a:schemeClr val="dk1"/>
+              </a:solidFill>
+              <a:latin typeface="Arial"/>
+              <a:ea typeface="Arial"/>
+              <a:cs typeface="Arial"/>
+              <a:sym typeface="Arial"/>
+            </a:endParaRPr>
           </a:p>
           <a:p>
-            <a:pPr indent="-311150" lvl="0" marL="457200" rtl="0" algn="l">
+            <a:pPr indent="-311150" lvl="0" marL="457200" marR="0" rtl="0" algn="l">
+              <a:lnSpc>
+                <a:spcPct val="100000"/>
+              </a:lnSpc>
               <a:spcBef>
                 <a:spcPts val="320"/>
               </a:spcBef>
               <a:spcAft>
                 <a:spcPts val="0"/>
               </a:spcAft>
+              <a:buClr>
+                <a:srgbClr val="000000"/>
+              </a:buClr>
               <a:buSzPts val="1300"/>
+              <a:buFont typeface="Arial"/>
               <a:buChar char="●"/>
             </a:pPr>
             <a:r>
-              <a:rPr lang="de" sz="1500"/>
-              <a:t>Deine Aufgabe ist die Implementierung von</a:t>
+              <a:rPr b="0" i="0" lang="de" sz="1500" u="none" cap="none" strike="noStrike">
+                <a:solidFill>
+                  <a:schemeClr val="dk1"/>
+                </a:solidFill>
+                <a:latin typeface="Arial"/>
+                <a:ea typeface="Arial"/>
+                <a:cs typeface="Arial"/>
+                <a:sym typeface="Arial"/>
+              </a:rPr>
+              <a:t>Deine Aufgabe ist die Implementierung von möglichst vielen der </a:t>
             </a:r>
             <a:r>
-              <a:rPr lang="de" sz="1500"/>
-              <a:t> möglichst vielen der </a:t>
-            </a:r>
-            <a:r>
-              <a:rPr b="1" lang="de" sz="1500"/>
+              <a:rPr b="1" i="0" lang="de" sz="1500" u="none" cap="none" strike="noStrike">
+                <a:solidFill>
+                  <a:schemeClr val="dk1"/>
+                </a:solidFill>
+                <a:latin typeface="Arial"/>
+                <a:ea typeface="Arial"/>
+                <a:cs typeface="Arial"/>
+                <a:sym typeface="Arial"/>
+              </a:rPr>
               <a:t>noch nicht implementierten Methoden der Klasse</a:t>
             </a:r>
             <a:r>
-              <a:rPr lang="de" sz="1500"/>
+              <a:rPr b="0" i="0" lang="de" sz="1500" u="none" cap="none" strike="noStrike">
+                <a:solidFill>
+                  <a:schemeClr val="dk1"/>
+                </a:solidFill>
+                <a:latin typeface="Arial"/>
+                <a:ea typeface="Arial"/>
+                <a:cs typeface="Arial"/>
+                <a:sym typeface="Arial"/>
+              </a:rPr>
               <a:t> </a:t>
             </a:r>
             <a:r>
-              <a:rPr b="1" lang="de" sz="1500"/>
+              <a:rPr b="1" i="0" lang="de" sz="1500" u="none" cap="none" strike="noStrike">
+                <a:solidFill>
+                  <a:schemeClr val="dk1"/>
+                </a:solidFill>
+                <a:latin typeface="Arial"/>
+                <a:ea typeface="Arial"/>
+                <a:cs typeface="Arial"/>
+                <a:sym typeface="Arial"/>
+              </a:rPr>
               <a:t>Node</a:t>
             </a:r>
-            <a:endParaRPr sz="1500"/>
+            <a:endParaRPr b="0" i="0" sz="1500" u="none" cap="none" strike="noStrike">
+              <a:solidFill>
+                <a:schemeClr val="dk1"/>
+              </a:solidFill>
+              <a:latin typeface="Arial"/>
+              <a:ea typeface="Arial"/>
+              <a:cs typeface="Arial"/>
+              <a:sym typeface="Arial"/>
+            </a:endParaRPr>
           </a:p>
           <a:p>
-            <a:pPr indent="-311150" lvl="0" marL="457200" rtl="0" algn="l">
-              <a:spcBef>
-                <a:spcPts val="0"/>
-              </a:spcBef>
-              <a:spcAft>
-                <a:spcPts val="0"/>
-              </a:spcAft>
+            <a:pPr indent="-311150" lvl="0" marL="457200" marR="0" rtl="0" algn="l">
+              <a:lnSpc>
+                <a:spcPct val="100000"/>
+              </a:lnSpc>
+              <a:spcBef>
+                <a:spcPts val="0"/>
+              </a:spcBef>
+              <a:spcAft>
+                <a:spcPts val="0"/>
+              </a:spcAft>
+              <a:buClr>
+                <a:srgbClr val="000000"/>
+              </a:buClr>
               <a:buSzPts val="1300"/>
+              <a:buFont typeface="Arial"/>
               <a:buChar char="●"/>
             </a:pPr>
             <a:r>
-              <a:rPr lang="de" sz="1500"/>
+              <a:rPr b="0" i="0" lang="de" sz="1500" u="none" cap="none" strike="noStrike">
+                <a:solidFill>
+                  <a:schemeClr val="dk1"/>
+                </a:solidFill>
+                <a:latin typeface="Arial"/>
+                <a:ea typeface="Arial"/>
+                <a:cs typeface="Arial"/>
+                <a:sym typeface="Arial"/>
+              </a:rPr>
               <a:t>Jede Methode soll </a:t>
             </a:r>
             <a:r>
-              <a:rPr b="1" lang="de" sz="1500"/>
+              <a:rPr b="1" i="0" lang="de" sz="1500" u="none" cap="none" strike="noStrike">
+                <a:solidFill>
+                  <a:schemeClr val="dk1"/>
+                </a:solidFill>
+                <a:latin typeface="Arial"/>
+                <a:ea typeface="Arial"/>
+                <a:cs typeface="Arial"/>
+                <a:sym typeface="Arial"/>
+              </a:rPr>
               <a:t>rekursiv</a:t>
             </a:r>
             <a:r>
-              <a:rPr lang="de" sz="1500"/>
+              <a:rPr b="0" i="0" lang="de" sz="1500" u="none" cap="none" strike="noStrike">
+                <a:solidFill>
+                  <a:schemeClr val="dk1"/>
+                </a:solidFill>
+                <a:latin typeface="Arial"/>
+                <a:ea typeface="Arial"/>
+                <a:cs typeface="Arial"/>
+                <a:sym typeface="Arial"/>
+              </a:rPr>
               <a:t> gelöst werden.</a:t>
             </a:r>
-            <a:endParaRPr sz="1500"/>
+            <a:endParaRPr b="0" i="0" sz="1500" u="none" cap="none" strike="noStrike">
+              <a:solidFill>
+                <a:schemeClr val="dk1"/>
+              </a:solidFill>
+              <a:latin typeface="Arial"/>
+              <a:ea typeface="Arial"/>
+              <a:cs typeface="Arial"/>
+              <a:sym typeface="Arial"/>
+            </a:endParaRPr>
           </a:p>
           <a:p>
-            <a:pPr indent="-311150" lvl="0" marL="457200" rtl="0" algn="l">
-              <a:spcBef>
-                <a:spcPts val="0"/>
-              </a:spcBef>
-              <a:spcAft>
-                <a:spcPts val="0"/>
-              </a:spcAft>
+            <a:pPr indent="-311150" lvl="0" marL="457200" marR="0" rtl="0" algn="l">
+              <a:lnSpc>
+                <a:spcPct val="100000"/>
+              </a:lnSpc>
+              <a:spcBef>
+                <a:spcPts val="0"/>
+              </a:spcBef>
+              <a:spcAft>
+                <a:spcPts val="0"/>
+              </a:spcAft>
+              <a:buClr>
+                <a:srgbClr val="000000"/>
+              </a:buClr>
               <a:buSzPts val="1300"/>
+              <a:buFont typeface="Arial"/>
               <a:buChar char="●"/>
             </a:pPr>
             <a:r>
-              <a:rPr lang="de" sz="1500"/>
+              <a:rPr b="0" i="0" lang="de" sz="1500" u="none" cap="none" strike="noStrike">
+                <a:solidFill>
+                  <a:schemeClr val="dk1"/>
+                </a:solidFill>
+                <a:latin typeface="Arial"/>
+                <a:ea typeface="Arial"/>
+                <a:cs typeface="Arial"/>
+                <a:sym typeface="Arial"/>
+              </a:rPr>
               <a:t>Die Methoden sollen jeweils </a:t>
             </a:r>
             <a:r>
-              <a:rPr b="1" lang="de" sz="1500"/>
+              <a:rPr b="1" i="0" lang="de" sz="1500" u="none" cap="none" strike="noStrike">
+                <a:solidFill>
+                  <a:schemeClr val="dk1"/>
+                </a:solidFill>
+                <a:latin typeface="Arial"/>
+                <a:ea typeface="Arial"/>
+                <a:cs typeface="Arial"/>
+                <a:sym typeface="Arial"/>
+              </a:rPr>
               <a:t>maximal 10 Zeilen</a:t>
             </a:r>
             <a:r>
-              <a:rPr lang="de" sz="1500"/>
+              <a:rPr b="0" i="0" lang="de" sz="1500" u="none" cap="none" strike="noStrike">
+                <a:solidFill>
+                  <a:schemeClr val="dk1"/>
+                </a:solidFill>
+                <a:latin typeface="Arial"/>
+                <a:ea typeface="Arial"/>
+                <a:cs typeface="Arial"/>
+                <a:sym typeface="Arial"/>
+              </a:rPr>
               <a:t> besitzen (bei “height” dürfen es ein paar mehr sein).</a:t>
             </a:r>
-            <a:endParaRPr sz="1500"/>
+            <a:endParaRPr b="0" i="0" sz="1500" u="none" cap="none" strike="noStrike">
+              <a:solidFill>
+                <a:schemeClr val="dk1"/>
+              </a:solidFill>
+              <a:latin typeface="Arial"/>
+              <a:ea typeface="Arial"/>
+              <a:cs typeface="Arial"/>
+              <a:sym typeface="Arial"/>
+            </a:endParaRPr>
           </a:p>
           <a:p>
-            <a:pPr indent="-311150" lvl="0" marL="457200" rtl="0" algn="l">
-              <a:spcBef>
-                <a:spcPts val="0"/>
-              </a:spcBef>
-              <a:spcAft>
-                <a:spcPts val="0"/>
-              </a:spcAft>
+            <a:pPr indent="-311150" lvl="0" marL="457200" marR="0" rtl="0" algn="l">
+              <a:lnSpc>
+                <a:spcPct val="100000"/>
+              </a:lnSpc>
+              <a:spcBef>
+                <a:spcPts val="0"/>
+              </a:spcBef>
+              <a:spcAft>
+                <a:spcPts val="0"/>
+              </a:spcAft>
+              <a:buClr>
+                <a:srgbClr val="000000"/>
+              </a:buClr>
               <a:buSzPts val="1300"/>
+              <a:buFont typeface="Arial"/>
               <a:buChar char="●"/>
             </a:pPr>
             <a:r>
-              <a:rPr lang="de" sz="1500"/>
+              <a:rPr b="0" i="0" lang="de" sz="1500" u="none" cap="none" strike="noStrike">
+                <a:solidFill>
+                  <a:schemeClr val="dk1"/>
+                </a:solidFill>
+                <a:latin typeface="Arial"/>
+                <a:ea typeface="Arial"/>
+                <a:cs typeface="Arial"/>
+                <a:sym typeface="Arial"/>
+              </a:rPr>
               <a:t>Die Methoden “minimum” und “maximum” sind tendenziell am einfachsten.</a:t>
             </a:r>
-            <a:endParaRPr sz="1500"/>
+            <a:endParaRPr b="0" i="0" sz="1500" u="none" cap="none" strike="noStrike">
+              <a:solidFill>
+                <a:schemeClr val="dk1"/>
+              </a:solidFill>
+              <a:latin typeface="Arial"/>
+              <a:ea typeface="Arial"/>
+              <a:cs typeface="Arial"/>
+              <a:sym typeface="Arial"/>
+            </a:endParaRPr>
           </a:p>
           <a:p>
-            <a:pPr indent="-311150" lvl="0" marL="457200" rtl="0" algn="l">
-              <a:spcBef>
-                <a:spcPts val="0"/>
-              </a:spcBef>
-              <a:spcAft>
-                <a:spcPts val="0"/>
-              </a:spcAft>
+            <a:pPr indent="-311150" lvl="0" marL="457200" marR="0" rtl="0" algn="l">
+              <a:lnSpc>
+                <a:spcPct val="100000"/>
+              </a:lnSpc>
+              <a:spcBef>
+                <a:spcPts val="0"/>
+              </a:spcBef>
+              <a:spcAft>
+                <a:spcPts val="0"/>
+              </a:spcAft>
+              <a:buClr>
+                <a:srgbClr val="000000"/>
+              </a:buClr>
               <a:buSzPts val="1300"/>
+              <a:buFont typeface="Arial"/>
               <a:buChar char="●"/>
             </a:pPr>
             <a:r>
-              <a:rPr lang="de" sz="1500"/>
+              <a:rPr b="0" i="0" lang="de" sz="1500" u="none" cap="none" strike="noStrike">
+                <a:solidFill>
+                  <a:schemeClr val="dk1"/>
+                </a:solidFill>
+                <a:latin typeface="Arial"/>
+                <a:ea typeface="Arial"/>
+                <a:cs typeface="Arial"/>
+                <a:sym typeface="Arial"/>
+              </a:rPr>
               <a:t>Die Methoden sollten unter Zuhilfenahme der Javadoc Methodendokumentation selbsterklärend sein. Ist etwas nicht klar, frag gerne nach.</a:t>
             </a:r>
-            <a:endParaRPr sz="1500"/>
+            <a:endParaRPr b="0" i="0" sz="1500" u="none" cap="none" strike="noStrike">
+              <a:solidFill>
+                <a:schemeClr val="dk1"/>
+              </a:solidFill>
+              <a:latin typeface="Arial"/>
+              <a:ea typeface="Arial"/>
+              <a:cs typeface="Arial"/>
+              <a:sym typeface="Arial"/>
+            </a:endParaRPr>
           </a:p>
           <a:p>
-            <a:pPr indent="-311150" lvl="0" marL="457200" rtl="0" algn="l">
-              <a:spcBef>
-                <a:spcPts val="0"/>
-              </a:spcBef>
-              <a:spcAft>
-                <a:spcPts val="0"/>
-              </a:spcAft>
+            <a:pPr indent="-311150" lvl="0" marL="457200" marR="0" rtl="0" algn="l">
+              <a:lnSpc>
+                <a:spcPct val="100000"/>
+              </a:lnSpc>
+              <a:spcBef>
+                <a:spcPts val="0"/>
+              </a:spcBef>
+              <a:spcAft>
+                <a:spcPts val="0"/>
+              </a:spcAft>
+              <a:buClr>
+                <a:srgbClr val="000000"/>
+              </a:buClr>
               <a:buSzPts val="1300"/>
+              <a:buFont typeface="Arial"/>
               <a:buChar char="●"/>
             </a:pPr>
             <a:r>
-              <a:rPr lang="de" sz="1500"/>
+              <a:rPr b="0" i="0" lang="de" sz="1500" u="none" cap="none" strike="noStrike">
+                <a:solidFill>
+                  <a:schemeClr val="dk1"/>
+                </a:solidFill>
+                <a:latin typeface="Arial"/>
+                <a:ea typeface="Arial"/>
+                <a:cs typeface="Arial"/>
+                <a:sym typeface="Arial"/>
+              </a:rPr>
               <a:t>Die beiden anderen Klassen musst du im Idealfall gar nicht, ggf. aber zum Anpassen des Dateipfades der einzulesenden Textdatei anpassen.</a:t>
             </a:r>
-            <a:endParaRPr sz="1500"/>
+            <a:endParaRPr b="0" i="0" sz="1500" u="none" cap="none" strike="noStrike">
+              <a:solidFill>
+                <a:schemeClr val="dk1"/>
+              </a:solidFill>
+              <a:latin typeface="Arial"/>
+              <a:ea typeface="Arial"/>
+              <a:cs typeface="Arial"/>
+              <a:sym typeface="Arial"/>
+            </a:endParaRPr>
           </a:p>
         </p:txBody>
       </p:sp>
@@ -9916,6 +10551,10 @@
           <a:prstGeom prst="rect">
             <a:avLst/>
           </a:prstGeom>
+          <a:noFill/>
+          <a:ln>
+            <a:noFill/>
+          </a:ln>
         </p:spPr>
         <p:txBody>
           <a:bodyPr anchorCtr="0" anchor="b" bIns="0" lIns="0" spcFirstLastPara="1" rIns="0" wrap="square" tIns="0">
@@ -9924,12 +10563,16 @@
           <a:lstStyle/>
           <a:p>
             <a:pPr indent="0" lvl="0" marL="0" rtl="0" algn="l">
-              <a:spcBef>
-                <a:spcPts val="0"/>
-              </a:spcBef>
-              <a:spcAft>
-                <a:spcPts val="0"/>
-              </a:spcAft>
+              <a:lnSpc>
+                <a:spcPct val="100000"/>
+              </a:lnSpc>
+              <a:spcBef>
+                <a:spcPts val="0"/>
+              </a:spcBef>
+              <a:spcAft>
+                <a:spcPts val="0"/>
+              </a:spcAft>
+              <a:buSzPts val="1400"/>
               <a:buNone/>
             </a:pPr>
             <a:r>
@@ -9956,6 +10599,10 @@
           <a:prstGeom prst="rect">
             <a:avLst/>
           </a:prstGeom>
+          <a:noFill/>
+          <a:ln>
+            <a:noFill/>
+          </a:ln>
         </p:spPr>
         <p:txBody>
           <a:bodyPr anchorCtr="0" anchor="t" bIns="0" lIns="0" spcFirstLastPara="1" rIns="0" wrap="square" tIns="0">
@@ -9963,135 +10610,328 @@
           </a:bodyPr>
           <a:lstStyle/>
           <a:p>
-            <a:pPr indent="-330200" lvl="0" marL="457200" rtl="0" algn="l">
+            <a:pPr indent="-330200" lvl="0" marL="457200" marR="0" rtl="0" algn="l">
+              <a:lnSpc>
+                <a:spcPct val="100000"/>
+              </a:lnSpc>
               <a:spcBef>
                 <a:spcPts val="320"/>
               </a:spcBef>
               <a:spcAft>
                 <a:spcPts val="0"/>
               </a:spcAft>
+              <a:buClr>
+                <a:srgbClr val="000000"/>
+              </a:buClr>
               <a:buSzPts val="1600"/>
+              <a:buFont typeface="Arial"/>
               <a:buAutoNum type="arabicPeriod"/>
             </a:pPr>
             <a:r>
-              <a:rPr lang="de"/>
+              <a:rPr b="0" i="0" lang="de" sz="1600" u="none" cap="none" strike="noStrike">
+                <a:solidFill>
+                  <a:schemeClr val="dk1"/>
+                </a:solidFill>
+                <a:latin typeface="Arial"/>
+                <a:ea typeface="Arial"/>
+                <a:cs typeface="Arial"/>
+                <a:sym typeface="Arial"/>
+              </a:rPr>
               <a:t>Binäre Suchbäume</a:t>
             </a:r>
             <a:br>
-              <a:rPr lang="de"/>
+              <a:rPr b="0" i="0" lang="de" sz="1600" u="none" cap="none" strike="noStrike">
+                <a:solidFill>
+                  <a:schemeClr val="dk1"/>
+                </a:solidFill>
+                <a:latin typeface="Arial"/>
+                <a:ea typeface="Arial"/>
+                <a:cs typeface="Arial"/>
+                <a:sym typeface="Arial"/>
+              </a:rPr>
             </a:br>
-            <a:endParaRPr/>
+            <a:endParaRPr b="0" i="0" sz="1600" u="none" cap="none" strike="noStrike">
+              <a:solidFill>
+                <a:schemeClr val="dk1"/>
+              </a:solidFill>
+              <a:latin typeface="Arial"/>
+              <a:ea typeface="Arial"/>
+              <a:cs typeface="Arial"/>
+              <a:sym typeface="Arial"/>
+            </a:endParaRPr>
           </a:p>
           <a:p>
-            <a:pPr indent="-330200" lvl="0" marL="457200" rtl="0" algn="l">
-              <a:spcBef>
-                <a:spcPts val="0"/>
-              </a:spcBef>
-              <a:spcAft>
-                <a:spcPts val="0"/>
-              </a:spcAft>
+            <a:pPr indent="-330200" lvl="0" marL="457200" marR="0" rtl="0" algn="l">
+              <a:lnSpc>
+                <a:spcPct val="100000"/>
+              </a:lnSpc>
+              <a:spcBef>
+                <a:spcPts val="0"/>
+              </a:spcBef>
+              <a:spcAft>
+                <a:spcPts val="0"/>
+              </a:spcAft>
+              <a:buClr>
+                <a:srgbClr val="000000"/>
+              </a:buClr>
               <a:buSzPts val="1600"/>
+              <a:buFont typeface="Arial"/>
               <a:buAutoNum type="arabicPeriod"/>
             </a:pPr>
             <a:r>
-              <a:rPr lang="de"/>
+              <a:rPr b="0" i="0" lang="de" sz="1600" u="none" cap="none" strike="noStrike">
+                <a:solidFill>
+                  <a:schemeClr val="dk1"/>
+                </a:solidFill>
+                <a:latin typeface="Arial"/>
+                <a:ea typeface="Arial"/>
+                <a:cs typeface="Arial"/>
+                <a:sym typeface="Arial"/>
+              </a:rPr>
               <a:t>Die “insert”-Methode in binären Suchbäumen</a:t>
             </a:r>
             <a:br>
-              <a:rPr lang="de"/>
+              <a:rPr b="0" i="0" lang="de" sz="1600" u="none" cap="none" strike="noStrike">
+                <a:solidFill>
+                  <a:schemeClr val="dk1"/>
+                </a:solidFill>
+                <a:latin typeface="Arial"/>
+                <a:ea typeface="Arial"/>
+                <a:cs typeface="Arial"/>
+                <a:sym typeface="Arial"/>
+              </a:rPr>
             </a:br>
-            <a:endParaRPr/>
+            <a:endParaRPr b="0" i="0" sz="1600" u="none" cap="none" strike="noStrike">
+              <a:solidFill>
+                <a:schemeClr val="dk1"/>
+              </a:solidFill>
+              <a:latin typeface="Arial"/>
+              <a:ea typeface="Arial"/>
+              <a:cs typeface="Arial"/>
+              <a:sym typeface="Arial"/>
+            </a:endParaRPr>
           </a:p>
           <a:p>
-            <a:pPr indent="-330200" lvl="0" marL="457200" rtl="0" algn="l">
-              <a:spcBef>
-                <a:spcPts val="0"/>
-              </a:spcBef>
-              <a:spcAft>
-                <a:spcPts val="0"/>
-              </a:spcAft>
+            <a:pPr indent="-330200" lvl="0" marL="457200" marR="0" rtl="0" algn="l">
+              <a:lnSpc>
+                <a:spcPct val="100000"/>
+              </a:lnSpc>
+              <a:spcBef>
+                <a:spcPts val="0"/>
+              </a:spcBef>
+              <a:spcAft>
+                <a:spcPts val="0"/>
+              </a:spcAft>
+              <a:buClr>
+                <a:srgbClr val="000000"/>
+              </a:buClr>
               <a:buSzPts val="1600"/>
+              <a:buFont typeface="Arial"/>
               <a:buAutoNum type="arabicPeriod"/>
             </a:pPr>
             <a:r>
-              <a:rPr lang="de"/>
+              <a:rPr b="0" i="0" lang="de" sz="1600" u="none" cap="none" strike="noStrike">
+                <a:solidFill>
+                  <a:schemeClr val="dk1"/>
+                </a:solidFill>
+                <a:latin typeface="Arial"/>
+                <a:ea typeface="Arial"/>
+                <a:cs typeface="Arial"/>
+                <a:sym typeface="Arial"/>
+              </a:rPr>
               <a:t>Livecoding</a:t>
             </a:r>
-            <a:endParaRPr/>
+            <a:endParaRPr b="0" i="0" sz="1600" u="none" cap="none" strike="noStrike">
+              <a:solidFill>
+                <a:schemeClr val="dk1"/>
+              </a:solidFill>
+              <a:latin typeface="Arial"/>
+              <a:ea typeface="Arial"/>
+              <a:cs typeface="Arial"/>
+              <a:sym typeface="Arial"/>
+            </a:endParaRPr>
           </a:p>
           <a:p>
-            <a:pPr indent="-330200" lvl="1" marL="914400" rtl="0" algn="l">
-              <a:spcBef>
-                <a:spcPts val="0"/>
-              </a:spcBef>
-              <a:spcAft>
-                <a:spcPts val="0"/>
-              </a:spcAft>
+            <a:pPr indent="-330200" lvl="1" marL="914400" marR="0" rtl="0" algn="l">
+              <a:lnSpc>
+                <a:spcPct val="100000"/>
+              </a:lnSpc>
+              <a:spcBef>
+                <a:spcPts val="0"/>
+              </a:spcBef>
+              <a:spcAft>
+                <a:spcPts val="0"/>
+              </a:spcAft>
+              <a:buClr>
+                <a:schemeClr val="dk1"/>
+              </a:buClr>
               <a:buSzPts val="1600"/>
+              <a:buFont typeface="Noto Sans Symbols"/>
               <a:buAutoNum type="arabicPeriod"/>
             </a:pPr>
             <a:r>
-              <a:rPr lang="de"/>
+              <a:rPr b="0" i="0" lang="de" sz="1600" u="none" cap="none" strike="noStrike">
+                <a:solidFill>
+                  <a:schemeClr val="dk1"/>
+                </a:solidFill>
+                <a:latin typeface="Arial"/>
+                <a:ea typeface="Arial"/>
+                <a:cs typeface="Arial"/>
+                <a:sym typeface="Arial"/>
+              </a:rPr>
               <a:t>Vorstellung des bestehenden Codes</a:t>
             </a:r>
-            <a:endParaRPr/>
+            <a:endParaRPr b="0" i="0" sz="1600" u="none" cap="none" strike="noStrike">
+              <a:solidFill>
+                <a:schemeClr val="dk1"/>
+              </a:solidFill>
+              <a:latin typeface="Arial"/>
+              <a:ea typeface="Arial"/>
+              <a:cs typeface="Arial"/>
+              <a:sym typeface="Arial"/>
+            </a:endParaRPr>
           </a:p>
           <a:p>
-            <a:pPr indent="-330200" lvl="1" marL="914400" rtl="0" algn="l">
-              <a:spcBef>
-                <a:spcPts val="0"/>
-              </a:spcBef>
-              <a:spcAft>
-                <a:spcPts val="0"/>
-              </a:spcAft>
+            <a:pPr indent="-330200" lvl="1" marL="914400" marR="0" rtl="0" algn="l">
+              <a:lnSpc>
+                <a:spcPct val="100000"/>
+              </a:lnSpc>
+              <a:spcBef>
+                <a:spcPts val="0"/>
+              </a:spcBef>
+              <a:spcAft>
+                <a:spcPts val="0"/>
+              </a:spcAft>
+              <a:buClr>
+                <a:schemeClr val="dk1"/>
+              </a:buClr>
               <a:buSzPts val="1600"/>
+              <a:buFont typeface="Noto Sans Symbols"/>
               <a:buAutoNum type="arabicPeriod"/>
             </a:pPr>
             <a:r>
-              <a:rPr lang="de"/>
+              <a:rPr b="0" i="0" lang="de" sz="1600" u="none" cap="none" strike="noStrike">
+                <a:solidFill>
+                  <a:schemeClr val="dk1"/>
+                </a:solidFill>
+                <a:latin typeface="Arial"/>
+                <a:ea typeface="Arial"/>
+                <a:cs typeface="Arial"/>
+                <a:sym typeface="Arial"/>
+              </a:rPr>
               <a:t>Gemeinsame Implementierung der “exists”-Methode</a:t>
             </a:r>
             <a:br>
-              <a:rPr lang="de"/>
+              <a:rPr b="0" i="0" lang="de" sz="1600" u="none" cap="none" strike="noStrike">
+                <a:solidFill>
+                  <a:schemeClr val="dk1"/>
+                </a:solidFill>
+                <a:latin typeface="Arial"/>
+                <a:ea typeface="Arial"/>
+                <a:cs typeface="Arial"/>
+                <a:sym typeface="Arial"/>
+              </a:rPr>
             </a:br>
-            <a:endParaRPr/>
+            <a:endParaRPr b="0" i="0" sz="1600" u="none" cap="none" strike="noStrike">
+              <a:solidFill>
+                <a:schemeClr val="dk1"/>
+              </a:solidFill>
+              <a:latin typeface="Arial"/>
+              <a:ea typeface="Arial"/>
+              <a:cs typeface="Arial"/>
+              <a:sym typeface="Arial"/>
+            </a:endParaRPr>
           </a:p>
           <a:p>
-            <a:pPr indent="-330200" lvl="0" marL="457200" rtl="0" algn="l">
-              <a:spcBef>
-                <a:spcPts val="0"/>
-              </a:spcBef>
-              <a:spcAft>
-                <a:spcPts val="0"/>
-              </a:spcAft>
+            <a:pPr indent="-330200" lvl="0" marL="457200" marR="0" rtl="0" algn="l">
+              <a:lnSpc>
+                <a:spcPct val="100000"/>
+              </a:lnSpc>
+              <a:spcBef>
+                <a:spcPts val="0"/>
+              </a:spcBef>
+              <a:spcAft>
+                <a:spcPts val="0"/>
+              </a:spcAft>
+              <a:buClr>
+                <a:srgbClr val="000000"/>
+              </a:buClr>
               <a:buSzPts val="1600"/>
+              <a:buFont typeface="Arial"/>
               <a:buAutoNum type="arabicPeriod"/>
             </a:pPr>
             <a:r>
-              <a:rPr lang="de"/>
+              <a:rPr b="0" i="0" lang="de" sz="1600" u="none" cap="none" strike="noStrike">
+                <a:solidFill>
+                  <a:schemeClr val="dk1"/>
+                </a:solidFill>
+                <a:latin typeface="Arial"/>
+                <a:ea typeface="Arial"/>
+                <a:cs typeface="Arial"/>
+                <a:sym typeface="Arial"/>
+              </a:rPr>
               <a:t>Fragen</a:t>
             </a:r>
             <a:br>
-              <a:rPr lang="de"/>
+              <a:rPr b="0" i="0" lang="de" sz="1600" u="none" cap="none" strike="noStrike">
+                <a:solidFill>
+                  <a:schemeClr val="dk1"/>
+                </a:solidFill>
+                <a:latin typeface="Arial"/>
+                <a:ea typeface="Arial"/>
+                <a:cs typeface="Arial"/>
+                <a:sym typeface="Arial"/>
+              </a:rPr>
             </a:br>
-            <a:endParaRPr/>
+            <a:endParaRPr b="0" i="0" sz="1600" u="none" cap="none" strike="noStrike">
+              <a:solidFill>
+                <a:schemeClr val="dk1"/>
+              </a:solidFill>
+              <a:latin typeface="Arial"/>
+              <a:ea typeface="Arial"/>
+              <a:cs typeface="Arial"/>
+              <a:sym typeface="Arial"/>
+            </a:endParaRPr>
           </a:p>
           <a:p>
-            <a:pPr indent="-330200" lvl="0" marL="457200" rtl="0" algn="l">
-              <a:spcBef>
-                <a:spcPts val="0"/>
-              </a:spcBef>
-              <a:spcAft>
-                <a:spcPts val="0"/>
-              </a:spcAft>
+            <a:pPr indent="-330200" lvl="0" marL="457200" marR="0" rtl="0" algn="l">
+              <a:lnSpc>
+                <a:spcPct val="100000"/>
+              </a:lnSpc>
+              <a:spcBef>
+                <a:spcPts val="0"/>
+              </a:spcBef>
+              <a:spcAft>
+                <a:spcPts val="0"/>
+              </a:spcAft>
+              <a:buClr>
+                <a:srgbClr val="000000"/>
+              </a:buClr>
               <a:buSzPts val="1600"/>
+              <a:buFont typeface="Arial"/>
               <a:buAutoNum type="arabicPeriod"/>
             </a:pPr>
             <a:r>
-              <a:rPr lang="de"/>
+              <a:rPr b="0" i="0" lang="de" sz="1600" u="none" cap="none" strike="noStrike">
+                <a:solidFill>
+                  <a:schemeClr val="dk1"/>
+                </a:solidFill>
+                <a:latin typeface="Arial"/>
+                <a:ea typeface="Arial"/>
+                <a:cs typeface="Arial"/>
+                <a:sym typeface="Arial"/>
+              </a:rPr>
               <a:t>Übungsaufgabe</a:t>
             </a:r>
-            <a:endParaRPr/>
+            <a:endParaRPr b="0" i="0" sz="1600" u="none" cap="none" strike="noStrike">
+              <a:solidFill>
+                <a:schemeClr val="dk1"/>
+              </a:solidFill>
+              <a:latin typeface="Arial"/>
+              <a:ea typeface="Arial"/>
+              <a:cs typeface="Arial"/>
+              <a:sym typeface="Arial"/>
+            </a:endParaRPr>
           </a:p>
         </p:txBody>
       </p:sp>
@@ -10136,6 +10976,10 @@
           <a:prstGeom prst="rect">
             <a:avLst/>
           </a:prstGeom>
+          <a:noFill/>
+          <a:ln>
+            <a:noFill/>
+          </a:ln>
         </p:spPr>
         <p:txBody>
           <a:bodyPr anchorCtr="0" anchor="b" bIns="0" lIns="0" spcFirstLastPara="1" rIns="0" wrap="square" tIns="0">
@@ -10144,12 +10988,16 @@
           <a:lstStyle/>
           <a:p>
             <a:pPr indent="0" lvl="0" marL="0" rtl="0" algn="l">
-              <a:spcBef>
-                <a:spcPts val="0"/>
-              </a:spcBef>
-              <a:spcAft>
-                <a:spcPts val="0"/>
-              </a:spcAft>
+              <a:lnSpc>
+                <a:spcPct val="100000"/>
+              </a:lnSpc>
+              <a:spcBef>
+                <a:spcPts val="0"/>
+              </a:spcBef>
+              <a:spcAft>
+                <a:spcPts val="0"/>
+              </a:spcAft>
+              <a:buSzPts val="1400"/>
               <a:buNone/>
             </a:pPr>
             <a:r>
@@ -10176,6 +11024,10 @@
           <a:prstGeom prst="rect">
             <a:avLst/>
           </a:prstGeom>
+          <a:noFill/>
+          <a:ln>
+            <a:noFill/>
+          </a:ln>
         </p:spPr>
         <p:txBody>
           <a:bodyPr anchorCtr="0" anchor="t" bIns="0" lIns="0" spcFirstLastPara="1" rIns="0" wrap="square" tIns="0">
@@ -10183,139 +11035,324 @@
           </a:bodyPr>
           <a:lstStyle/>
           <a:p>
-            <a:pPr indent="0" lvl="0" marL="0" rtl="0" algn="l">
+            <a:pPr indent="0" lvl="0" marL="0" marR="0" rtl="0" algn="l">
+              <a:lnSpc>
+                <a:spcPct val="100000"/>
+              </a:lnSpc>
               <a:spcBef>
                 <a:spcPts val="320"/>
               </a:spcBef>
               <a:spcAft>
                 <a:spcPts val="0"/>
               </a:spcAft>
+              <a:buClr>
+                <a:srgbClr val="000000"/>
+              </a:buClr>
+              <a:buSzPts val="1400"/>
+              <a:buFont typeface="Arial"/>
               <a:buNone/>
             </a:pPr>
             <a:r>
-              <a:rPr lang="de"/>
+              <a:rPr b="0" i="0" lang="de" sz="1600" u="none" cap="none" strike="noStrike">
+                <a:solidFill>
+                  <a:schemeClr val="dk1"/>
+                </a:solidFill>
+                <a:latin typeface="Arial"/>
+                <a:ea typeface="Arial"/>
+                <a:cs typeface="Arial"/>
+                <a:sym typeface="Arial"/>
+              </a:rPr>
               <a:t>Ein binärer Suchbaum ist ein gerichteter Graph mit folgenden Eigenschaften:</a:t>
             </a:r>
-            <a:endParaRPr/>
+            <a:endParaRPr b="0" i="0" sz="1600" u="none" cap="none" strike="noStrike">
+              <a:solidFill>
+                <a:schemeClr val="dk1"/>
+              </a:solidFill>
+              <a:latin typeface="Arial"/>
+              <a:ea typeface="Arial"/>
+              <a:cs typeface="Arial"/>
+              <a:sym typeface="Arial"/>
+            </a:endParaRPr>
           </a:p>
           <a:p>
-            <a:pPr indent="-317500" lvl="0" marL="457200" rtl="0" algn="l">
+            <a:pPr indent="-317500" lvl="0" marL="457200" marR="0" rtl="0" algn="l">
+              <a:lnSpc>
+                <a:spcPct val="100000"/>
+              </a:lnSpc>
               <a:spcBef>
                 <a:spcPts val="320"/>
               </a:spcBef>
               <a:spcAft>
                 <a:spcPts val="0"/>
               </a:spcAft>
-              <a:buSzPts val="1400"/>
+              <a:buClr>
+                <a:srgbClr val="000000"/>
+              </a:buClr>
+              <a:buSzPts val="1400"/>
+              <a:buFont typeface="Arial"/>
               <a:buChar char="●"/>
             </a:pPr>
             <a:r>
-              <a:rPr lang="de"/>
+              <a:rPr b="0" i="0" lang="de" sz="1600" u="none" cap="none" strike="noStrike">
+                <a:solidFill>
+                  <a:schemeClr val="dk1"/>
+                </a:solidFill>
+                <a:latin typeface="Arial"/>
+                <a:ea typeface="Arial"/>
+                <a:cs typeface="Arial"/>
+                <a:sym typeface="Arial"/>
+              </a:rPr>
               <a:t>Der Graph ist zusammenhängend und kreisfrei (Baum)</a:t>
             </a:r>
-            <a:endParaRPr/>
+            <a:endParaRPr b="0" i="0" sz="1600" u="none" cap="none" strike="noStrike">
+              <a:solidFill>
+                <a:schemeClr val="dk1"/>
+              </a:solidFill>
+              <a:latin typeface="Arial"/>
+              <a:ea typeface="Arial"/>
+              <a:cs typeface="Arial"/>
+              <a:sym typeface="Arial"/>
+            </a:endParaRPr>
           </a:p>
           <a:p>
-            <a:pPr indent="-317500" lvl="0" marL="457200" rtl="0" algn="l">
-              <a:spcBef>
-                <a:spcPts val="0"/>
-              </a:spcBef>
-              <a:spcAft>
-                <a:spcPts val="0"/>
-              </a:spcAft>
-              <a:buSzPts val="1400"/>
+            <a:pPr indent="-317500" lvl="0" marL="457200" marR="0" rtl="0" algn="l">
+              <a:lnSpc>
+                <a:spcPct val="100000"/>
+              </a:lnSpc>
+              <a:spcBef>
+                <a:spcPts val="0"/>
+              </a:spcBef>
+              <a:spcAft>
+                <a:spcPts val="0"/>
+              </a:spcAft>
+              <a:buClr>
+                <a:srgbClr val="000000"/>
+              </a:buClr>
+              <a:buSzPts val="1400"/>
+              <a:buFont typeface="Arial"/>
               <a:buChar char="●"/>
             </a:pPr>
             <a:r>
-              <a:rPr lang="de"/>
+              <a:rPr b="0" i="0" lang="de" sz="1600" u="none" cap="none" strike="noStrike">
+                <a:solidFill>
+                  <a:schemeClr val="dk1"/>
+                </a:solidFill>
+                <a:latin typeface="Arial"/>
+                <a:ea typeface="Arial"/>
+                <a:cs typeface="Arial"/>
+                <a:sym typeface="Arial"/>
+              </a:rPr>
               <a:t>jeder Knoten hat einen Wert, einen Vorgänger und 0 bis 2 Nachfolger.</a:t>
             </a:r>
-            <a:endParaRPr/>
+            <a:endParaRPr b="0" i="0" sz="1600" u="none" cap="none" strike="noStrike">
+              <a:solidFill>
+                <a:schemeClr val="dk1"/>
+              </a:solidFill>
+              <a:latin typeface="Arial"/>
+              <a:ea typeface="Arial"/>
+              <a:cs typeface="Arial"/>
+              <a:sym typeface="Arial"/>
+            </a:endParaRPr>
           </a:p>
           <a:p>
-            <a:pPr indent="-317500" lvl="0" marL="457200" rtl="0" algn="l">
-              <a:spcBef>
-                <a:spcPts val="0"/>
-              </a:spcBef>
-              <a:spcAft>
-                <a:spcPts val="0"/>
-              </a:spcAft>
-              <a:buSzPts val="1400"/>
+            <a:pPr indent="-317500" lvl="0" marL="457200" marR="0" rtl="0" algn="l">
+              <a:lnSpc>
+                <a:spcPct val="100000"/>
+              </a:lnSpc>
+              <a:spcBef>
+                <a:spcPts val="0"/>
+              </a:spcBef>
+              <a:spcAft>
+                <a:spcPts val="0"/>
+              </a:spcAft>
+              <a:buClr>
+                <a:srgbClr val="000000"/>
+              </a:buClr>
+              <a:buSzPts val="1400"/>
+              <a:buFont typeface="Arial"/>
               <a:buChar char="●"/>
             </a:pPr>
             <a:r>
-              <a:rPr lang="de"/>
+              <a:rPr b="0" i="0" lang="de" sz="1600" u="none" cap="none" strike="noStrike">
+                <a:solidFill>
+                  <a:schemeClr val="dk1"/>
+                </a:solidFill>
+                <a:latin typeface="Arial"/>
+                <a:ea typeface="Arial"/>
+                <a:cs typeface="Arial"/>
+                <a:sym typeface="Arial"/>
+              </a:rPr>
               <a:t>Es gibt einen eindeutigen Knoten ohne Vorgänger, die Wurzel des Baumes</a:t>
             </a:r>
-            <a:endParaRPr/>
+            <a:endParaRPr b="0" i="0" sz="1600" u="none" cap="none" strike="noStrike">
+              <a:solidFill>
+                <a:schemeClr val="dk1"/>
+              </a:solidFill>
+              <a:latin typeface="Arial"/>
+              <a:ea typeface="Arial"/>
+              <a:cs typeface="Arial"/>
+              <a:sym typeface="Arial"/>
+            </a:endParaRPr>
           </a:p>
           <a:p>
-            <a:pPr indent="-317500" lvl="0" marL="457200" rtl="0" algn="l">
-              <a:spcBef>
-                <a:spcPts val="0"/>
-              </a:spcBef>
-              <a:spcAft>
-                <a:spcPts val="0"/>
-              </a:spcAft>
-              <a:buSzPts val="1400"/>
+            <a:pPr indent="-317500" lvl="0" marL="457200" marR="0" rtl="0" algn="l">
+              <a:lnSpc>
+                <a:spcPct val="100000"/>
+              </a:lnSpc>
+              <a:spcBef>
+                <a:spcPts val="0"/>
+              </a:spcBef>
+              <a:spcAft>
+                <a:spcPts val="0"/>
+              </a:spcAft>
+              <a:buClr>
+                <a:srgbClr val="000000"/>
+              </a:buClr>
+              <a:buSzPts val="1400"/>
+              <a:buFont typeface="Arial"/>
               <a:buChar char="●"/>
             </a:pPr>
             <a:r>
-              <a:rPr lang="de"/>
+              <a:rPr b="0" i="0" lang="de" sz="1600" u="none" cap="none" strike="noStrike">
+                <a:solidFill>
+                  <a:schemeClr val="dk1"/>
+                </a:solidFill>
+                <a:latin typeface="Arial"/>
+                <a:ea typeface="Arial"/>
+                <a:cs typeface="Arial"/>
+                <a:sym typeface="Arial"/>
+              </a:rPr>
               <a:t>Nachfolger sind entweder linke oder rechte Kinder ihres Vorgängers</a:t>
             </a:r>
-            <a:endParaRPr/>
+            <a:endParaRPr b="0" i="0" sz="1600" u="none" cap="none" strike="noStrike">
+              <a:solidFill>
+                <a:schemeClr val="dk1"/>
+              </a:solidFill>
+              <a:latin typeface="Arial"/>
+              <a:ea typeface="Arial"/>
+              <a:cs typeface="Arial"/>
+              <a:sym typeface="Arial"/>
+            </a:endParaRPr>
           </a:p>
           <a:p>
-            <a:pPr indent="-317500" lvl="0" marL="457200" rtl="0" algn="l">
-              <a:spcBef>
-                <a:spcPts val="0"/>
-              </a:spcBef>
-              <a:spcAft>
-                <a:spcPts val="0"/>
-              </a:spcAft>
-              <a:buSzPts val="1400"/>
+            <a:pPr indent="-317500" lvl="0" marL="457200" marR="0" rtl="0" algn="l">
+              <a:lnSpc>
+                <a:spcPct val="100000"/>
+              </a:lnSpc>
+              <a:spcBef>
+                <a:spcPts val="0"/>
+              </a:spcBef>
+              <a:spcAft>
+                <a:spcPts val="0"/>
+              </a:spcAft>
+              <a:buClr>
+                <a:srgbClr val="000000"/>
+              </a:buClr>
+              <a:buSzPts val="1400"/>
+              <a:buFont typeface="Arial"/>
               <a:buChar char="●"/>
             </a:pPr>
             <a:r>
-              <a:rPr lang="de"/>
+              <a:rPr b="0" i="0" lang="de" sz="1600" u="none" cap="none" strike="noStrike">
+                <a:solidFill>
+                  <a:schemeClr val="dk1"/>
+                </a:solidFill>
+                <a:latin typeface="Arial"/>
+                <a:ea typeface="Arial"/>
+                <a:cs typeface="Arial"/>
+                <a:sym typeface="Arial"/>
+              </a:rPr>
               <a:t>Der linken Kinder und alle darauf folgenden Knoten haben kleinere Werte</a:t>
             </a:r>
-            <a:endParaRPr/>
+            <a:endParaRPr b="0" i="0" sz="1600" u="none" cap="none" strike="noStrike">
+              <a:solidFill>
+                <a:schemeClr val="dk1"/>
+              </a:solidFill>
+              <a:latin typeface="Arial"/>
+              <a:ea typeface="Arial"/>
+              <a:cs typeface="Arial"/>
+              <a:sym typeface="Arial"/>
+            </a:endParaRPr>
           </a:p>
           <a:p>
-            <a:pPr indent="-317500" lvl="0" marL="457200" rtl="0" algn="l">
-              <a:spcBef>
-                <a:spcPts val="0"/>
-              </a:spcBef>
-              <a:spcAft>
-                <a:spcPts val="0"/>
-              </a:spcAft>
-              <a:buSzPts val="1400"/>
+            <a:pPr indent="-317500" lvl="0" marL="457200" marR="0" rtl="0" algn="l">
+              <a:lnSpc>
+                <a:spcPct val="100000"/>
+              </a:lnSpc>
+              <a:spcBef>
+                <a:spcPts val="0"/>
+              </a:spcBef>
+              <a:spcAft>
+                <a:spcPts val="0"/>
+              </a:spcAft>
+              <a:buClr>
+                <a:srgbClr val="000000"/>
+              </a:buClr>
+              <a:buSzPts val="1400"/>
+              <a:buFont typeface="Arial"/>
               <a:buChar char="●"/>
             </a:pPr>
             <a:r>
-              <a:rPr lang="de"/>
+              <a:rPr b="0" i="0" lang="de" sz="1600" u="none" cap="none" strike="noStrike">
+                <a:solidFill>
+                  <a:schemeClr val="dk1"/>
+                </a:solidFill>
+                <a:latin typeface="Arial"/>
+                <a:ea typeface="Arial"/>
+                <a:cs typeface="Arial"/>
+                <a:sym typeface="Arial"/>
+              </a:rPr>
               <a:t>Der rechte Kinder und alle darauf folgenden Knoten haben größere Werte</a:t>
             </a:r>
-            <a:endParaRPr/>
+            <a:endParaRPr b="0" i="0" sz="1600" u="none" cap="none" strike="noStrike">
+              <a:solidFill>
+                <a:schemeClr val="dk1"/>
+              </a:solidFill>
+              <a:latin typeface="Arial"/>
+              <a:ea typeface="Arial"/>
+              <a:cs typeface="Arial"/>
+              <a:sym typeface="Arial"/>
+            </a:endParaRPr>
           </a:p>
           <a:p>
-            <a:pPr indent="-317500" lvl="0" marL="457200" rtl="0" algn="l">
-              <a:spcBef>
-                <a:spcPts val="0"/>
-              </a:spcBef>
-              <a:spcAft>
-                <a:spcPts val="0"/>
-              </a:spcAft>
-              <a:buSzPts val="1400"/>
+            <a:pPr indent="-317500" lvl="0" marL="457200" marR="0" rtl="0" algn="l">
+              <a:lnSpc>
+                <a:spcPct val="100000"/>
+              </a:lnSpc>
+              <a:spcBef>
+                <a:spcPts val="0"/>
+              </a:spcBef>
+              <a:spcAft>
+                <a:spcPts val="0"/>
+              </a:spcAft>
+              <a:buClr>
+                <a:srgbClr val="000000"/>
+              </a:buClr>
+              <a:buSzPts val="1400"/>
+              <a:buFont typeface="Arial"/>
               <a:buChar char="●"/>
             </a:pPr>
             <a:r>
-              <a:rPr lang="de"/>
+              <a:rPr b="0" i="0" lang="de" sz="1600" u="none" cap="none" strike="noStrike">
+                <a:solidFill>
+                  <a:schemeClr val="dk1"/>
+                </a:solidFill>
+                <a:latin typeface="Arial"/>
+                <a:ea typeface="Arial"/>
+                <a:cs typeface="Arial"/>
+                <a:sym typeface="Arial"/>
+              </a:rPr>
               <a:t>Knoten ohne Nachfolger heißen Blatt</a:t>
             </a:r>
-            <a:endParaRPr/>
+            <a:endParaRPr b="0" i="0" sz="1600" u="none" cap="none" strike="noStrike">
+              <a:solidFill>
+                <a:schemeClr val="dk1"/>
+              </a:solidFill>
+              <a:latin typeface="Arial"/>
+              <a:ea typeface="Arial"/>
+              <a:cs typeface="Arial"/>
+              <a:sym typeface="Arial"/>
+            </a:endParaRPr>
           </a:p>
         </p:txBody>
       </p:sp>
@@ -10325,13 +11362,12 @@
           <p:cNvPicPr preferRelativeResize="0"/>
           <p:nvPr/>
         </p:nvPicPr>
-        <p:blipFill>
+        <p:blipFill rotWithShape="1">
           <a:blip r:embed="rId3">
             <a:alphaModFix/>
           </a:blip>
-          <a:stretch>
-            <a:fillRect/>
-          </a:stretch>
+          <a:srcRect b="0" l="0" r="0" t="0"/>
+          <a:stretch/>
         </p:blipFill>
         <p:spPr>
           <a:xfrm>
@@ -10388,6 +11424,10 @@
           <a:prstGeom prst="rect">
             <a:avLst/>
           </a:prstGeom>
+          <a:noFill/>
+          <a:ln>
+            <a:noFill/>
+          </a:ln>
         </p:spPr>
         <p:txBody>
           <a:bodyPr anchorCtr="0" anchor="b" bIns="0" lIns="0" spcFirstLastPara="1" rIns="0" wrap="square" tIns="0">
@@ -10396,21 +11436,21 @@
           <a:lstStyle/>
           <a:p>
             <a:pPr indent="0" lvl="0" marL="0" rtl="0" algn="l">
-              <a:spcBef>
-                <a:spcPts val="0"/>
-              </a:spcBef>
-              <a:spcAft>
-                <a:spcPts val="0"/>
-              </a:spcAft>
+              <a:lnSpc>
+                <a:spcPct val="100000"/>
+              </a:lnSpc>
+              <a:spcBef>
+                <a:spcPts val="0"/>
+              </a:spcBef>
+              <a:spcAft>
+                <a:spcPts val="0"/>
+              </a:spcAft>
+              <a:buSzPts val="1400"/>
               <a:buNone/>
             </a:pPr>
             <a:r>
               <a:rPr lang="de"/>
-              <a:t>2. </a:t>
-            </a:r>
-            <a:r>
-              <a:rPr lang="de"/>
-              <a:t>Die “insert”-Methode in binären Suchbäumen</a:t>
+              <a:t>2. Die “insert”-Methode in binären Suchbäumen</a:t>
             </a:r>
             <a:endParaRPr/>
           </a:p>
@@ -10432,6 +11472,10 @@
           <a:prstGeom prst="rect">
             <a:avLst/>
           </a:prstGeom>
+          <a:noFill/>
+          <a:ln>
+            <a:noFill/>
+          </a:ln>
         </p:spPr>
         <p:txBody>
           <a:bodyPr anchorCtr="0" anchor="t" bIns="0" lIns="0" spcFirstLastPara="1" rIns="0" wrap="square" tIns="0">
@@ -10439,67 +11483,155 @@
           </a:bodyPr>
           <a:lstStyle/>
           <a:p>
-            <a:pPr indent="0" lvl="0" marL="0" rtl="0" algn="l">
+            <a:pPr indent="0" lvl="0" marL="0" marR="0" rtl="0" algn="l">
+              <a:lnSpc>
+                <a:spcPct val="100000"/>
+              </a:lnSpc>
               <a:spcBef>
                 <a:spcPts val="320"/>
               </a:spcBef>
               <a:spcAft>
                 <a:spcPts val="0"/>
               </a:spcAft>
+              <a:buClr>
+                <a:srgbClr val="000000"/>
+              </a:buClr>
+              <a:buSzPts val="1400"/>
+              <a:buFont typeface="Arial"/>
               <a:buNone/>
             </a:pPr>
             <a:r>
-              <a:rPr lang="de"/>
+              <a:rPr b="0" i="0" lang="de" sz="1600" u="none" cap="none" strike="noStrike">
+                <a:solidFill>
+                  <a:schemeClr val="dk1"/>
+                </a:solidFill>
+                <a:latin typeface="Arial"/>
+                <a:ea typeface="Arial"/>
+                <a:cs typeface="Arial"/>
+                <a:sym typeface="Arial"/>
+              </a:rPr>
               <a:t>Binäre Suchbäume ermöglichen eine besonders effiziente Art der Speicherung von Daten.</a:t>
             </a:r>
-            <a:endParaRPr/>
+            <a:endParaRPr b="0" i="0" sz="1600" u="none" cap="none" strike="noStrike">
+              <a:solidFill>
+                <a:schemeClr val="dk1"/>
+              </a:solidFill>
+              <a:latin typeface="Arial"/>
+              <a:ea typeface="Arial"/>
+              <a:cs typeface="Arial"/>
+              <a:sym typeface="Arial"/>
+            </a:endParaRPr>
           </a:p>
           <a:p>
-            <a:pPr indent="0" lvl="0" marL="0" rtl="0" algn="l">
+            <a:pPr indent="0" lvl="0" marL="0" marR="0" rtl="0" algn="l">
+              <a:lnSpc>
+                <a:spcPct val="100000"/>
+              </a:lnSpc>
               <a:spcBef>
                 <a:spcPts val="320"/>
               </a:spcBef>
               <a:spcAft>
                 <a:spcPts val="0"/>
               </a:spcAft>
+              <a:buClr>
+                <a:srgbClr val="000000"/>
+              </a:buClr>
+              <a:buSzPts val="1400"/>
+              <a:buFont typeface="Arial"/>
               <a:buNone/>
             </a:pPr>
             <a:r>
-              <a:rPr lang="de"/>
+              <a:rPr b="0" i="0" lang="de" sz="1600" u="none" cap="none" strike="noStrike">
+                <a:solidFill>
+                  <a:schemeClr val="dk1"/>
+                </a:solidFill>
+                <a:latin typeface="Arial"/>
+                <a:ea typeface="Arial"/>
+                <a:cs typeface="Arial"/>
+                <a:sym typeface="Arial"/>
+              </a:rPr>
               <a:t>Wir wollen uns heute damit beschäftigen, wie man diese Datenstrukturen rekursiv explorieren und manipulieren kann.</a:t>
             </a:r>
-            <a:endParaRPr/>
+            <a:endParaRPr b="0" i="0" sz="1600" u="none" cap="none" strike="noStrike">
+              <a:solidFill>
+                <a:schemeClr val="dk1"/>
+              </a:solidFill>
+              <a:latin typeface="Arial"/>
+              <a:ea typeface="Arial"/>
+              <a:cs typeface="Arial"/>
+              <a:sym typeface="Arial"/>
+            </a:endParaRPr>
           </a:p>
           <a:p>
-            <a:pPr indent="0" lvl="0" marL="0" rtl="0" algn="l">
+            <a:pPr indent="0" lvl="0" marL="0" marR="0" rtl="0" algn="l">
+              <a:lnSpc>
+                <a:spcPct val="100000"/>
+              </a:lnSpc>
               <a:spcBef>
                 <a:spcPts val="320"/>
               </a:spcBef>
               <a:spcAft>
                 <a:spcPts val="0"/>
               </a:spcAft>
+              <a:buClr>
+                <a:srgbClr val="000000"/>
+              </a:buClr>
+              <a:buSzPts val="1400"/>
+              <a:buFont typeface="Arial"/>
               <a:buNone/>
             </a:pPr>
             <a:r>
               <a:t/>
             </a:r>
-            <a:endParaRPr/>
+            <a:endParaRPr b="0" i="0" sz="1600" u="none" cap="none" strike="noStrike">
+              <a:solidFill>
+                <a:schemeClr val="dk1"/>
+              </a:solidFill>
+              <a:latin typeface="Arial"/>
+              <a:ea typeface="Arial"/>
+              <a:cs typeface="Arial"/>
+              <a:sym typeface="Arial"/>
+            </a:endParaRPr>
           </a:p>
           <a:p>
-            <a:pPr indent="0" lvl="0" marL="0" rtl="0" algn="l">
+            <a:pPr indent="0" lvl="0" marL="0" marR="0" rtl="0" algn="l">
+              <a:lnSpc>
+                <a:spcPct val="100000"/>
+              </a:lnSpc>
               <a:spcBef>
                 <a:spcPts val="320"/>
               </a:spcBef>
               <a:spcAft>
                 <a:spcPts val="0"/>
               </a:spcAft>
+              <a:buClr>
+                <a:srgbClr val="000000"/>
+              </a:buClr>
+              <a:buSzPts val="1400"/>
+              <a:buFont typeface="Arial"/>
               <a:buNone/>
             </a:pPr>
             <a:r>
-              <a:rPr lang="de"/>
+              <a:rPr b="0" i="0" lang="de" sz="1600" u="none" cap="none" strike="noStrike">
+                <a:solidFill>
+                  <a:schemeClr val="dk1"/>
+                </a:solidFill>
+                <a:latin typeface="Arial"/>
+                <a:ea typeface="Arial"/>
+                <a:cs typeface="Arial"/>
+                <a:sym typeface="Arial"/>
+              </a:rPr>
               <a:t>Beispiel: “insert”. Was passiert, wenn ich eine 13 einsetzen möchte?</a:t>
             </a:r>
-            <a:endParaRPr/>
+            <a:endParaRPr b="0" i="0" sz="1600" u="none" cap="none" strike="noStrike">
+              <a:solidFill>
+                <a:schemeClr val="dk1"/>
+              </a:solidFill>
+              <a:latin typeface="Arial"/>
+              <a:ea typeface="Arial"/>
+              <a:cs typeface="Arial"/>
+              <a:sym typeface="Arial"/>
+            </a:endParaRPr>
           </a:p>
         </p:txBody>
       </p:sp>
@@ -10509,13 +11641,12 @@
           <p:cNvPicPr preferRelativeResize="0"/>
           <p:nvPr/>
         </p:nvPicPr>
-        <p:blipFill>
+        <p:blipFill rotWithShape="1">
           <a:blip r:embed="rId3">
             <a:alphaModFix/>
           </a:blip>
-          <a:stretch>
-            <a:fillRect/>
-          </a:stretch>
+          <a:srcRect b="0" l="0" r="0" t="0"/>
+          <a:stretch/>
         </p:blipFill>
         <p:spPr>
           <a:xfrm>
@@ -10572,6 +11703,10 @@
           <a:prstGeom prst="rect">
             <a:avLst/>
           </a:prstGeom>
+          <a:noFill/>
+          <a:ln>
+            <a:noFill/>
+          </a:ln>
         </p:spPr>
         <p:txBody>
           <a:bodyPr anchorCtr="0" anchor="b" bIns="0" lIns="0" spcFirstLastPara="1" rIns="0" wrap="square" tIns="0">
@@ -10580,12 +11715,16 @@
           <a:lstStyle/>
           <a:p>
             <a:pPr indent="0" lvl="0" marL="0" rtl="0" algn="l">
-              <a:spcBef>
-                <a:spcPts val="0"/>
-              </a:spcBef>
-              <a:spcAft>
-                <a:spcPts val="0"/>
-              </a:spcAft>
+              <a:lnSpc>
+                <a:spcPct val="100000"/>
+              </a:lnSpc>
+              <a:spcBef>
+                <a:spcPts val="0"/>
+              </a:spcBef>
+              <a:spcAft>
+                <a:spcPts val="0"/>
+              </a:spcAft>
+              <a:buSzPts val="1400"/>
               <a:buNone/>
             </a:pPr>
             <a:r>
@@ -10602,13 +11741,12 @@
           <p:cNvPicPr preferRelativeResize="0"/>
           <p:nvPr/>
         </p:nvPicPr>
-        <p:blipFill>
+        <p:blipFill rotWithShape="1">
           <a:blip r:embed="rId3">
             <a:alphaModFix/>
           </a:blip>
-          <a:stretch>
-            <a:fillRect/>
-          </a:stretch>
+          <a:srcRect b="0" l="0" r="0" t="0"/>
+          <a:stretch/>
         </p:blipFill>
         <p:spPr>
           <a:xfrm>
@@ -10657,20 +11795,44 @@
           </a:bodyPr>
           <a:lstStyle/>
           <a:p>
-            <a:pPr indent="0" lvl="0" marL="0" rtl="0" algn="l">
-              <a:spcBef>
-                <a:spcPts val="0"/>
-              </a:spcBef>
-              <a:spcAft>
-                <a:spcPts val="0"/>
-              </a:spcAft>
+            <a:pPr indent="0" lvl="0" marL="0" marR="0" rtl="0" algn="l">
+              <a:lnSpc>
+                <a:spcPct val="100000"/>
+              </a:lnSpc>
+              <a:spcBef>
+                <a:spcPts val="0"/>
+              </a:spcBef>
+              <a:spcAft>
+                <a:spcPts val="0"/>
+              </a:spcAft>
+              <a:buClr>
+                <a:srgbClr val="000000"/>
+              </a:buClr>
+              <a:buSzPts val="1100"/>
+              <a:buFont typeface="Arial"/>
               <a:buNone/>
             </a:pPr>
             <a:r>
-              <a:rPr lang="de" sz="1100"/>
+              <a:rPr b="0" i="0" lang="de" sz="1100" u="none" cap="none" strike="noStrike">
+                <a:solidFill>
+                  <a:srgbClr val="000000"/>
+                </a:solidFill>
+                <a:latin typeface="Arial"/>
+                <a:ea typeface="Arial"/>
+                <a:cs typeface="Arial"/>
+                <a:sym typeface="Arial"/>
+              </a:rPr>
               <a:t>13</a:t>
             </a:r>
-            <a:endParaRPr sz="1100"/>
+            <a:endParaRPr b="0" i="0" sz="1100" u="none" cap="none" strike="noStrike">
+              <a:solidFill>
+                <a:srgbClr val="000000"/>
+              </a:solidFill>
+              <a:latin typeface="Arial"/>
+              <a:ea typeface="Arial"/>
+              <a:cs typeface="Arial"/>
+              <a:sym typeface="Arial"/>
+            </a:endParaRPr>
           </a:p>
         </p:txBody>
       </p:sp>
@@ -10697,8 +11859,8 @@
             </a:solidFill>
             <a:prstDash val="solid"/>
             <a:round/>
-            <a:headEnd len="med" w="med" type="none"/>
-            <a:tailEnd len="med" w="med" type="none"/>
+            <a:headEnd len="sm" w="sm" type="none"/>
+            <a:tailEnd len="sm" w="sm" type="none"/>
           </a:ln>
         </p:spPr>
       </p:cxnSp>
@@ -10723,7 +11885,7 @@
             </a:solidFill>
             <a:prstDash val="solid"/>
             <a:round/>
-            <a:headEnd len="med" w="med" type="none"/>
+            <a:headEnd len="sm" w="sm" type="none"/>
             <a:tailEnd len="med" w="med" type="triangle"/>
           </a:ln>
         </p:spPr>
@@ -10749,7 +11911,7 @@
             </a:solidFill>
             <a:prstDash val="solid"/>
             <a:round/>
-            <a:headEnd len="med" w="med" type="none"/>
+            <a:headEnd len="sm" w="sm" type="none"/>
             <a:tailEnd len="med" w="med" type="triangle"/>
           </a:ln>
         </p:spPr>
@@ -10775,7 +11937,7 @@
             </a:solidFill>
             <a:prstDash val="solid"/>
             <a:round/>
-            <a:headEnd len="med" w="med" type="none"/>
+            <a:headEnd len="sm" w="sm" type="none"/>
             <a:tailEnd len="med" w="med" type="triangle"/>
           </a:ln>
         </p:spPr>
@@ -10801,7 +11963,7 @@
             </a:solidFill>
             <a:prstDash val="solid"/>
             <a:round/>
-            <a:headEnd len="med" w="med" type="none"/>
+            <a:headEnd len="sm" w="sm" type="none"/>
             <a:tailEnd len="med" w="med" type="triangle"/>
           </a:ln>
         </p:spPr>
@@ -10847,6 +12009,10 @@
           <a:prstGeom prst="rect">
             <a:avLst/>
           </a:prstGeom>
+          <a:noFill/>
+          <a:ln>
+            <a:noFill/>
+          </a:ln>
         </p:spPr>
         <p:txBody>
           <a:bodyPr anchorCtr="0" anchor="b" bIns="0" lIns="0" spcFirstLastPara="1" rIns="0" wrap="square" tIns="0">
@@ -10855,12 +12021,16 @@
           <a:lstStyle/>
           <a:p>
             <a:pPr indent="0" lvl="0" marL="0" rtl="0" algn="l">
-              <a:spcBef>
-                <a:spcPts val="0"/>
-              </a:spcBef>
-              <a:spcAft>
-                <a:spcPts val="0"/>
-              </a:spcAft>
+              <a:lnSpc>
+                <a:spcPct val="100000"/>
+              </a:lnSpc>
+              <a:spcBef>
+                <a:spcPts val="0"/>
+              </a:spcBef>
+              <a:spcAft>
+                <a:spcPts val="0"/>
+              </a:spcAft>
+              <a:buSzPts val="1400"/>
               <a:buNone/>
             </a:pPr>
             <a:r>
@@ -10887,6 +12057,10 @@
           <a:prstGeom prst="rect">
             <a:avLst/>
           </a:prstGeom>
+          <a:noFill/>
+          <a:ln>
+            <a:noFill/>
+          </a:ln>
         </p:spPr>
         <p:txBody>
           <a:bodyPr anchorCtr="0" anchor="t" bIns="0" lIns="0" spcFirstLastPara="1" rIns="0" wrap="square" tIns="0">
@@ -10894,165 +12068,409 @@
           </a:bodyPr>
           <a:lstStyle/>
           <a:p>
-            <a:pPr indent="0" lvl="0" marL="0" rtl="0" algn="l">
+            <a:pPr indent="0" lvl="0" marL="0" marR="0" rtl="0" algn="l">
+              <a:lnSpc>
+                <a:spcPct val="100000"/>
+              </a:lnSpc>
               <a:spcBef>
                 <a:spcPts val="320"/>
               </a:spcBef>
               <a:spcAft>
                 <a:spcPts val="0"/>
               </a:spcAft>
+              <a:buClr>
+                <a:srgbClr val="000000"/>
+              </a:buClr>
+              <a:buSzPts val="1400"/>
+              <a:buFont typeface="Arial"/>
               <a:buNone/>
             </a:pPr>
             <a:r>
-              <a:rPr lang="de"/>
+              <a:rPr b="0" i="0" lang="de" sz="1600" u="none" cap="none" strike="noStrike">
+                <a:solidFill>
+                  <a:schemeClr val="dk1"/>
+                </a:solidFill>
+                <a:latin typeface="Arial"/>
+                <a:ea typeface="Arial"/>
+                <a:cs typeface="Arial"/>
+                <a:sym typeface="Arial"/>
+              </a:rPr>
               <a:t>Rekursiver Ansatz:</a:t>
             </a:r>
-            <a:endParaRPr/>
+            <a:endParaRPr b="0" i="0" sz="1600" u="none" cap="none" strike="noStrike">
+              <a:solidFill>
+                <a:schemeClr val="dk1"/>
+              </a:solidFill>
+              <a:latin typeface="Arial"/>
+              <a:ea typeface="Arial"/>
+              <a:cs typeface="Arial"/>
+              <a:sym typeface="Arial"/>
+            </a:endParaRPr>
           </a:p>
           <a:p>
-            <a:pPr indent="0" lvl="0" marL="0" rtl="0" algn="l">
+            <a:pPr indent="0" lvl="0" marL="0" marR="0" rtl="0" algn="l">
+              <a:lnSpc>
+                <a:spcPct val="100000"/>
+              </a:lnSpc>
               <a:spcBef>
                 <a:spcPts val="320"/>
               </a:spcBef>
               <a:spcAft>
                 <a:spcPts val="0"/>
               </a:spcAft>
+              <a:buClr>
+                <a:srgbClr val="000000"/>
+              </a:buClr>
+              <a:buSzPts val="1400"/>
+              <a:buFont typeface="Arial"/>
               <a:buNone/>
             </a:pPr>
             <a:r>
               <a:t/>
             </a:r>
-            <a:endParaRPr/>
+            <a:endParaRPr b="0" i="0" sz="1600" u="none" cap="none" strike="noStrike">
+              <a:solidFill>
+                <a:schemeClr val="dk1"/>
+              </a:solidFill>
+              <a:latin typeface="Arial"/>
+              <a:ea typeface="Arial"/>
+              <a:cs typeface="Arial"/>
+              <a:sym typeface="Arial"/>
+            </a:endParaRPr>
           </a:p>
           <a:p>
-            <a:pPr indent="0" lvl="0" marL="0" rtl="0" algn="l">
+            <a:pPr indent="0" lvl="0" marL="0" marR="0" rtl="0" algn="l">
+              <a:lnSpc>
+                <a:spcPct val="100000"/>
+              </a:lnSpc>
               <a:spcBef>
                 <a:spcPts val="320"/>
               </a:spcBef>
               <a:spcAft>
                 <a:spcPts val="0"/>
               </a:spcAft>
+              <a:buClr>
+                <a:srgbClr val="000000"/>
+              </a:buClr>
+              <a:buSzPts val="1400"/>
+              <a:buFont typeface="Arial"/>
               <a:buNone/>
             </a:pPr>
             <a:r>
-              <a:rPr lang="de"/>
+              <a:rPr b="0" i="0" lang="de" sz="1600" u="none" cap="none" strike="noStrike">
+                <a:solidFill>
+                  <a:schemeClr val="dk1"/>
+                </a:solidFill>
+                <a:latin typeface="Arial"/>
+                <a:ea typeface="Arial"/>
+                <a:cs typeface="Arial"/>
+                <a:sym typeface="Arial"/>
+              </a:rPr>
               <a:t>Jeder Knoten hat eine eigene </a:t>
             </a:r>
-            <a:endParaRPr/>
+            <a:endParaRPr b="0" i="0" sz="1600" u="none" cap="none" strike="noStrike">
+              <a:solidFill>
+                <a:schemeClr val="dk1"/>
+              </a:solidFill>
+              <a:latin typeface="Arial"/>
+              <a:ea typeface="Arial"/>
+              <a:cs typeface="Arial"/>
+              <a:sym typeface="Arial"/>
+            </a:endParaRPr>
           </a:p>
           <a:p>
-            <a:pPr indent="0" lvl="0" marL="0" rtl="0" algn="l">
+            <a:pPr indent="0" lvl="0" marL="0" marR="0" rtl="0" algn="l">
+              <a:lnSpc>
+                <a:spcPct val="100000"/>
+              </a:lnSpc>
               <a:spcBef>
                 <a:spcPts val="320"/>
               </a:spcBef>
               <a:spcAft>
                 <a:spcPts val="0"/>
               </a:spcAft>
+              <a:buClr>
+                <a:srgbClr val="000000"/>
+              </a:buClr>
+              <a:buSzPts val="1400"/>
+              <a:buFont typeface="Arial"/>
               <a:buNone/>
             </a:pPr>
             <a:r>
-              <a:rPr lang="de"/>
+              <a:rPr b="0" i="0" lang="de" sz="1600" u="none" cap="none" strike="noStrike">
+                <a:solidFill>
+                  <a:schemeClr val="dk1"/>
+                </a:solidFill>
+                <a:latin typeface="Arial"/>
+                <a:ea typeface="Arial"/>
+                <a:cs typeface="Arial"/>
+                <a:sym typeface="Arial"/>
+              </a:rPr>
               <a:t>“insert”-Methode, die, </a:t>
             </a:r>
-            <a:endParaRPr/>
+            <a:endParaRPr b="0" i="0" sz="1600" u="none" cap="none" strike="noStrike">
+              <a:solidFill>
+                <a:schemeClr val="dk1"/>
+              </a:solidFill>
+              <a:latin typeface="Arial"/>
+              <a:ea typeface="Arial"/>
+              <a:cs typeface="Arial"/>
+              <a:sym typeface="Arial"/>
+            </a:endParaRPr>
           </a:p>
           <a:p>
-            <a:pPr indent="-317500" lvl="0" marL="457200" rtl="0" algn="l">
+            <a:pPr indent="-317500" lvl="0" marL="457200" marR="0" rtl="0" algn="l">
+              <a:lnSpc>
+                <a:spcPct val="100000"/>
+              </a:lnSpc>
               <a:spcBef>
                 <a:spcPts val="320"/>
               </a:spcBef>
               <a:spcAft>
                 <a:spcPts val="0"/>
               </a:spcAft>
-              <a:buSzPts val="1400"/>
+              <a:buClr>
+                <a:srgbClr val="000000"/>
+              </a:buClr>
+              <a:buSzPts val="1400"/>
+              <a:buFont typeface="Arial"/>
               <a:buChar char="●"/>
             </a:pPr>
             <a:r>
-              <a:rPr lang="de"/>
+              <a:rPr b="0" i="0" lang="de" sz="1600" u="none" cap="none" strike="noStrike">
+                <a:solidFill>
+                  <a:schemeClr val="dk1"/>
+                </a:solidFill>
+                <a:latin typeface="Arial"/>
+                <a:ea typeface="Arial"/>
+                <a:cs typeface="Arial"/>
+                <a:sym typeface="Arial"/>
+              </a:rPr>
               <a:t>falls der passende </a:t>
             </a:r>
             <a:r>
-              <a:rPr b="1" lang="de"/>
+              <a:rPr b="1" i="0" lang="de" sz="1600" u="none" cap="none" strike="noStrike">
+                <a:solidFill>
+                  <a:schemeClr val="dk1"/>
+                </a:solidFill>
+                <a:latin typeface="Arial"/>
+                <a:ea typeface="Arial"/>
+                <a:cs typeface="Arial"/>
+                <a:sym typeface="Arial"/>
+              </a:rPr>
               <a:t>Platz frei</a:t>
             </a:r>
             <a:r>
-              <a:rPr lang="de"/>
+              <a:rPr b="0" i="0" lang="de" sz="1600" u="none" cap="none" strike="noStrike">
+                <a:solidFill>
+                  <a:schemeClr val="dk1"/>
+                </a:solidFill>
+                <a:latin typeface="Arial"/>
+                <a:ea typeface="Arial"/>
+                <a:cs typeface="Arial"/>
+                <a:sym typeface="Arial"/>
+              </a:rPr>
               <a:t> ist: </a:t>
             </a:r>
-            <a:endParaRPr/>
+            <a:endParaRPr b="0" i="0" sz="1600" u="none" cap="none" strike="noStrike">
+              <a:solidFill>
+                <a:schemeClr val="dk1"/>
+              </a:solidFill>
+              <a:latin typeface="Arial"/>
+              <a:ea typeface="Arial"/>
+              <a:cs typeface="Arial"/>
+              <a:sym typeface="Arial"/>
+            </a:endParaRPr>
           </a:p>
           <a:p>
-            <a:pPr indent="-330200" lvl="1" marL="914400" rtl="0" algn="l">
-              <a:spcBef>
-                <a:spcPts val="0"/>
-              </a:spcBef>
-              <a:spcAft>
-                <a:spcPts val="0"/>
-              </a:spcAft>
+            <a:pPr indent="-330200" lvl="1" marL="914400" marR="0" rtl="0" algn="l">
+              <a:lnSpc>
+                <a:spcPct val="100000"/>
+              </a:lnSpc>
+              <a:spcBef>
+                <a:spcPts val="0"/>
+              </a:spcBef>
+              <a:spcAft>
+                <a:spcPts val="0"/>
+              </a:spcAft>
+              <a:buClr>
+                <a:schemeClr val="dk1"/>
+              </a:buClr>
               <a:buSzPts val="1600"/>
+              <a:buFont typeface="Noto Sans Symbols"/>
               <a:buChar char="-"/>
             </a:pPr>
             <a:r>
-              <a:rPr lang="de"/>
+              <a:rPr b="0" i="0" lang="de" sz="1600" u="none" cap="none" strike="noStrike">
+                <a:solidFill>
+                  <a:schemeClr val="dk1"/>
+                </a:solidFill>
+                <a:latin typeface="Arial"/>
+                <a:ea typeface="Arial"/>
+                <a:cs typeface="Arial"/>
+                <a:sym typeface="Arial"/>
+              </a:rPr>
               <a:t>den neuen Wert an die </a:t>
             </a:r>
             <a:br>
-              <a:rPr lang="de"/>
+              <a:rPr b="0" i="0" lang="de" sz="1600" u="none" cap="none" strike="noStrike">
+                <a:solidFill>
+                  <a:schemeClr val="dk1"/>
+                </a:solidFill>
+                <a:latin typeface="Arial"/>
+                <a:ea typeface="Arial"/>
+                <a:cs typeface="Arial"/>
+                <a:sym typeface="Arial"/>
+              </a:rPr>
             </a:br>
             <a:r>
-              <a:rPr lang="de"/>
+              <a:rPr b="0" i="0" lang="de" sz="1600" u="none" cap="none" strike="noStrike">
+                <a:solidFill>
+                  <a:schemeClr val="dk1"/>
+                </a:solidFill>
+                <a:latin typeface="Arial"/>
+                <a:ea typeface="Arial"/>
+                <a:cs typeface="Arial"/>
+                <a:sym typeface="Arial"/>
+              </a:rPr>
               <a:t>passende Stelle setzt</a:t>
             </a:r>
-            <a:endParaRPr/>
+            <a:endParaRPr b="0" i="0" sz="1600" u="none" cap="none" strike="noStrike">
+              <a:solidFill>
+                <a:schemeClr val="dk1"/>
+              </a:solidFill>
+              <a:latin typeface="Arial"/>
+              <a:ea typeface="Arial"/>
+              <a:cs typeface="Arial"/>
+              <a:sym typeface="Arial"/>
+            </a:endParaRPr>
           </a:p>
           <a:p>
-            <a:pPr indent="-317500" lvl="0" marL="457200" rtl="0" algn="l">
-              <a:spcBef>
-                <a:spcPts val="0"/>
-              </a:spcBef>
-              <a:spcAft>
-                <a:spcPts val="0"/>
-              </a:spcAft>
-              <a:buSzPts val="1400"/>
+            <a:pPr indent="-317500" lvl="0" marL="457200" marR="0" rtl="0" algn="l">
+              <a:lnSpc>
+                <a:spcPct val="100000"/>
+              </a:lnSpc>
+              <a:spcBef>
+                <a:spcPts val="0"/>
+              </a:spcBef>
+              <a:spcAft>
+                <a:spcPts val="0"/>
+              </a:spcAft>
+              <a:buClr>
+                <a:srgbClr val="000000"/>
+              </a:buClr>
+              <a:buSzPts val="1400"/>
+              <a:buFont typeface="Arial"/>
               <a:buChar char="●"/>
             </a:pPr>
             <a:r>
-              <a:rPr lang="de"/>
+              <a:rPr b="0" i="0" lang="de" sz="1600" u="none" cap="none" strike="noStrike">
+                <a:solidFill>
+                  <a:schemeClr val="dk1"/>
+                </a:solidFill>
+                <a:latin typeface="Arial"/>
+                <a:ea typeface="Arial"/>
+                <a:cs typeface="Arial"/>
+                <a:sym typeface="Arial"/>
+              </a:rPr>
               <a:t>falls der passende </a:t>
             </a:r>
             <a:r>
-              <a:rPr b="1" lang="de"/>
+              <a:rPr b="1" i="0" lang="de" sz="1600" u="none" cap="none" strike="noStrike">
+                <a:solidFill>
+                  <a:schemeClr val="dk1"/>
+                </a:solidFill>
+                <a:latin typeface="Arial"/>
+                <a:ea typeface="Arial"/>
+                <a:cs typeface="Arial"/>
+                <a:sym typeface="Arial"/>
+              </a:rPr>
               <a:t>Platz nicht frei</a:t>
             </a:r>
             <a:r>
-              <a:rPr lang="de"/>
+              <a:rPr b="0" i="0" lang="de" sz="1600" u="none" cap="none" strike="noStrike">
+                <a:solidFill>
+                  <a:schemeClr val="dk1"/>
+                </a:solidFill>
+                <a:latin typeface="Arial"/>
+                <a:ea typeface="Arial"/>
+                <a:cs typeface="Arial"/>
+                <a:sym typeface="Arial"/>
+              </a:rPr>
               <a:t> ist:</a:t>
             </a:r>
-            <a:endParaRPr/>
+            <a:endParaRPr b="0" i="0" sz="1600" u="none" cap="none" strike="noStrike">
+              <a:solidFill>
+                <a:schemeClr val="dk1"/>
+              </a:solidFill>
+              <a:latin typeface="Arial"/>
+              <a:ea typeface="Arial"/>
+              <a:cs typeface="Arial"/>
+              <a:sym typeface="Arial"/>
+            </a:endParaRPr>
           </a:p>
           <a:p>
-            <a:pPr indent="-330200" lvl="1" marL="914400" rtl="0" algn="l">
-              <a:spcBef>
-                <a:spcPts val="0"/>
-              </a:spcBef>
-              <a:spcAft>
-                <a:spcPts val="0"/>
-              </a:spcAft>
+            <a:pPr indent="-330200" lvl="1" marL="914400" marR="0" rtl="0" algn="l">
+              <a:lnSpc>
+                <a:spcPct val="100000"/>
+              </a:lnSpc>
+              <a:spcBef>
+                <a:spcPts val="0"/>
+              </a:spcBef>
+              <a:spcAft>
+                <a:spcPts val="0"/>
+              </a:spcAft>
+              <a:buClr>
+                <a:schemeClr val="dk1"/>
+              </a:buClr>
               <a:buSzPts val="1600"/>
+              <a:buFont typeface="Noto Sans Symbols"/>
               <a:buChar char="-"/>
             </a:pPr>
             <a:r>
-              <a:rPr lang="de"/>
+              <a:rPr b="0" i="0" lang="de" sz="1600" u="none" cap="none" strike="noStrike">
+                <a:solidFill>
+                  <a:schemeClr val="dk1"/>
+                </a:solidFill>
+                <a:latin typeface="Arial"/>
+                <a:ea typeface="Arial"/>
+                <a:cs typeface="Arial"/>
+                <a:sym typeface="Arial"/>
+              </a:rPr>
               <a:t>die insert-Methode des Knotens </a:t>
             </a:r>
             <a:br>
-              <a:rPr lang="de"/>
+              <a:rPr b="0" i="0" lang="de" sz="1600" u="none" cap="none" strike="noStrike">
+                <a:solidFill>
+                  <a:schemeClr val="dk1"/>
+                </a:solidFill>
+                <a:latin typeface="Arial"/>
+                <a:ea typeface="Arial"/>
+                <a:cs typeface="Arial"/>
+                <a:sym typeface="Arial"/>
+              </a:rPr>
             </a:br>
             <a:r>
-              <a:rPr lang="de"/>
+              <a:rPr b="0" i="0" lang="de" sz="1600" u="none" cap="none" strike="noStrike">
+                <a:solidFill>
+                  <a:schemeClr val="dk1"/>
+                </a:solidFill>
+                <a:latin typeface="Arial"/>
+                <a:ea typeface="Arial"/>
+                <a:cs typeface="Arial"/>
+                <a:sym typeface="Arial"/>
+              </a:rPr>
               <a:t>aufruft, der die Stelle blockiert.</a:t>
             </a:r>
-            <a:endParaRPr/>
+            <a:endParaRPr b="0" i="0" sz="1600" u="none" cap="none" strike="noStrike">
+              <a:solidFill>
+                <a:schemeClr val="dk1"/>
+              </a:solidFill>
+              <a:latin typeface="Arial"/>
+              <a:ea typeface="Arial"/>
+              <a:cs typeface="Arial"/>
+              <a:sym typeface="Arial"/>
+            </a:endParaRPr>
           </a:p>
         </p:txBody>
       </p:sp>
@@ -11062,13 +12480,12 @@
           <p:cNvPicPr preferRelativeResize="0"/>
           <p:nvPr/>
         </p:nvPicPr>
-        <p:blipFill>
+        <p:blipFill rotWithShape="1">
           <a:blip r:embed="rId3">
             <a:alphaModFix/>
           </a:blip>
-          <a:stretch>
-            <a:fillRect/>
-          </a:stretch>
+          <a:srcRect b="0" l="0" r="0" t="0"/>
+          <a:stretch/>
         </p:blipFill>
         <p:spPr>
           <a:xfrm>
@@ -11125,6 +12542,10 @@
           <a:prstGeom prst="rect">
             <a:avLst/>
           </a:prstGeom>
+          <a:noFill/>
+          <a:ln>
+            <a:noFill/>
+          </a:ln>
         </p:spPr>
         <p:txBody>
           <a:bodyPr anchorCtr="0" anchor="b" bIns="0" lIns="0" spcFirstLastPara="1" rIns="0" wrap="square" tIns="0">
@@ -11133,12 +12554,16 @@
           <a:lstStyle/>
           <a:p>
             <a:pPr indent="0" lvl="0" marL="0" rtl="0" algn="l">
-              <a:spcBef>
-                <a:spcPts val="0"/>
-              </a:spcBef>
-              <a:spcAft>
-                <a:spcPts val="0"/>
-              </a:spcAft>
+              <a:lnSpc>
+                <a:spcPct val="100000"/>
+              </a:lnSpc>
+              <a:spcBef>
+                <a:spcPts val="0"/>
+              </a:spcBef>
+              <a:spcAft>
+                <a:spcPts val="0"/>
+              </a:spcAft>
+              <a:buSzPts val="1400"/>
               <a:buNone/>
             </a:pPr>
             <a:r>
@@ -11165,6 +12590,10 @@
           <a:prstGeom prst="rect">
             <a:avLst/>
           </a:prstGeom>
+          <a:noFill/>
+          <a:ln>
+            <a:noFill/>
+          </a:ln>
         </p:spPr>
         <p:txBody>
           <a:bodyPr anchorCtr="0" anchor="t" bIns="0" lIns="0" spcFirstLastPara="1" rIns="0" wrap="square" tIns="0">
@@ -11172,7 +12601,10 @@
           </a:bodyPr>
           <a:lstStyle/>
           <a:p>
-            <a:pPr indent="0" lvl="0" marL="0" rtl="0" algn="ctr">
+            <a:pPr indent="0" lvl="0" marL="0" marR="0" rtl="0" algn="ctr">
+              <a:lnSpc>
+                <a:spcPct val="100000"/>
+              </a:lnSpc>
               <a:spcBef>
                 <a:spcPts val="320"/>
               </a:spcBef>
@@ -11189,10 +12621,21 @@
             <a:r>
               <a:t/>
             </a:r>
-            <a:endParaRPr/>
+            <a:endParaRPr b="0" i="0" sz="1600" u="none" cap="none" strike="noStrike">
+              <a:solidFill>
+                <a:schemeClr val="dk1"/>
+              </a:solidFill>
+              <a:latin typeface="Arial"/>
+              <a:ea typeface="Arial"/>
+              <a:cs typeface="Arial"/>
+              <a:sym typeface="Arial"/>
+            </a:endParaRPr>
           </a:p>
           <a:p>
-            <a:pPr indent="0" lvl="0" marL="0" rtl="0" algn="ctr">
+            <a:pPr indent="0" lvl="0" marL="0" marR="0" rtl="0" algn="ctr">
+              <a:lnSpc>
+                <a:spcPct val="100000"/>
+              </a:lnSpc>
               <a:spcBef>
                 <a:spcPts val="320"/>
               </a:spcBef>
@@ -11209,10 +12652,21 @@
             <a:r>
               <a:t/>
             </a:r>
-            <a:endParaRPr/>
+            <a:endParaRPr b="0" i="0" sz="1600" u="none" cap="none" strike="noStrike">
+              <a:solidFill>
+                <a:schemeClr val="dk1"/>
+              </a:solidFill>
+              <a:latin typeface="Arial"/>
+              <a:ea typeface="Arial"/>
+              <a:cs typeface="Arial"/>
+              <a:sym typeface="Arial"/>
+            </a:endParaRPr>
           </a:p>
           <a:p>
-            <a:pPr indent="0" lvl="0" marL="0" rtl="0" algn="ctr">
+            <a:pPr indent="0" lvl="0" marL="0" marR="0" rtl="0" algn="ctr">
+              <a:lnSpc>
+                <a:spcPct val="100000"/>
+              </a:lnSpc>
               <a:spcBef>
                 <a:spcPts val="320"/>
               </a:spcBef>
@@ -11229,10 +12683,21 @@
             <a:r>
               <a:t/>
             </a:r>
-            <a:endParaRPr/>
+            <a:endParaRPr b="0" i="0" sz="1600" u="none" cap="none" strike="noStrike">
+              <a:solidFill>
+                <a:schemeClr val="dk1"/>
+              </a:solidFill>
+              <a:latin typeface="Arial"/>
+              <a:ea typeface="Arial"/>
+              <a:cs typeface="Arial"/>
+              <a:sym typeface="Arial"/>
+            </a:endParaRPr>
           </a:p>
           <a:p>
-            <a:pPr indent="0" lvl="0" marL="0" rtl="0" algn="ctr">
+            <a:pPr indent="0" lvl="0" marL="0" marR="0" rtl="0" algn="ctr">
+              <a:lnSpc>
+                <a:spcPct val="100000"/>
+              </a:lnSpc>
               <a:spcBef>
                 <a:spcPts val="320"/>
               </a:spcBef>
@@ -11249,10 +12714,21 @@
             <a:r>
               <a:t/>
             </a:r>
-            <a:endParaRPr/>
+            <a:endParaRPr b="0" i="0" sz="1600" u="none" cap="none" strike="noStrike">
+              <a:solidFill>
+                <a:schemeClr val="dk1"/>
+              </a:solidFill>
+              <a:latin typeface="Arial"/>
+              <a:ea typeface="Arial"/>
+              <a:cs typeface="Arial"/>
+              <a:sym typeface="Arial"/>
+            </a:endParaRPr>
           </a:p>
           <a:p>
-            <a:pPr indent="0" lvl="0" marL="0" rtl="0" algn="ctr">
+            <a:pPr indent="0" lvl="0" marL="0" marR="0" rtl="0" algn="ctr">
+              <a:lnSpc>
+                <a:spcPct val="100000"/>
+              </a:lnSpc>
               <a:spcBef>
                 <a:spcPts val="320"/>
               </a:spcBef>
@@ -11269,10 +12745,21 @@
             <a:r>
               <a:t/>
             </a:r>
-            <a:endParaRPr/>
+            <a:endParaRPr b="0" i="0" sz="1600" u="none" cap="none" strike="noStrike">
+              <a:solidFill>
+                <a:schemeClr val="dk1"/>
+              </a:solidFill>
+              <a:latin typeface="Arial"/>
+              <a:ea typeface="Arial"/>
+              <a:cs typeface="Arial"/>
+              <a:sym typeface="Arial"/>
+            </a:endParaRPr>
           </a:p>
           <a:p>
-            <a:pPr indent="0" lvl="0" marL="0" rtl="0" algn="ctr">
+            <a:pPr indent="0" lvl="0" marL="0" marR="0" rtl="0" algn="ctr">
+              <a:lnSpc>
+                <a:spcPct val="100000"/>
+              </a:lnSpc>
               <a:spcBef>
                 <a:spcPts val="320"/>
               </a:spcBef>
@@ -11289,10 +12776,21 @@
             <a:r>
               <a:t/>
             </a:r>
-            <a:endParaRPr/>
+            <a:endParaRPr b="0" i="0" sz="1600" u="none" cap="none" strike="noStrike">
+              <a:solidFill>
+                <a:schemeClr val="dk1"/>
+              </a:solidFill>
+              <a:latin typeface="Arial"/>
+              <a:ea typeface="Arial"/>
+              <a:cs typeface="Arial"/>
+              <a:sym typeface="Arial"/>
+            </a:endParaRPr>
           </a:p>
           <a:p>
-            <a:pPr indent="0" lvl="0" marL="0" rtl="0" algn="ctr">
+            <a:pPr indent="0" lvl="0" marL="0" marR="0" rtl="0" algn="ctr">
+              <a:lnSpc>
+                <a:spcPct val="100000"/>
+              </a:lnSpc>
               <a:spcBef>
                 <a:spcPts val="320"/>
               </a:spcBef>
@@ -11307,25 +12805,57 @@
               <a:buNone/>
             </a:pPr>
             <a:r>
-              <a:rPr lang="de" sz="3600"/>
+              <a:rPr b="0" i="0" lang="de" sz="3600" u="none" cap="none" strike="noStrike">
+                <a:solidFill>
+                  <a:schemeClr val="dk1"/>
+                </a:solidFill>
+                <a:latin typeface="Arial"/>
+                <a:ea typeface="Arial"/>
+                <a:cs typeface="Arial"/>
+                <a:sym typeface="Arial"/>
+              </a:rPr>
               <a:t>Vorstellung des bestehenden Codes</a:t>
             </a:r>
-            <a:endParaRPr/>
+            <a:endParaRPr b="0" i="0" sz="1600" u="none" cap="none" strike="noStrike">
+              <a:solidFill>
+                <a:schemeClr val="dk1"/>
+              </a:solidFill>
+              <a:latin typeface="Arial"/>
+              <a:ea typeface="Arial"/>
+              <a:cs typeface="Arial"/>
+              <a:sym typeface="Arial"/>
+            </a:endParaRPr>
           </a:p>
           <a:p>
-            <a:pPr indent="0" lvl="0" marL="0" rtl="0" algn="l">
+            <a:pPr indent="0" lvl="0" marL="0" marR="0" rtl="0" algn="l">
+              <a:lnSpc>
+                <a:spcPct val="100000"/>
+              </a:lnSpc>
               <a:spcBef>
                 <a:spcPts val="320"/>
               </a:spcBef>
               <a:spcAft>
                 <a:spcPts val="0"/>
               </a:spcAft>
+              <a:buClr>
+                <a:srgbClr val="000000"/>
+              </a:buClr>
+              <a:buSzPts val="1400"/>
+              <a:buFont typeface="Arial"/>
               <a:buNone/>
             </a:pPr>
             <a:r>
               <a:t/>
             </a:r>
-            <a:endParaRPr/>
+            <a:endParaRPr b="0" i="0" sz="1600" u="none" cap="none" strike="noStrike">
+              <a:solidFill>
+                <a:schemeClr val="dk1"/>
+              </a:solidFill>
+              <a:latin typeface="Arial"/>
+              <a:ea typeface="Arial"/>
+              <a:cs typeface="Arial"/>
+              <a:sym typeface="Arial"/>
+            </a:endParaRPr>
           </a:p>
         </p:txBody>
       </p:sp>
@@ -11370,6 +12900,10 @@
           <a:prstGeom prst="rect">
             <a:avLst/>
           </a:prstGeom>
+          <a:noFill/>
+          <a:ln>
+            <a:noFill/>
+          </a:ln>
         </p:spPr>
         <p:txBody>
           <a:bodyPr anchorCtr="0" anchor="b" bIns="0" lIns="0" spcFirstLastPara="1" rIns="0" wrap="square" tIns="0">
@@ -11378,12 +12912,16 @@
           <a:lstStyle/>
           <a:p>
             <a:pPr indent="0" lvl="0" marL="0" rtl="0" algn="l">
-              <a:spcBef>
-                <a:spcPts val="0"/>
-              </a:spcBef>
-              <a:spcAft>
-                <a:spcPts val="0"/>
-              </a:spcAft>
+              <a:lnSpc>
+                <a:spcPct val="100000"/>
+              </a:lnSpc>
+              <a:spcBef>
+                <a:spcPts val="0"/>
+              </a:spcBef>
+              <a:spcAft>
+                <a:spcPts val="0"/>
+              </a:spcAft>
+              <a:buSzPts val="1400"/>
               <a:buNone/>
             </a:pPr>
             <a:r>
@@ -11410,6 +12948,10 @@
           <a:prstGeom prst="rect">
             <a:avLst/>
           </a:prstGeom>
+          <a:noFill/>
+          <a:ln>
+            <a:noFill/>
+          </a:ln>
         </p:spPr>
         <p:txBody>
           <a:bodyPr anchorCtr="0" anchor="t" bIns="0" lIns="0" spcFirstLastPara="1" rIns="0" wrap="square" tIns="0">
@@ -11417,110 +12959,230 @@
           </a:bodyPr>
           <a:lstStyle/>
           <a:p>
-            <a:pPr indent="0" lvl="0" marL="0" rtl="0" algn="ctr">
+            <a:pPr indent="0" lvl="0" marL="0" marR="0" rtl="0" algn="ctr">
+              <a:lnSpc>
+                <a:spcPct val="100000"/>
+              </a:lnSpc>
               <a:spcBef>
                 <a:spcPts val="320"/>
               </a:spcBef>
               <a:spcAft>
                 <a:spcPts val="0"/>
               </a:spcAft>
+              <a:buClr>
+                <a:srgbClr val="000000"/>
+              </a:buClr>
+              <a:buSzPts val="1400"/>
+              <a:buFont typeface="Arial"/>
               <a:buNone/>
             </a:pPr>
             <a:r>
               <a:t/>
             </a:r>
-            <a:endParaRPr/>
+            <a:endParaRPr b="0" i="0" sz="1600" u="none" cap="none" strike="noStrike">
+              <a:solidFill>
+                <a:schemeClr val="dk1"/>
+              </a:solidFill>
+              <a:latin typeface="Arial"/>
+              <a:ea typeface="Arial"/>
+              <a:cs typeface="Arial"/>
+              <a:sym typeface="Arial"/>
+            </a:endParaRPr>
           </a:p>
           <a:p>
-            <a:pPr indent="0" lvl="0" marL="0" rtl="0" algn="ctr">
+            <a:pPr indent="0" lvl="0" marL="0" marR="0" rtl="0" algn="ctr">
+              <a:lnSpc>
+                <a:spcPct val="100000"/>
+              </a:lnSpc>
               <a:spcBef>
                 <a:spcPts val="320"/>
               </a:spcBef>
               <a:spcAft>
                 <a:spcPts val="0"/>
               </a:spcAft>
+              <a:buClr>
+                <a:srgbClr val="000000"/>
+              </a:buClr>
+              <a:buSzPts val="1400"/>
+              <a:buFont typeface="Arial"/>
               <a:buNone/>
             </a:pPr>
             <a:r>
               <a:t/>
             </a:r>
-            <a:endParaRPr/>
+            <a:endParaRPr b="0" i="0" sz="1600" u="none" cap="none" strike="noStrike">
+              <a:solidFill>
+                <a:schemeClr val="dk1"/>
+              </a:solidFill>
+              <a:latin typeface="Arial"/>
+              <a:ea typeface="Arial"/>
+              <a:cs typeface="Arial"/>
+              <a:sym typeface="Arial"/>
+            </a:endParaRPr>
           </a:p>
           <a:p>
-            <a:pPr indent="0" lvl="0" marL="0" rtl="0" algn="ctr">
+            <a:pPr indent="0" lvl="0" marL="0" marR="0" rtl="0" algn="ctr">
+              <a:lnSpc>
+                <a:spcPct val="100000"/>
+              </a:lnSpc>
               <a:spcBef>
                 <a:spcPts val="320"/>
               </a:spcBef>
               <a:spcAft>
                 <a:spcPts val="0"/>
               </a:spcAft>
+              <a:buClr>
+                <a:srgbClr val="000000"/>
+              </a:buClr>
+              <a:buSzPts val="1400"/>
+              <a:buFont typeface="Arial"/>
               <a:buNone/>
             </a:pPr>
             <a:r>
               <a:t/>
             </a:r>
-            <a:endParaRPr/>
+            <a:endParaRPr b="0" i="0" sz="1600" u="none" cap="none" strike="noStrike">
+              <a:solidFill>
+                <a:schemeClr val="dk1"/>
+              </a:solidFill>
+              <a:latin typeface="Arial"/>
+              <a:ea typeface="Arial"/>
+              <a:cs typeface="Arial"/>
+              <a:sym typeface="Arial"/>
+            </a:endParaRPr>
           </a:p>
           <a:p>
-            <a:pPr indent="0" lvl="0" marL="0" rtl="0" algn="ctr">
+            <a:pPr indent="0" lvl="0" marL="0" marR="0" rtl="0" algn="ctr">
+              <a:lnSpc>
+                <a:spcPct val="100000"/>
+              </a:lnSpc>
               <a:spcBef>
                 <a:spcPts val="320"/>
               </a:spcBef>
               <a:spcAft>
                 <a:spcPts val="0"/>
               </a:spcAft>
+              <a:buClr>
+                <a:srgbClr val="000000"/>
+              </a:buClr>
+              <a:buSzPts val="1400"/>
+              <a:buFont typeface="Arial"/>
               <a:buNone/>
             </a:pPr>
             <a:r>
               <a:t/>
             </a:r>
-            <a:endParaRPr/>
+            <a:endParaRPr b="0" i="0" sz="1600" u="none" cap="none" strike="noStrike">
+              <a:solidFill>
+                <a:schemeClr val="dk1"/>
+              </a:solidFill>
+              <a:latin typeface="Arial"/>
+              <a:ea typeface="Arial"/>
+              <a:cs typeface="Arial"/>
+              <a:sym typeface="Arial"/>
+            </a:endParaRPr>
           </a:p>
           <a:p>
-            <a:pPr indent="0" lvl="0" marL="0" rtl="0" algn="ctr">
+            <a:pPr indent="0" lvl="0" marL="0" marR="0" rtl="0" algn="ctr">
+              <a:lnSpc>
+                <a:spcPct val="100000"/>
+              </a:lnSpc>
               <a:spcBef>
                 <a:spcPts val="320"/>
               </a:spcBef>
               <a:spcAft>
                 <a:spcPts val="0"/>
               </a:spcAft>
+              <a:buClr>
+                <a:srgbClr val="000000"/>
+              </a:buClr>
+              <a:buSzPts val="1400"/>
+              <a:buFont typeface="Arial"/>
               <a:buNone/>
             </a:pPr>
             <a:r>
               <a:t/>
             </a:r>
-            <a:endParaRPr/>
+            <a:endParaRPr b="0" i="0" sz="1600" u="none" cap="none" strike="noStrike">
+              <a:solidFill>
+                <a:schemeClr val="dk1"/>
+              </a:solidFill>
+              <a:latin typeface="Arial"/>
+              <a:ea typeface="Arial"/>
+              <a:cs typeface="Arial"/>
+              <a:sym typeface="Arial"/>
+            </a:endParaRPr>
           </a:p>
           <a:p>
-            <a:pPr indent="0" lvl="0" marL="0" rtl="0" algn="ctr">
+            <a:pPr indent="0" lvl="0" marL="0" marR="0" rtl="0" algn="ctr">
+              <a:lnSpc>
+                <a:spcPct val="100000"/>
+              </a:lnSpc>
               <a:spcBef>
                 <a:spcPts val="320"/>
               </a:spcBef>
               <a:spcAft>
                 <a:spcPts val="0"/>
               </a:spcAft>
+              <a:buClr>
+                <a:srgbClr val="000000"/>
+              </a:buClr>
+              <a:buSzPts val="1400"/>
+              <a:buFont typeface="Arial"/>
               <a:buNone/>
             </a:pPr>
             <a:r>
-              <a:rPr lang="de" sz="3600"/>
+              <a:rPr b="0" i="0" lang="de" sz="3600" u="none" cap="none" strike="noStrike">
+                <a:solidFill>
+                  <a:schemeClr val="dk1"/>
+                </a:solidFill>
+                <a:latin typeface="Arial"/>
+                <a:ea typeface="Arial"/>
+                <a:cs typeface="Arial"/>
+                <a:sym typeface="Arial"/>
+              </a:rPr>
               <a:t>Gemeinsame Implementierung der “exists”-Methode</a:t>
             </a:r>
-            <a:endParaRPr/>
+            <a:endParaRPr b="0" i="0" sz="1600" u="none" cap="none" strike="noStrike">
+              <a:solidFill>
+                <a:schemeClr val="dk1"/>
+              </a:solidFill>
+              <a:latin typeface="Arial"/>
+              <a:ea typeface="Arial"/>
+              <a:cs typeface="Arial"/>
+              <a:sym typeface="Arial"/>
+            </a:endParaRPr>
           </a:p>
           <a:p>
-            <a:pPr indent="0" lvl="0" marL="0" rtl="0" algn="ctr">
+            <a:pPr indent="0" lvl="0" marL="0" marR="0" rtl="0" algn="ctr">
+              <a:lnSpc>
+                <a:spcPct val="100000"/>
+              </a:lnSpc>
               <a:spcBef>
                 <a:spcPts val="320"/>
               </a:spcBef>
               <a:spcAft>
                 <a:spcPts val="0"/>
               </a:spcAft>
+              <a:buClr>
+                <a:srgbClr val="000000"/>
+              </a:buClr>
+              <a:buSzPts val="1400"/>
+              <a:buFont typeface="Arial"/>
               <a:buNone/>
             </a:pPr>
             <a:r>
               <a:t/>
             </a:r>
-            <a:endParaRPr/>
+            <a:endParaRPr b="0" i="0" sz="1600" u="none" cap="none" strike="noStrike">
+              <a:solidFill>
+                <a:schemeClr val="dk1"/>
+              </a:solidFill>
+              <a:latin typeface="Arial"/>
+              <a:ea typeface="Arial"/>
+              <a:cs typeface="Arial"/>
+              <a:sym typeface="Arial"/>
+            </a:endParaRPr>
           </a:p>
         </p:txBody>
       </p:sp>
@@ -11565,6 +13227,10 @@
           <a:prstGeom prst="rect">
             <a:avLst/>
           </a:prstGeom>
+          <a:noFill/>
+          <a:ln>
+            <a:noFill/>
+          </a:ln>
         </p:spPr>
         <p:txBody>
           <a:bodyPr anchorCtr="0" anchor="b" bIns="0" lIns="0" spcFirstLastPara="1" rIns="0" wrap="square" tIns="0">
@@ -11573,12 +13239,16 @@
           <a:lstStyle/>
           <a:p>
             <a:pPr indent="0" lvl="0" marL="0" rtl="0" algn="l">
-              <a:spcBef>
-                <a:spcPts val="0"/>
-              </a:spcBef>
-              <a:spcAft>
-                <a:spcPts val="0"/>
-              </a:spcAft>
+              <a:lnSpc>
+                <a:spcPct val="100000"/>
+              </a:lnSpc>
+              <a:spcBef>
+                <a:spcPts val="0"/>
+              </a:spcBef>
+              <a:spcAft>
+                <a:spcPts val="0"/>
+              </a:spcAft>
+              <a:buSzPts val="1400"/>
               <a:buNone/>
             </a:pPr>
             <a:r>
@@ -11605,6 +13275,10 @@
           <a:prstGeom prst="rect">
             <a:avLst/>
           </a:prstGeom>
+          <a:noFill/>
+          <a:ln>
+            <a:noFill/>
+          </a:ln>
         </p:spPr>
         <p:txBody>
           <a:bodyPr anchorCtr="0" anchor="t" bIns="0" lIns="0" spcFirstLastPara="1" rIns="0" wrap="square" tIns="0">
@@ -11612,7 +13286,10 @@
           </a:bodyPr>
           <a:lstStyle/>
           <a:p>
-            <a:pPr indent="0" lvl="0" marL="0" rtl="0" algn="ctr">
+            <a:pPr indent="0" lvl="0" marL="0" marR="0" rtl="0" algn="ctr">
+              <a:lnSpc>
+                <a:spcPct val="100000"/>
+              </a:lnSpc>
               <a:spcBef>
                 <a:spcPts val="320"/>
               </a:spcBef>
@@ -11629,10 +13306,21 @@
             <a:r>
               <a:t/>
             </a:r>
-            <a:endParaRPr/>
+            <a:endParaRPr b="0" i="0" sz="1600" u="none" cap="none" strike="noStrike">
+              <a:solidFill>
+                <a:schemeClr val="dk1"/>
+              </a:solidFill>
+              <a:latin typeface="Arial"/>
+              <a:ea typeface="Arial"/>
+              <a:cs typeface="Arial"/>
+              <a:sym typeface="Arial"/>
+            </a:endParaRPr>
           </a:p>
           <a:p>
-            <a:pPr indent="0" lvl="0" marL="0" rtl="0" algn="ctr">
+            <a:pPr indent="0" lvl="0" marL="0" marR="0" rtl="0" algn="ctr">
+              <a:lnSpc>
+                <a:spcPct val="100000"/>
+              </a:lnSpc>
               <a:spcBef>
                 <a:spcPts val="320"/>
               </a:spcBef>
@@ -11649,10 +13337,21 @@
             <a:r>
               <a:t/>
             </a:r>
-            <a:endParaRPr/>
+            <a:endParaRPr b="0" i="0" sz="1600" u="none" cap="none" strike="noStrike">
+              <a:solidFill>
+                <a:schemeClr val="dk1"/>
+              </a:solidFill>
+              <a:latin typeface="Arial"/>
+              <a:ea typeface="Arial"/>
+              <a:cs typeface="Arial"/>
+              <a:sym typeface="Arial"/>
+            </a:endParaRPr>
           </a:p>
           <a:p>
-            <a:pPr indent="0" lvl="0" marL="0" rtl="0" algn="ctr">
+            <a:pPr indent="0" lvl="0" marL="0" marR="0" rtl="0" algn="ctr">
+              <a:lnSpc>
+                <a:spcPct val="100000"/>
+              </a:lnSpc>
               <a:spcBef>
                 <a:spcPts val="320"/>
               </a:spcBef>
@@ -11669,10 +13368,21 @@
             <a:r>
               <a:t/>
             </a:r>
-            <a:endParaRPr/>
+            <a:endParaRPr b="0" i="0" sz="1600" u="none" cap="none" strike="noStrike">
+              <a:solidFill>
+                <a:schemeClr val="dk1"/>
+              </a:solidFill>
+              <a:latin typeface="Arial"/>
+              <a:ea typeface="Arial"/>
+              <a:cs typeface="Arial"/>
+              <a:sym typeface="Arial"/>
+            </a:endParaRPr>
           </a:p>
           <a:p>
-            <a:pPr indent="0" lvl="0" marL="0" rtl="0" algn="ctr">
+            <a:pPr indent="0" lvl="0" marL="0" marR="0" rtl="0" algn="ctr">
+              <a:lnSpc>
+                <a:spcPct val="100000"/>
+              </a:lnSpc>
               <a:spcBef>
                 <a:spcPts val="320"/>
               </a:spcBef>
@@ -11689,10 +13399,21 @@
             <a:r>
               <a:t/>
             </a:r>
-            <a:endParaRPr/>
+            <a:endParaRPr b="0" i="0" sz="1600" u="none" cap="none" strike="noStrike">
+              <a:solidFill>
+                <a:schemeClr val="dk1"/>
+              </a:solidFill>
+              <a:latin typeface="Arial"/>
+              <a:ea typeface="Arial"/>
+              <a:cs typeface="Arial"/>
+              <a:sym typeface="Arial"/>
+            </a:endParaRPr>
           </a:p>
           <a:p>
-            <a:pPr indent="0" lvl="0" marL="0" rtl="0" algn="ctr">
+            <a:pPr indent="0" lvl="0" marL="0" marR="0" rtl="0" algn="ctr">
+              <a:lnSpc>
+                <a:spcPct val="100000"/>
+              </a:lnSpc>
               <a:spcBef>
                 <a:spcPts val="320"/>
               </a:spcBef>
@@ -11709,10 +13430,21 @@
             <a:r>
               <a:t/>
             </a:r>
-            <a:endParaRPr/>
+            <a:endParaRPr b="0" i="0" sz="1600" u="none" cap="none" strike="noStrike">
+              <a:solidFill>
+                <a:schemeClr val="dk1"/>
+              </a:solidFill>
+              <a:latin typeface="Arial"/>
+              <a:ea typeface="Arial"/>
+              <a:cs typeface="Arial"/>
+              <a:sym typeface="Arial"/>
+            </a:endParaRPr>
           </a:p>
           <a:p>
-            <a:pPr indent="0" lvl="0" marL="0" rtl="0" algn="ctr">
+            <a:pPr indent="0" lvl="0" marL="0" marR="0" rtl="0" algn="ctr">
+              <a:lnSpc>
+                <a:spcPct val="100000"/>
+              </a:lnSpc>
               <a:spcBef>
                 <a:spcPts val="320"/>
               </a:spcBef>
@@ -11729,10 +13461,21 @@
             <a:r>
               <a:t/>
             </a:r>
-            <a:endParaRPr/>
+            <a:endParaRPr b="0" i="0" sz="1600" u="none" cap="none" strike="noStrike">
+              <a:solidFill>
+                <a:schemeClr val="dk1"/>
+              </a:solidFill>
+              <a:latin typeface="Arial"/>
+              <a:ea typeface="Arial"/>
+              <a:cs typeface="Arial"/>
+              <a:sym typeface="Arial"/>
+            </a:endParaRPr>
           </a:p>
           <a:p>
-            <a:pPr indent="0" lvl="0" marL="0" rtl="0" algn="ctr">
+            <a:pPr indent="0" lvl="0" marL="0" marR="0" rtl="0" algn="ctr">
+              <a:lnSpc>
+                <a:spcPct val="100000"/>
+              </a:lnSpc>
               <a:spcBef>
                 <a:spcPts val="320"/>
               </a:spcBef>
@@ -11747,25 +13490,57 @@
               <a:buNone/>
             </a:pPr>
             <a:r>
-              <a:rPr lang="de" sz="3600"/>
+              <a:rPr b="0" i="0" lang="de" sz="3600" u="none" cap="none" strike="noStrike">
+                <a:solidFill>
+                  <a:schemeClr val="dk1"/>
+                </a:solidFill>
+                <a:latin typeface="Arial"/>
+                <a:ea typeface="Arial"/>
+                <a:cs typeface="Arial"/>
+                <a:sym typeface="Arial"/>
+              </a:rPr>
               <a:t>Fragen</a:t>
             </a:r>
-            <a:endParaRPr/>
+            <a:endParaRPr b="0" i="0" sz="1600" u="none" cap="none" strike="noStrike">
+              <a:solidFill>
+                <a:schemeClr val="dk1"/>
+              </a:solidFill>
+              <a:latin typeface="Arial"/>
+              <a:ea typeface="Arial"/>
+              <a:cs typeface="Arial"/>
+              <a:sym typeface="Arial"/>
+            </a:endParaRPr>
           </a:p>
           <a:p>
-            <a:pPr indent="0" lvl="0" marL="0" rtl="0" algn="ctr">
+            <a:pPr indent="0" lvl="0" marL="0" marR="0" rtl="0" algn="ctr">
+              <a:lnSpc>
+                <a:spcPct val="100000"/>
+              </a:lnSpc>
               <a:spcBef>
                 <a:spcPts val="320"/>
               </a:spcBef>
               <a:spcAft>
                 <a:spcPts val="0"/>
               </a:spcAft>
+              <a:buClr>
+                <a:srgbClr val="000000"/>
+              </a:buClr>
+              <a:buSzPts val="1400"/>
+              <a:buFont typeface="Arial"/>
               <a:buNone/>
             </a:pPr>
             <a:r>
               <a:t/>
             </a:r>
-            <a:endParaRPr/>
+            <a:endParaRPr b="0" i="0" sz="1600" u="none" cap="none" strike="noStrike">
+              <a:solidFill>
+                <a:schemeClr val="dk1"/>
+              </a:solidFill>
+              <a:latin typeface="Arial"/>
+              <a:ea typeface="Arial"/>
+              <a:cs typeface="Arial"/>
+              <a:sym typeface="Arial"/>
+            </a:endParaRPr>
           </a:p>
         </p:txBody>
       </p:sp>
@@ -11778,6 +13553,285 @@
 </file>
 
 <file path=ppt/theme/theme1.xml><?xml version="1.0" encoding="utf-8"?>
+<a:theme xmlns:a="http://schemas.openxmlformats.org/drawingml/2006/main" xmlns:r="http://schemas.openxmlformats.org/officeDocument/2006/relationships">
+  <a:themeElements>
+    <a:clrScheme name="Default">
+      <a:dk1>
+        <a:srgbClr val="000000"/>
+      </a:dk1>
+      <a:lt1>
+        <a:srgbClr val="FFFFFF"/>
+      </a:lt1>
+      <a:dk2>
+        <a:srgbClr val="158158"/>
+      </a:dk2>
+      <a:lt2>
+        <a:srgbClr val="F3F3F3"/>
+      </a:lt2>
+      <a:accent1>
+        <a:srgbClr val="058DC7"/>
+      </a:accent1>
+      <a:accent2>
+        <a:srgbClr val="50B432"/>
+      </a:accent2>
+      <a:accent3>
+        <a:srgbClr val="ED561B"/>
+      </a:accent3>
+      <a:accent4>
+        <a:srgbClr val="EDEF00"/>
+      </a:accent4>
+      <a:accent5>
+        <a:srgbClr val="24CBE5"/>
+      </a:accent5>
+      <a:accent6>
+        <a:srgbClr val="64E572"/>
+      </a:accent6>
+      <a:hlink>
+        <a:srgbClr val="2200CC"/>
+      </a:hlink>
+      <a:folHlink>
+        <a:srgbClr val="551A8B"/>
+      </a:folHlink>
+    </a:clrScheme>
+    <a:fontScheme name="Office">
+      <a:majorFont>
+        <a:latin typeface="Arial"/>
+        <a:ea typeface=""/>
+        <a:cs typeface=""/>
+        <a:font script="Jpan" typeface="ＭＳ Ｐゴシック"/>
+        <a:font script="Hang" typeface="맑은 고딕"/>
+        <a:font script="Hans" typeface="宋体"/>
+        <a:font script="Hant" typeface="新細明體"/>
+        <a:font script="Arab" typeface="Times New Roman"/>
+        <a:font script="Hebr" typeface="Times New Roman"/>
+        <a:font script="Thai" typeface="Angsana New"/>
+        <a:font script="Ethi" typeface="Nyala"/>
+        <a:font script="Beng" typeface="Vrinda"/>
+        <a:font script="Gujr" typeface="Shruti"/>
+        <a:font script="Khmr" typeface="MoolBoran"/>
+        <a:font script="Knda" typeface="Tunga"/>
+        <a:font script="Guru" typeface="Raavi"/>
+        <a:font script="Cans" typeface="Euphemia"/>
+        <a:font script="Cher" typeface="Plantagenet Cherokee"/>
+        <a:font script="Yiii" typeface="Microsoft Yi Baiti"/>
+        <a:font script="Tibt" typeface="Microsoft Himalaya"/>
+        <a:font script="Thaa" typeface="MV Boli"/>
+        <a:font script="Deva" typeface="Mangal"/>
+        <a:font script="Telu" typeface="Gautami"/>
+        <a:font script="Taml" typeface="Latha"/>
+        <a:font script="Syrc" typeface="Estrangelo Edessa"/>
+        <a:font script="Orya" typeface="Kalinga"/>
+        <a:font script="Mlym" typeface="Kartika"/>
+        <a:font script="Laoo" typeface="DokChampa"/>
+        <a:font script="Sinh" typeface="Iskoola Pota"/>
+        <a:font script="Mong" typeface="Mongolian Baiti"/>
+        <a:font script="Viet" typeface="Times New Roman"/>
+        <a:font script="Uigh" typeface="Microsoft Uighur"/>
+        <a:font script="Geor" typeface="Sylfaen"/>
+      </a:majorFont>
+      <a:minorFont>
+        <a:latin typeface="Arial"/>
+        <a:ea typeface=""/>
+        <a:cs typeface=""/>
+        <a:font script="Jpan" typeface="ＭＳ Ｐゴシック"/>
+        <a:font script="Hang" typeface="맑은 고딕"/>
+        <a:font script="Hans" typeface="宋体"/>
+        <a:font script="Hant" typeface="新細明體"/>
+        <a:font script="Arab" typeface="Arial"/>
+        <a:font script="Hebr" typeface="Arial"/>
+        <a:font script="Thai" typeface="Cordia New"/>
+        <a:font script="Ethi" typeface="Nyala"/>
+        <a:font script="Beng" typeface="Vrinda"/>
+        <a:font script="Gujr" typeface="Shruti"/>
+        <a:font script="Khmr" typeface="DaunPenh"/>
+        <a:font script="Knda" typeface="Tunga"/>
+        <a:font script="Guru" typeface="Raavi"/>
+        <a:font script="Cans" typeface="Euphemia"/>
+        <a:font script="Cher" typeface="Plantagenet Cherokee"/>
+        <a:font script="Yiii" typeface="Microsoft Yi Baiti"/>
+        <a:font script="Tibt" typeface="Microsoft Himalaya"/>
+        <a:font script="Thaa" typeface="MV Boli"/>
+        <a:font script="Deva" typeface="Mangal"/>
+        <a:font script="Telu" typeface="Gautami"/>
+        <a:font script="Taml" typeface="Latha"/>
+        <a:font script="Syrc" typeface="Estrangelo Edessa"/>
+        <a:font script="Orya" typeface="Kalinga"/>
+        <a:font script="Mlym" typeface="Kartika"/>
+        <a:font script="Laoo" typeface="DokChampa"/>
+        <a:font script="Sinh" typeface="Iskoola Pota"/>
+        <a:font script="Mong" typeface="Mongolian Baiti"/>
+        <a:font script="Viet" typeface="Arial"/>
+        <a:font script="Uigh" typeface="Microsoft Uighur"/>
+        <a:font script="Geor" typeface="Sylfaen"/>
+      </a:minorFont>
+    </a:fontScheme>
+    <a:fmtScheme name="Office">
+      <a:fillStyleLst>
+        <a:solidFill>
+          <a:schemeClr val="phClr"/>
+        </a:solidFill>
+        <a:gradFill rotWithShape="1">
+          <a:gsLst>
+            <a:gs pos="0">
+              <a:schemeClr val="phClr">
+                <a:tint val="50000"/>
+                <a:satMod val="300000"/>
+              </a:schemeClr>
+            </a:gs>
+            <a:gs pos="35000">
+              <a:schemeClr val="phClr">
+                <a:tint val="37000"/>
+                <a:satMod val="300000"/>
+              </a:schemeClr>
+            </a:gs>
+            <a:gs pos="100000">
+              <a:schemeClr val="phClr">
+                <a:tint val="15000"/>
+                <a:satMod val="350000"/>
+              </a:schemeClr>
+            </a:gs>
+          </a:gsLst>
+          <a:lin ang="16200000" scaled="1"/>
+        </a:gradFill>
+        <a:gradFill rotWithShape="1">
+          <a:gsLst>
+            <a:gs pos="0">
+              <a:schemeClr val="phClr">
+                <a:tint val="100000"/>
+                <a:shade val="100000"/>
+                <a:satMod val="130000"/>
+              </a:schemeClr>
+            </a:gs>
+            <a:gs pos="100000">
+              <a:schemeClr val="phClr">
+                <a:tint val="50000"/>
+                <a:shade val="100000"/>
+                <a:satMod val="350000"/>
+              </a:schemeClr>
+            </a:gs>
+          </a:gsLst>
+          <a:lin ang="16200000" scaled="0"/>
+        </a:gradFill>
+      </a:fillStyleLst>
+      <a:lnStyleLst>
+        <a:ln w="9525" cap="flat" cmpd="sng" algn="ctr">
+          <a:solidFill>
+            <a:schemeClr val="phClr">
+              <a:shade val="95000"/>
+              <a:satMod val="105000"/>
+            </a:schemeClr>
+          </a:solidFill>
+          <a:prstDash val="solid"/>
+        </a:ln>
+        <a:ln w="25400" cap="flat" cmpd="sng" algn="ctr">
+          <a:solidFill>
+            <a:schemeClr val="phClr"/>
+          </a:solidFill>
+          <a:prstDash val="solid"/>
+        </a:ln>
+        <a:ln w="38100" cap="flat" cmpd="sng" algn="ctr">
+          <a:solidFill>
+            <a:schemeClr val="phClr"/>
+          </a:solidFill>
+          <a:prstDash val="solid"/>
+        </a:ln>
+      </a:lnStyleLst>
+      <a:effectStyleLst>
+        <a:effectStyle>
+          <a:effectLst>
+            <a:outerShdw blurRad="40000" dist="20000" dir="5400000" rotWithShape="0">
+              <a:srgbClr val="000000">
+                <a:alpha val="38000"/>
+              </a:srgbClr>
+            </a:outerShdw>
+          </a:effectLst>
+        </a:effectStyle>
+        <a:effectStyle>
+          <a:effectLst>
+            <a:outerShdw blurRad="40000" dist="23000" dir="5400000" rotWithShape="0">
+              <a:srgbClr val="000000">
+                <a:alpha val="35000"/>
+              </a:srgbClr>
+            </a:outerShdw>
+          </a:effectLst>
+        </a:effectStyle>
+        <a:effectStyle>
+          <a:effectLst>
+            <a:outerShdw blurRad="40000" dist="23000" dir="5400000" rotWithShape="0">
+              <a:srgbClr val="000000">
+                <a:alpha val="35000"/>
+              </a:srgbClr>
+            </a:outerShdw>
+          </a:effectLst>
+          <a:scene3d>
+            <a:camera prst="orthographicFront">
+              <a:rot lat="0" lon="0" rev="0"/>
+            </a:camera>
+            <a:lightRig rig="threePt" dir="t">
+              <a:rot lat="0" lon="0" rev="1200000"/>
+            </a:lightRig>
+          </a:scene3d>
+          <a:sp3d>
+            <a:bevelT w="63500" h="25400"/>
+          </a:sp3d>
+        </a:effectStyle>
+      </a:effectStyleLst>
+      <a:bgFillStyleLst>
+        <a:solidFill>
+          <a:schemeClr val="phClr"/>
+        </a:solidFill>
+        <a:gradFill rotWithShape="1">
+          <a:gsLst>
+            <a:gs pos="0">
+              <a:schemeClr val="phClr">
+                <a:tint val="40000"/>
+                <a:satMod val="350000"/>
+              </a:schemeClr>
+            </a:gs>
+            <a:gs pos="40000">
+              <a:schemeClr val="phClr">
+                <a:tint val="45000"/>
+                <a:shade val="99000"/>
+                <a:satMod val="350000"/>
+              </a:schemeClr>
+            </a:gs>
+            <a:gs pos="100000">
+              <a:schemeClr val="phClr">
+                <a:shade val="20000"/>
+                <a:satMod val="255000"/>
+              </a:schemeClr>
+            </a:gs>
+          </a:gsLst>
+          <a:path path="circle">
+            <a:fillToRect l="50000" t="-80000" r="50000" b="180000"/>
+          </a:path>
+        </a:gradFill>
+        <a:gradFill rotWithShape="1">
+          <a:gsLst>
+            <a:gs pos="0">
+              <a:schemeClr val="phClr">
+                <a:tint val="80000"/>
+                <a:satMod val="300000"/>
+              </a:schemeClr>
+            </a:gs>
+            <a:gs pos="100000">
+              <a:schemeClr val="phClr">
+                <a:shade val="30000"/>
+                <a:satMod val="200000"/>
+              </a:schemeClr>
+            </a:gs>
+          </a:gsLst>
+          <a:path path="circle">
+            <a:fillToRect l="50000" t="50000" r="50000" b="50000"/>
+          </a:path>
+        </a:gradFill>
+      </a:bgFillStyleLst>
+    </a:fmtScheme>
+  </a:themeElements>
+</a:theme>
+</file>
+
+<file path=ppt/theme/theme2.xml><?xml version="1.0" encoding="utf-8"?>
 <a:theme xmlns:a="http://schemas.openxmlformats.org/drawingml/2006/main" xmlns:r="http://schemas.openxmlformats.org/officeDocument/2006/relationships" name="TUBraunschweig_PPT2007_Folienpool_pptx">
   <a:themeElements>
     <a:clrScheme name="TU Braunschweig">
@@ -12054,283 +14108,4 @@
     </a:fmtScheme>
   </a:themeElements>
 </a:theme>
-</file>
-
-<file path=ppt/theme/theme2.xml><?xml version="1.0" encoding="utf-8"?>
-<a:theme xmlns:a="http://schemas.openxmlformats.org/drawingml/2006/main" xmlns:r="http://schemas.openxmlformats.org/officeDocument/2006/relationships">
-  <a:themeElements>
-    <a:clrScheme name="Default">
-      <a:dk1>
-        <a:srgbClr val="000000"/>
-      </a:dk1>
-      <a:lt1>
-        <a:srgbClr val="FFFFFF"/>
-      </a:lt1>
-      <a:dk2>
-        <a:srgbClr val="158158"/>
-      </a:dk2>
-      <a:lt2>
-        <a:srgbClr val="F3F3F3"/>
-      </a:lt2>
-      <a:accent1>
-        <a:srgbClr val="058DC7"/>
-      </a:accent1>
-      <a:accent2>
-        <a:srgbClr val="50B432"/>
-      </a:accent2>
-      <a:accent3>
-        <a:srgbClr val="ED561B"/>
-      </a:accent3>
-      <a:accent4>
-        <a:srgbClr val="EDEF00"/>
-      </a:accent4>
-      <a:accent5>
-        <a:srgbClr val="24CBE5"/>
-      </a:accent5>
-      <a:accent6>
-        <a:srgbClr val="64E572"/>
-      </a:accent6>
-      <a:hlink>
-        <a:srgbClr val="2200CC"/>
-      </a:hlink>
-      <a:folHlink>
-        <a:srgbClr val="551A8B"/>
-      </a:folHlink>
-    </a:clrScheme>
-    <a:fontScheme name="Office">
-      <a:majorFont>
-        <a:latin typeface="Arial"/>
-        <a:ea typeface=""/>
-        <a:cs typeface=""/>
-        <a:font script="Jpan" typeface="ＭＳ Ｐゴシック"/>
-        <a:font script="Hang" typeface="맑은 고딕"/>
-        <a:font script="Hans" typeface="宋体"/>
-        <a:font script="Hant" typeface="新細明體"/>
-        <a:font script="Arab" typeface="Times New Roman"/>
-        <a:font script="Hebr" typeface="Times New Roman"/>
-        <a:font script="Thai" typeface="Angsana New"/>
-        <a:font script="Ethi" typeface="Nyala"/>
-        <a:font script="Beng" typeface="Vrinda"/>
-        <a:font script="Gujr" typeface="Shruti"/>
-        <a:font script="Khmr" typeface="MoolBoran"/>
-        <a:font script="Knda" typeface="Tunga"/>
-        <a:font script="Guru" typeface="Raavi"/>
-        <a:font script="Cans" typeface="Euphemia"/>
-        <a:font script="Cher" typeface="Plantagenet Cherokee"/>
-        <a:font script="Yiii" typeface="Microsoft Yi Baiti"/>
-        <a:font script="Tibt" typeface="Microsoft Himalaya"/>
-        <a:font script="Thaa" typeface="MV Boli"/>
-        <a:font script="Deva" typeface="Mangal"/>
-        <a:font script="Telu" typeface="Gautami"/>
-        <a:font script="Taml" typeface="Latha"/>
-        <a:font script="Syrc" typeface="Estrangelo Edessa"/>
-        <a:font script="Orya" typeface="Kalinga"/>
-        <a:font script="Mlym" typeface="Kartika"/>
-        <a:font script="Laoo" typeface="DokChampa"/>
-        <a:font script="Sinh" typeface="Iskoola Pota"/>
-        <a:font script="Mong" typeface="Mongolian Baiti"/>
-        <a:font script="Viet" typeface="Times New Roman"/>
-        <a:font script="Uigh" typeface="Microsoft Uighur"/>
-        <a:font script="Geor" typeface="Sylfaen"/>
-      </a:majorFont>
-      <a:minorFont>
-        <a:latin typeface="Arial"/>
-        <a:ea typeface=""/>
-        <a:cs typeface=""/>
-        <a:font script="Jpan" typeface="ＭＳ Ｐゴシック"/>
-        <a:font script="Hang" typeface="맑은 고딕"/>
-        <a:font script="Hans" typeface="宋体"/>
-        <a:font script="Hant" typeface="新細明體"/>
-        <a:font script="Arab" typeface="Arial"/>
-        <a:font script="Hebr" typeface="Arial"/>
-        <a:font script="Thai" typeface="Cordia New"/>
-        <a:font script="Ethi" typeface="Nyala"/>
-        <a:font script="Beng" typeface="Vrinda"/>
-        <a:font script="Gujr" typeface="Shruti"/>
-        <a:font script="Khmr" typeface="DaunPenh"/>
-        <a:font script="Knda" typeface="Tunga"/>
-        <a:font script="Guru" typeface="Raavi"/>
-        <a:font script="Cans" typeface="Euphemia"/>
-        <a:font script="Cher" typeface="Plantagenet Cherokee"/>
-        <a:font script="Yiii" typeface="Microsoft Yi Baiti"/>
-        <a:font script="Tibt" typeface="Microsoft Himalaya"/>
-        <a:font script="Thaa" typeface="MV Boli"/>
-        <a:font script="Deva" typeface="Mangal"/>
-        <a:font script="Telu" typeface="Gautami"/>
-        <a:font script="Taml" typeface="Latha"/>
-        <a:font script="Syrc" typeface="Estrangelo Edessa"/>
-        <a:font script="Orya" typeface="Kalinga"/>
-        <a:font script="Mlym" typeface="Kartika"/>
-        <a:font script="Laoo" typeface="DokChampa"/>
-        <a:font script="Sinh" typeface="Iskoola Pota"/>
-        <a:font script="Mong" typeface="Mongolian Baiti"/>
-        <a:font script="Viet" typeface="Arial"/>
-        <a:font script="Uigh" typeface="Microsoft Uighur"/>
-        <a:font script="Geor" typeface="Sylfaen"/>
-      </a:minorFont>
-    </a:fontScheme>
-    <a:fmtScheme name="Office">
-      <a:fillStyleLst>
-        <a:solidFill>
-          <a:schemeClr val="phClr"/>
-        </a:solidFill>
-        <a:gradFill rotWithShape="1">
-          <a:gsLst>
-            <a:gs pos="0">
-              <a:schemeClr val="phClr">
-                <a:tint val="50000"/>
-                <a:satMod val="300000"/>
-              </a:schemeClr>
-            </a:gs>
-            <a:gs pos="35000">
-              <a:schemeClr val="phClr">
-                <a:tint val="37000"/>
-                <a:satMod val="300000"/>
-              </a:schemeClr>
-            </a:gs>
-            <a:gs pos="100000">
-              <a:schemeClr val="phClr">
-                <a:tint val="15000"/>
-                <a:satMod val="350000"/>
-              </a:schemeClr>
-            </a:gs>
-          </a:gsLst>
-          <a:lin ang="16200000" scaled="1"/>
-        </a:gradFill>
-        <a:gradFill rotWithShape="1">
-          <a:gsLst>
-            <a:gs pos="0">
-              <a:schemeClr val="phClr">
-                <a:tint val="100000"/>
-                <a:shade val="100000"/>
-                <a:satMod val="130000"/>
-              </a:schemeClr>
-            </a:gs>
-            <a:gs pos="100000">
-              <a:schemeClr val="phClr">
-                <a:tint val="50000"/>
-                <a:shade val="100000"/>
-                <a:satMod val="350000"/>
-              </a:schemeClr>
-            </a:gs>
-          </a:gsLst>
-          <a:lin ang="16200000" scaled="0"/>
-        </a:gradFill>
-      </a:fillStyleLst>
-      <a:lnStyleLst>
-        <a:ln w="9525" cap="flat" cmpd="sng" algn="ctr">
-          <a:solidFill>
-            <a:schemeClr val="phClr">
-              <a:shade val="95000"/>
-              <a:satMod val="105000"/>
-            </a:schemeClr>
-          </a:solidFill>
-          <a:prstDash val="solid"/>
-        </a:ln>
-        <a:ln w="25400" cap="flat" cmpd="sng" algn="ctr">
-          <a:solidFill>
-            <a:schemeClr val="phClr"/>
-          </a:solidFill>
-          <a:prstDash val="solid"/>
-        </a:ln>
-        <a:ln w="38100" cap="flat" cmpd="sng" algn="ctr">
-          <a:solidFill>
-            <a:schemeClr val="phClr"/>
-          </a:solidFill>
-          <a:prstDash val="solid"/>
-        </a:ln>
-      </a:lnStyleLst>
-      <a:effectStyleLst>
-        <a:effectStyle>
-          <a:effectLst>
-            <a:outerShdw blurRad="40000" dist="20000" dir="5400000" rotWithShape="0">
-              <a:srgbClr val="000000">
-                <a:alpha val="38000"/>
-              </a:srgbClr>
-            </a:outerShdw>
-          </a:effectLst>
-        </a:effectStyle>
-        <a:effectStyle>
-          <a:effectLst>
-            <a:outerShdw blurRad="40000" dist="23000" dir="5400000" rotWithShape="0">
-              <a:srgbClr val="000000">
-                <a:alpha val="35000"/>
-              </a:srgbClr>
-            </a:outerShdw>
-          </a:effectLst>
-        </a:effectStyle>
-        <a:effectStyle>
-          <a:effectLst>
-            <a:outerShdw blurRad="40000" dist="23000" dir="5400000" rotWithShape="0">
-              <a:srgbClr val="000000">
-                <a:alpha val="35000"/>
-              </a:srgbClr>
-            </a:outerShdw>
-          </a:effectLst>
-          <a:scene3d>
-            <a:camera prst="orthographicFront">
-              <a:rot lat="0" lon="0" rev="0"/>
-            </a:camera>
-            <a:lightRig rig="threePt" dir="t">
-              <a:rot lat="0" lon="0" rev="1200000"/>
-            </a:lightRig>
-          </a:scene3d>
-          <a:sp3d>
-            <a:bevelT w="63500" h="25400"/>
-          </a:sp3d>
-        </a:effectStyle>
-      </a:effectStyleLst>
-      <a:bgFillStyleLst>
-        <a:solidFill>
-          <a:schemeClr val="phClr"/>
-        </a:solidFill>
-        <a:gradFill rotWithShape="1">
-          <a:gsLst>
-            <a:gs pos="0">
-              <a:schemeClr val="phClr">
-                <a:tint val="40000"/>
-                <a:satMod val="350000"/>
-              </a:schemeClr>
-            </a:gs>
-            <a:gs pos="40000">
-              <a:schemeClr val="phClr">
-                <a:tint val="45000"/>
-                <a:shade val="99000"/>
-                <a:satMod val="350000"/>
-              </a:schemeClr>
-            </a:gs>
-            <a:gs pos="100000">
-              <a:schemeClr val="phClr">
-                <a:shade val="20000"/>
-                <a:satMod val="255000"/>
-              </a:schemeClr>
-            </a:gs>
-          </a:gsLst>
-          <a:path path="circle">
-            <a:fillToRect l="50000" t="-80000" r="50000" b="180000"/>
-          </a:path>
-        </a:gradFill>
-        <a:gradFill rotWithShape="1">
-          <a:gsLst>
-            <a:gs pos="0">
-              <a:schemeClr val="phClr">
-                <a:tint val="80000"/>
-                <a:satMod val="300000"/>
-              </a:schemeClr>
-            </a:gs>
-            <a:gs pos="100000">
-              <a:schemeClr val="phClr">
-                <a:shade val="30000"/>
-                <a:satMod val="200000"/>
-              </a:schemeClr>
-            </a:gs>
-          </a:gsLst>
-          <a:path path="circle">
-            <a:fillToRect l="50000" t="50000" r="50000" b="50000"/>
-          </a:path>
-        </a:gradFill>
-      </a:bgFillStyleLst>
-    </a:fmtScheme>
-  </a:themeElements>
-</a:theme>
 </file>
--- a/slides/10_recursion_2.pptx
+++ b/slides/10_recursion_2.pptx
@@ -10043,7 +10043,7 @@
             </a:endParaRPr>
           </a:p>
           <a:p>
-            <a:pPr indent="0" lvl="0" marL="0" marR="0" rtl="0" algn="l">
+            <a:pPr indent="-317500" lvl="0" marL="457200" marR="0" rtl="0" algn="l">
               <a:lnSpc>
                 <a:spcPct val="100000"/>
               </a:lnSpc>
@@ -10057,42 +10057,11 @@
                 <a:srgbClr val="000000"/>
               </a:buClr>
               <a:buSzPts val="1400"/>
-              <a:buFont typeface="Arial"/>
-              <a:buNone/>
-            </a:pPr>
-            <a:r>
-              <a:t/>
-            </a:r>
-            <a:endParaRPr b="0" i="0" sz="1500" u="none" cap="none" strike="noStrike">
-              <a:solidFill>
-                <a:schemeClr val="dk1"/>
-              </a:solidFill>
-              <a:latin typeface="Arial"/>
-              <a:ea typeface="Arial"/>
-              <a:cs typeface="Arial"/>
-              <a:sym typeface="Arial"/>
-            </a:endParaRPr>
-          </a:p>
-          <a:p>
-            <a:pPr indent="-311150" lvl="0" marL="457200" marR="0" rtl="0" algn="l">
-              <a:lnSpc>
-                <a:spcPct val="100000"/>
-              </a:lnSpc>
-              <a:spcBef>
-                <a:spcPts val="320"/>
-              </a:spcBef>
-              <a:spcAft>
-                <a:spcPts val="0"/>
-              </a:spcAft>
-              <a:buClr>
-                <a:srgbClr val="000000"/>
-              </a:buClr>
-              <a:buSzPts val="1300"/>
               <a:buFont typeface="Arial"/>
               <a:buChar char="●"/>
             </a:pPr>
             <a:r>
-              <a:rPr b="0" i="0" lang="de" sz="1500" u="none" cap="none" strike="noStrike">
+              <a:rPr b="0" i="0" lang="de" sz="1400" u="none" cap="none" strike="noStrike">
                 <a:solidFill>
                   <a:schemeClr val="dk1"/>
                 </a:solidFill>
@@ -10103,7 +10072,7 @@
               </a:rPr>
               <a:t>Im Git liegt der bestehende Sourcecode in “/src/lesson_09_recursion_2/binaryTree”</a:t>
             </a:r>
-            <a:endParaRPr b="0" i="0" sz="1500" u="none" cap="none" strike="noStrike">
+            <a:endParaRPr b="0" i="0" sz="1400" u="none" cap="none" strike="noStrike">
               <a:solidFill>
                 <a:schemeClr val="dk1"/>
               </a:solidFill>
@@ -10114,7 +10083,7 @@
             </a:endParaRPr>
           </a:p>
           <a:p>
-            <a:pPr indent="-311150" lvl="0" marL="457200" marR="0" rtl="0" algn="l">
+            <a:pPr indent="-317500" lvl="0" marL="457200" marR="0" rtl="0" algn="l">
               <a:lnSpc>
                 <a:spcPct val="100000"/>
               </a:lnSpc>
@@ -10127,12 +10096,12 @@
               <a:buClr>
                 <a:srgbClr val="000000"/>
               </a:buClr>
-              <a:buSzPts val="1300"/>
+              <a:buSzPts val="1400"/>
               <a:buFont typeface="Arial"/>
               <a:buChar char="●"/>
             </a:pPr>
             <a:r>
-              <a:rPr b="0" i="0" lang="de" sz="1500" u="none" cap="none" strike="noStrike">
+              <a:rPr b="0" i="0" lang="de" sz="1400" u="none" cap="none" strike="noStrike">
                 <a:solidFill>
                   <a:schemeClr val="dk1"/>
                 </a:solidFill>
@@ -10143,7 +10112,7 @@
               </a:rPr>
               <a:t>Pulle den Sourcecode, dann kann es losgehen</a:t>
             </a:r>
-            <a:endParaRPr b="0" i="0" sz="1500" u="none" cap="none" strike="noStrike">
+            <a:endParaRPr b="0" i="0" sz="1400" u="none" cap="none" strike="noStrike">
               <a:solidFill>
                 <a:schemeClr val="dk1"/>
               </a:solidFill>
@@ -10174,7 +10143,7 @@
             <a:r>
               <a:t/>
             </a:r>
-            <a:endParaRPr b="0" i="0" sz="1500" u="none" cap="none" strike="noStrike">
+            <a:endParaRPr b="0" i="0" sz="1400" u="none" cap="none" strike="noStrike">
               <a:solidFill>
                 <a:schemeClr val="dk1"/>
               </a:solidFill>
@@ -10185,7 +10154,7 @@
             </a:endParaRPr>
           </a:p>
           <a:p>
-            <a:pPr indent="-311150" lvl="0" marL="457200" marR="0" rtl="0" algn="l">
+            <a:pPr indent="-317500" lvl="0" marL="457200" marR="0" rtl="0" algn="l">
               <a:lnSpc>
                 <a:spcPct val="100000"/>
               </a:lnSpc>
@@ -10198,12 +10167,12 @@
               <a:buClr>
                 <a:srgbClr val="000000"/>
               </a:buClr>
-              <a:buSzPts val="1300"/>
+              <a:buSzPts val="1400"/>
               <a:buFont typeface="Arial"/>
               <a:buChar char="●"/>
             </a:pPr>
             <a:r>
-              <a:rPr b="0" i="0" lang="de" sz="1500" u="none" cap="none" strike="noStrike">
+              <a:rPr b="0" i="0" lang="de" sz="1400" u="none" cap="none" strike="noStrike">
                 <a:solidFill>
                   <a:schemeClr val="dk1"/>
                 </a:solidFill>
@@ -10215,7 +10184,7 @@
               <a:t>Deine Aufgabe ist die Implementierung von möglichst vielen der </a:t>
             </a:r>
             <a:r>
-              <a:rPr b="1" i="0" lang="de" sz="1500" u="none" cap="none" strike="noStrike">
+              <a:rPr b="1" i="0" lang="de" sz="1400" u="none" cap="none" strike="noStrike">
                 <a:solidFill>
                   <a:schemeClr val="dk1"/>
                 </a:solidFill>
@@ -10227,7 +10196,7 @@
               <a:t>noch nicht implementierten Methoden der Klasse</a:t>
             </a:r>
             <a:r>
-              <a:rPr b="0" i="0" lang="de" sz="1500" u="none" cap="none" strike="noStrike">
+              <a:rPr b="0" i="0" lang="de" sz="1400" u="none" cap="none" strike="noStrike">
                 <a:solidFill>
                   <a:schemeClr val="dk1"/>
                 </a:solidFill>
@@ -10239,7 +10208,7 @@
               <a:t> </a:t>
             </a:r>
             <a:r>
-              <a:rPr b="1" i="0" lang="de" sz="1500" u="none" cap="none" strike="noStrike">
+              <a:rPr b="1" i="0" lang="de" sz="1400" u="none" cap="none" strike="noStrike">
                 <a:solidFill>
                   <a:schemeClr val="dk1"/>
                 </a:solidFill>
@@ -10250,7 +10219,7 @@
               </a:rPr>
               <a:t>Node</a:t>
             </a:r>
-            <a:endParaRPr b="0" i="0" sz="1500" u="none" cap="none" strike="noStrike">
+            <a:endParaRPr b="0" i="0" sz="1400" u="none" cap="none" strike="noStrike">
               <a:solidFill>
                 <a:schemeClr val="dk1"/>
               </a:solidFill>
@@ -10261,7 +10230,7 @@
             </a:endParaRPr>
           </a:p>
           <a:p>
-            <a:pPr indent="-311150" lvl="0" marL="457200" marR="0" rtl="0" algn="l">
+            <a:pPr indent="-317500" lvl="0" marL="457200" marR="0" rtl="0" algn="l">
               <a:lnSpc>
                 <a:spcPct val="100000"/>
               </a:lnSpc>
@@ -10274,12 +10243,12 @@
               <a:buClr>
                 <a:srgbClr val="000000"/>
               </a:buClr>
-              <a:buSzPts val="1300"/>
+              <a:buSzPts val="1400"/>
               <a:buFont typeface="Arial"/>
               <a:buChar char="●"/>
             </a:pPr>
             <a:r>
-              <a:rPr b="0" i="0" lang="de" sz="1500" u="none" cap="none" strike="noStrike">
+              <a:rPr b="0" i="0" lang="de" sz="1400" u="none" cap="none" strike="noStrike">
                 <a:solidFill>
                   <a:schemeClr val="dk1"/>
                 </a:solidFill>
@@ -10291,7 +10260,7 @@
               <a:t>Jede Methode soll </a:t>
             </a:r>
             <a:r>
-              <a:rPr b="1" i="0" lang="de" sz="1500" u="none" cap="none" strike="noStrike">
+              <a:rPr b="1" i="0" lang="de" sz="1400" u="none" cap="none" strike="noStrike">
                 <a:solidFill>
                   <a:schemeClr val="dk1"/>
                 </a:solidFill>
@@ -10303,7 +10272,7 @@
               <a:t>rekursiv</a:t>
             </a:r>
             <a:r>
-              <a:rPr b="0" i="0" lang="de" sz="1500" u="none" cap="none" strike="noStrike">
+              <a:rPr b="0" i="0" lang="de" sz="1400" u="none" cap="none" strike="noStrike">
                 <a:solidFill>
                   <a:schemeClr val="dk1"/>
                 </a:solidFill>
@@ -10314,7 +10283,7 @@
               </a:rPr>
               <a:t> gelöst werden.</a:t>
             </a:r>
-            <a:endParaRPr b="0" i="0" sz="1500" u="none" cap="none" strike="noStrike">
+            <a:endParaRPr b="0" i="0" sz="1400" u="none" cap="none" strike="noStrike">
               <a:solidFill>
                 <a:schemeClr val="dk1"/>
               </a:solidFill>
@@ -10325,7 +10294,7 @@
             </a:endParaRPr>
           </a:p>
           <a:p>
-            <a:pPr indent="-311150" lvl="0" marL="457200" marR="0" rtl="0" algn="l">
+            <a:pPr indent="-317500" lvl="0" marL="457200" marR="0" rtl="0" algn="l">
               <a:lnSpc>
                 <a:spcPct val="100000"/>
               </a:lnSpc>
@@ -10338,12 +10307,12 @@
               <a:buClr>
                 <a:srgbClr val="000000"/>
               </a:buClr>
-              <a:buSzPts val="1300"/>
+              <a:buSzPts val="1400"/>
               <a:buFont typeface="Arial"/>
               <a:buChar char="●"/>
             </a:pPr>
             <a:r>
-              <a:rPr b="0" i="0" lang="de" sz="1500" u="none" cap="none" strike="noStrike">
+              <a:rPr b="0" i="0" lang="de" sz="1400" u="none" cap="none" strike="noStrike">
                 <a:solidFill>
                   <a:schemeClr val="dk1"/>
                 </a:solidFill>
@@ -10355,7 +10324,7 @@
               <a:t>Die Methoden sollen jeweils </a:t>
             </a:r>
             <a:r>
-              <a:rPr b="1" i="0" lang="de" sz="1500" u="none" cap="none" strike="noStrike">
+              <a:rPr b="1" i="0" lang="de" sz="1400" u="none" cap="none" strike="noStrike">
                 <a:solidFill>
                   <a:schemeClr val="dk1"/>
                 </a:solidFill>
@@ -10367,7 +10336,7 @@
               <a:t>maximal 10 Zeilen</a:t>
             </a:r>
             <a:r>
-              <a:rPr b="0" i="0" lang="de" sz="1500" u="none" cap="none" strike="noStrike">
+              <a:rPr b="0" i="0" lang="de" sz="1400" u="none" cap="none" strike="noStrike">
                 <a:solidFill>
                   <a:schemeClr val="dk1"/>
                 </a:solidFill>
@@ -10378,7 +10347,7 @@
               </a:rPr>
               <a:t> besitzen (bei “height” dürfen es ein paar mehr sein).</a:t>
             </a:r>
-            <a:endParaRPr b="0" i="0" sz="1500" u="none" cap="none" strike="noStrike">
+            <a:endParaRPr b="0" i="0" sz="1400" u="none" cap="none" strike="noStrike">
               <a:solidFill>
                 <a:schemeClr val="dk1"/>
               </a:solidFill>
@@ -10389,7 +10358,7 @@
             </a:endParaRPr>
           </a:p>
           <a:p>
-            <a:pPr indent="-311150" lvl="0" marL="457200" marR="0" rtl="0" algn="l">
+            <a:pPr indent="-317500" lvl="0" marL="457200" marR="0" rtl="0" algn="l">
               <a:lnSpc>
                 <a:spcPct val="100000"/>
               </a:lnSpc>
@@ -10402,12 +10371,12 @@
               <a:buClr>
                 <a:srgbClr val="000000"/>
               </a:buClr>
-              <a:buSzPts val="1300"/>
+              <a:buSzPts val="1400"/>
               <a:buFont typeface="Arial"/>
               <a:buChar char="●"/>
             </a:pPr>
             <a:r>
-              <a:rPr b="0" i="0" lang="de" sz="1500" u="none" cap="none" strike="noStrike">
+              <a:rPr b="0" i="0" lang="de" sz="1400" u="none" cap="none" strike="noStrike">
                 <a:solidFill>
                   <a:schemeClr val="dk1"/>
                 </a:solidFill>
@@ -10418,7 +10387,7 @@
               </a:rPr>
               <a:t>Die Methoden “minimum” und “maximum” sind tendenziell am einfachsten.</a:t>
             </a:r>
-            <a:endParaRPr b="0" i="0" sz="1500" u="none" cap="none" strike="noStrike">
+            <a:endParaRPr b="0" i="0" sz="1400" u="none" cap="none" strike="noStrike">
               <a:solidFill>
                 <a:schemeClr val="dk1"/>
               </a:solidFill>
@@ -10429,7 +10398,7 @@
             </a:endParaRPr>
           </a:p>
           <a:p>
-            <a:pPr indent="-311150" lvl="0" marL="457200" marR="0" rtl="0" algn="l">
+            <a:pPr indent="-317500" lvl="0" marL="457200" marR="0" rtl="0" algn="l">
               <a:lnSpc>
                 <a:spcPct val="100000"/>
               </a:lnSpc>
@@ -10442,12 +10411,12 @@
               <a:buClr>
                 <a:srgbClr val="000000"/>
               </a:buClr>
-              <a:buSzPts val="1300"/>
+              <a:buSzPts val="1400"/>
               <a:buFont typeface="Arial"/>
               <a:buChar char="●"/>
             </a:pPr>
             <a:r>
-              <a:rPr b="0" i="0" lang="de" sz="1500" u="none" cap="none" strike="noStrike">
+              <a:rPr b="0" i="0" lang="de" sz="1400" u="none" cap="none" strike="noStrike">
                 <a:solidFill>
                   <a:schemeClr val="dk1"/>
                 </a:solidFill>
@@ -10458,7 +10427,7 @@
               </a:rPr>
               <a:t>Die Methoden sollten unter Zuhilfenahme der Javadoc Methodendokumentation selbsterklärend sein. Ist etwas nicht klar, frag gerne nach.</a:t>
             </a:r>
-            <a:endParaRPr b="0" i="0" sz="1500" u="none" cap="none" strike="noStrike">
+            <a:endParaRPr b="0" i="0" sz="1400" u="none" cap="none" strike="noStrike">
               <a:solidFill>
                 <a:schemeClr val="dk1"/>
               </a:solidFill>
@@ -10469,7 +10438,7 @@
             </a:endParaRPr>
           </a:p>
           <a:p>
-            <a:pPr indent="-311150" lvl="0" marL="457200" marR="0" rtl="0" algn="l">
+            <a:pPr indent="-317500" lvl="0" marL="457200" marR="0" rtl="0" algn="l">
               <a:lnSpc>
                 <a:spcPct val="100000"/>
               </a:lnSpc>
@@ -10482,12 +10451,12 @@
               <a:buClr>
                 <a:srgbClr val="000000"/>
               </a:buClr>
-              <a:buSzPts val="1300"/>
+              <a:buSzPts val="1400"/>
               <a:buFont typeface="Arial"/>
               <a:buChar char="●"/>
             </a:pPr>
             <a:r>
-              <a:rPr b="0" i="0" lang="de" sz="1500" u="none" cap="none" strike="noStrike">
+              <a:rPr b="0" i="0" lang="de" sz="1400" u="none" cap="none" strike="noStrike">
                 <a:solidFill>
                   <a:schemeClr val="dk1"/>
                 </a:solidFill>
@@ -10496,9 +10465,25 @@
                 <a:cs typeface="Arial"/>
                 <a:sym typeface="Arial"/>
               </a:rPr>
-              <a:t>Die beiden anderen Klassen musst du im Idealfall gar nicht, ggf. aber zum Anpassen des Dateipfades der einzulesenden Textdatei anpassen.</a:t>
+              <a:t>Die beiden anderen Klassen musst du im Idealfall gar nicht, </a:t>
             </a:r>
-            <a:endParaRPr b="0" i="0" sz="1500" u="none" cap="none" strike="noStrike">
+            <a:r>
+              <a:rPr lang="de" sz="1400"/>
+              <a:t>evtl.</a:t>
+            </a:r>
+            <a:r>
+              <a:rPr b="0" i="0" lang="de" sz="1400" u="none" cap="none" strike="noStrike">
+                <a:solidFill>
+                  <a:schemeClr val="dk1"/>
+                </a:solidFill>
+                <a:latin typeface="Arial"/>
+                <a:ea typeface="Arial"/>
+                <a:cs typeface="Arial"/>
+                <a:sym typeface="Arial"/>
+              </a:rPr>
+              <a:t> aber zum Anpassen des Dateipfades der einzulesenden Textdatei anpassen.</a:t>
+            </a:r>
+            <a:endParaRPr b="0" i="0" sz="1400" u="none" cap="none" strike="noStrike">
               <a:solidFill>
                 <a:schemeClr val="dk1"/>
               </a:solidFill>
@@ -10507,6 +10492,83 @@
               <a:cs typeface="Arial"/>
               <a:sym typeface="Arial"/>
             </a:endParaRPr>
+          </a:p>
+          <a:p>
+            <a:pPr indent="-317500" lvl="0" marL="457200" marR="0" rtl="0" algn="l">
+              <a:lnSpc>
+                <a:spcPct val="100000"/>
+              </a:lnSpc>
+              <a:spcBef>
+                <a:spcPts val="0"/>
+              </a:spcBef>
+              <a:spcAft>
+                <a:spcPts val="0"/>
+              </a:spcAft>
+              <a:buSzPts val="1400"/>
+              <a:buChar char="●"/>
+            </a:pPr>
+            <a:r>
+              <a:rPr lang="de" sz="1400"/>
+              <a:t>Führe die JVM mit der Flag “-ea” aus, um assertions anzuschalten </a:t>
+            </a:r>
+            <a:endParaRPr sz="1400"/>
+          </a:p>
+          <a:p>
+            <a:pPr indent="0" lvl="0" marL="457200" marR="0" rtl="0" algn="l">
+              <a:lnSpc>
+                <a:spcPct val="100000"/>
+              </a:lnSpc>
+              <a:spcBef>
+                <a:spcPts val="0"/>
+              </a:spcBef>
+              <a:spcAft>
+                <a:spcPts val="0"/>
+              </a:spcAft>
+              <a:buNone/>
+            </a:pPr>
+            <a:r>
+              <a:rPr lang="de" sz="1400"/>
+              <a:t>(=&gt; java -ea src/lesson_10_recursion_2/binaryTree/BinaryTree)</a:t>
+            </a:r>
+            <a:endParaRPr sz="1400"/>
+          </a:p>
+          <a:p>
+            <a:pPr indent="-317500" lvl="0" marL="457200" marR="0" rtl="0" algn="l">
+              <a:lnSpc>
+                <a:spcPct val="100000"/>
+              </a:lnSpc>
+              <a:spcBef>
+                <a:spcPts val="0"/>
+              </a:spcBef>
+              <a:spcAft>
+                <a:spcPts val="0"/>
+              </a:spcAft>
+              <a:buSzPts val="1400"/>
+              <a:buChar char="●"/>
+            </a:pPr>
+            <a:r>
+              <a:rPr lang="de" sz="1400"/>
+              <a:t>Je weniger rote Kommandozeilenausgaben, desto mehr korrekte Methoden!</a:t>
+            </a:r>
+            <a:endParaRPr sz="1400"/>
+          </a:p>
+          <a:p>
+            <a:pPr indent="0" lvl="0" marL="0" marR="0" rtl="0" algn="l">
+              <a:lnSpc>
+                <a:spcPct val="100000"/>
+              </a:lnSpc>
+              <a:spcBef>
+                <a:spcPts val="0"/>
+              </a:spcBef>
+              <a:spcAft>
+                <a:spcPts val="0"/>
+              </a:spcAft>
+              <a:buNone/>
+            </a:pPr>
+            <a:r>
+              <a:t/>
+            </a:r>
+            <a:endParaRPr sz="1200"/>
           </a:p>
         </p:txBody>
       </p:sp>
@@ -11262,7 +11324,23 @@
                 <a:cs typeface="Arial"/>
                 <a:sym typeface="Arial"/>
               </a:rPr>
-              <a:t>Der linken Kinder und alle darauf folgenden Knoten haben kleinere Werte</a:t>
+              <a:t>Der linken Kind</a:t>
+            </a:r>
+            <a:r>
+              <a:rPr lang="de"/>
+              <a:t>knoten</a:t>
+            </a:r>
+            <a:r>
+              <a:rPr b="0" i="0" lang="de" sz="1600" u="none" cap="none" strike="noStrike">
+                <a:solidFill>
+                  <a:schemeClr val="dk1"/>
+                </a:solidFill>
+                <a:latin typeface="Arial"/>
+                <a:ea typeface="Arial"/>
+                <a:cs typeface="Arial"/>
+                <a:sym typeface="Arial"/>
+              </a:rPr>
+              <a:t> und alle darauf folgenden Knoten haben kleinere oder gleiche Werte</a:t>
             </a:r>
             <a:endParaRPr b="0" i="0" sz="1600" u="none" cap="none" strike="noStrike">
               <a:solidFill>
@@ -11302,7 +11380,23 @@
                 <a:cs typeface="Arial"/>
                 <a:sym typeface="Arial"/>
               </a:rPr>
-              <a:t>Der rechte Kinder und alle darauf folgenden Knoten haben größere Werte</a:t>
+              <a:t>Der rechte Kind</a:t>
+            </a:r>
+            <a:r>
+              <a:rPr lang="de"/>
+              <a:t>knoten</a:t>
+            </a:r>
+            <a:r>
+              <a:rPr b="0" i="0" lang="de" sz="1600" u="none" cap="none" strike="noStrike">
+                <a:solidFill>
+                  <a:schemeClr val="dk1"/>
+                </a:solidFill>
+                <a:latin typeface="Arial"/>
+                <a:ea typeface="Arial"/>
+                <a:cs typeface="Arial"/>
+                <a:sym typeface="Arial"/>
+              </a:rPr>
+              <a:t> und alle darauf folgenden Knoten haben größere Werte</a:t>
             </a:r>
             <a:endParaRPr b="0" i="0" sz="1600" u="none" cap="none" strike="noStrike">
               <a:solidFill>
@@ -11342,7 +11436,7 @@
                 <a:cs typeface="Arial"/>
                 <a:sym typeface="Arial"/>
               </a:rPr>
-              <a:t>Knoten ohne Nachfolger heißen Blatt</a:t>
+              <a:t>Knoten ohne Nachfolger heißen Blatt.</a:t>
             </a:r>
             <a:endParaRPr b="0" i="0" sz="1600" u="none" cap="none" strike="noStrike">
               <a:solidFill>
@@ -11353,6 +11447,33 @@
               <a:cs typeface="Arial"/>
               <a:sym typeface="Arial"/>
             </a:endParaRPr>
+          </a:p>
+          <a:p>
+            <a:pPr indent="-317500" lvl="0" marL="457200" marR="0" rtl="0" algn="l">
+              <a:lnSpc>
+                <a:spcPct val="100000"/>
+              </a:lnSpc>
+              <a:spcBef>
+                <a:spcPts val="0"/>
+              </a:spcBef>
+              <a:spcAft>
+                <a:spcPts val="0"/>
+              </a:spcAft>
+              <a:buSzPts val="1400"/>
+              <a:buChar char="●"/>
+            </a:pPr>
+            <a:r>
+              <a:rPr lang="de"/>
+              <a:t>Knoten, die weder Wurzel noch Blatt</a:t>
+            </a:r>
+            <a:br>
+              <a:rPr lang="de"/>
+            </a:br>
+            <a:r>
+              <a:rPr lang="de"/>
+              <a:t>sind, heißen innere Knoten</a:t>
+            </a:r>
+            <a:endParaRPr/>
           </a:p>
         </p:txBody>
       </p:sp>
@@ -11371,7 +11492,7 @@
         </p:blipFill>
         <p:spPr>
           <a:xfrm>
-            <a:off x="3178787" y="2822750"/>
+            <a:off x="4470149" y="2836825"/>
             <a:ext cx="2786425" cy="1581125"/>
           </a:xfrm>
           <a:prstGeom prst="rect">

--- a/slides/10_recursion_2.pptx
+++ b/slides/10_recursion_2.pptx
@@ -9897,7 +9897,7 @@
             </a:pPr>
             <a:r>
               <a:rPr lang="de"/>
-              <a:t>09 - Rekursion 2</a:t>
+              <a:t>10 - Rekursion 2</a:t>
             </a:r>
             <a:endParaRPr/>
           </a:p>
@@ -13674,6 +13674,285 @@
 </file>
 
 <file path=ppt/theme/theme1.xml><?xml version="1.0" encoding="utf-8"?>
+<a:theme xmlns:a="http://schemas.openxmlformats.org/drawingml/2006/main" xmlns:r="http://schemas.openxmlformats.org/officeDocument/2006/relationships" name="TUBraunschweig_PPT2007_Folienpool_pptx">
+  <a:themeElements>
+    <a:clrScheme name="TU Braunschweig">
+      <a:dk1>
+        <a:srgbClr val="000000"/>
+      </a:dk1>
+      <a:lt1>
+        <a:srgbClr val="FFFFFF"/>
+      </a:lt1>
+      <a:dk2>
+        <a:srgbClr val="000000"/>
+      </a:dk2>
+      <a:lt2>
+        <a:srgbClr val="DDDDDD"/>
+      </a:lt2>
+      <a:accent1>
+        <a:srgbClr val="BE1E3C"/>
+      </a:accent1>
+      <a:accent2>
+        <a:srgbClr val="4DA6CB"/>
+      </a:accent2>
+      <a:accent3>
+        <a:srgbClr val="ADBF4D"/>
+      </a:accent3>
+      <a:accent4>
+        <a:srgbClr val="FA6E00"/>
+      </a:accent4>
+      <a:accent5>
+        <a:srgbClr val="407E97"/>
+      </a:accent5>
+      <a:accent6>
+        <a:srgbClr val="984098"/>
+      </a:accent6>
+      <a:hlink>
+        <a:srgbClr val="BE1E3C"/>
+      </a:hlink>
+      <a:folHlink>
+        <a:srgbClr val="760054"/>
+      </a:folHlink>
+    </a:clrScheme>
+    <a:fontScheme name="Office">
+      <a:majorFont>
+        <a:latin typeface="Arial"/>
+        <a:ea typeface=""/>
+        <a:cs typeface=""/>
+        <a:font script="Jpan" typeface="ＭＳ Ｐゴシック"/>
+        <a:font script="Hang" typeface="맑은 고딕"/>
+        <a:font script="Hans" typeface="宋体"/>
+        <a:font script="Hant" typeface="新細明體"/>
+        <a:font script="Arab" typeface="Times New Roman"/>
+        <a:font script="Hebr" typeface="Times New Roman"/>
+        <a:font script="Thai" typeface="Angsana New"/>
+        <a:font script="Ethi" typeface="Nyala"/>
+        <a:font script="Beng" typeface="Vrinda"/>
+        <a:font script="Gujr" typeface="Shruti"/>
+        <a:font script="Khmr" typeface="MoolBoran"/>
+        <a:font script="Knda" typeface="Tunga"/>
+        <a:font script="Guru" typeface="Raavi"/>
+        <a:font script="Cans" typeface="Euphemia"/>
+        <a:font script="Cher" typeface="Plantagenet Cherokee"/>
+        <a:font script="Yiii" typeface="Microsoft Yi Baiti"/>
+        <a:font script="Tibt" typeface="Microsoft Himalaya"/>
+        <a:font script="Thaa" typeface="MV Boli"/>
+        <a:font script="Deva" typeface="Mangal"/>
+        <a:font script="Telu" typeface="Gautami"/>
+        <a:font script="Taml" typeface="Latha"/>
+        <a:font script="Syrc" typeface="Estrangelo Edessa"/>
+        <a:font script="Orya" typeface="Kalinga"/>
+        <a:font script="Mlym" typeface="Kartika"/>
+        <a:font script="Laoo" typeface="DokChampa"/>
+        <a:font script="Sinh" typeface="Iskoola Pota"/>
+        <a:font script="Mong" typeface="Mongolian Baiti"/>
+        <a:font script="Viet" typeface="Times New Roman"/>
+        <a:font script="Uigh" typeface="Microsoft Uighur"/>
+        <a:font script="Geor" typeface="Sylfaen"/>
+      </a:majorFont>
+      <a:minorFont>
+        <a:latin typeface="Arial"/>
+        <a:ea typeface=""/>
+        <a:cs typeface=""/>
+        <a:font script="Jpan" typeface="ＭＳ Ｐゴシック"/>
+        <a:font script="Hang" typeface="맑은 고딕"/>
+        <a:font script="Hans" typeface="宋体"/>
+        <a:font script="Hant" typeface="新細明體"/>
+        <a:font script="Arab" typeface="Arial"/>
+        <a:font script="Hebr" typeface="Arial"/>
+        <a:font script="Thai" typeface="Cordia New"/>
+        <a:font script="Ethi" typeface="Nyala"/>
+        <a:font script="Beng" typeface="Vrinda"/>
+        <a:font script="Gujr" typeface="Shruti"/>
+        <a:font script="Khmr" typeface="DaunPenh"/>
+        <a:font script="Knda" typeface="Tunga"/>
+        <a:font script="Guru" typeface="Raavi"/>
+        <a:font script="Cans" typeface="Euphemia"/>
+        <a:font script="Cher" typeface="Plantagenet Cherokee"/>
+        <a:font script="Yiii" typeface="Microsoft Yi Baiti"/>
+        <a:font script="Tibt" typeface="Microsoft Himalaya"/>
+        <a:font script="Thaa" typeface="MV Boli"/>
+        <a:font script="Deva" typeface="Mangal"/>
+        <a:font script="Telu" typeface="Gautami"/>
+        <a:font script="Taml" typeface="Latha"/>
+        <a:font script="Syrc" typeface="Estrangelo Edessa"/>
+        <a:font script="Orya" typeface="Kalinga"/>
+        <a:font script="Mlym" typeface="Kartika"/>
+        <a:font script="Laoo" typeface="DokChampa"/>
+        <a:font script="Sinh" typeface="Iskoola Pota"/>
+        <a:font script="Mong" typeface="Mongolian Baiti"/>
+        <a:font script="Viet" typeface="Arial"/>
+        <a:font script="Uigh" typeface="Microsoft Uighur"/>
+        <a:font script="Geor" typeface="Sylfaen"/>
+      </a:minorFont>
+    </a:fontScheme>
+    <a:fmtScheme name="Office">
+      <a:fillStyleLst>
+        <a:solidFill>
+          <a:schemeClr val="phClr"/>
+        </a:solidFill>
+        <a:gradFill rotWithShape="1">
+          <a:gsLst>
+            <a:gs pos="0">
+              <a:schemeClr val="phClr">
+                <a:tint val="50000"/>
+                <a:satMod val="300000"/>
+              </a:schemeClr>
+            </a:gs>
+            <a:gs pos="35000">
+              <a:schemeClr val="phClr">
+                <a:tint val="37000"/>
+                <a:satMod val="300000"/>
+              </a:schemeClr>
+            </a:gs>
+            <a:gs pos="100000">
+              <a:schemeClr val="phClr">
+                <a:tint val="15000"/>
+                <a:satMod val="350000"/>
+              </a:schemeClr>
+            </a:gs>
+          </a:gsLst>
+          <a:lin ang="16200000" scaled="1"/>
+        </a:gradFill>
+        <a:gradFill rotWithShape="1">
+          <a:gsLst>
+            <a:gs pos="0">
+              <a:schemeClr val="phClr">
+                <a:tint val="100000"/>
+                <a:shade val="100000"/>
+                <a:satMod val="130000"/>
+              </a:schemeClr>
+            </a:gs>
+            <a:gs pos="100000">
+              <a:schemeClr val="phClr">
+                <a:tint val="50000"/>
+                <a:shade val="100000"/>
+                <a:satMod val="350000"/>
+              </a:schemeClr>
+            </a:gs>
+          </a:gsLst>
+          <a:lin ang="16200000" scaled="0"/>
+        </a:gradFill>
+      </a:fillStyleLst>
+      <a:lnStyleLst>
+        <a:ln w="9525" cap="flat" cmpd="sng" algn="ctr">
+          <a:solidFill>
+            <a:schemeClr val="phClr">
+              <a:shade val="95000"/>
+              <a:satMod val="105000"/>
+            </a:schemeClr>
+          </a:solidFill>
+          <a:prstDash val="solid"/>
+        </a:ln>
+        <a:ln w="25400" cap="flat" cmpd="sng" algn="ctr">
+          <a:solidFill>
+            <a:schemeClr val="phClr"/>
+          </a:solidFill>
+          <a:prstDash val="solid"/>
+        </a:ln>
+        <a:ln w="38100" cap="flat" cmpd="sng" algn="ctr">
+          <a:solidFill>
+            <a:schemeClr val="phClr"/>
+          </a:solidFill>
+          <a:prstDash val="solid"/>
+        </a:ln>
+      </a:lnStyleLst>
+      <a:effectStyleLst>
+        <a:effectStyle>
+          <a:effectLst>
+            <a:outerShdw blurRad="40000" dist="20000" dir="5400000" rotWithShape="0">
+              <a:srgbClr val="000000">
+                <a:alpha val="38000"/>
+              </a:srgbClr>
+            </a:outerShdw>
+          </a:effectLst>
+        </a:effectStyle>
+        <a:effectStyle>
+          <a:effectLst>
+            <a:outerShdw blurRad="40000" dist="23000" dir="5400000" rotWithShape="0">
+              <a:srgbClr val="000000">
+                <a:alpha val="35000"/>
+              </a:srgbClr>
+            </a:outerShdw>
+          </a:effectLst>
+        </a:effectStyle>
+        <a:effectStyle>
+          <a:effectLst>
+            <a:outerShdw blurRad="40000" dist="23000" dir="5400000" rotWithShape="0">
+              <a:srgbClr val="000000">
+                <a:alpha val="35000"/>
+              </a:srgbClr>
+            </a:outerShdw>
+          </a:effectLst>
+          <a:scene3d>
+            <a:camera prst="orthographicFront">
+              <a:rot lat="0" lon="0" rev="0"/>
+            </a:camera>
+            <a:lightRig rig="threePt" dir="t">
+              <a:rot lat="0" lon="0" rev="1200000"/>
+            </a:lightRig>
+          </a:scene3d>
+          <a:sp3d>
+            <a:bevelT w="63500" h="25400"/>
+          </a:sp3d>
+        </a:effectStyle>
+      </a:effectStyleLst>
+      <a:bgFillStyleLst>
+        <a:solidFill>
+          <a:schemeClr val="phClr"/>
+        </a:solidFill>
+        <a:gradFill rotWithShape="1">
+          <a:gsLst>
+            <a:gs pos="0">
+              <a:schemeClr val="phClr">
+                <a:tint val="40000"/>
+                <a:satMod val="350000"/>
+              </a:schemeClr>
+            </a:gs>
+            <a:gs pos="40000">
+              <a:schemeClr val="phClr">
+                <a:tint val="45000"/>
+                <a:shade val="99000"/>
+                <a:satMod val="350000"/>
+              </a:schemeClr>
+            </a:gs>
+            <a:gs pos="100000">
+              <a:schemeClr val="phClr">
+                <a:shade val="20000"/>
+                <a:satMod val="255000"/>
+              </a:schemeClr>
+            </a:gs>
+          </a:gsLst>
+          <a:path path="circle">
+            <a:fillToRect l="50000" t="-80000" r="50000" b="180000"/>
+          </a:path>
+        </a:gradFill>
+        <a:gradFill rotWithShape="1">
+          <a:gsLst>
+            <a:gs pos="0">
+              <a:schemeClr val="phClr">
+                <a:tint val="80000"/>
+                <a:satMod val="300000"/>
+              </a:schemeClr>
+            </a:gs>
+            <a:gs pos="100000">
+              <a:schemeClr val="phClr">
+                <a:shade val="30000"/>
+                <a:satMod val="200000"/>
+              </a:schemeClr>
+            </a:gs>
+          </a:gsLst>
+          <a:path path="circle">
+            <a:fillToRect l="50000" t="50000" r="50000" b="50000"/>
+          </a:path>
+        </a:gradFill>
+      </a:bgFillStyleLst>
+    </a:fmtScheme>
+  </a:themeElements>
+</a:theme>
+</file>
+
+<file path=ppt/theme/theme2.xml><?xml version="1.0" encoding="utf-8"?>
 <a:theme xmlns:a="http://schemas.openxmlformats.org/drawingml/2006/main" xmlns:r="http://schemas.openxmlformats.org/officeDocument/2006/relationships">
   <a:themeElements>
     <a:clrScheme name="Default">
@@ -13950,283 +14229,4 @@
     </a:fmtScheme>
   </a:themeElements>
 </a:theme>
-</file>
-
-<file path=ppt/theme/theme2.xml><?xml version="1.0" encoding="utf-8"?>
-<a:theme xmlns:a="http://schemas.openxmlformats.org/drawingml/2006/main" xmlns:r="http://schemas.openxmlformats.org/officeDocument/2006/relationships" name="TUBraunschweig_PPT2007_Folienpool_pptx">
-  <a:themeElements>
-    <a:clrScheme name="TU Braunschweig">
-      <a:dk1>
-        <a:srgbClr val="000000"/>
-      </a:dk1>
-      <a:lt1>
-        <a:srgbClr val="FFFFFF"/>
-      </a:lt1>
-      <a:dk2>
-        <a:srgbClr val="000000"/>
-      </a:dk2>
-      <a:lt2>
-        <a:srgbClr val="DDDDDD"/>
-      </a:lt2>
-      <a:accent1>
-        <a:srgbClr val="BE1E3C"/>
-      </a:accent1>
-      <a:accent2>
-        <a:srgbClr val="4DA6CB"/>
-      </a:accent2>
-      <a:accent3>
-        <a:srgbClr val="ADBF4D"/>
-      </a:accent3>
-      <a:accent4>
-        <a:srgbClr val="FA6E00"/>
-      </a:accent4>
-      <a:accent5>
-        <a:srgbClr val="407E97"/>
-      </a:accent5>
-      <a:accent6>
-        <a:srgbClr val="984098"/>
-      </a:accent6>
-      <a:hlink>
-        <a:srgbClr val="BE1E3C"/>
-      </a:hlink>
-      <a:folHlink>
-        <a:srgbClr val="760054"/>
-      </a:folHlink>
-    </a:clrScheme>
-    <a:fontScheme name="Office">
-      <a:majorFont>
-        <a:latin typeface="Arial"/>
-        <a:ea typeface=""/>
-        <a:cs typeface=""/>
-        <a:font script="Jpan" typeface="ＭＳ Ｐゴシック"/>
-        <a:font script="Hang" typeface="맑은 고딕"/>
-        <a:font script="Hans" typeface="宋体"/>
-        <a:font script="Hant" typeface="新細明體"/>
-        <a:font script="Arab" typeface="Times New Roman"/>
-        <a:font script="Hebr" typeface="Times New Roman"/>
-        <a:font script="Thai" typeface="Angsana New"/>
-        <a:font script="Ethi" typeface="Nyala"/>
-        <a:font script="Beng" typeface="Vrinda"/>
-        <a:font script="Gujr" typeface="Shruti"/>
-        <a:font script="Khmr" typeface="MoolBoran"/>
-        <a:font script="Knda" typeface="Tunga"/>
-        <a:font script="Guru" typeface="Raavi"/>
-        <a:font script="Cans" typeface="Euphemia"/>
-        <a:font script="Cher" typeface="Plantagenet Cherokee"/>
-        <a:font script="Yiii" typeface="Microsoft Yi Baiti"/>
-        <a:font script="Tibt" typeface="Microsoft Himalaya"/>
-        <a:font script="Thaa" typeface="MV Boli"/>
-        <a:font script="Deva" typeface="Mangal"/>
-        <a:font script="Telu" typeface="Gautami"/>
-        <a:font script="Taml" typeface="Latha"/>
-        <a:font script="Syrc" typeface="Estrangelo Edessa"/>
-        <a:font script="Orya" typeface="Kalinga"/>
-        <a:font script="Mlym" typeface="Kartika"/>
-        <a:font script="Laoo" typeface="DokChampa"/>
-        <a:font script="Sinh" typeface="Iskoola Pota"/>
-        <a:font script="Mong" typeface="Mongolian Baiti"/>
-        <a:font script="Viet" typeface="Times New Roman"/>
-        <a:font script="Uigh" typeface="Microsoft Uighur"/>
-        <a:font script="Geor" typeface="Sylfaen"/>
-      </a:majorFont>
-      <a:minorFont>
-        <a:latin typeface="Arial"/>
-        <a:ea typeface=""/>
-        <a:cs typeface=""/>
-        <a:font script="Jpan" typeface="ＭＳ Ｐゴシック"/>
-        <a:font script="Hang" typeface="맑은 고딕"/>
-        <a:font script="Hans" typeface="宋体"/>
-        <a:font script="Hant" typeface="新細明體"/>
-        <a:font script="Arab" typeface="Arial"/>
-        <a:font script="Hebr" typeface="Arial"/>
-        <a:font script="Thai" typeface="Cordia New"/>
-        <a:font script="Ethi" typeface="Nyala"/>
-        <a:font script="Beng" typeface="Vrinda"/>
-        <a:font script="Gujr" typeface="Shruti"/>
-        <a:font script="Khmr" typeface="DaunPenh"/>
-        <a:font script="Knda" typeface="Tunga"/>
-        <a:font script="Guru" typeface="Raavi"/>
-        <a:font script="Cans" typeface="Euphemia"/>
-        <a:font script="Cher" typeface="Plantagenet Cherokee"/>
-        <a:font script="Yiii" typeface="Microsoft Yi Baiti"/>
-        <a:font script="Tibt" typeface="Microsoft Himalaya"/>
-        <a:font script="Thaa" typeface="MV Boli"/>
-        <a:font script="Deva" typeface="Mangal"/>
-        <a:font script="Telu" typeface="Gautami"/>
-        <a:font script="Taml" typeface="Latha"/>
-        <a:font script="Syrc" typeface="Estrangelo Edessa"/>
-        <a:font script="Orya" typeface="Kalinga"/>
-        <a:font script="Mlym" typeface="Kartika"/>
-        <a:font script="Laoo" typeface="DokChampa"/>
-        <a:font script="Sinh" typeface="Iskoola Pota"/>
-        <a:font script="Mong" typeface="Mongolian Baiti"/>
-        <a:font script="Viet" typeface="Arial"/>
-        <a:font script="Uigh" typeface="Microsoft Uighur"/>
-        <a:font script="Geor" typeface="Sylfaen"/>
-      </a:minorFont>
-    </a:fontScheme>
-    <a:fmtScheme name="Office">
-      <a:fillStyleLst>
-        <a:solidFill>
-          <a:schemeClr val="phClr"/>
-        </a:solidFill>
-        <a:gradFill rotWithShape="1">
-          <a:gsLst>
-            <a:gs pos="0">
-              <a:schemeClr val="phClr">
-                <a:tint val="50000"/>
-                <a:satMod val="300000"/>
-              </a:schemeClr>
-            </a:gs>
-            <a:gs pos="35000">
-              <a:schemeClr val="phClr">
-                <a:tint val="37000"/>
-                <a:satMod val="300000"/>
-              </a:schemeClr>
-            </a:gs>
-            <a:gs pos="100000">
-              <a:schemeClr val="phClr">
-                <a:tint val="15000"/>
-                <a:satMod val="350000"/>
-              </a:schemeClr>
-            </a:gs>
-          </a:gsLst>
-          <a:lin ang="16200000" scaled="1"/>
-        </a:gradFill>
-        <a:gradFill rotWithShape="1">
-          <a:gsLst>
-            <a:gs pos="0">
-              <a:schemeClr val="phClr">
-                <a:tint val="100000"/>
-                <a:shade val="100000"/>
-                <a:satMod val="130000"/>
-              </a:schemeClr>
-            </a:gs>
-            <a:gs pos="100000">
-              <a:schemeClr val="phClr">
-                <a:tint val="50000"/>
-                <a:shade val="100000"/>
-                <a:satMod val="350000"/>
-              </a:schemeClr>
-            </a:gs>
-          </a:gsLst>
-          <a:lin ang="16200000" scaled="0"/>
-        </a:gradFill>
-      </a:fillStyleLst>
-      <a:lnStyleLst>
-        <a:ln w="9525" cap="flat" cmpd="sng" algn="ctr">
-          <a:solidFill>
-            <a:schemeClr val="phClr">
-              <a:shade val="95000"/>
-              <a:satMod val="105000"/>
-            </a:schemeClr>
-          </a:solidFill>
-          <a:prstDash val="solid"/>
-        </a:ln>
-        <a:ln w="25400" cap="flat" cmpd="sng" algn="ctr">
-          <a:solidFill>
-            <a:schemeClr val="phClr"/>
-          </a:solidFill>
-          <a:prstDash val="solid"/>
-        </a:ln>
-        <a:ln w="38100" cap="flat" cmpd="sng" algn="ctr">
-          <a:solidFill>
-            <a:schemeClr val="phClr"/>
-          </a:solidFill>
-          <a:prstDash val="solid"/>
-        </a:ln>
-      </a:lnStyleLst>
-      <a:effectStyleLst>
-        <a:effectStyle>
-          <a:effectLst>
-            <a:outerShdw blurRad="40000" dist="20000" dir="5400000" rotWithShape="0">
-              <a:srgbClr val="000000">
-                <a:alpha val="38000"/>
-              </a:srgbClr>
-            </a:outerShdw>
-          </a:effectLst>
-        </a:effectStyle>
-        <a:effectStyle>
-          <a:effectLst>
-            <a:outerShdw blurRad="40000" dist="23000" dir="5400000" rotWithShape="0">
-              <a:srgbClr val="000000">
-                <a:alpha val="35000"/>
-              </a:srgbClr>
-            </a:outerShdw>
-          </a:effectLst>
-        </a:effectStyle>
-        <a:effectStyle>
-          <a:effectLst>
-            <a:outerShdw blurRad="40000" dist="23000" dir="5400000" rotWithShape="0">
-              <a:srgbClr val="000000">
-                <a:alpha val="35000"/>
-              </a:srgbClr>
-            </a:outerShdw>
-          </a:effectLst>
-          <a:scene3d>
-            <a:camera prst="orthographicFront">
-              <a:rot lat="0" lon="0" rev="0"/>
-            </a:camera>
-            <a:lightRig rig="threePt" dir="t">
-              <a:rot lat="0" lon="0" rev="1200000"/>
-            </a:lightRig>
-          </a:scene3d>
-          <a:sp3d>
-            <a:bevelT w="63500" h="25400"/>
-          </a:sp3d>
-        </a:effectStyle>
-      </a:effectStyleLst>
-      <a:bgFillStyleLst>
-        <a:solidFill>
-          <a:schemeClr val="phClr"/>
-        </a:solidFill>
-        <a:gradFill rotWithShape="1">
-          <a:gsLst>
-            <a:gs pos="0">
-              <a:schemeClr val="phClr">
-                <a:tint val="40000"/>
-                <a:satMod val="350000"/>
-              </a:schemeClr>
-            </a:gs>
-            <a:gs pos="40000">
-              <a:schemeClr val="phClr">
-                <a:tint val="45000"/>
-                <a:shade val="99000"/>
-                <a:satMod val="350000"/>
-              </a:schemeClr>
-            </a:gs>
-            <a:gs pos="100000">
-              <a:schemeClr val="phClr">
-                <a:shade val="20000"/>
-                <a:satMod val="255000"/>
-              </a:schemeClr>
-            </a:gs>
-          </a:gsLst>
-          <a:path path="circle">
-            <a:fillToRect l="50000" t="-80000" r="50000" b="180000"/>
-          </a:path>
-        </a:gradFill>
-        <a:gradFill rotWithShape="1">
-          <a:gsLst>
-            <a:gs pos="0">
-              <a:schemeClr val="phClr">
-                <a:tint val="80000"/>
-                <a:satMod val="300000"/>
-              </a:schemeClr>
-            </a:gs>
-            <a:gs pos="100000">
-              <a:schemeClr val="phClr">
-                <a:shade val="30000"/>
-                <a:satMod val="200000"/>
-              </a:schemeClr>
-            </a:gs>
-          </a:gsLst>
-          <a:path path="circle">
-            <a:fillToRect l="50000" t="50000" r="50000" b="50000"/>
-          </a:path>
-        </a:gradFill>
-      </a:bgFillStyleLst>
-    </a:fmtScheme>
-  </a:themeElements>
-</a:theme>
 </file>
--- a/slides/10_recursion_2.pptx
+++ b/slides/10_recursion_2.pptx
@@ -952,7 +952,7 @@
   <p:cSld>
     <p:spTree>
       <p:nvGrpSpPr>
-        <p:cNvPr id="143" name="Shape 143"/>
+        <p:cNvPr id="144" name="Shape 144"/>
         <p:cNvGrpSpPr/>
         <p:nvPr/>
       </p:nvGrpSpPr>
@@ -966,7 +966,7 @@
       </p:grpSpPr>
       <p:sp>
         <p:nvSpPr>
-          <p:cNvPr id="144" name="Google Shape;144;p10:notes"/>
+          <p:cNvPr id="145" name="Google Shape;145;p10:notes"/>
           <p:cNvSpPr/>
           <p:nvPr>
             <p:ph idx="2" type="sldImg"/>
@@ -1011,7 +1011,7 @@
       </p:sp>
       <p:sp>
         <p:nvSpPr>
-          <p:cNvPr id="145" name="Google Shape;145;p10:notes"/>
+          <p:cNvPr id="146" name="Google Shape;146;p10:notes"/>
           <p:cNvSpPr txBox="1"/>
           <p:nvPr>
             <p:ph idx="1" type="body"/>
@@ -1654,7 +1654,7 @@
   <p:cSld>
     <p:spTree>
       <p:nvGrpSpPr>
-        <p:cNvPr id="125" name="Shape 125"/>
+        <p:cNvPr id="126" name="Shape 126"/>
         <p:cNvGrpSpPr/>
         <p:nvPr/>
       </p:nvGrpSpPr>
@@ -1668,7 +1668,7 @@
       </p:grpSpPr>
       <p:sp>
         <p:nvSpPr>
-          <p:cNvPr id="126" name="Google Shape;126;p7:notes"/>
+          <p:cNvPr id="127" name="Google Shape;127;p7:notes"/>
           <p:cNvSpPr/>
           <p:nvPr>
             <p:ph idx="2" type="sldImg"/>
@@ -1713,7 +1713,7 @@
       </p:sp>
       <p:sp>
         <p:nvSpPr>
-          <p:cNvPr id="127" name="Google Shape;127;p7:notes"/>
+          <p:cNvPr id="128" name="Google Shape;128;p7:notes"/>
           <p:cNvSpPr txBox="1"/>
           <p:nvPr>
             <p:ph idx="1" type="body"/>
@@ -1771,7 +1771,7 @@
   <p:cSld>
     <p:spTree>
       <p:nvGrpSpPr>
-        <p:cNvPr id="131" name="Shape 131"/>
+        <p:cNvPr id="132" name="Shape 132"/>
         <p:cNvGrpSpPr/>
         <p:nvPr/>
       </p:nvGrpSpPr>
@@ -1785,7 +1785,7 @@
       </p:grpSpPr>
       <p:sp>
         <p:nvSpPr>
-          <p:cNvPr id="132" name="Google Shape;132;p8:notes"/>
+          <p:cNvPr id="133" name="Google Shape;133;p8:notes"/>
           <p:cNvSpPr/>
           <p:nvPr>
             <p:ph idx="2" type="sldImg"/>
@@ -1830,7 +1830,7 @@
       </p:sp>
       <p:sp>
         <p:nvSpPr>
-          <p:cNvPr id="133" name="Google Shape;133;p8:notes"/>
+          <p:cNvPr id="134" name="Google Shape;134;p8:notes"/>
           <p:cNvSpPr txBox="1"/>
           <p:nvPr>
             <p:ph idx="1" type="body"/>
@@ -1888,7 +1888,7 @@
   <p:cSld>
     <p:spTree>
       <p:nvGrpSpPr>
-        <p:cNvPr id="137" name="Shape 137"/>
+        <p:cNvPr id="138" name="Shape 138"/>
         <p:cNvGrpSpPr/>
         <p:nvPr/>
       </p:nvGrpSpPr>
@@ -1902,7 +1902,7 @@
       </p:grpSpPr>
       <p:sp>
         <p:nvSpPr>
-          <p:cNvPr id="138" name="Google Shape;138;p9:notes"/>
+          <p:cNvPr id="139" name="Google Shape;139;p9:notes"/>
           <p:cNvSpPr/>
           <p:nvPr>
             <p:ph idx="2" type="sldImg"/>
@@ -1947,7 +1947,7 @@
       </p:sp>
       <p:sp>
         <p:nvSpPr>
-          <p:cNvPr id="139" name="Google Shape;139;p9:notes"/>
+          <p:cNvPr id="140" name="Google Shape;140;p9:notes"/>
           <p:cNvSpPr txBox="1"/>
           <p:nvPr>
             <p:ph idx="1" type="body"/>
@@ -9916,7 +9916,7 @@
   <p:cSld>
     <p:spTree>
       <p:nvGrpSpPr>
-        <p:cNvPr id="146" name="Shape 146"/>
+        <p:cNvPr id="147" name="Shape 147"/>
         <p:cNvGrpSpPr/>
         <p:nvPr/>
       </p:nvGrpSpPr>
@@ -9930,7 +9930,7 @@
       </p:grpSpPr>
       <p:sp>
         <p:nvSpPr>
-          <p:cNvPr id="147" name="Google Shape;147;p25"/>
+          <p:cNvPr id="148" name="Google Shape;148;p25"/>
           <p:cNvSpPr txBox="1"/>
           <p:nvPr>
             <p:ph type="title"/>
@@ -9978,7 +9978,7 @@
       </p:sp>
       <p:sp>
         <p:nvSpPr>
-          <p:cNvPr id="148" name="Google Shape;148;p25"/>
+          <p:cNvPr id="149" name="Google Shape;149;p25"/>
           <p:cNvSpPr/>
           <p:nvPr>
             <p:ph idx="2" type="chart"/>
@@ -10385,7 +10385,7 @@
                 <a:cs typeface="Arial"/>
                 <a:sym typeface="Arial"/>
               </a:rPr>
-              <a:t>Die Methoden “minimum” und “maximum” sind tendenziell am einfachsten.</a:t>
+              <a:t>Die Methoden “minimum” und “maximum” sind tendenziell am einfachsten. Fang hiermit an.</a:t>
             </a:r>
             <a:endParaRPr b="0" i="0" sz="1400" u="none" cap="none" strike="noStrike">
               <a:solidFill>
@@ -11892,13 +11892,13 @@
         <p:spPr>
           <a:xfrm>
             <a:off x="4090100" y="3341225"/>
-            <a:ext cx="481800" cy="395100"/>
+            <a:ext cx="481800" cy="340800"/>
           </a:xfrm>
           <a:prstGeom prst="ellipse">
             <a:avLst/>
           </a:prstGeom>
           <a:solidFill>
-            <a:schemeClr val="lt2"/>
+            <a:schemeClr val="lt1"/>
           </a:solidFill>
           <a:ln cap="flat" cmpd="sng" w="9525">
             <a:solidFill>
@@ -12581,7 +12581,23 @@
                 <a:cs typeface="Arial"/>
                 <a:sym typeface="Arial"/>
               </a:rPr>
-              <a:t>aufruft, der die Stelle blockiert.</a:t>
+              <a:t>aufruf</a:t>
+            </a:r>
+            <a:r>
+              <a:rPr lang="de"/>
+              <a:t>en</a:t>
+            </a:r>
+            <a:r>
+              <a:rPr b="0" i="0" lang="de" sz="1600" u="none" cap="none" strike="noStrike">
+                <a:solidFill>
+                  <a:schemeClr val="dk1"/>
+                </a:solidFill>
+                <a:latin typeface="Arial"/>
+                <a:ea typeface="Arial"/>
+                <a:cs typeface="Arial"/>
+                <a:sym typeface="Arial"/>
+              </a:rPr>
+              <a:t>, der die Stelle blockiert.</a:t>
             </a:r>
             <a:endParaRPr b="0" i="0" sz="1600" u="none" cap="none" strike="noStrike">
               <a:solidFill>
@@ -12610,8 +12626,36 @@
         </p:blipFill>
         <p:spPr>
           <a:xfrm>
-            <a:off x="4723770" y="1299213"/>
+            <a:off x="4730795" y="1816163"/>
             <a:ext cx="3925150" cy="2545075"/>
+          </a:xfrm>
+          <a:prstGeom prst="rect">
+            <a:avLst/>
+          </a:prstGeom>
+          <a:noFill/>
+          <a:ln>
+            <a:noFill/>
+          </a:ln>
+        </p:spPr>
+      </p:pic>
+      <p:pic>
+        <p:nvPicPr>
+          <p:cNvPr id="125" name="Google Shape;125;p21"/>
+          <p:cNvPicPr preferRelativeResize="0"/>
+          <p:nvPr/>
+        </p:nvPicPr>
+        <p:blipFill>
+          <a:blip r:embed="rId4">
+            <a:alphaModFix/>
+          </a:blip>
+          <a:stretch>
+            <a:fillRect/>
+          </a:stretch>
+        </p:blipFill>
+        <p:spPr>
+          <a:xfrm>
+            <a:off x="5905300" y="721550"/>
+            <a:ext cx="1576150" cy="804000"/>
           </a:xfrm>
           <a:prstGeom prst="rect">
             <a:avLst/>
@@ -12635,7 +12679,7 @@
   <p:cSld>
     <p:spTree>
       <p:nvGrpSpPr>
-        <p:cNvPr id="128" name="Shape 128"/>
+        <p:cNvPr id="129" name="Shape 129"/>
         <p:cNvGrpSpPr/>
         <p:nvPr/>
       </p:nvGrpSpPr>
@@ -12649,7 +12693,7 @@
       </p:grpSpPr>
       <p:sp>
         <p:nvSpPr>
-          <p:cNvPr id="129" name="Google Shape;129;p22"/>
+          <p:cNvPr id="130" name="Google Shape;130;p22"/>
           <p:cNvSpPr txBox="1"/>
           <p:nvPr>
             <p:ph type="title"/>
@@ -12697,7 +12741,7 @@
       </p:sp>
       <p:sp>
         <p:nvSpPr>
-          <p:cNvPr id="130" name="Google Shape;130;p22"/>
+          <p:cNvPr id="131" name="Google Shape;131;p22"/>
           <p:cNvSpPr/>
           <p:nvPr>
             <p:ph idx="2" type="chart"/>
@@ -12993,7 +13037,7 @@
   <p:cSld>
     <p:spTree>
       <p:nvGrpSpPr>
-        <p:cNvPr id="134" name="Shape 134"/>
+        <p:cNvPr id="135" name="Shape 135"/>
         <p:cNvGrpSpPr/>
         <p:nvPr/>
       </p:nvGrpSpPr>
@@ -13007,7 +13051,7 @@
       </p:grpSpPr>
       <p:sp>
         <p:nvSpPr>
-          <p:cNvPr id="135" name="Google Shape;135;p23"/>
+          <p:cNvPr id="136" name="Google Shape;136;p23"/>
           <p:cNvSpPr txBox="1"/>
           <p:nvPr>
             <p:ph type="title"/>
@@ -13055,7 +13099,7 @@
       </p:sp>
       <p:sp>
         <p:nvSpPr>
-          <p:cNvPr id="136" name="Google Shape;136;p23"/>
+          <p:cNvPr id="137" name="Google Shape;137;p23"/>
           <p:cNvSpPr/>
           <p:nvPr>
             <p:ph idx="2" type="chart"/>
@@ -13320,7 +13364,7 @@
   <p:cSld>
     <p:spTree>
       <p:nvGrpSpPr>
-        <p:cNvPr id="140" name="Shape 140"/>
+        <p:cNvPr id="141" name="Shape 141"/>
         <p:cNvGrpSpPr/>
         <p:nvPr/>
       </p:nvGrpSpPr>
@@ -13334,7 +13378,7 @@
       </p:grpSpPr>
       <p:sp>
         <p:nvSpPr>
-          <p:cNvPr id="141" name="Google Shape;141;p24"/>
+          <p:cNvPr id="142" name="Google Shape;142;p24"/>
           <p:cNvSpPr txBox="1"/>
           <p:nvPr>
             <p:ph type="title"/>
@@ -13382,7 +13426,7 @@
       </p:sp>
       <p:sp>
         <p:nvSpPr>
-          <p:cNvPr id="142" name="Google Shape;142;p24"/>
+          <p:cNvPr id="143" name="Google Shape;143;p24"/>
           <p:cNvSpPr/>
           <p:nvPr>
             <p:ph idx="2" type="chart"/>
@@ -13674,6 +13718,285 @@
 </file>
 
 <file path=ppt/theme/theme1.xml><?xml version="1.0" encoding="utf-8"?>
+<a:theme xmlns:a="http://schemas.openxmlformats.org/drawingml/2006/main" xmlns:r="http://schemas.openxmlformats.org/officeDocument/2006/relationships">
+  <a:themeElements>
+    <a:clrScheme name="Default">
+      <a:dk1>
+        <a:srgbClr val="000000"/>
+      </a:dk1>
+      <a:lt1>
+        <a:srgbClr val="FFFFFF"/>
+      </a:lt1>
+      <a:dk2>
+        <a:srgbClr val="158158"/>
+      </a:dk2>
+      <a:lt2>
+        <a:srgbClr val="F3F3F3"/>
+      </a:lt2>
+      <a:accent1>
+        <a:srgbClr val="058DC7"/>
+      </a:accent1>
+      <a:accent2>
+        <a:srgbClr val="50B432"/>
+      </a:accent2>
+      <a:accent3>
+        <a:srgbClr val="ED561B"/>
+      </a:accent3>
+      <a:accent4>
+        <a:srgbClr val="EDEF00"/>
+      </a:accent4>
+      <a:accent5>
+        <a:srgbClr val="24CBE5"/>
+      </a:accent5>
+      <a:accent6>
+        <a:srgbClr val="64E572"/>
+      </a:accent6>
+      <a:hlink>
+        <a:srgbClr val="2200CC"/>
+      </a:hlink>
+      <a:folHlink>
+        <a:srgbClr val="551A8B"/>
+      </a:folHlink>
+    </a:clrScheme>
+    <a:fontScheme name="Office">
+      <a:majorFont>
+        <a:latin typeface="Arial"/>
+        <a:ea typeface=""/>
+        <a:cs typeface=""/>
+        <a:font script="Jpan" typeface="ＭＳ Ｐゴシック"/>
+        <a:font script="Hang" typeface="맑은 고딕"/>
+        <a:font script="Hans" typeface="宋体"/>
+        <a:font script="Hant" typeface="新細明體"/>
+        <a:font script="Arab" typeface="Times New Roman"/>
+        <a:font script="Hebr" typeface="Times New Roman"/>
+        <a:font script="Thai" typeface="Angsana New"/>
+        <a:font script="Ethi" typeface="Nyala"/>
+        <a:font script="Beng" typeface="Vrinda"/>
+        <a:font script="Gujr" typeface="Shruti"/>
+        <a:font script="Khmr" typeface="MoolBoran"/>
+        <a:font script="Knda" typeface="Tunga"/>
+        <a:font script="Guru" typeface="Raavi"/>
+        <a:font script="Cans" typeface="Euphemia"/>
+        <a:font script="Cher" typeface="Plantagenet Cherokee"/>
+        <a:font script="Yiii" typeface="Microsoft Yi Baiti"/>
+        <a:font script="Tibt" typeface="Microsoft Himalaya"/>
+        <a:font script="Thaa" typeface="MV Boli"/>
+        <a:font script="Deva" typeface="Mangal"/>
+        <a:font script="Telu" typeface="Gautami"/>
+        <a:font script="Taml" typeface="Latha"/>
+        <a:font script="Syrc" typeface="Estrangelo Edessa"/>
+        <a:font script="Orya" typeface="Kalinga"/>
+        <a:font script="Mlym" typeface="Kartika"/>
+        <a:font script="Laoo" typeface="DokChampa"/>
+        <a:font script="Sinh" typeface="Iskoola Pota"/>
+        <a:font script="Mong" typeface="Mongolian Baiti"/>
+        <a:font script="Viet" typeface="Times New Roman"/>
+        <a:font script="Uigh" typeface="Microsoft Uighur"/>
+        <a:font script="Geor" typeface="Sylfaen"/>
+      </a:majorFont>
+      <a:minorFont>
+        <a:latin typeface="Arial"/>
+        <a:ea typeface=""/>
+        <a:cs typeface=""/>
+        <a:font script="Jpan" typeface="ＭＳ Ｐゴシック"/>
+        <a:font script="Hang" typeface="맑은 고딕"/>
+        <a:font script="Hans" typeface="宋体"/>
+        <a:font script="Hant" typeface="新細明體"/>
+        <a:font script="Arab" typeface="Arial"/>
+        <a:font script="Hebr" typeface="Arial"/>
+        <a:font script="Thai" typeface="Cordia New"/>
+        <a:font script="Ethi" typeface="Nyala"/>
+        <a:font script="Beng" typeface="Vrinda"/>
+        <a:font script="Gujr" typeface="Shruti"/>
+        <a:font script="Khmr" typeface="DaunPenh"/>
+        <a:font script="Knda" typeface="Tunga"/>
+        <a:font script="Guru" typeface="Raavi"/>
+        <a:font script="Cans" typeface="Euphemia"/>
+        <a:font script="Cher" typeface="Plantagenet Cherokee"/>
+        <a:font script="Yiii" typeface="Microsoft Yi Baiti"/>
+        <a:font script="Tibt" typeface="Microsoft Himalaya"/>
+        <a:font script="Thaa" typeface="MV Boli"/>
+        <a:font script="Deva" typeface="Mangal"/>
+        <a:font script="Telu" typeface="Gautami"/>
+        <a:font script="Taml" typeface="Latha"/>
+        <a:font script="Syrc" typeface="Estrangelo Edessa"/>
+        <a:font script="Orya" typeface="Kalinga"/>
+        <a:font script="Mlym" typeface="Kartika"/>
+        <a:font script="Laoo" typeface="DokChampa"/>
+        <a:font script="Sinh" typeface="Iskoola Pota"/>
+        <a:font script="Mong" typeface="Mongolian Baiti"/>
+        <a:font script="Viet" typeface="Arial"/>
+        <a:font script="Uigh" typeface="Microsoft Uighur"/>
+        <a:font script="Geor" typeface="Sylfaen"/>
+      </a:minorFont>
+    </a:fontScheme>
+    <a:fmtScheme name="Office">
+      <a:fillStyleLst>
+        <a:solidFill>
+          <a:schemeClr val="phClr"/>
+        </a:solidFill>
+        <a:gradFill rotWithShape="1">
+          <a:gsLst>
+            <a:gs pos="0">
+              <a:schemeClr val="phClr">
+                <a:tint val="50000"/>
+                <a:satMod val="300000"/>
+              </a:schemeClr>
+            </a:gs>
+            <a:gs pos="35000">
+              <a:schemeClr val="phClr">
+                <a:tint val="37000"/>
+                <a:satMod val="300000"/>
+              </a:schemeClr>
+            </a:gs>
+            <a:gs pos="100000">
+              <a:schemeClr val="phClr">
+                <a:tint val="15000"/>
+                <a:satMod val="350000"/>
+              </a:schemeClr>
+            </a:gs>
+          </a:gsLst>
+          <a:lin ang="16200000" scaled="1"/>
+        </a:gradFill>
+        <a:gradFill rotWithShape="1">
+          <a:gsLst>
+            <a:gs pos="0">
+              <a:schemeClr val="phClr">
+                <a:tint val="100000"/>
+                <a:shade val="100000"/>
+                <a:satMod val="130000"/>
+              </a:schemeClr>
+            </a:gs>
+            <a:gs pos="100000">
+              <a:schemeClr val="phClr">
+                <a:tint val="50000"/>
+                <a:shade val="100000"/>
+                <a:satMod val="350000"/>
+              </a:schemeClr>
+            </a:gs>
+          </a:gsLst>
+          <a:lin ang="16200000" scaled="0"/>
+        </a:gradFill>
+      </a:fillStyleLst>
+      <a:lnStyleLst>
+        <a:ln w="9525" cap="flat" cmpd="sng" algn="ctr">
+          <a:solidFill>
+            <a:schemeClr val="phClr">
+              <a:shade val="95000"/>
+              <a:satMod val="105000"/>
+            </a:schemeClr>
+          </a:solidFill>
+          <a:prstDash val="solid"/>
+        </a:ln>
+        <a:ln w="25400" cap="flat" cmpd="sng" algn="ctr">
+          <a:solidFill>
+            <a:schemeClr val="phClr"/>
+          </a:solidFill>
+          <a:prstDash val="solid"/>
+        </a:ln>
+        <a:ln w="38100" cap="flat" cmpd="sng" algn="ctr">
+          <a:solidFill>
+            <a:schemeClr val="phClr"/>
+          </a:solidFill>
+          <a:prstDash val="solid"/>
+        </a:ln>
+      </a:lnStyleLst>
+      <a:effectStyleLst>
+        <a:effectStyle>
+          <a:effectLst>
+            <a:outerShdw blurRad="40000" dist="20000" dir="5400000" rotWithShape="0">
+              <a:srgbClr val="000000">
+                <a:alpha val="38000"/>
+              </a:srgbClr>
+            </a:outerShdw>
+          </a:effectLst>
+        </a:effectStyle>
+        <a:effectStyle>
+          <a:effectLst>
+            <a:outerShdw blurRad="40000" dist="23000" dir="5400000" rotWithShape="0">
+              <a:srgbClr val="000000">
+                <a:alpha val="35000"/>
+              </a:srgbClr>
+            </a:outerShdw>
+          </a:effectLst>
+        </a:effectStyle>
+        <a:effectStyle>
+          <a:effectLst>
+            <a:outerShdw blurRad="40000" dist="23000" dir="5400000" rotWithShape="0">
+              <a:srgbClr val="000000">
+                <a:alpha val="35000"/>
+              </a:srgbClr>
+            </a:outerShdw>
+          </a:effectLst>
+          <a:scene3d>
+            <a:camera prst="orthographicFront">
+              <a:rot lat="0" lon="0" rev="0"/>
+            </a:camera>
+            <a:lightRig rig="threePt" dir="t">
+              <a:rot lat="0" lon="0" rev="1200000"/>
+            </a:lightRig>
+          </a:scene3d>
+          <a:sp3d>
+            <a:bevelT w="63500" h="25400"/>
+          </a:sp3d>
+        </a:effectStyle>
+      </a:effectStyleLst>
+      <a:bgFillStyleLst>
+        <a:solidFill>
+          <a:schemeClr val="phClr"/>
+        </a:solidFill>
+        <a:gradFill rotWithShape="1">
+          <a:gsLst>
+            <a:gs pos="0">
+              <a:schemeClr val="phClr">
+                <a:tint val="40000"/>
+                <a:satMod val="350000"/>
+              </a:schemeClr>
+            </a:gs>
+            <a:gs pos="40000">
+              <a:schemeClr val="phClr">
+                <a:tint val="45000"/>
+                <a:shade val="99000"/>
+                <a:satMod val="350000"/>
+              </a:schemeClr>
+            </a:gs>
+            <a:gs pos="100000">
+              <a:schemeClr val="phClr">
+                <a:shade val="20000"/>
+                <a:satMod val="255000"/>
+              </a:schemeClr>
+            </a:gs>
+          </a:gsLst>
+          <a:path path="circle">
+            <a:fillToRect l="50000" t="-80000" r="50000" b="180000"/>
+          </a:path>
+        </a:gradFill>
+        <a:gradFill rotWithShape="1">
+          <a:gsLst>
+            <a:gs pos="0">
+              <a:schemeClr val="phClr">
+                <a:tint val="80000"/>
+                <a:satMod val="300000"/>
+              </a:schemeClr>
+            </a:gs>
+            <a:gs pos="100000">
+              <a:schemeClr val="phClr">
+                <a:shade val="30000"/>
+                <a:satMod val="200000"/>
+              </a:schemeClr>
+            </a:gs>
+          </a:gsLst>
+          <a:path path="circle">
+            <a:fillToRect l="50000" t="50000" r="50000" b="50000"/>
+          </a:path>
+        </a:gradFill>
+      </a:bgFillStyleLst>
+    </a:fmtScheme>
+  </a:themeElements>
+</a:theme>
+</file>
+
+<file path=ppt/theme/theme2.xml><?xml version="1.0" encoding="utf-8"?>
 <a:theme xmlns:a="http://schemas.openxmlformats.org/drawingml/2006/main" xmlns:r="http://schemas.openxmlformats.org/officeDocument/2006/relationships" name="TUBraunschweig_PPT2007_Folienpool_pptx">
   <a:themeElements>
     <a:clrScheme name="TU Braunschweig">
@@ -13950,283 +14273,4 @@
     </a:fmtScheme>
   </a:themeElements>
 </a:theme>
-</file>
-
-<file path=ppt/theme/theme2.xml><?xml version="1.0" encoding="utf-8"?>
-<a:theme xmlns:a="http://schemas.openxmlformats.org/drawingml/2006/main" xmlns:r="http://schemas.openxmlformats.org/officeDocument/2006/relationships">
-  <a:themeElements>
-    <a:clrScheme name="Default">
-      <a:dk1>
-        <a:srgbClr val="000000"/>
-      </a:dk1>
-      <a:lt1>
-        <a:srgbClr val="FFFFFF"/>
-      </a:lt1>
-      <a:dk2>
-        <a:srgbClr val="158158"/>
-      </a:dk2>
-      <a:lt2>
-        <a:srgbClr val="F3F3F3"/>
-      </a:lt2>
-      <a:accent1>
-        <a:srgbClr val="058DC7"/>
-      </a:accent1>
-      <a:accent2>
-        <a:srgbClr val="50B432"/>
-      </a:accent2>
-      <a:accent3>
-        <a:srgbClr val="ED561B"/>
-      </a:accent3>
-      <a:accent4>
-        <a:srgbClr val="EDEF00"/>
-      </a:accent4>
-      <a:accent5>
-        <a:srgbClr val="24CBE5"/>
-      </a:accent5>
-      <a:accent6>
-        <a:srgbClr val="64E572"/>
-      </a:accent6>
-      <a:hlink>
-        <a:srgbClr val="2200CC"/>
-      </a:hlink>
-      <a:folHlink>
-        <a:srgbClr val="551A8B"/>
-      </a:folHlink>
-    </a:clrScheme>
-    <a:fontScheme name="Office">
-      <a:majorFont>
-        <a:latin typeface="Arial"/>
-        <a:ea typeface=""/>
-        <a:cs typeface=""/>
-        <a:font script="Jpan" typeface="ＭＳ Ｐゴシック"/>
-        <a:font script="Hang" typeface="맑은 고딕"/>
-        <a:font script="Hans" typeface="宋体"/>
-        <a:font script="Hant" typeface="新細明體"/>
-        <a:font script="Arab" typeface="Times New Roman"/>
-        <a:font script="Hebr" typeface="Times New Roman"/>
-        <a:font script="Thai" typeface="Angsana New"/>
-        <a:font script="Ethi" typeface="Nyala"/>
-        <a:font script="Beng" typeface="Vrinda"/>
-        <a:font script="Gujr" typeface="Shruti"/>
-        <a:font script="Khmr" typeface="MoolBoran"/>
-        <a:font script="Knda" typeface="Tunga"/>
-        <a:font script="Guru" typeface="Raavi"/>
-        <a:font script="Cans" typeface="Euphemia"/>
-        <a:font script="Cher" typeface="Plantagenet Cherokee"/>
-        <a:font script="Yiii" typeface="Microsoft Yi Baiti"/>
-        <a:font script="Tibt" typeface="Microsoft Himalaya"/>
-        <a:font script="Thaa" typeface="MV Boli"/>
-        <a:font script="Deva" typeface="Mangal"/>
-        <a:font script="Telu" typeface="Gautami"/>
-        <a:font script="Taml" typeface="Latha"/>
-        <a:font script="Syrc" typeface="Estrangelo Edessa"/>
-        <a:font script="Orya" typeface="Kalinga"/>
-        <a:font script="Mlym" typeface="Kartika"/>
-        <a:font script="Laoo" typeface="DokChampa"/>
-        <a:font script="Sinh" typeface="Iskoola Pota"/>
-        <a:font script="Mong" typeface="Mongolian Baiti"/>
-        <a:font script="Viet" typeface="Times New Roman"/>
-        <a:font script="Uigh" typeface="Microsoft Uighur"/>
-        <a:font script="Geor" typeface="Sylfaen"/>
-      </a:majorFont>
-      <a:minorFont>
-        <a:latin typeface="Arial"/>
-        <a:ea typeface=""/>
-        <a:cs typeface=""/>
-        <a:font script="Jpan" typeface="ＭＳ Ｐゴシック"/>
-        <a:font script="Hang" typeface="맑은 고딕"/>
-        <a:font script="Hans" typeface="宋体"/>
-        <a:font script="Hant" typeface="新細明體"/>
-        <a:font script="Arab" typeface="Arial"/>
-        <a:font script="Hebr" typeface="Arial"/>
-        <a:font script="Thai" typeface="Cordia New"/>
-        <a:font script="Ethi" typeface="Nyala"/>
-        <a:font script="Beng" typeface="Vrinda"/>
-        <a:font script="Gujr" typeface="Shruti"/>
-        <a:font script="Khmr" typeface="DaunPenh"/>
-        <a:font script="Knda" typeface="Tunga"/>
-        <a:font script="Guru" typeface="Raavi"/>
-        <a:font script="Cans" typeface="Euphemia"/>
-        <a:font script="Cher" typeface="Plantagenet Cherokee"/>
-        <a:font script="Yiii" typeface="Microsoft Yi Baiti"/>
-        <a:font script="Tibt" typeface="Microsoft Himalaya"/>
-        <a:font script="Thaa" typeface="MV Boli"/>
-        <a:font script="Deva" typeface="Mangal"/>
-        <a:font script="Telu" typeface="Gautami"/>
-        <a:font script="Taml" typeface="Latha"/>
-        <a:font script="Syrc" typeface="Estrangelo Edessa"/>
-        <a:font script="Orya" typeface="Kalinga"/>
-        <a:font script="Mlym" typeface="Kartika"/>
-        <a:font script="Laoo" typeface="DokChampa"/>
-        <a:font script="Sinh" typeface="Iskoola Pota"/>
-        <a:font script="Mong" typeface="Mongolian Baiti"/>
-        <a:font script="Viet" typeface="Arial"/>
-        <a:font script="Uigh" typeface="Microsoft Uighur"/>
-        <a:font script="Geor" typeface="Sylfaen"/>
-      </a:minorFont>
-    </a:fontScheme>
-    <a:fmtScheme name="Office">
-      <a:fillStyleLst>
-        <a:solidFill>
-          <a:schemeClr val="phClr"/>
-        </a:solidFill>
-        <a:gradFill rotWithShape="1">
-          <a:gsLst>
-            <a:gs pos="0">
-              <a:schemeClr val="phClr">
-                <a:tint val="50000"/>
-                <a:satMod val="300000"/>
-              </a:schemeClr>
-            </a:gs>
-            <a:gs pos="35000">
-              <a:schemeClr val="phClr">
-                <a:tint val="37000"/>
-                <a:satMod val="300000"/>
-              </a:schemeClr>
-            </a:gs>
-            <a:gs pos="100000">
-              <a:schemeClr val="phClr">
-                <a:tint val="15000"/>
-                <a:satMod val="350000"/>
-              </a:schemeClr>
-            </a:gs>
-          </a:gsLst>
-          <a:lin ang="16200000" scaled="1"/>
-        </a:gradFill>
-        <a:gradFill rotWithShape="1">
-          <a:gsLst>
-            <a:gs pos="0">
-              <a:schemeClr val="phClr">
-                <a:tint val="100000"/>
-                <a:shade val="100000"/>
-                <a:satMod val="130000"/>
-              </a:schemeClr>
-            </a:gs>
-            <a:gs pos="100000">
-              <a:schemeClr val="phClr">
-                <a:tint val="50000"/>
-                <a:shade val="100000"/>
-                <a:satMod val="350000"/>
-              </a:schemeClr>
-            </a:gs>
-          </a:gsLst>
-          <a:lin ang="16200000" scaled="0"/>
-        </a:gradFill>
-      </a:fillStyleLst>
-      <a:lnStyleLst>
-        <a:ln w="9525" cap="flat" cmpd="sng" algn="ctr">
-          <a:solidFill>
-            <a:schemeClr val="phClr">
-              <a:shade val="95000"/>
-              <a:satMod val="105000"/>
-            </a:schemeClr>
-          </a:solidFill>
-          <a:prstDash val="solid"/>
-        </a:ln>
-        <a:ln w="25400" cap="flat" cmpd="sng" algn="ctr">
-          <a:solidFill>
-            <a:schemeClr val="phClr"/>
-          </a:solidFill>
-          <a:prstDash val="solid"/>
-        </a:ln>
-        <a:ln w="38100" cap="flat" cmpd="sng" algn="ctr">
-          <a:solidFill>
-            <a:schemeClr val="phClr"/>
-          </a:solidFill>
-          <a:prstDash val="solid"/>
-        </a:ln>
-      </a:lnStyleLst>
-      <a:effectStyleLst>
-        <a:effectStyle>
-          <a:effectLst>
-            <a:outerShdw blurRad="40000" dist="20000" dir="5400000" rotWithShape="0">
-              <a:srgbClr val="000000">
-                <a:alpha val="38000"/>
-              </a:srgbClr>
-            </a:outerShdw>
-          </a:effectLst>
-        </a:effectStyle>
-        <a:effectStyle>
-          <a:effectLst>
-            <a:outerShdw blurRad="40000" dist="23000" dir="5400000" rotWithShape="0">
-              <a:srgbClr val="000000">
-                <a:alpha val="35000"/>
-              </a:srgbClr>
-            </a:outerShdw>
-          </a:effectLst>
-        </a:effectStyle>
-        <a:effectStyle>
-          <a:effectLst>
-            <a:outerShdw blurRad="40000" dist="23000" dir="5400000" rotWithShape="0">
-              <a:srgbClr val="000000">
-                <a:alpha val="35000"/>
-              </a:srgbClr>
-            </a:outerShdw>
-          </a:effectLst>
-          <a:scene3d>
-            <a:camera prst="orthographicFront">
-              <a:rot lat="0" lon="0" rev="0"/>
-            </a:camera>
-            <a:lightRig rig="threePt" dir="t">
-              <a:rot lat="0" lon="0" rev="1200000"/>
-            </a:lightRig>
-          </a:scene3d>
-          <a:sp3d>
-            <a:bevelT w="63500" h="25400"/>
-          </a:sp3d>
-        </a:effectStyle>
-      </a:effectStyleLst>
-      <a:bgFillStyleLst>
-        <a:solidFill>
-          <a:schemeClr val="phClr"/>
-        </a:solidFill>
-        <a:gradFill rotWithShape="1">
-          <a:gsLst>
-            <a:gs pos="0">
-              <a:schemeClr val="phClr">
-                <a:tint val="40000"/>
-                <a:satMod val="350000"/>
-              </a:schemeClr>
-            </a:gs>
-            <a:gs pos="40000">
-              <a:schemeClr val="phClr">
-                <a:tint val="45000"/>
-                <a:shade val="99000"/>
-                <a:satMod val="350000"/>
-              </a:schemeClr>
-            </a:gs>
-            <a:gs pos="100000">
-              <a:schemeClr val="phClr">
-                <a:shade val="20000"/>
-                <a:satMod val="255000"/>
-              </a:schemeClr>
-            </a:gs>
-          </a:gsLst>
-          <a:path path="circle">
-            <a:fillToRect l="50000" t="-80000" r="50000" b="180000"/>
-          </a:path>
-        </a:gradFill>
-        <a:gradFill rotWithShape="1">
-          <a:gsLst>
-            <a:gs pos="0">
-              <a:schemeClr val="phClr">
-                <a:tint val="80000"/>
-                <a:satMod val="300000"/>
-              </a:schemeClr>
-            </a:gs>
-            <a:gs pos="100000">
-              <a:schemeClr val="phClr">
-                <a:shade val="30000"/>
-                <a:satMod val="200000"/>
-              </a:schemeClr>
-            </a:gs>
-          </a:gsLst>
-          <a:path path="circle">
-            <a:fillToRect l="50000" t="50000" r="50000" b="50000"/>
-          </a:path>
-        </a:gradFill>
-      </a:bgFillStyleLst>
-    </a:fmtScheme>
-  </a:themeElements>
-</a:theme>
 </file>
--- a/slides/10_recursion_2.pptx
+++ b/slides/10_recursion_2.pptx
@@ -9938,7 +9938,7 @@
         </p:nvSpPr>
         <p:spPr>
           <a:xfrm>
-            <a:off x="431800" y="83344"/>
+            <a:off x="384150" y="-6"/>
             <a:ext cx="8375700" cy="531000"/>
           </a:xfrm>
           <a:prstGeom prst="rect">
@@ -10070,7 +10070,23 @@
                 <a:cs typeface="Arial"/>
                 <a:sym typeface="Arial"/>
               </a:rPr>
-              <a:t>Im Git liegt der bestehende Sourcecode in “/src/lesson_09_recursion_2/binaryTree”</a:t>
+              <a:t>Im Git liegt der bestehende Sourcecode in “/src/lesson_</a:t>
+            </a:r>
+            <a:r>
+              <a:rPr lang="de" sz="1400"/>
+              <a:t>10</a:t>
+            </a:r>
+            <a:r>
+              <a:rPr b="0" i="0" lang="de" sz="1400" u="none" cap="none" strike="noStrike">
+                <a:solidFill>
+                  <a:schemeClr val="dk1"/>
+                </a:solidFill>
+                <a:latin typeface="Arial"/>
+                <a:ea typeface="Arial"/>
+                <a:cs typeface="Arial"/>
+                <a:sym typeface="Arial"/>
+              </a:rPr>
+              <a:t>_recursion_2/binaryTree”</a:t>
             </a:r>
             <a:endParaRPr b="0" i="0" sz="1400" u="none" cap="none" strike="noStrike">
               <a:solidFill>
@@ -13386,7 +13402,7 @@
         </p:nvSpPr>
         <p:spPr>
           <a:xfrm>
-            <a:off x="431800" y="83344"/>
+            <a:off x="768300" y="195769"/>
             <a:ext cx="8375700" cy="531000"/>
           </a:xfrm>
           <a:prstGeom prst="rect">

--- a/slides/10_recursion_2.pptx
+++ b/slides/10_recursion_2.pptx
@@ -13734,6 +13734,285 @@
 </file>
 
 <file path=ppt/theme/theme1.xml><?xml version="1.0" encoding="utf-8"?>
+<a:theme xmlns:a="http://schemas.openxmlformats.org/drawingml/2006/main" xmlns:r="http://schemas.openxmlformats.org/officeDocument/2006/relationships" name="TUBraunschweig_PPT2007_Folienpool_pptx">
+  <a:themeElements>
+    <a:clrScheme name="TU Braunschweig">
+      <a:dk1>
+        <a:srgbClr val="000000"/>
+      </a:dk1>
+      <a:lt1>
+        <a:srgbClr val="FFFFFF"/>
+      </a:lt1>
+      <a:dk2>
+        <a:srgbClr val="000000"/>
+      </a:dk2>
+      <a:lt2>
+        <a:srgbClr val="DDDDDD"/>
+      </a:lt2>
+      <a:accent1>
+        <a:srgbClr val="BE1E3C"/>
+      </a:accent1>
+      <a:accent2>
+        <a:srgbClr val="4DA6CB"/>
+      </a:accent2>
+      <a:accent3>
+        <a:srgbClr val="ADBF4D"/>
+      </a:accent3>
+      <a:accent4>
+        <a:srgbClr val="FA6E00"/>
+      </a:accent4>
+      <a:accent5>
+        <a:srgbClr val="407E97"/>
+      </a:accent5>
+      <a:accent6>
+        <a:srgbClr val="984098"/>
+      </a:accent6>
+      <a:hlink>
+        <a:srgbClr val="BE1E3C"/>
+      </a:hlink>
+      <a:folHlink>
+        <a:srgbClr val="760054"/>
+      </a:folHlink>
+    </a:clrScheme>
+    <a:fontScheme name="Office">
+      <a:majorFont>
+        <a:latin typeface="Arial"/>
+        <a:ea typeface=""/>
+        <a:cs typeface=""/>
+        <a:font script="Jpan" typeface="ＭＳ Ｐゴシック"/>
+        <a:font script="Hang" typeface="맑은 고딕"/>
+        <a:font script="Hans" typeface="宋体"/>
+        <a:font script="Hant" typeface="新細明體"/>
+        <a:font script="Arab" typeface="Times New Roman"/>
+        <a:font script="Hebr" typeface="Times New Roman"/>
+        <a:font script="Thai" typeface="Angsana New"/>
+        <a:font script="Ethi" typeface="Nyala"/>
+        <a:font script="Beng" typeface="Vrinda"/>
+        <a:font script="Gujr" typeface="Shruti"/>
+        <a:font script="Khmr" typeface="MoolBoran"/>
+        <a:font script="Knda" typeface="Tunga"/>
+        <a:font script="Guru" typeface="Raavi"/>
+        <a:font script="Cans" typeface="Euphemia"/>
+        <a:font script="Cher" typeface="Plantagenet Cherokee"/>
+        <a:font script="Yiii" typeface="Microsoft Yi Baiti"/>
+        <a:font script="Tibt" typeface="Microsoft Himalaya"/>
+        <a:font script="Thaa" typeface="MV Boli"/>
+        <a:font script="Deva" typeface="Mangal"/>
+        <a:font script="Telu" typeface="Gautami"/>
+        <a:font script="Taml" typeface="Latha"/>
+        <a:font script="Syrc" typeface="Estrangelo Edessa"/>
+        <a:font script="Orya" typeface="Kalinga"/>
+        <a:font script="Mlym" typeface="Kartika"/>
+        <a:font script="Laoo" typeface="DokChampa"/>
+        <a:font script="Sinh" typeface="Iskoola Pota"/>
+        <a:font script="Mong" typeface="Mongolian Baiti"/>
+        <a:font script="Viet" typeface="Times New Roman"/>
+        <a:font script="Uigh" typeface="Microsoft Uighur"/>
+        <a:font script="Geor" typeface="Sylfaen"/>
+      </a:majorFont>
+      <a:minorFont>
+        <a:latin typeface="Arial"/>
+        <a:ea typeface=""/>
+        <a:cs typeface=""/>
+        <a:font script="Jpan" typeface="ＭＳ Ｐゴシック"/>
+        <a:font script="Hang" typeface="맑은 고딕"/>
+        <a:font script="Hans" typeface="宋体"/>
+        <a:font script="Hant" typeface="新細明體"/>
+        <a:font script="Arab" typeface="Arial"/>
+        <a:font script="Hebr" typeface="Arial"/>
+        <a:font script="Thai" typeface="Cordia New"/>
+        <a:font script="Ethi" typeface="Nyala"/>
+        <a:font script="Beng" typeface="Vrinda"/>
+        <a:font script="Gujr" typeface="Shruti"/>
+        <a:font script="Khmr" typeface="DaunPenh"/>
+        <a:font script="Knda" typeface="Tunga"/>
+        <a:font script="Guru" typeface="Raavi"/>
+        <a:font script="Cans" typeface="Euphemia"/>
+        <a:font script="Cher" typeface="Plantagenet Cherokee"/>
+        <a:font script="Yiii" typeface="Microsoft Yi Baiti"/>
+        <a:font script="Tibt" typeface="Microsoft Himalaya"/>
+        <a:font script="Thaa" typeface="MV Boli"/>
+        <a:font script="Deva" typeface="Mangal"/>
+        <a:font script="Telu" typeface="Gautami"/>
+        <a:font script="Taml" typeface="Latha"/>
+        <a:font script="Syrc" typeface="Estrangelo Edessa"/>
+        <a:font script="Orya" typeface="Kalinga"/>
+        <a:font script="Mlym" typeface="Kartika"/>
+        <a:font script="Laoo" typeface="DokChampa"/>
+        <a:font script="Sinh" typeface="Iskoola Pota"/>
+        <a:font script="Mong" typeface="Mongolian Baiti"/>
+        <a:font script="Viet" typeface="Arial"/>
+        <a:font script="Uigh" typeface="Microsoft Uighur"/>
+        <a:font script="Geor" typeface="Sylfaen"/>
+      </a:minorFont>
+    </a:fontScheme>
+    <a:fmtScheme name="Office">
+      <a:fillStyleLst>
+        <a:solidFill>
+          <a:schemeClr val="phClr"/>
+        </a:solidFill>
+        <a:gradFill rotWithShape="1">
+          <a:gsLst>
+            <a:gs pos="0">
+              <a:schemeClr val="phClr">
+                <a:tint val="50000"/>
+                <a:satMod val="300000"/>
+              </a:schemeClr>
+            </a:gs>
+            <a:gs pos="35000">
+              <a:schemeClr val="phClr">
+                <a:tint val="37000"/>
+                <a:satMod val="300000"/>
+              </a:schemeClr>
+            </a:gs>
+            <a:gs pos="100000">
+              <a:schemeClr val="phClr">
+                <a:tint val="15000"/>
+                <a:satMod val="350000"/>
+              </a:schemeClr>
+            </a:gs>
+          </a:gsLst>
+          <a:lin ang="16200000" scaled="1"/>
+        </a:gradFill>
+        <a:gradFill rotWithShape="1">
+          <a:gsLst>
+            <a:gs pos="0">
+              <a:schemeClr val="phClr">
+                <a:tint val="100000"/>
+                <a:shade val="100000"/>
+                <a:satMod val="130000"/>
+              </a:schemeClr>
+            </a:gs>
+            <a:gs pos="100000">
+              <a:schemeClr val="phClr">
+                <a:tint val="50000"/>
+                <a:shade val="100000"/>
+                <a:satMod val="350000"/>
+              </a:schemeClr>
+            </a:gs>
+          </a:gsLst>
+          <a:lin ang="16200000" scaled="0"/>
+        </a:gradFill>
+      </a:fillStyleLst>
+      <a:lnStyleLst>
+        <a:ln w="9525" cap="flat" cmpd="sng" algn="ctr">
+          <a:solidFill>
+            <a:schemeClr val="phClr">
+              <a:shade val="95000"/>
+              <a:satMod val="105000"/>
+            </a:schemeClr>
+          </a:solidFill>
+          <a:prstDash val="solid"/>
+        </a:ln>
+        <a:ln w="25400" cap="flat" cmpd="sng" algn="ctr">
+          <a:solidFill>
+            <a:schemeClr val="phClr"/>
+          </a:solidFill>
+          <a:prstDash val="solid"/>
+        </a:ln>
+        <a:ln w="38100" cap="flat" cmpd="sng" algn="ctr">
+          <a:solidFill>
+            <a:schemeClr val="phClr"/>
+          </a:solidFill>
+          <a:prstDash val="solid"/>
+        </a:ln>
+      </a:lnStyleLst>
+      <a:effectStyleLst>
+        <a:effectStyle>
+          <a:effectLst>
+            <a:outerShdw blurRad="40000" dist="20000" dir="5400000" rotWithShape="0">
+              <a:srgbClr val="000000">
+                <a:alpha val="38000"/>
+              </a:srgbClr>
+            </a:outerShdw>
+          </a:effectLst>
+        </a:effectStyle>
+        <a:effectStyle>
+          <a:effectLst>
+            <a:outerShdw blurRad="40000" dist="23000" dir="5400000" rotWithShape="0">
+              <a:srgbClr val="000000">
+                <a:alpha val="35000"/>
+              </a:srgbClr>
+            </a:outerShdw>
+          </a:effectLst>
+        </a:effectStyle>
+        <a:effectStyle>
+          <a:effectLst>
+            <a:outerShdw blurRad="40000" dist="23000" dir="5400000" rotWithShape="0">
+              <a:srgbClr val="000000">
+                <a:alpha val="35000"/>
+              </a:srgbClr>
+            </a:outerShdw>
+          </a:effectLst>
+          <a:scene3d>
+            <a:camera prst="orthographicFront">
+              <a:rot lat="0" lon="0" rev="0"/>
+            </a:camera>
+            <a:lightRig rig="threePt" dir="t">
+              <a:rot lat="0" lon="0" rev="1200000"/>
+            </a:lightRig>
+          </a:scene3d>
+          <a:sp3d>
+            <a:bevelT w="63500" h="25400"/>
+          </a:sp3d>
+        </a:effectStyle>
+      </a:effectStyleLst>
+      <a:bgFillStyleLst>
+        <a:solidFill>
+          <a:schemeClr val="phClr"/>
+        </a:solidFill>
+        <a:gradFill rotWithShape="1">
+          <a:gsLst>
+            <a:gs pos="0">
+              <a:schemeClr val="phClr">
+                <a:tint val="40000"/>
+                <a:satMod val="350000"/>
+              </a:schemeClr>
+            </a:gs>
+            <a:gs pos="40000">
+              <a:schemeClr val="phClr">
+                <a:tint val="45000"/>
+                <a:shade val="99000"/>
+                <a:satMod val="350000"/>
+              </a:schemeClr>
+            </a:gs>
+            <a:gs pos="100000">
+              <a:schemeClr val="phClr">
+                <a:shade val="20000"/>
+                <a:satMod val="255000"/>
+              </a:schemeClr>
+            </a:gs>
+          </a:gsLst>
+          <a:path path="circle">
+            <a:fillToRect l="50000" t="-80000" r="50000" b="180000"/>
+          </a:path>
+        </a:gradFill>
+        <a:gradFill rotWithShape="1">
+          <a:gsLst>
+            <a:gs pos="0">
+              <a:schemeClr val="phClr">
+                <a:tint val="80000"/>
+                <a:satMod val="300000"/>
+              </a:schemeClr>
+            </a:gs>
+            <a:gs pos="100000">
+              <a:schemeClr val="phClr">
+                <a:shade val="30000"/>
+                <a:satMod val="200000"/>
+              </a:schemeClr>
+            </a:gs>
+          </a:gsLst>
+          <a:path path="circle">
+            <a:fillToRect l="50000" t="50000" r="50000" b="50000"/>
+          </a:path>
+        </a:gradFill>
+      </a:bgFillStyleLst>
+    </a:fmtScheme>
+  </a:themeElements>
+</a:theme>
+</file>
+
+<file path=ppt/theme/theme2.xml><?xml version="1.0" encoding="utf-8"?>
 <a:theme xmlns:a="http://schemas.openxmlformats.org/drawingml/2006/main" xmlns:r="http://schemas.openxmlformats.org/officeDocument/2006/relationships">
   <a:themeElements>
     <a:clrScheme name="Default">
@@ -14010,283 +14289,4 @@
     </a:fmtScheme>
   </a:themeElements>
 </a:theme>
-</file>
-
-<file path=ppt/theme/theme2.xml><?xml version="1.0" encoding="utf-8"?>
-<a:theme xmlns:a="http://schemas.openxmlformats.org/drawingml/2006/main" xmlns:r="http://schemas.openxmlformats.org/officeDocument/2006/relationships" name="TUBraunschweig_PPT2007_Folienpool_pptx">
-  <a:themeElements>
-    <a:clrScheme name="TU Braunschweig">
-      <a:dk1>
-        <a:srgbClr val="000000"/>
-      </a:dk1>
-      <a:lt1>
-        <a:srgbClr val="FFFFFF"/>
-      </a:lt1>
-      <a:dk2>
-        <a:srgbClr val="000000"/>
-      </a:dk2>
-      <a:lt2>
-        <a:srgbClr val="DDDDDD"/>
-      </a:lt2>
-      <a:accent1>
-        <a:srgbClr val="BE1E3C"/>
-      </a:accent1>
-      <a:accent2>
-        <a:srgbClr val="4DA6CB"/>
-      </a:accent2>
-      <a:accent3>
-        <a:srgbClr val="ADBF4D"/>
-      </a:accent3>
-      <a:accent4>
-        <a:srgbClr val="FA6E00"/>
-      </a:accent4>
-      <a:accent5>
-        <a:srgbClr val="407E97"/>
-      </a:accent5>
-      <a:accent6>
-        <a:srgbClr val="984098"/>
-      </a:accent6>
-      <a:hlink>
-        <a:srgbClr val="BE1E3C"/>
-      </a:hlink>
-      <a:folHlink>
-        <a:srgbClr val="760054"/>
-      </a:folHlink>
-    </a:clrScheme>
-    <a:fontScheme name="Office">
-      <a:majorFont>
-        <a:latin typeface="Arial"/>
-        <a:ea typeface=""/>
-        <a:cs typeface=""/>
-        <a:font script="Jpan" typeface="ＭＳ Ｐゴシック"/>
-        <a:font script="Hang" typeface="맑은 고딕"/>
-        <a:font script="Hans" typeface="宋体"/>
-        <a:font script="Hant" typeface="新細明體"/>
-        <a:font script="Arab" typeface="Times New Roman"/>
-        <a:font script="Hebr" typeface="Times New Roman"/>
-        <a:font script="Thai" typeface="Angsana New"/>
-        <a:font script="Ethi" typeface="Nyala"/>
-        <a:font script="Beng" typeface="Vrinda"/>
-        <a:font script="Gujr" typeface="Shruti"/>
-        <a:font script="Khmr" typeface="MoolBoran"/>
-        <a:font script="Knda" typeface="Tunga"/>
-        <a:font script="Guru" typeface="Raavi"/>
-        <a:font script="Cans" typeface="Euphemia"/>
-        <a:font script="Cher" typeface="Plantagenet Cherokee"/>
-        <a:font script="Yiii" typeface="Microsoft Yi Baiti"/>
-        <a:font script="Tibt" typeface="Microsoft Himalaya"/>
-        <a:font script="Thaa" typeface="MV Boli"/>
-        <a:font script="Deva" typeface="Mangal"/>
-        <a:font script="Telu" typeface="Gautami"/>
-        <a:font script="Taml" typeface="Latha"/>
-        <a:font script="Syrc" typeface="Estrangelo Edessa"/>
-        <a:font script="Orya" typeface="Kalinga"/>
-        <a:font script="Mlym" typeface="Kartika"/>
-        <a:font script="Laoo" typeface="DokChampa"/>
-        <a:font script="Sinh" typeface="Iskoola Pota"/>
-        <a:font script="Mong" typeface="Mongolian Baiti"/>
-        <a:font script="Viet" typeface="Times New Roman"/>
-        <a:font script="Uigh" typeface="Microsoft Uighur"/>
-        <a:font script="Geor" typeface="Sylfaen"/>
-      </a:majorFont>
-      <a:minorFont>
-        <a:latin typeface="Arial"/>
-        <a:ea typeface=""/>
-        <a:cs typeface=""/>
-        <a:font script="Jpan" typeface="ＭＳ Ｐゴシック"/>
-        <a:font script="Hang" typeface="맑은 고딕"/>
-        <a:font script="Hans" typeface="宋体"/>
-        <a:font script="Hant" typeface="新細明體"/>
-        <a:font script="Arab" typeface="Arial"/>
-        <a:font script="Hebr" typeface="Arial"/>
-        <a:font script="Thai" typeface="Cordia New"/>
-        <a:font script="Ethi" typeface="Nyala"/>
-        <a:font script="Beng" typeface="Vrinda"/>
-        <a:font script="Gujr" typeface="Shruti"/>
-        <a:font script="Khmr" typeface="DaunPenh"/>
-        <a:font script="Knda" typeface="Tunga"/>
-        <a:font script="Guru" typeface="Raavi"/>
-        <a:font script="Cans" typeface="Euphemia"/>
-        <a:font script="Cher" typeface="Plantagenet Cherokee"/>
-        <a:font script="Yiii" typeface="Microsoft Yi Baiti"/>
-        <a:font script="Tibt" typeface="Microsoft Himalaya"/>
-        <a:font script="Thaa" typeface="MV Boli"/>
-        <a:font script="Deva" typeface="Mangal"/>
-        <a:font script="Telu" typeface="Gautami"/>
-        <a:font script="Taml" typeface="Latha"/>
-        <a:font script="Syrc" typeface="Estrangelo Edessa"/>
-        <a:font script="Orya" typeface="Kalinga"/>
-        <a:font script="Mlym" typeface="Kartika"/>
-        <a:font script="Laoo" typeface="DokChampa"/>
-        <a:font script="Sinh" typeface="Iskoola Pota"/>
-        <a:font script="Mong" typeface="Mongolian Baiti"/>
-        <a:font script="Viet" typeface="Arial"/>
-        <a:font script="Uigh" typeface="Microsoft Uighur"/>
-        <a:font script="Geor" typeface="Sylfaen"/>
-      </a:minorFont>
-    </a:fontScheme>
-    <a:fmtScheme name="Office">
-      <a:fillStyleLst>
-        <a:solidFill>
-          <a:schemeClr val="phClr"/>
-        </a:solidFill>
-        <a:gradFill rotWithShape="1">
-          <a:gsLst>
-            <a:gs pos="0">
-              <a:schemeClr val="phClr">
-                <a:tint val="50000"/>
-                <a:satMod val="300000"/>
-              </a:schemeClr>
-            </a:gs>
-            <a:gs pos="35000">
-              <a:schemeClr val="phClr">
-                <a:tint val="37000"/>
-                <a:satMod val="300000"/>
-              </a:schemeClr>
-            </a:gs>
-            <a:gs pos="100000">
-              <a:schemeClr val="phClr">
-                <a:tint val="15000"/>
-                <a:satMod val="350000"/>
-              </a:schemeClr>
-            </a:gs>
-          </a:gsLst>
-          <a:lin ang="16200000" scaled="1"/>
-        </a:gradFill>
-        <a:gradFill rotWithShape="1">
-          <a:gsLst>
-            <a:gs pos="0">
-              <a:schemeClr val="phClr">
-                <a:tint val="100000"/>
-                <a:shade val="100000"/>
-                <a:satMod val="130000"/>
-              </a:schemeClr>
-            </a:gs>
-            <a:gs pos="100000">
-              <a:schemeClr val="phClr">
-                <a:tint val="50000"/>
-                <a:shade val="100000"/>
-                <a:satMod val="350000"/>
-              </a:schemeClr>
-            </a:gs>
-          </a:gsLst>
-          <a:lin ang="16200000" scaled="0"/>
-        </a:gradFill>
-      </a:fillStyleLst>
-      <a:lnStyleLst>
-        <a:ln w="9525" cap="flat" cmpd="sng" algn="ctr">
-          <a:solidFill>
-            <a:schemeClr val="phClr">
-              <a:shade val="95000"/>
-              <a:satMod val="105000"/>
-            </a:schemeClr>
-          </a:solidFill>
-          <a:prstDash val="solid"/>
-        </a:ln>
-        <a:ln w="25400" cap="flat" cmpd="sng" algn="ctr">
-          <a:solidFill>
-            <a:schemeClr val="phClr"/>
-          </a:solidFill>
-          <a:prstDash val="solid"/>
-        </a:ln>
-        <a:ln w="38100" cap="flat" cmpd="sng" algn="ctr">
-          <a:solidFill>
-            <a:schemeClr val="phClr"/>
-          </a:solidFill>
-          <a:prstDash val="solid"/>
-        </a:ln>
-      </a:lnStyleLst>
-      <a:effectStyleLst>
-        <a:effectStyle>
-          <a:effectLst>
-            <a:outerShdw blurRad="40000" dist="20000" dir="5400000" rotWithShape="0">
-              <a:srgbClr val="000000">
-                <a:alpha val="38000"/>
-              </a:srgbClr>
-            </a:outerShdw>
-          </a:effectLst>
-        </a:effectStyle>
-        <a:effectStyle>
-          <a:effectLst>
-            <a:outerShdw blurRad="40000" dist="23000" dir="5400000" rotWithShape="0">
-              <a:srgbClr val="000000">
-                <a:alpha val="35000"/>
-              </a:srgbClr>
-            </a:outerShdw>
-          </a:effectLst>
-        </a:effectStyle>
-        <a:effectStyle>
-          <a:effectLst>
-            <a:outerShdw blurRad="40000" dist="23000" dir="5400000" rotWithShape="0">
-              <a:srgbClr val="000000">
-                <a:alpha val="35000"/>
-              </a:srgbClr>
-            </a:outerShdw>
-          </a:effectLst>
-          <a:scene3d>
-            <a:camera prst="orthographicFront">
-              <a:rot lat="0" lon="0" rev="0"/>
-            </a:camera>
-            <a:lightRig rig="threePt" dir="t">
-              <a:rot lat="0" lon="0" rev="1200000"/>
-            </a:lightRig>
-          </a:scene3d>
-          <a:sp3d>
-            <a:bevelT w="63500" h="25400"/>
-          </a:sp3d>
-        </a:effectStyle>
-      </a:effectStyleLst>
-      <a:bgFillStyleLst>
-        <a:solidFill>
-          <a:schemeClr val="phClr"/>
-        </a:solidFill>
-        <a:gradFill rotWithShape="1">
-          <a:gsLst>
-            <a:gs pos="0">
-              <a:schemeClr val="phClr">
-                <a:tint val="40000"/>
-                <a:satMod val="350000"/>
-              </a:schemeClr>
-            </a:gs>
-            <a:gs pos="40000">
-              <a:schemeClr val="phClr">
-                <a:tint val="45000"/>
-                <a:shade val="99000"/>
-                <a:satMod val="350000"/>
-              </a:schemeClr>
-            </a:gs>
-            <a:gs pos="100000">
-              <a:schemeClr val="phClr">
-                <a:shade val="20000"/>
-                <a:satMod val="255000"/>
-              </a:schemeClr>
-            </a:gs>
-          </a:gsLst>
-          <a:path path="circle">
-            <a:fillToRect l="50000" t="-80000" r="50000" b="180000"/>
-          </a:path>
-        </a:gradFill>
-        <a:gradFill rotWithShape="1">
-          <a:gsLst>
-            <a:gs pos="0">
-              <a:schemeClr val="phClr">
-                <a:tint val="80000"/>
-                <a:satMod val="300000"/>
-              </a:schemeClr>
-            </a:gs>
-            <a:gs pos="100000">
-              <a:schemeClr val="phClr">
-                <a:shade val="30000"/>
-                <a:satMod val="200000"/>
-              </a:schemeClr>
-            </a:gs>
-          </a:gsLst>
-          <a:path path="circle">
-            <a:fillToRect l="50000" t="50000" r="50000" b="50000"/>
-          </a:path>
-        </a:gradFill>
-      </a:bgFillStyleLst>
-    </a:fmtScheme>
-  </a:themeElements>
-</a:theme>
 </file>
--- a/slides/10_recursion_2.pptx
+++ b/slides/10_recursion_2.pptx
@@ -8941,7 +8941,7 @@
                 <a:cs typeface="Arial"/>
                 <a:sym typeface="Arial"/>
               </a:rPr>
-              <a:t>David Gemen und Andriyan Lapychak | Seite </a:t>
+              <a:t>David Gemen | Seite </a:t>
             </a:r>
             <a:fld id="{00000000-1234-1234-1234-123412341234}" type="slidenum">
               <a:rPr b="0" i="0" lang="de" sz="800" u="none" cap="none" strike="noStrike">
@@ -10070,23 +10070,7 @@
                 <a:cs typeface="Arial"/>
                 <a:sym typeface="Arial"/>
               </a:rPr>
-              <a:t>Im Git liegt der bestehende Sourcecode in “/src/lesson_</a:t>
-            </a:r>
-            <a:r>
-              <a:rPr lang="de" sz="1400"/>
-              <a:t>10</a:t>
-            </a:r>
-            <a:r>
-              <a:rPr b="0" i="0" lang="de" sz="1400" u="none" cap="none" strike="noStrike">
-                <a:solidFill>
-                  <a:schemeClr val="dk1"/>
-                </a:solidFill>
-                <a:latin typeface="Arial"/>
-                <a:ea typeface="Arial"/>
-                <a:cs typeface="Arial"/>
-                <a:sym typeface="Arial"/>
-              </a:rPr>
-              <a:t>_recursion_2/binaryTree”</a:t>
+              <a:t>Im Git liegt der bestehende Sourcecode in “/src/lesson_10_recursion_2/binaryTree”</a:t>
             </a:r>
             <a:endParaRPr b="0" i="0" sz="1400" u="none" cap="none" strike="noStrike">
               <a:solidFill>
@@ -10481,12 +10465,36 @@
                 <a:cs typeface="Arial"/>
                 <a:sym typeface="Arial"/>
               </a:rPr>
-              <a:t>Die beiden anderen Klassen musst du im Idealfall gar nicht, </a:t>
+              <a:t>Die beiden anderen Klassen musst du im Idealfall gar nicht, evtl. aber zum Anpassen des Dateipfades der einzulesenden Textdatei anpassen.</a:t>
             </a:r>
-            <a:r>
-              <a:rPr lang="de" sz="1400"/>
-              <a:t>evtl.</a:t>
-            </a:r>
+            <a:endParaRPr b="0" i="0" sz="1400" u="none" cap="none" strike="noStrike">
+              <a:solidFill>
+                <a:schemeClr val="dk1"/>
+              </a:solidFill>
+              <a:latin typeface="Arial"/>
+              <a:ea typeface="Arial"/>
+              <a:cs typeface="Arial"/>
+              <a:sym typeface="Arial"/>
+            </a:endParaRPr>
+          </a:p>
+          <a:p>
+            <a:pPr indent="-317500" lvl="0" marL="457200" marR="0" rtl="0" algn="l">
+              <a:lnSpc>
+                <a:spcPct val="100000"/>
+              </a:lnSpc>
+              <a:spcBef>
+                <a:spcPts val="0"/>
+              </a:spcBef>
+              <a:spcAft>
+                <a:spcPts val="0"/>
+              </a:spcAft>
+              <a:buClr>
+                <a:srgbClr val="000000"/>
+              </a:buClr>
+              <a:buSzPts val="1400"/>
+              <a:buFont typeface="Arial"/>
+              <a:buChar char="●"/>
+            </a:pPr>
             <a:r>
               <a:rPr b="0" i="0" lang="de" sz="1400" u="none" cap="none" strike="noStrike">
                 <a:solidFill>
@@ -10497,7 +10505,47 @@
                 <a:cs typeface="Arial"/>
                 <a:sym typeface="Arial"/>
               </a:rPr>
-              <a:t> aber zum Anpassen des Dateipfades der einzulesenden Textdatei anpassen.</a:t>
+              <a:t>Führe die JVM mit der Flag “-ea” aus, um assertions anzuschalten </a:t>
+            </a:r>
+            <a:endParaRPr b="0" i="0" sz="1400" u="none" cap="none" strike="noStrike">
+              <a:solidFill>
+                <a:schemeClr val="dk1"/>
+              </a:solidFill>
+              <a:latin typeface="Arial"/>
+              <a:ea typeface="Arial"/>
+              <a:cs typeface="Arial"/>
+              <a:sym typeface="Arial"/>
+            </a:endParaRPr>
+          </a:p>
+          <a:p>
+            <a:pPr indent="0" lvl="0" marL="457200" marR="0" rtl="0" algn="l">
+              <a:lnSpc>
+                <a:spcPct val="100000"/>
+              </a:lnSpc>
+              <a:spcBef>
+                <a:spcPts val="0"/>
+              </a:spcBef>
+              <a:spcAft>
+                <a:spcPts val="0"/>
+              </a:spcAft>
+              <a:buClr>
+                <a:srgbClr val="000000"/>
+              </a:buClr>
+              <a:buSzPts val="1400"/>
+              <a:buFont typeface="Arial"/>
+              <a:buNone/>
+            </a:pPr>
+            <a:r>
+              <a:rPr b="0" i="0" lang="de" sz="1400" u="none" cap="none" strike="noStrike">
+                <a:solidFill>
+                  <a:schemeClr val="dk1"/>
+                </a:solidFill>
+                <a:latin typeface="Arial"/>
+                <a:ea typeface="Arial"/>
+                <a:cs typeface="Arial"/>
+                <a:sym typeface="Arial"/>
+              </a:rPr>
+              <a:t>(=&gt; java -ea src/lesson_10_recursion_2/binaryTree/BinaryTree)</a:t>
             </a:r>
             <a:endParaRPr b="0" i="0" sz="1400" u="none" cap="none" strike="noStrike">
               <a:solidFill>
@@ -10520,53 +10568,34 @@
               <a:spcAft>
                 <a:spcPts val="0"/>
               </a:spcAft>
-              <a:buSzPts val="1400"/>
+              <a:buClr>
+                <a:srgbClr val="000000"/>
+              </a:buClr>
+              <a:buSzPts val="1400"/>
+              <a:buFont typeface="Arial"/>
               <a:buChar char="●"/>
             </a:pPr>
             <a:r>
-              <a:rPr lang="de" sz="1400"/>
-              <a:t>Führe die JVM mit der Flag “-ea” aus, um assertions anzuschalten </a:t>
-            </a:r>
-            <a:endParaRPr sz="1400"/>
-          </a:p>
-          <a:p>
-            <a:pPr indent="0" lvl="0" marL="457200" marR="0" rtl="0" algn="l">
-              <a:lnSpc>
-                <a:spcPct val="100000"/>
-              </a:lnSpc>
-              <a:spcBef>
-                <a:spcPts val="0"/>
-              </a:spcBef>
-              <a:spcAft>
-                <a:spcPts val="0"/>
-              </a:spcAft>
-              <a:buNone/>
-            </a:pPr>
-            <a:r>
-              <a:rPr lang="de" sz="1400"/>
-              <a:t>(=&gt; java -ea src/lesson_10_recursion_2/binaryTree/BinaryTree)</a:t>
-            </a:r>
-            <a:endParaRPr sz="1400"/>
-          </a:p>
-          <a:p>
-            <a:pPr indent="-317500" lvl="0" marL="457200" marR="0" rtl="0" algn="l">
-              <a:lnSpc>
-                <a:spcPct val="100000"/>
-              </a:lnSpc>
-              <a:spcBef>
-                <a:spcPts val="0"/>
-              </a:spcBef>
-              <a:spcAft>
-                <a:spcPts val="0"/>
-              </a:spcAft>
-              <a:buSzPts val="1400"/>
-              <a:buChar char="●"/>
-            </a:pPr>
-            <a:r>
-              <a:rPr lang="de" sz="1400"/>
+              <a:rPr b="0" i="0" lang="de" sz="1400" u="none" cap="none" strike="noStrike">
+                <a:solidFill>
+                  <a:schemeClr val="dk1"/>
+                </a:solidFill>
+                <a:latin typeface="Arial"/>
+                <a:ea typeface="Arial"/>
+                <a:cs typeface="Arial"/>
+                <a:sym typeface="Arial"/>
+              </a:rPr>
               <a:t>Je weniger rote Kommandozeilenausgaben, desto mehr korrekte Methoden!</a:t>
             </a:r>
-            <a:endParaRPr sz="1400"/>
+            <a:endParaRPr b="0" i="0" sz="1400" u="none" cap="none" strike="noStrike">
+              <a:solidFill>
+                <a:schemeClr val="dk1"/>
+              </a:solidFill>
+              <a:latin typeface="Arial"/>
+              <a:ea typeface="Arial"/>
+              <a:cs typeface="Arial"/>
+              <a:sym typeface="Arial"/>
+            </a:endParaRPr>
           </a:p>
           <a:p>
             <a:pPr indent="0" lvl="0" marL="0" marR="0" rtl="0" algn="l">
@@ -10579,12 +10608,25 @@
               <a:spcAft>
                 <a:spcPts val="0"/>
               </a:spcAft>
+              <a:buClr>
+                <a:srgbClr val="000000"/>
+              </a:buClr>
+              <a:buSzPts val="1400"/>
+              <a:buFont typeface="Arial"/>
               <a:buNone/>
             </a:pPr>
             <a:r>
               <a:t/>
             </a:r>
-            <a:endParaRPr sz="1200"/>
+            <a:endParaRPr b="0" i="0" sz="1200" u="none" cap="none" strike="noStrike">
+              <a:solidFill>
+                <a:schemeClr val="dk1"/>
+              </a:solidFill>
+              <a:latin typeface="Arial"/>
+              <a:ea typeface="Arial"/>
+              <a:cs typeface="Arial"/>
+              <a:sym typeface="Arial"/>
+            </a:endParaRPr>
           </a:p>
         </p:txBody>
       </p:sp>
@@ -11340,23 +11382,7 @@
                 <a:cs typeface="Arial"/>
                 <a:sym typeface="Arial"/>
               </a:rPr>
-              <a:t>Der linken Kind</a:t>
-            </a:r>
-            <a:r>
-              <a:rPr lang="de"/>
-              <a:t>knoten</a:t>
-            </a:r>
-            <a:r>
-              <a:rPr b="0" i="0" lang="de" sz="1600" u="none" cap="none" strike="noStrike">
-                <a:solidFill>
-                  <a:schemeClr val="dk1"/>
-                </a:solidFill>
-                <a:latin typeface="Arial"/>
-                <a:ea typeface="Arial"/>
-                <a:cs typeface="Arial"/>
-                <a:sym typeface="Arial"/>
-              </a:rPr>
-              <a:t> und alle darauf folgenden Knoten haben kleinere oder gleiche Werte</a:t>
+              <a:t>Der linken Kindknoten und alle darauf folgenden Knoten haben kleinere oder gleiche Werte</a:t>
             </a:r>
             <a:endParaRPr b="0" i="0" sz="1600" u="none" cap="none" strike="noStrike">
               <a:solidFill>
@@ -11396,23 +11422,7 @@
                 <a:cs typeface="Arial"/>
                 <a:sym typeface="Arial"/>
               </a:rPr>
-              <a:t>Der rechte Kind</a:t>
-            </a:r>
-            <a:r>
-              <a:rPr lang="de"/>
-              <a:t>knoten</a:t>
-            </a:r>
-            <a:r>
-              <a:rPr b="0" i="0" lang="de" sz="1600" u="none" cap="none" strike="noStrike">
-                <a:solidFill>
-                  <a:schemeClr val="dk1"/>
-                </a:solidFill>
-                <a:latin typeface="Arial"/>
-                <a:ea typeface="Arial"/>
-                <a:cs typeface="Arial"/>
-                <a:sym typeface="Arial"/>
-              </a:rPr>
-              <a:t> und alle darauf folgenden Knoten haben größere Werte</a:t>
+              <a:t>Der rechte Kindknoten und alle darauf folgenden Knoten haben größere Werte</a:t>
             </a:r>
             <a:endParaRPr b="0" i="0" sz="1600" u="none" cap="none" strike="noStrike">
               <a:solidFill>
@@ -11475,21 +11485,57 @@
               <a:spcAft>
                 <a:spcPts val="0"/>
               </a:spcAft>
-              <a:buSzPts val="1400"/>
+              <a:buClr>
+                <a:srgbClr val="000000"/>
+              </a:buClr>
+              <a:buSzPts val="1400"/>
+              <a:buFont typeface="Arial"/>
               <a:buChar char="●"/>
             </a:pPr>
             <a:r>
-              <a:rPr lang="de"/>
+              <a:rPr b="0" i="0" lang="de" sz="1600" u="none" cap="none" strike="noStrike">
+                <a:solidFill>
+                  <a:schemeClr val="dk1"/>
+                </a:solidFill>
+                <a:latin typeface="Arial"/>
+                <a:ea typeface="Arial"/>
+                <a:cs typeface="Arial"/>
+                <a:sym typeface="Arial"/>
+              </a:rPr>
               <a:t>Knoten, die weder Wurzel noch Blatt</a:t>
             </a:r>
             <a:br>
-              <a:rPr lang="de"/>
+              <a:rPr b="0" i="0" lang="de" sz="1600" u="none" cap="none" strike="noStrike">
+                <a:solidFill>
+                  <a:schemeClr val="dk1"/>
+                </a:solidFill>
+                <a:latin typeface="Arial"/>
+                <a:ea typeface="Arial"/>
+                <a:cs typeface="Arial"/>
+                <a:sym typeface="Arial"/>
+              </a:rPr>
             </a:br>
             <a:r>
-              <a:rPr lang="de"/>
+              <a:rPr b="0" i="0" lang="de" sz="1600" u="none" cap="none" strike="noStrike">
+                <a:solidFill>
+                  <a:schemeClr val="dk1"/>
+                </a:solidFill>
+                <a:latin typeface="Arial"/>
+                <a:ea typeface="Arial"/>
+                <a:cs typeface="Arial"/>
+                <a:sym typeface="Arial"/>
+              </a:rPr>
               <a:t>sind, heißen innere Knoten</a:t>
             </a:r>
-            <a:endParaRPr/>
+            <a:endParaRPr b="0" i="0" sz="1600" u="none" cap="none" strike="noStrike">
+              <a:solidFill>
+                <a:schemeClr val="dk1"/>
+              </a:solidFill>
+              <a:latin typeface="Arial"/>
+              <a:ea typeface="Arial"/>
+              <a:cs typeface="Arial"/>
+              <a:sym typeface="Arial"/>
+            </a:endParaRPr>
           </a:p>
         </p:txBody>
       </p:sp>
@@ -12597,23 +12643,7 @@
                 <a:cs typeface="Arial"/>
                 <a:sym typeface="Arial"/>
               </a:rPr>
-              <a:t>aufruf</a:t>
-            </a:r>
-            <a:r>
-              <a:rPr lang="de"/>
-              <a:t>en</a:t>
-            </a:r>
-            <a:r>
-              <a:rPr b="0" i="0" lang="de" sz="1600" u="none" cap="none" strike="noStrike">
-                <a:solidFill>
-                  <a:schemeClr val="dk1"/>
-                </a:solidFill>
-                <a:latin typeface="Arial"/>
-                <a:ea typeface="Arial"/>
-                <a:cs typeface="Arial"/>
-                <a:sym typeface="Arial"/>
-              </a:rPr>
-              <a:t>, der die Stelle blockiert.</a:t>
+              <a:t>aufrufen, der die Stelle blockiert.</a:t>
             </a:r>
             <a:endParaRPr b="0" i="0" sz="1600" u="none" cap="none" strike="noStrike">
               <a:solidFill>
@@ -12660,13 +12690,12 @@
           <p:cNvPicPr preferRelativeResize="0"/>
           <p:nvPr/>
         </p:nvPicPr>
-        <p:blipFill>
+        <p:blipFill rotWithShape="1">
           <a:blip r:embed="rId4">
             <a:alphaModFix/>
           </a:blip>
-          <a:stretch>
-            <a:fillRect/>
-          </a:stretch>
+          <a:srcRect b="0" l="0" r="0" t="0"/>
+          <a:stretch/>
         </p:blipFill>
         <p:spPr>
           <a:xfrm>
@@ -13734,6 +13763,285 @@
 </file>
 
 <file path=ppt/theme/theme1.xml><?xml version="1.0" encoding="utf-8"?>
+<a:theme xmlns:a="http://schemas.openxmlformats.org/drawingml/2006/main" xmlns:r="http://schemas.openxmlformats.org/officeDocument/2006/relationships">
+  <a:themeElements>
+    <a:clrScheme name="Default">
+      <a:dk1>
+        <a:srgbClr val="000000"/>
+      </a:dk1>
+      <a:lt1>
+        <a:srgbClr val="FFFFFF"/>
+      </a:lt1>
+      <a:dk2>
+        <a:srgbClr val="158158"/>
+      </a:dk2>
+      <a:lt2>
+        <a:srgbClr val="F3F3F3"/>
+      </a:lt2>
+      <a:accent1>
+        <a:srgbClr val="058DC7"/>
+      </a:accent1>
+      <a:accent2>
+        <a:srgbClr val="50B432"/>
+      </a:accent2>
+      <a:accent3>
+        <a:srgbClr val="ED561B"/>
+      </a:accent3>
+      <a:accent4>
+        <a:srgbClr val="EDEF00"/>
+      </a:accent4>
+      <a:accent5>
+        <a:srgbClr val="24CBE5"/>
+      </a:accent5>
+      <a:accent6>
+        <a:srgbClr val="64E572"/>
+      </a:accent6>
+      <a:hlink>
+        <a:srgbClr val="2200CC"/>
+      </a:hlink>
+      <a:folHlink>
+        <a:srgbClr val="551A8B"/>
+      </a:folHlink>
+    </a:clrScheme>
+    <a:fontScheme name="Office">
+      <a:majorFont>
+        <a:latin typeface="Arial"/>
+        <a:ea typeface=""/>
+        <a:cs typeface=""/>
+        <a:font script="Jpan" typeface="ＭＳ Ｐゴシック"/>
+        <a:font script="Hang" typeface="맑은 고딕"/>
+        <a:font script="Hans" typeface="宋体"/>
+        <a:font script="Hant" typeface="新細明體"/>
+        <a:font script="Arab" typeface="Times New Roman"/>
+        <a:font script="Hebr" typeface="Times New Roman"/>
+        <a:font script="Thai" typeface="Angsana New"/>
+        <a:font script="Ethi" typeface="Nyala"/>
+        <a:font script="Beng" typeface="Vrinda"/>
+        <a:font script="Gujr" typeface="Shruti"/>
+        <a:font script="Khmr" typeface="MoolBoran"/>
+        <a:font script="Knda" typeface="Tunga"/>
+        <a:font script="Guru" typeface="Raavi"/>
+        <a:font script="Cans" typeface="Euphemia"/>
+        <a:font script="Cher" typeface="Plantagenet Cherokee"/>
+        <a:font script="Yiii" typeface="Microsoft Yi Baiti"/>
+        <a:font script="Tibt" typeface="Microsoft Himalaya"/>
+        <a:font script="Thaa" typeface="MV Boli"/>
+        <a:font script="Deva" typeface="Mangal"/>
+        <a:font script="Telu" typeface="Gautami"/>
+        <a:font script="Taml" typeface="Latha"/>
+        <a:font script="Syrc" typeface="Estrangelo Edessa"/>
+        <a:font script="Orya" typeface="Kalinga"/>
+        <a:font script="Mlym" typeface="Kartika"/>
+        <a:font script="Laoo" typeface="DokChampa"/>
+        <a:font script="Sinh" typeface="Iskoola Pota"/>
+        <a:font script="Mong" typeface="Mongolian Baiti"/>
+        <a:font script="Viet" typeface="Times New Roman"/>
+        <a:font script="Uigh" typeface="Microsoft Uighur"/>
+        <a:font script="Geor" typeface="Sylfaen"/>
+      </a:majorFont>
+      <a:minorFont>
+        <a:latin typeface="Arial"/>
+        <a:ea typeface=""/>
+        <a:cs typeface=""/>
+        <a:font script="Jpan" typeface="ＭＳ Ｐゴシック"/>
+        <a:font script="Hang" typeface="맑은 고딕"/>
+        <a:font script="Hans" typeface="宋体"/>
+        <a:font script="Hant" typeface="新細明體"/>
+        <a:font script="Arab" typeface="Arial"/>
+        <a:font script="Hebr" typeface="Arial"/>
+        <a:font script="Thai" typeface="Cordia New"/>
+        <a:font script="Ethi" typeface="Nyala"/>
+        <a:font script="Beng" typeface="Vrinda"/>
+        <a:font script="Gujr" typeface="Shruti"/>
+        <a:font script="Khmr" typeface="DaunPenh"/>
+        <a:font script="Knda" typeface="Tunga"/>
+        <a:font script="Guru" typeface="Raavi"/>
+        <a:font script="Cans" typeface="Euphemia"/>
+        <a:font script="Cher" typeface="Plantagenet Cherokee"/>
+        <a:font script="Yiii" typeface="Microsoft Yi Baiti"/>
+        <a:font script="Tibt" typeface="Microsoft Himalaya"/>
+        <a:font script="Thaa" typeface="MV Boli"/>
+        <a:font script="Deva" typeface="Mangal"/>
+        <a:font script="Telu" typeface="Gautami"/>
+        <a:font script="Taml" typeface="Latha"/>
+        <a:font script="Syrc" typeface="Estrangelo Edessa"/>
+        <a:font script="Orya" typeface="Kalinga"/>
+        <a:font script="Mlym" typeface="Kartika"/>
+        <a:font script="Laoo" typeface="DokChampa"/>
+        <a:font script="Sinh" typeface="Iskoola Pota"/>
+        <a:font script="Mong" typeface="Mongolian Baiti"/>
+        <a:font script="Viet" typeface="Arial"/>
+        <a:font script="Uigh" typeface="Microsoft Uighur"/>
+        <a:font script="Geor" typeface="Sylfaen"/>
+      </a:minorFont>
+    </a:fontScheme>
+    <a:fmtScheme name="Office">
+      <a:fillStyleLst>
+        <a:solidFill>
+          <a:schemeClr val="phClr"/>
+        </a:solidFill>
+        <a:gradFill rotWithShape="1">
+          <a:gsLst>
+            <a:gs pos="0">
+              <a:schemeClr val="phClr">
+                <a:tint val="50000"/>
+                <a:satMod val="300000"/>
+              </a:schemeClr>
+            </a:gs>
+            <a:gs pos="35000">
+              <a:schemeClr val="phClr">
+                <a:tint val="37000"/>
+                <a:satMod val="300000"/>
+              </a:schemeClr>
+            </a:gs>
+            <a:gs pos="100000">
+              <a:schemeClr val="phClr">
+                <a:tint val="15000"/>
+                <a:satMod val="350000"/>
+              </a:schemeClr>
+            </a:gs>
+          </a:gsLst>
+          <a:lin ang="16200000" scaled="1"/>
+        </a:gradFill>
+        <a:gradFill rotWithShape="1">
+          <a:gsLst>
+            <a:gs pos="0">
+              <a:schemeClr val="phClr">
+                <a:tint val="100000"/>
+                <a:shade val="100000"/>
+                <a:satMod val="130000"/>
+              </a:schemeClr>
+            </a:gs>
+            <a:gs pos="100000">
+              <a:schemeClr val="phClr">
+                <a:tint val="50000"/>
+                <a:shade val="100000"/>
+                <a:satMod val="350000"/>
+              </a:schemeClr>
+            </a:gs>
+          </a:gsLst>
+          <a:lin ang="16200000" scaled="0"/>
+        </a:gradFill>
+      </a:fillStyleLst>
+      <a:lnStyleLst>
+        <a:ln w="9525" cap="flat" cmpd="sng" algn="ctr">
+          <a:solidFill>
+            <a:schemeClr val="phClr">
+              <a:shade val="95000"/>
+              <a:satMod val="105000"/>
+            </a:schemeClr>
+          </a:solidFill>
+          <a:prstDash val="solid"/>
+        </a:ln>
+        <a:ln w="25400" cap="flat" cmpd="sng" algn="ctr">
+          <a:solidFill>
+            <a:schemeClr val="phClr"/>
+          </a:solidFill>
+          <a:prstDash val="solid"/>
+        </a:ln>
+        <a:ln w="38100" cap="flat" cmpd="sng" algn="ctr">
+          <a:solidFill>
+            <a:schemeClr val="phClr"/>
+          </a:solidFill>
+          <a:prstDash val="solid"/>
+        </a:ln>
+      </a:lnStyleLst>
+      <a:effectStyleLst>
+        <a:effectStyle>
+          <a:effectLst>
+            <a:outerShdw blurRad="40000" dist="20000" dir="5400000" rotWithShape="0">
+              <a:srgbClr val="000000">
+                <a:alpha val="38000"/>
+              </a:srgbClr>
+            </a:outerShdw>
+          </a:effectLst>
+        </a:effectStyle>
+        <a:effectStyle>
+          <a:effectLst>
+            <a:outerShdw blurRad="40000" dist="23000" dir="5400000" rotWithShape="0">
+              <a:srgbClr val="000000">
+                <a:alpha val="35000"/>
+              </a:srgbClr>
+            </a:outerShdw>
+          </a:effectLst>
+        </a:effectStyle>
+        <a:effectStyle>
+          <a:effectLst>
+            <a:outerShdw blurRad="40000" dist="23000" dir="5400000" rotWithShape="0">
+              <a:srgbClr val="000000">
+                <a:alpha val="35000"/>
+              </a:srgbClr>
+            </a:outerShdw>
+          </a:effectLst>
+          <a:scene3d>
+            <a:camera prst="orthographicFront">
+              <a:rot lat="0" lon="0" rev="0"/>
+            </a:camera>
+            <a:lightRig rig="threePt" dir="t">
+              <a:rot lat="0" lon="0" rev="1200000"/>
+            </a:lightRig>
+          </a:scene3d>
+          <a:sp3d>
+            <a:bevelT w="63500" h="25400"/>
+          </a:sp3d>
+        </a:effectStyle>
+      </a:effectStyleLst>
+      <a:bgFillStyleLst>
+        <a:solidFill>
+          <a:schemeClr val="phClr"/>
+        </a:solidFill>
+        <a:gradFill rotWithShape="1">
+          <a:gsLst>
+            <a:gs pos="0">
+              <a:schemeClr val="phClr">
+                <a:tint val="40000"/>
+                <a:satMod val="350000"/>
+              </a:schemeClr>
+            </a:gs>
+            <a:gs pos="40000">
+              <a:schemeClr val="phClr">
+                <a:tint val="45000"/>
+                <a:shade val="99000"/>
+                <a:satMod val="350000"/>
+              </a:schemeClr>
+            </a:gs>
+            <a:gs pos="100000">
+              <a:schemeClr val="phClr">
+                <a:shade val="20000"/>
+                <a:satMod val="255000"/>
+              </a:schemeClr>
+            </a:gs>
+          </a:gsLst>
+          <a:path path="circle">
+            <a:fillToRect l="50000" t="-80000" r="50000" b="180000"/>
+          </a:path>
+        </a:gradFill>
+        <a:gradFill rotWithShape="1">
+          <a:gsLst>
+            <a:gs pos="0">
+              <a:schemeClr val="phClr">
+                <a:tint val="80000"/>
+                <a:satMod val="300000"/>
+              </a:schemeClr>
+            </a:gs>
+            <a:gs pos="100000">
+              <a:schemeClr val="phClr">
+                <a:shade val="30000"/>
+                <a:satMod val="200000"/>
+              </a:schemeClr>
+            </a:gs>
+          </a:gsLst>
+          <a:path path="circle">
+            <a:fillToRect l="50000" t="50000" r="50000" b="50000"/>
+          </a:path>
+        </a:gradFill>
+      </a:bgFillStyleLst>
+    </a:fmtScheme>
+  </a:themeElements>
+</a:theme>
+</file>
+
+<file path=ppt/theme/theme2.xml><?xml version="1.0" encoding="utf-8"?>
 <a:theme xmlns:a="http://schemas.openxmlformats.org/drawingml/2006/main" xmlns:r="http://schemas.openxmlformats.org/officeDocument/2006/relationships" name="TUBraunschweig_PPT2007_Folienpool_pptx">
   <a:themeElements>
     <a:clrScheme name="TU Braunschweig">
@@ -14010,283 +14318,4 @@
     </a:fmtScheme>
   </a:themeElements>
 </a:theme>
-</file>
-
-<file path=ppt/theme/theme2.xml><?xml version="1.0" encoding="utf-8"?>
-<a:theme xmlns:a="http://schemas.openxmlformats.org/drawingml/2006/main" xmlns:r="http://schemas.openxmlformats.org/officeDocument/2006/relationships">
-  <a:themeElements>
-    <a:clrScheme name="Default">
-      <a:dk1>
-        <a:srgbClr val="000000"/>
-      </a:dk1>
-      <a:lt1>
-        <a:srgbClr val="FFFFFF"/>
-      </a:lt1>
-      <a:dk2>
-        <a:srgbClr val="158158"/>
-      </a:dk2>
-      <a:lt2>
-        <a:srgbClr val="F3F3F3"/>
-      </a:lt2>
-      <a:accent1>
-        <a:srgbClr val="058DC7"/>
-      </a:accent1>
-      <a:accent2>
-        <a:srgbClr val="50B432"/>
-      </a:accent2>
-      <a:accent3>
-        <a:srgbClr val="ED561B"/>
-      </a:accent3>
-      <a:accent4>
-        <a:srgbClr val="EDEF00"/>
-      </a:accent4>
-      <a:accent5>
-        <a:srgbClr val="24CBE5"/>
-      </a:accent5>
-      <a:accent6>
-        <a:srgbClr val="64E572"/>
-      </a:accent6>
-      <a:hlink>
-        <a:srgbClr val="2200CC"/>
-      </a:hlink>
-      <a:folHlink>
-        <a:srgbClr val="551A8B"/>
-      </a:folHlink>
-    </a:clrScheme>
-    <a:fontScheme name="Office">
-      <a:majorFont>
-        <a:latin typeface="Arial"/>
-        <a:ea typeface=""/>
-        <a:cs typeface=""/>
-        <a:font script="Jpan" typeface="ＭＳ Ｐゴシック"/>
-        <a:font script="Hang" typeface="맑은 고딕"/>
-        <a:font script="Hans" typeface="宋体"/>
-        <a:font script="Hant" typeface="新細明體"/>
-        <a:font script="Arab" typeface="Times New Roman"/>
-        <a:font script="Hebr" typeface="Times New Roman"/>
-        <a:font script="Thai" typeface="Angsana New"/>
-        <a:font script="Ethi" typeface="Nyala"/>
-        <a:font script="Beng" typeface="Vrinda"/>
-        <a:font script="Gujr" typeface="Shruti"/>
-        <a:font script="Khmr" typeface="MoolBoran"/>
-        <a:font script="Knda" typeface="Tunga"/>
-        <a:font script="Guru" typeface="Raavi"/>
-        <a:font script="Cans" typeface="Euphemia"/>
-        <a:font script="Cher" typeface="Plantagenet Cherokee"/>
-        <a:font script="Yiii" typeface="Microsoft Yi Baiti"/>
-        <a:font script="Tibt" typeface="Microsoft Himalaya"/>
-        <a:font script="Thaa" typeface="MV Boli"/>
-        <a:font script="Deva" typeface="Mangal"/>
-        <a:font script="Telu" typeface="Gautami"/>
-        <a:font script="Taml" typeface="Latha"/>
-        <a:font script="Syrc" typeface="Estrangelo Edessa"/>
-        <a:font script="Orya" typeface="Kalinga"/>
-        <a:font script="Mlym" typeface="Kartika"/>
-        <a:font script="Laoo" typeface="DokChampa"/>
-        <a:font script="Sinh" typeface="Iskoola Pota"/>
-        <a:font script="Mong" typeface="Mongolian Baiti"/>
-        <a:font script="Viet" typeface="Times New Roman"/>
-        <a:font script="Uigh" typeface="Microsoft Uighur"/>
-        <a:font script="Geor" typeface="Sylfaen"/>
-      </a:majorFont>
-      <a:minorFont>
-        <a:latin typeface="Arial"/>
-        <a:ea typeface=""/>
-        <a:cs typeface=""/>
-        <a:font script="Jpan" typeface="ＭＳ Ｐゴシック"/>
-        <a:font script="Hang" typeface="맑은 고딕"/>
-        <a:font script="Hans" typeface="宋体"/>
-        <a:font script="Hant" typeface="新細明體"/>
-        <a:font script="Arab" typeface="Arial"/>
-        <a:font script="Hebr" typeface="Arial"/>
-        <a:font script="Thai" typeface="Cordia New"/>
-        <a:font script="Ethi" typeface="Nyala"/>
-        <a:font script="Beng" typeface="Vrinda"/>
-        <a:font script="Gujr" typeface="Shruti"/>
-        <a:font script="Khmr" typeface="DaunPenh"/>
-        <a:font script="Knda" typeface="Tunga"/>
-        <a:font script="Guru" typeface="Raavi"/>
-        <a:font script="Cans" typeface="Euphemia"/>
-        <a:font script="Cher" typeface="Plantagenet Cherokee"/>
-        <a:font script="Yiii" typeface="Microsoft Yi Baiti"/>
-        <a:font script="Tibt" typeface="Microsoft Himalaya"/>
-        <a:font script="Thaa" typeface="MV Boli"/>
-        <a:font script="Deva" typeface="Mangal"/>
-        <a:font script="Telu" typeface="Gautami"/>
-        <a:font script="Taml" typeface="Latha"/>
-        <a:font script="Syrc" typeface="Estrangelo Edessa"/>
-        <a:font script="Orya" typeface="Kalinga"/>
-        <a:font script="Mlym" typeface="Kartika"/>
-        <a:font script="Laoo" typeface="DokChampa"/>
-        <a:font script="Sinh" typeface="Iskoola Pota"/>
-        <a:font script="Mong" typeface="Mongolian Baiti"/>
-        <a:font script="Viet" typeface="Arial"/>
-        <a:font script="Uigh" typeface="Microsoft Uighur"/>
-        <a:font script="Geor" typeface="Sylfaen"/>
-      </a:minorFont>
-    </a:fontScheme>
-    <a:fmtScheme name="Office">
-      <a:fillStyleLst>
-        <a:solidFill>
-          <a:schemeClr val="phClr"/>
-        </a:solidFill>
-        <a:gradFill rotWithShape="1">
-          <a:gsLst>
-            <a:gs pos="0">
-              <a:schemeClr val="phClr">
-                <a:tint val="50000"/>
-                <a:satMod val="300000"/>
-              </a:schemeClr>
-            </a:gs>
-            <a:gs pos="35000">
-              <a:schemeClr val="phClr">
-                <a:tint val="37000"/>
-                <a:satMod val="300000"/>
-              </a:schemeClr>
-            </a:gs>
-            <a:gs pos="100000">
-              <a:schemeClr val="phClr">
-                <a:tint val="15000"/>
-                <a:satMod val="350000"/>
-              </a:schemeClr>
-            </a:gs>
-          </a:gsLst>
-          <a:lin ang="16200000" scaled="1"/>
-        </a:gradFill>
-        <a:gradFill rotWithShape="1">
-          <a:gsLst>
-            <a:gs pos="0">
-              <a:schemeClr val="phClr">
-                <a:tint val="100000"/>
-                <a:shade val="100000"/>
-                <a:satMod val="130000"/>
-              </a:schemeClr>
-            </a:gs>
-            <a:gs pos="100000">
-              <a:schemeClr val="phClr">
-                <a:tint val="50000"/>
-                <a:shade val="100000"/>
-                <a:satMod val="350000"/>
-              </a:schemeClr>
-            </a:gs>
-          </a:gsLst>
-          <a:lin ang="16200000" scaled="0"/>
-        </a:gradFill>
-      </a:fillStyleLst>
-      <a:lnStyleLst>
-        <a:ln w="9525" cap="flat" cmpd="sng" algn="ctr">
-          <a:solidFill>
-            <a:schemeClr val="phClr">
-              <a:shade val="95000"/>
-              <a:satMod val="105000"/>
-            </a:schemeClr>
-          </a:solidFill>
-          <a:prstDash val="solid"/>
-        </a:ln>
-        <a:ln w="25400" cap="flat" cmpd="sng" algn="ctr">
-          <a:solidFill>
-            <a:schemeClr val="phClr"/>
-          </a:solidFill>
-          <a:prstDash val="solid"/>
-        </a:ln>
-        <a:ln w="38100" cap="flat" cmpd="sng" algn="ctr">
-          <a:solidFill>
-            <a:schemeClr val="phClr"/>
-          </a:solidFill>
-          <a:prstDash val="solid"/>
-        </a:ln>
-      </a:lnStyleLst>
-      <a:effectStyleLst>
-        <a:effectStyle>
-          <a:effectLst>
-            <a:outerShdw blurRad="40000" dist="20000" dir="5400000" rotWithShape="0">
-              <a:srgbClr val="000000">
-                <a:alpha val="38000"/>
-              </a:srgbClr>
-            </a:outerShdw>
-          </a:effectLst>
-        </a:effectStyle>
-        <a:effectStyle>
-          <a:effectLst>
-            <a:outerShdw blurRad="40000" dist="23000" dir="5400000" rotWithShape="0">
-              <a:srgbClr val="000000">
-                <a:alpha val="35000"/>
-              </a:srgbClr>
-            </a:outerShdw>
-          </a:effectLst>
-        </a:effectStyle>
-        <a:effectStyle>
-          <a:effectLst>
-            <a:outerShdw blurRad="40000" dist="23000" dir="5400000" rotWithShape="0">
-              <a:srgbClr val="000000">
-                <a:alpha val="35000"/>
-              </a:srgbClr>
-            </a:outerShdw>
-          </a:effectLst>
-          <a:scene3d>
-            <a:camera prst="orthographicFront">
-              <a:rot lat="0" lon="0" rev="0"/>
-            </a:camera>
-            <a:lightRig rig="threePt" dir="t">
-              <a:rot lat="0" lon="0" rev="1200000"/>
-            </a:lightRig>
-          </a:scene3d>
-          <a:sp3d>
-            <a:bevelT w="63500" h="25400"/>
-          </a:sp3d>
-        </a:effectStyle>
-      </a:effectStyleLst>
-      <a:bgFillStyleLst>
-        <a:solidFill>
-          <a:schemeClr val="phClr"/>
-        </a:solidFill>
-        <a:gradFill rotWithShape="1">
-          <a:gsLst>
-            <a:gs pos="0">
-              <a:schemeClr val="phClr">
-                <a:tint val="40000"/>
-                <a:satMod val="350000"/>
-              </a:schemeClr>
-            </a:gs>
-            <a:gs pos="40000">
-              <a:schemeClr val="phClr">
-                <a:tint val="45000"/>
-                <a:shade val="99000"/>
-                <a:satMod val="350000"/>
-              </a:schemeClr>
-            </a:gs>
-            <a:gs pos="100000">
-              <a:schemeClr val="phClr">
-                <a:shade val="20000"/>
-                <a:satMod val="255000"/>
-              </a:schemeClr>
-            </a:gs>
-          </a:gsLst>
-          <a:path path="circle">
-            <a:fillToRect l="50000" t="-80000" r="50000" b="180000"/>
-          </a:path>
-        </a:gradFill>
-        <a:gradFill rotWithShape="1">
-          <a:gsLst>
-            <a:gs pos="0">
-              <a:schemeClr val="phClr">
-                <a:tint val="80000"/>
-                <a:satMod val="300000"/>
-              </a:schemeClr>
-            </a:gs>
-            <a:gs pos="100000">
-              <a:schemeClr val="phClr">
-                <a:shade val="30000"/>
-                <a:satMod val="200000"/>
-              </a:schemeClr>
-            </a:gs>
-          </a:gsLst>
-          <a:path path="circle">
-            <a:fillToRect l="50000" t="50000" r="50000" b="50000"/>
-          </a:path>
-        </a:gradFill>
-      </a:bgFillStyleLst>
-    </a:fmtScheme>
-  </a:themeElements>
-</a:theme>
 </file>